--- a/flujo edicion.pptx
+++ b/flujo edicion.pptx
@@ -8,6 +8,7 @@
     <p:sldId id="257" r:id="rId2"/>
     <p:sldId id="258" r:id="rId3"/>
     <p:sldId id="256" r:id="rId4"/>
+    <p:sldId id="259" r:id="rId5"/>
   </p:sldIdLst>
   <p:sldSz cx="12192000" cy="6858000"/>
   <p:notesSz cx="6858000" cy="9144000"/>
@@ -245,7 +246,7 @@
           <a:p>
             <a:fld id="{E142A079-F624-4F06-8292-7991D53C206B}" type="datetimeFigureOut">
               <a:rPr lang="es-419" smtClean="0"/>
-              <a:t>13/1/2020</a:t>
+              <a:t>15/1/2020</a:t>
             </a:fld>
             <a:endParaRPr lang="es-419"/>
           </a:p>
@@ -415,7 +416,7 @@
           <a:p>
             <a:fld id="{E142A079-F624-4F06-8292-7991D53C206B}" type="datetimeFigureOut">
               <a:rPr lang="es-419" smtClean="0"/>
-              <a:t>13/1/2020</a:t>
+              <a:t>15/1/2020</a:t>
             </a:fld>
             <a:endParaRPr lang="es-419"/>
           </a:p>
@@ -595,7 +596,7 @@
           <a:p>
             <a:fld id="{E142A079-F624-4F06-8292-7991D53C206B}" type="datetimeFigureOut">
               <a:rPr lang="es-419" smtClean="0"/>
-              <a:t>13/1/2020</a:t>
+              <a:t>15/1/2020</a:t>
             </a:fld>
             <a:endParaRPr lang="es-419"/>
           </a:p>
@@ -765,7 +766,7 @@
           <a:p>
             <a:fld id="{E142A079-F624-4F06-8292-7991D53C206B}" type="datetimeFigureOut">
               <a:rPr lang="es-419" smtClean="0"/>
-              <a:t>13/1/2020</a:t>
+              <a:t>15/1/2020</a:t>
             </a:fld>
             <a:endParaRPr lang="es-419"/>
           </a:p>
@@ -1011,7 +1012,7 @@
           <a:p>
             <a:fld id="{E142A079-F624-4F06-8292-7991D53C206B}" type="datetimeFigureOut">
               <a:rPr lang="es-419" smtClean="0"/>
-              <a:t>13/1/2020</a:t>
+              <a:t>15/1/2020</a:t>
             </a:fld>
             <a:endParaRPr lang="es-419"/>
           </a:p>
@@ -1243,7 +1244,7 @@
           <a:p>
             <a:fld id="{E142A079-F624-4F06-8292-7991D53C206B}" type="datetimeFigureOut">
               <a:rPr lang="es-419" smtClean="0"/>
-              <a:t>13/1/2020</a:t>
+              <a:t>15/1/2020</a:t>
             </a:fld>
             <a:endParaRPr lang="es-419"/>
           </a:p>
@@ -1610,7 +1611,7 @@
           <a:p>
             <a:fld id="{E142A079-F624-4F06-8292-7991D53C206B}" type="datetimeFigureOut">
               <a:rPr lang="es-419" smtClean="0"/>
-              <a:t>13/1/2020</a:t>
+              <a:t>15/1/2020</a:t>
             </a:fld>
             <a:endParaRPr lang="es-419"/>
           </a:p>
@@ -1728,7 +1729,7 @@
           <a:p>
             <a:fld id="{E142A079-F624-4F06-8292-7991D53C206B}" type="datetimeFigureOut">
               <a:rPr lang="es-419" smtClean="0"/>
-              <a:t>13/1/2020</a:t>
+              <a:t>15/1/2020</a:t>
             </a:fld>
             <a:endParaRPr lang="es-419"/>
           </a:p>
@@ -1823,7 +1824,7 @@
           <a:p>
             <a:fld id="{E142A079-F624-4F06-8292-7991D53C206B}" type="datetimeFigureOut">
               <a:rPr lang="es-419" smtClean="0"/>
-              <a:t>13/1/2020</a:t>
+              <a:t>15/1/2020</a:t>
             </a:fld>
             <a:endParaRPr lang="es-419"/>
           </a:p>
@@ -2100,7 +2101,7 @@
           <a:p>
             <a:fld id="{E142A079-F624-4F06-8292-7991D53C206B}" type="datetimeFigureOut">
               <a:rPr lang="es-419" smtClean="0"/>
-              <a:t>13/1/2020</a:t>
+              <a:t>15/1/2020</a:t>
             </a:fld>
             <a:endParaRPr lang="es-419"/>
           </a:p>
@@ -2353,7 +2354,7 @@
           <a:p>
             <a:fld id="{E142A079-F624-4F06-8292-7991D53C206B}" type="datetimeFigureOut">
               <a:rPr lang="es-419" smtClean="0"/>
-              <a:t>13/1/2020</a:t>
+              <a:t>15/1/2020</a:t>
             </a:fld>
             <a:endParaRPr lang="es-419"/>
           </a:p>
@@ -2566,7 +2567,7 @@
           <a:p>
             <a:fld id="{E142A079-F624-4F06-8292-7991D53C206B}" type="datetimeFigureOut">
               <a:rPr lang="es-419" smtClean="0"/>
-              <a:t>13/1/2020</a:t>
+              <a:t>15/1/2020</a:t>
             </a:fld>
             <a:endParaRPr lang="es-419"/>
           </a:p>
@@ -7446,6 +7447,249 @@
 </p:sld>
 </file>
 
+<file path=ppt/slides/slide4.xml><?xml version="1.0" encoding="utf-8"?>
+<p:sld xmlns:a="http://schemas.openxmlformats.org/drawingml/2006/main" xmlns:r="http://schemas.openxmlformats.org/officeDocument/2006/relationships" xmlns:p="http://schemas.openxmlformats.org/presentationml/2006/main">
+  <p:cSld>
+    <p:spTree>
+      <p:nvGrpSpPr>
+        <p:cNvPr id="1" name=""/>
+        <p:cNvGrpSpPr/>
+        <p:nvPr/>
+      </p:nvGrpSpPr>
+      <p:grpSpPr>
+        <a:xfrm>
+          <a:off x="0" y="0"/>
+          <a:ext cx="0" cy="0"/>
+          <a:chOff x="0" y="0"/>
+          <a:chExt cx="0" cy="0"/>
+        </a:xfrm>
+      </p:grpSpPr>
+      <p:sp>
+        <p:nvSpPr>
+          <p:cNvPr id="4" name="Rectángulo 3"/>
+          <p:cNvSpPr/>
+          <p:nvPr/>
+        </p:nvSpPr>
+        <p:spPr>
+          <a:xfrm>
+            <a:off x="463639" y="566670"/>
+            <a:ext cx="1146220" cy="502276"/>
+          </a:xfrm>
+          <a:prstGeom prst="rect">
+            <a:avLst/>
+          </a:prstGeom>
+        </p:spPr>
+        <p:style>
+          <a:lnRef idx="2">
+            <a:schemeClr val="accent3">
+              <a:shade val="50000"/>
+            </a:schemeClr>
+          </a:lnRef>
+          <a:fillRef idx="1">
+            <a:schemeClr val="accent3"/>
+          </a:fillRef>
+          <a:effectRef idx="0">
+            <a:schemeClr val="accent3"/>
+          </a:effectRef>
+          <a:fontRef idx="minor">
+            <a:schemeClr val="lt1"/>
+          </a:fontRef>
+        </p:style>
+        <p:txBody>
+          <a:bodyPr rtlCol="0" anchor="ctr"/>
+          <a:lstStyle/>
+          <a:p>
+            <a:pPr algn="ctr"/>
+            <a:r>
+              <a:rPr lang="es-CL" sz="1600" dirty="0" smtClean="0"/>
+              <a:t>Defecto</a:t>
+            </a:r>
+            <a:br>
+              <a:rPr lang="es-CL" sz="1600" dirty="0" smtClean="0"/>
+            </a:br>
+            <a:r>
+              <a:rPr lang="es-CL" sz="1600" dirty="0" err="1" smtClean="0">
+                <a:solidFill>
+                  <a:srgbClr val="0070C0"/>
+                </a:solidFill>
+              </a:rPr>
+              <a:t>saveDir</a:t>
+            </a:r>
+            <a:endParaRPr lang="es-419" sz="1600" dirty="0">
+              <a:solidFill>
+                <a:srgbClr val="0070C0"/>
+              </a:solidFill>
+            </a:endParaRPr>
+          </a:p>
+        </p:txBody>
+      </p:sp>
+      <p:sp>
+        <p:nvSpPr>
+          <p:cNvPr id="5" name="Rectángulo 4"/>
+          <p:cNvSpPr/>
+          <p:nvPr/>
+        </p:nvSpPr>
+        <p:spPr>
+          <a:xfrm>
+            <a:off x="1906073" y="566670"/>
+            <a:ext cx="3876541" cy="502276"/>
+          </a:xfrm>
+          <a:prstGeom prst="rect">
+            <a:avLst/>
+          </a:prstGeom>
+        </p:spPr>
+        <p:style>
+          <a:lnRef idx="2">
+            <a:schemeClr val="dk1"/>
+          </a:lnRef>
+          <a:fillRef idx="1">
+            <a:schemeClr val="lt1"/>
+          </a:fillRef>
+          <a:effectRef idx="0">
+            <a:schemeClr val="dk1"/>
+          </a:effectRef>
+          <a:fontRef idx="minor">
+            <a:schemeClr val="dk1"/>
+          </a:fontRef>
+        </p:style>
+        <p:txBody>
+          <a:bodyPr rtlCol="0" anchor="ctr"/>
+          <a:lstStyle/>
+          <a:p>
+            <a:pPr algn="ctr"/>
+            <a:r>
+              <a:rPr lang="es-CL" dirty="0" err="1" smtClean="0"/>
+              <a:t>out</a:t>
+            </a:r>
+            <a:r>
+              <a:rPr lang="es-CL" dirty="0" smtClean="0"/>
+              <a:t>: </a:t>
+            </a:r>
+            <a:r>
+              <a:rPr lang="es-CL" dirty="0" err="1" smtClean="0"/>
+              <a:t>wdFolderTxt</a:t>
+            </a:r>
+            <a:endParaRPr lang="es-419" dirty="0"/>
+          </a:p>
+        </p:txBody>
+      </p:sp>
+      <p:sp>
+        <p:nvSpPr>
+          <p:cNvPr id="6" name="Rectángulo 5"/>
+          <p:cNvSpPr/>
+          <p:nvPr/>
+        </p:nvSpPr>
+        <p:spPr>
+          <a:xfrm>
+            <a:off x="6078827" y="566670"/>
+            <a:ext cx="1403797" cy="502276"/>
+          </a:xfrm>
+          <a:prstGeom prst="rect">
+            <a:avLst/>
+          </a:prstGeom>
+        </p:spPr>
+        <p:style>
+          <a:lnRef idx="2">
+            <a:schemeClr val="accent3">
+              <a:shade val="50000"/>
+            </a:schemeClr>
+          </a:lnRef>
+          <a:fillRef idx="1">
+            <a:schemeClr val="accent3"/>
+          </a:fillRef>
+          <a:effectRef idx="0">
+            <a:schemeClr val="accent3"/>
+          </a:effectRef>
+          <a:fontRef idx="minor">
+            <a:schemeClr val="lt1"/>
+          </a:fontRef>
+        </p:style>
+        <p:txBody>
+          <a:bodyPr rtlCol="0" anchor="ctr"/>
+          <a:lstStyle/>
+          <a:p>
+            <a:pPr algn="ctr"/>
+            <a:r>
+              <a:rPr lang="es-CL" sz="1600" dirty="0" smtClean="0"/>
+              <a:t>Buscar</a:t>
+            </a:r>
+          </a:p>
+          <a:p>
+            <a:pPr algn="ctr"/>
+            <a:r>
+              <a:rPr lang="es-CL" sz="1600" dirty="0" err="1" smtClean="0">
+                <a:solidFill>
+                  <a:srgbClr val="0070C0"/>
+                </a:solidFill>
+              </a:rPr>
+              <a:t>Browse</a:t>
+            </a:r>
+            <a:r>
+              <a:rPr lang="es-CL" sz="1600" dirty="0" err="1" smtClean="0">
+                <a:solidFill>
+                  <a:srgbClr val="0070C0"/>
+                </a:solidFill>
+              </a:rPr>
+              <a:t>Path</a:t>
+            </a:r>
+            <a:endParaRPr lang="es-419" sz="1600" dirty="0">
+              <a:solidFill>
+                <a:srgbClr val="0070C0"/>
+              </a:solidFill>
+            </a:endParaRPr>
+          </a:p>
+        </p:txBody>
+      </p:sp>
+      <p:cxnSp>
+        <p:nvCxnSpPr>
+          <p:cNvPr id="8" name="Conector recto 7"/>
+          <p:cNvCxnSpPr/>
+          <p:nvPr/>
+        </p:nvCxnSpPr>
+        <p:spPr>
+          <a:xfrm flipH="1">
+            <a:off x="7727324" y="347730"/>
+            <a:ext cx="0" cy="5885645"/>
+          </a:xfrm>
+          <a:prstGeom prst="line">
+            <a:avLst/>
+          </a:prstGeom>
+        </p:spPr>
+        <p:style>
+          <a:lnRef idx="1">
+            <a:schemeClr val="accent1"/>
+          </a:lnRef>
+          <a:fillRef idx="0">
+            <a:schemeClr val="accent1"/>
+          </a:fillRef>
+          <a:effectRef idx="0">
+            <a:schemeClr val="accent1"/>
+          </a:effectRef>
+          <a:fontRef idx="minor">
+            <a:schemeClr val="tx1"/>
+          </a:fontRef>
+        </p:style>
+      </p:cxnSp>
+    </p:spTree>
+    <p:extLst>
+      <p:ext uri="{BB962C8B-B14F-4D97-AF65-F5344CB8AC3E}">
+        <p14:creationId xmlns:p14="http://schemas.microsoft.com/office/powerpoint/2010/main" val="1103684499"/>
+      </p:ext>
+    </p:extLst>
+  </p:cSld>
+  <p:clrMapOvr>
+    <a:masterClrMapping/>
+  </p:clrMapOvr>
+  <p:timing>
+    <p:tnLst>
+      <p:par>
+        <p:cTn id="1" dur="indefinite" restart="never" nodeType="tmRoot"/>
+      </p:par>
+    </p:tnLst>
+  </p:timing>
+</p:sld>
+</file>
+
 <file path=ppt/theme/theme1.xml><?xml version="1.0" encoding="utf-8"?>
 <a:theme xmlns:a="http://schemas.openxmlformats.org/drawingml/2006/main" name="Tema de Office">
   <a:themeElements>

--- a/flujo edicion.pptx
+++ b/flujo edicion.pptx
@@ -9,6 +9,7 @@
     <p:sldId id="258" r:id="rId3"/>
     <p:sldId id="256" r:id="rId4"/>
     <p:sldId id="259" r:id="rId5"/>
+    <p:sldId id="260" r:id="rId6"/>
   </p:sldIdLst>
   <p:sldSz cx="12192000" cy="6858000"/>
   <p:notesSz cx="6858000" cy="9144000"/>
@@ -246,7 +247,7 @@
           <a:p>
             <a:fld id="{E142A079-F624-4F06-8292-7991D53C206B}" type="datetimeFigureOut">
               <a:rPr lang="es-419" smtClean="0"/>
-              <a:t>15/1/2020</a:t>
+              <a:t>20/1/2020</a:t>
             </a:fld>
             <a:endParaRPr lang="es-419"/>
           </a:p>
@@ -416,7 +417,7 @@
           <a:p>
             <a:fld id="{E142A079-F624-4F06-8292-7991D53C206B}" type="datetimeFigureOut">
               <a:rPr lang="es-419" smtClean="0"/>
-              <a:t>15/1/2020</a:t>
+              <a:t>20/1/2020</a:t>
             </a:fld>
             <a:endParaRPr lang="es-419"/>
           </a:p>
@@ -596,7 +597,7 @@
           <a:p>
             <a:fld id="{E142A079-F624-4F06-8292-7991D53C206B}" type="datetimeFigureOut">
               <a:rPr lang="es-419" smtClean="0"/>
-              <a:t>15/1/2020</a:t>
+              <a:t>20/1/2020</a:t>
             </a:fld>
             <a:endParaRPr lang="es-419"/>
           </a:p>
@@ -766,7 +767,7 @@
           <a:p>
             <a:fld id="{E142A079-F624-4F06-8292-7991D53C206B}" type="datetimeFigureOut">
               <a:rPr lang="es-419" smtClean="0"/>
-              <a:t>15/1/2020</a:t>
+              <a:t>20/1/2020</a:t>
             </a:fld>
             <a:endParaRPr lang="es-419"/>
           </a:p>
@@ -1012,7 +1013,7 @@
           <a:p>
             <a:fld id="{E142A079-F624-4F06-8292-7991D53C206B}" type="datetimeFigureOut">
               <a:rPr lang="es-419" smtClean="0"/>
-              <a:t>15/1/2020</a:t>
+              <a:t>20/1/2020</a:t>
             </a:fld>
             <a:endParaRPr lang="es-419"/>
           </a:p>
@@ -1244,7 +1245,7 @@
           <a:p>
             <a:fld id="{E142A079-F624-4F06-8292-7991D53C206B}" type="datetimeFigureOut">
               <a:rPr lang="es-419" smtClean="0"/>
-              <a:t>15/1/2020</a:t>
+              <a:t>20/1/2020</a:t>
             </a:fld>
             <a:endParaRPr lang="es-419"/>
           </a:p>
@@ -1611,7 +1612,7 @@
           <a:p>
             <a:fld id="{E142A079-F624-4F06-8292-7991D53C206B}" type="datetimeFigureOut">
               <a:rPr lang="es-419" smtClean="0"/>
-              <a:t>15/1/2020</a:t>
+              <a:t>20/1/2020</a:t>
             </a:fld>
             <a:endParaRPr lang="es-419"/>
           </a:p>
@@ -1729,7 +1730,7 @@
           <a:p>
             <a:fld id="{E142A079-F624-4F06-8292-7991D53C206B}" type="datetimeFigureOut">
               <a:rPr lang="es-419" smtClean="0"/>
-              <a:t>15/1/2020</a:t>
+              <a:t>20/1/2020</a:t>
             </a:fld>
             <a:endParaRPr lang="es-419"/>
           </a:p>
@@ -1824,7 +1825,7 @@
           <a:p>
             <a:fld id="{E142A079-F624-4F06-8292-7991D53C206B}" type="datetimeFigureOut">
               <a:rPr lang="es-419" smtClean="0"/>
-              <a:t>15/1/2020</a:t>
+              <a:t>20/1/2020</a:t>
             </a:fld>
             <a:endParaRPr lang="es-419"/>
           </a:p>
@@ -2101,7 +2102,7 @@
           <a:p>
             <a:fld id="{E142A079-F624-4F06-8292-7991D53C206B}" type="datetimeFigureOut">
               <a:rPr lang="es-419" smtClean="0"/>
-              <a:t>15/1/2020</a:t>
+              <a:t>20/1/2020</a:t>
             </a:fld>
             <a:endParaRPr lang="es-419"/>
           </a:p>
@@ -2354,7 +2355,7 @@
           <a:p>
             <a:fld id="{E142A079-F624-4F06-8292-7991D53C206B}" type="datetimeFigureOut">
               <a:rPr lang="es-419" smtClean="0"/>
-              <a:t>15/1/2020</a:t>
+              <a:t>20/1/2020</a:t>
             </a:fld>
             <a:endParaRPr lang="es-419"/>
           </a:p>
@@ -2567,7 +2568,7 @@
           <a:p>
             <a:fld id="{E142A079-F624-4F06-8292-7991D53C206B}" type="datetimeFigureOut">
               <a:rPr lang="es-419" smtClean="0"/>
-              <a:t>15/1/2020</a:t>
+              <a:t>20/1/2020</a:t>
             </a:fld>
             <a:endParaRPr lang="es-419"/>
           </a:p>
@@ -7466,14 +7467,97 @@
       </p:grpSpPr>
       <p:sp>
         <p:nvSpPr>
-          <p:cNvPr id="4" name="Rectángulo 3"/>
+          <p:cNvPr id="2" name="Rectángulo 1"/>
           <p:cNvSpPr/>
           <p:nvPr/>
         </p:nvSpPr>
         <p:spPr>
           <a:xfrm>
-            <a:off x="463639" y="566670"/>
-            <a:ext cx="1146220" cy="502276"/>
+            <a:off x="463639" y="528034"/>
+            <a:ext cx="1828800" cy="914400"/>
+          </a:xfrm>
+          <a:prstGeom prst="rect">
+            <a:avLst/>
+          </a:prstGeom>
+        </p:spPr>
+        <p:style>
+          <a:lnRef idx="2">
+            <a:schemeClr val="accent1">
+              <a:shade val="50000"/>
+            </a:schemeClr>
+          </a:lnRef>
+          <a:fillRef idx="1">
+            <a:schemeClr val="accent1"/>
+          </a:fillRef>
+          <a:effectRef idx="0">
+            <a:schemeClr val="accent1"/>
+          </a:effectRef>
+          <a:fontRef idx="minor">
+            <a:schemeClr val="lt1"/>
+          </a:fontRef>
+        </p:style>
+        <p:txBody>
+          <a:bodyPr rtlCol="0" anchor="ctr"/>
+          <a:lstStyle/>
+          <a:p>
+            <a:pPr algn="ctr"/>
+            <a:r>
+              <a:rPr lang="es-CL" b="1" dirty="0" err="1" smtClean="0">
+                <a:solidFill>
+                  <a:srgbClr val="C00000"/>
+                </a:solidFill>
+              </a:rPr>
+              <a:t>Boton</a:t>
+            </a:r>
+            <a:r>
+              <a:rPr lang="es-CL" b="1" dirty="0" smtClean="0">
+                <a:solidFill>
+                  <a:srgbClr val="C00000"/>
+                </a:solidFill>
+              </a:rPr>
+              <a:t> guardar</a:t>
+            </a:r>
+          </a:p>
+          <a:p>
+            <a:pPr algn="ctr"/>
+            <a:r>
+              <a:rPr lang="es-CL" dirty="0" err="1" smtClean="0"/>
+              <a:t>actionButton</a:t>
+            </a:r>
+            <a:endParaRPr lang="es-CL" dirty="0" smtClean="0"/>
+          </a:p>
+          <a:p>
+            <a:pPr algn="ctr"/>
+            <a:r>
+              <a:rPr lang="es-CL" sz="1600" dirty="0" err="1" smtClean="0">
+                <a:solidFill>
+                  <a:schemeClr val="tx1"/>
+                </a:solidFill>
+                <a:latin typeface="Courier New" panose="02070309020205020404" pitchFamily="49" charset="0"/>
+                <a:cs typeface="Courier New" panose="02070309020205020404" pitchFamily="49" charset="0"/>
+              </a:rPr>
+              <a:t>input$saveDir</a:t>
+            </a:r>
+            <a:endParaRPr lang="es-CL" sz="1600" dirty="0" smtClean="0">
+              <a:solidFill>
+                <a:schemeClr val="tx1"/>
+              </a:solidFill>
+              <a:latin typeface="Courier New" panose="02070309020205020404" pitchFamily="49" charset="0"/>
+              <a:cs typeface="Courier New" panose="02070309020205020404" pitchFamily="49" charset="0"/>
+            </a:endParaRPr>
+          </a:p>
+        </p:txBody>
+      </p:sp>
+      <p:sp>
+        <p:nvSpPr>
+          <p:cNvPr id="12" name="Rectángulo 11"/>
+          <p:cNvSpPr/>
+          <p:nvPr/>
+        </p:nvSpPr>
+        <p:spPr>
+          <a:xfrm>
+            <a:off x="2581142" y="528033"/>
+            <a:ext cx="3972058" cy="914401"/>
           </a:xfrm>
           <a:prstGeom prst="rect">
             <a:avLst/>
@@ -7501,38 +7585,129 @@
           <a:p>
             <a:pPr algn="ctr"/>
             <a:r>
-              <a:rPr lang="es-CL" sz="1600" dirty="0" smtClean="0"/>
-              <a:t>Defecto</a:t>
-            </a:r>
-            <a:br>
-              <a:rPr lang="es-CL" sz="1600" dirty="0" smtClean="0"/>
-            </a:br>
+              <a:rPr lang="es-CL" b="1" dirty="0" smtClean="0">
+                <a:solidFill>
+                  <a:srgbClr val="C00000"/>
+                </a:solidFill>
+              </a:rPr>
+              <a:t>Mostrar ruta</a:t>
+            </a:r>
+          </a:p>
+          <a:p>
+            <a:pPr algn="ctr"/>
+            <a:r>
+              <a:rPr lang="es-CL" dirty="0" err="1" smtClean="0"/>
+              <a:t>verbatimTextOutput</a:t>
+            </a:r>
+            <a:endParaRPr lang="es-CL" dirty="0" smtClean="0"/>
+          </a:p>
+          <a:p>
+            <a:pPr algn="ctr"/>
             <a:r>
               <a:rPr lang="es-CL" sz="1600" dirty="0" err="1" smtClean="0">
                 <a:solidFill>
-                  <a:srgbClr val="0070C0"/>
+                  <a:schemeClr val="tx1"/>
+                </a:solidFill>
+                <a:latin typeface="Courier New" panose="02070309020205020404" pitchFamily="49" charset="0"/>
+                <a:cs typeface="Courier New" panose="02070309020205020404" pitchFamily="49" charset="0"/>
+              </a:rPr>
+              <a:t>output$wdFolderTxt</a:t>
+            </a:r>
+            <a:endParaRPr lang="es-CL" sz="1600" dirty="0" smtClean="0">
+              <a:solidFill>
+                <a:schemeClr val="tx1"/>
+              </a:solidFill>
+              <a:latin typeface="Courier New" panose="02070309020205020404" pitchFamily="49" charset="0"/>
+              <a:cs typeface="Courier New" panose="02070309020205020404" pitchFamily="49" charset="0"/>
+            </a:endParaRPr>
+          </a:p>
+        </p:txBody>
+      </p:sp>
+      <p:sp>
+        <p:nvSpPr>
+          <p:cNvPr id="13" name="Rectángulo 12"/>
+          <p:cNvSpPr/>
+          <p:nvPr/>
+        </p:nvSpPr>
+        <p:spPr>
+          <a:xfrm>
+            <a:off x="6841903" y="528033"/>
+            <a:ext cx="2230190" cy="914401"/>
+          </a:xfrm>
+          <a:prstGeom prst="rect">
+            <a:avLst/>
+          </a:prstGeom>
+        </p:spPr>
+        <p:style>
+          <a:lnRef idx="2">
+            <a:schemeClr val="accent1">
+              <a:shade val="50000"/>
+            </a:schemeClr>
+          </a:lnRef>
+          <a:fillRef idx="1">
+            <a:schemeClr val="accent1"/>
+          </a:fillRef>
+          <a:effectRef idx="0">
+            <a:schemeClr val="accent1"/>
+          </a:effectRef>
+          <a:fontRef idx="minor">
+            <a:schemeClr val="lt1"/>
+          </a:fontRef>
+        </p:style>
+        <p:txBody>
+          <a:bodyPr rtlCol="0" anchor="ctr"/>
+          <a:lstStyle/>
+          <a:p>
+            <a:pPr algn="ctr"/>
+            <a:r>
+              <a:rPr lang="es-CL" b="1" dirty="0" smtClean="0">
+                <a:solidFill>
+                  <a:srgbClr val="C00000"/>
                 </a:solidFill>
               </a:rPr>
-              <a:t>saveDir</a:t>
-            </a:r>
-            <a:endParaRPr lang="es-419" sz="1600" dirty="0">
+              <a:t>Buscar Directorio</a:t>
+            </a:r>
+          </a:p>
+          <a:p>
+            <a:pPr algn="ctr"/>
+            <a:r>
+              <a:rPr lang="es-CL" dirty="0" err="1" smtClean="0"/>
+              <a:t>shinyDirButton</a:t>
+            </a:r>
+            <a:endParaRPr lang="es-CL" dirty="0" smtClean="0"/>
+          </a:p>
+          <a:p>
+            <a:pPr algn="ctr"/>
+            <a:r>
+              <a:rPr lang="es-419" sz="1600" dirty="0" err="1" smtClean="0">
+                <a:solidFill>
+                  <a:schemeClr val="tx1"/>
+                </a:solidFill>
+                <a:latin typeface="Courier New" panose="02070309020205020404" pitchFamily="49" charset="0"/>
+                <a:cs typeface="Courier New" panose="02070309020205020404" pitchFamily="49" charset="0"/>
+              </a:rPr>
+              <a:t>input$BrowsePath</a:t>
+            </a:r>
+            <a:endParaRPr lang="es-419" dirty="0">
               <a:solidFill>
-                <a:srgbClr val="0070C0"/>
+                <a:schemeClr val="tx1"/>
               </a:solidFill>
+              <a:latin typeface="Courier New" panose="02070309020205020404" pitchFamily="49" charset="0"/>
+              <a:cs typeface="Courier New" panose="02070309020205020404" pitchFamily="49" charset="0"/>
             </a:endParaRPr>
           </a:p>
         </p:txBody>
       </p:sp>
       <p:sp>
         <p:nvSpPr>
-          <p:cNvPr id="5" name="Rectángulo 4"/>
+          <p:cNvPr id="14" name="Rectángulo 13"/>
           <p:cNvSpPr/>
           <p:nvPr/>
         </p:nvSpPr>
         <p:spPr>
           <a:xfrm>
-            <a:off x="1906073" y="566670"/>
-            <a:ext cx="3876541" cy="502276"/>
+            <a:off x="9360796" y="528033"/>
+            <a:ext cx="2152917" cy="914401"/>
           </a:xfrm>
           <a:prstGeom prst="rect">
             <a:avLst/>
@@ -7540,13 +7715,88 @@
         </p:spPr>
         <p:style>
           <a:lnRef idx="2">
-            <a:schemeClr val="dk1"/>
+            <a:schemeClr val="accent1">
+              <a:shade val="50000"/>
+            </a:schemeClr>
+          </a:lnRef>
+          <a:fillRef idx="1">
+            <a:schemeClr val="accent1"/>
+          </a:fillRef>
+          <a:effectRef idx="0">
+            <a:schemeClr val="accent1"/>
+          </a:effectRef>
+          <a:fontRef idx="minor">
+            <a:schemeClr val="lt1"/>
+          </a:fontRef>
+        </p:style>
+        <p:txBody>
+          <a:bodyPr rtlCol="0" anchor="ctr"/>
+          <a:lstStyle/>
+          <a:p>
+            <a:pPr algn="ctr"/>
+            <a:r>
+              <a:rPr lang="es-CL" b="1" dirty="0" smtClean="0">
+                <a:solidFill>
+                  <a:srgbClr val="C00000"/>
+                </a:solidFill>
+              </a:rPr>
+              <a:t>Cargar directorio</a:t>
+            </a:r>
+          </a:p>
+          <a:p>
+            <a:pPr algn="ctr"/>
+            <a:r>
+              <a:rPr lang="es-CL" dirty="0" err="1" smtClean="0"/>
+              <a:t>actionButton</a:t>
+            </a:r>
+            <a:endParaRPr lang="es-CL" dirty="0" smtClean="0"/>
+          </a:p>
+          <a:p>
+            <a:pPr algn="ctr"/>
+            <a:r>
+              <a:rPr lang="es-CL" sz="1600" dirty="0" err="1" smtClean="0">
+                <a:solidFill>
+                  <a:schemeClr val="tx1"/>
+                </a:solidFill>
+                <a:latin typeface="Courier New" panose="02070309020205020404" pitchFamily="49" charset="0"/>
+                <a:cs typeface="Courier New" panose="02070309020205020404" pitchFamily="49" charset="0"/>
+              </a:rPr>
+              <a:t>input$btn_cargar</a:t>
+            </a:r>
+            <a:endParaRPr lang="es-CL" sz="1600" dirty="0" smtClean="0">
+              <a:solidFill>
+                <a:schemeClr val="tx1"/>
+              </a:solidFill>
+              <a:latin typeface="Courier New" panose="02070309020205020404" pitchFamily="49" charset="0"/>
+              <a:cs typeface="Courier New" panose="02070309020205020404" pitchFamily="49" charset="0"/>
+            </a:endParaRPr>
+          </a:p>
+        </p:txBody>
+      </p:sp>
+      <p:sp>
+        <p:nvSpPr>
+          <p:cNvPr id="15" name="Rectángulo 14"/>
+          <p:cNvSpPr/>
+          <p:nvPr/>
+        </p:nvSpPr>
+        <p:spPr>
+          <a:xfrm>
+            <a:off x="7956998" y="1635617"/>
+            <a:ext cx="3556715" cy="4739425"/>
+          </a:xfrm>
+          <a:prstGeom prst="rect">
+            <a:avLst/>
+          </a:prstGeom>
+        </p:spPr>
+        <p:style>
+          <a:lnRef idx="2">
+            <a:schemeClr val="accent1"/>
           </a:lnRef>
           <a:fillRef idx="1">
             <a:schemeClr val="lt1"/>
           </a:fillRef>
           <a:effectRef idx="0">
-            <a:schemeClr val="dk1"/>
+            <a:schemeClr val="accent1"/>
           </a:effectRef>
           <a:fontRef idx="minor">
             <a:schemeClr val="dk1"/>
@@ -7559,30 +7809,85 @@
             <a:pPr algn="ctr"/>
             <a:r>
               <a:rPr lang="es-CL" dirty="0" err="1" smtClean="0"/>
-              <a:t>out</a:t>
+              <a:t>Parametros</a:t>
             </a:r>
             <a:r>
               <a:rPr lang="es-CL" dirty="0" smtClean="0"/>
-              <a:t>: </a:t>
-            </a:r>
-            <a:r>
-              <a:rPr lang="es-CL" dirty="0" err="1" smtClean="0"/>
-              <a:t>wdFolderTxt</a:t>
-            </a:r>
-            <a:endParaRPr lang="es-419" dirty="0"/>
-          </a:p>
-        </p:txBody>
-      </p:sp>
-      <p:sp>
-        <p:nvSpPr>
-          <p:cNvPr id="6" name="Rectángulo 5"/>
+              <a:t> para la detección</a:t>
+            </a:r>
+          </a:p>
+          <a:p>
+            <a:pPr algn="ctr"/>
+            <a:r>
+              <a:rPr lang="es-CL" sz="1600" dirty="0" err="1" smtClean="0">
+                <a:solidFill>
+                  <a:schemeClr val="tx1"/>
+                </a:solidFill>
+                <a:latin typeface="Courier New" panose="02070309020205020404" pitchFamily="49" charset="0"/>
+                <a:cs typeface="Courier New" panose="02070309020205020404" pitchFamily="49" charset="0"/>
+              </a:rPr>
+              <a:t>htmlOutput</a:t>
+            </a:r>
+            <a:endParaRPr lang="es-CL" sz="1600" dirty="0" smtClean="0">
+              <a:solidFill>
+                <a:schemeClr val="tx1"/>
+              </a:solidFill>
+              <a:latin typeface="Courier New" panose="02070309020205020404" pitchFamily="49" charset="0"/>
+              <a:cs typeface="Courier New" panose="02070309020205020404" pitchFamily="49" charset="0"/>
+            </a:endParaRPr>
+          </a:p>
+          <a:p>
+            <a:pPr algn="ctr"/>
+            <a:r>
+              <a:rPr lang="es-CL" sz="1600" dirty="0" err="1" smtClean="0">
+                <a:solidFill>
+                  <a:schemeClr val="tx1"/>
+                </a:solidFill>
+                <a:latin typeface="Courier New" panose="02070309020205020404" pitchFamily="49" charset="0"/>
+                <a:cs typeface="Courier New" panose="02070309020205020404" pitchFamily="49" charset="0"/>
+              </a:rPr>
+              <a:t>output$showSet</a:t>
+            </a:r>
+            <a:r>
+              <a:rPr lang="es-CL" sz="1600" dirty="0" smtClean="0">
+                <a:solidFill>
+                  <a:schemeClr val="tx1"/>
+                </a:solidFill>
+                <a:latin typeface="Courier New" panose="02070309020205020404" pitchFamily="49" charset="0"/>
+                <a:cs typeface="Courier New" panose="02070309020205020404" pitchFamily="49" charset="0"/>
+              </a:rPr>
+              <a:t> &lt;- </a:t>
+            </a:r>
+            <a:r>
+              <a:rPr lang="es-CL" sz="1600" dirty="0" err="1" smtClean="0">
+                <a:solidFill>
+                  <a:schemeClr val="tx1"/>
+                </a:solidFill>
+                <a:latin typeface="Courier New" panose="02070309020205020404" pitchFamily="49" charset="0"/>
+                <a:cs typeface="Courier New" panose="02070309020205020404" pitchFamily="49" charset="0"/>
+              </a:rPr>
+              <a:t>renderUI</a:t>
+            </a:r>
+            <a:endParaRPr lang="es-419" sz="1600" dirty="0">
+              <a:solidFill>
+                <a:schemeClr val="tx1"/>
+              </a:solidFill>
+              <a:latin typeface="Courier New" panose="02070309020205020404" pitchFamily="49" charset="0"/>
+              <a:cs typeface="Courier New" panose="02070309020205020404" pitchFamily="49" charset="0"/>
+            </a:endParaRPr>
+          </a:p>
+        </p:txBody>
+      </p:sp>
+      <p:sp>
+        <p:nvSpPr>
+          <p:cNvPr id="16" name="Rectángulo 15"/>
           <p:cNvSpPr/>
           <p:nvPr/>
         </p:nvSpPr>
         <p:spPr>
           <a:xfrm>
-            <a:off x="6078827" y="566670"/>
-            <a:ext cx="1403797" cy="502276"/>
+            <a:off x="463639" y="1635617"/>
+            <a:ext cx="3953815" cy="4739425"/>
           </a:xfrm>
           <a:prstGeom prst="rect">
             <a:avLst/>
@@ -7590,15 +7895,15 @@
         </p:spPr>
         <p:style>
           <a:lnRef idx="2">
-            <a:schemeClr val="accent3">
+            <a:schemeClr val="accent1">
               <a:shade val="50000"/>
             </a:schemeClr>
           </a:lnRef>
           <a:fillRef idx="1">
-            <a:schemeClr val="accent3"/>
+            <a:schemeClr val="accent1"/>
           </a:fillRef>
           <a:effectRef idx="0">
-            <a:schemeClr val="accent3"/>
+            <a:schemeClr val="accent1"/>
           </a:effectRef>
           <a:fontRef idx="minor">
             <a:schemeClr val="lt1"/>
@@ -7610,70 +7915,663 @@
           <a:p>
             <a:pPr algn="ctr"/>
             <a:r>
-              <a:rPr lang="es-CL" sz="1600" dirty="0" smtClean="0"/>
-              <a:t>Buscar</a:t>
-            </a:r>
+              <a:rPr lang="es-CL" b="1" dirty="0" smtClean="0">
+                <a:solidFill>
+                  <a:srgbClr val="C00000"/>
+                </a:solidFill>
+              </a:rPr>
+              <a:t>Tabla directorio con AWD</a:t>
+            </a:r>
+          </a:p>
+          <a:p>
+            <a:pPr algn="ctr"/>
+            <a:r>
+              <a:rPr lang="es-CL" dirty="0" err="1" smtClean="0"/>
+              <a:t>tableOutput</a:t>
+            </a:r>
+            <a:endParaRPr lang="es-CL" dirty="0" smtClean="0"/>
           </a:p>
           <a:p>
             <a:pPr algn="ctr"/>
             <a:r>
               <a:rPr lang="es-CL" sz="1600" dirty="0" err="1" smtClean="0">
                 <a:solidFill>
-                  <a:srgbClr val="0070C0"/>
+                  <a:schemeClr val="tx1"/>
+                </a:solidFill>
+                <a:latin typeface="Courier New" panose="02070309020205020404" pitchFamily="49" charset="0"/>
+                <a:cs typeface="Courier New" panose="02070309020205020404" pitchFamily="49" charset="0"/>
+              </a:rPr>
+              <a:t>output$dfdir</a:t>
+            </a:r>
+            <a:r>
+              <a:rPr lang="es-CL" sz="1600" dirty="0" smtClean="0">
+                <a:solidFill>
+                  <a:schemeClr val="tx1"/>
+                </a:solidFill>
+                <a:latin typeface="Courier New" panose="02070309020205020404" pitchFamily="49" charset="0"/>
+                <a:cs typeface="Courier New" panose="02070309020205020404" pitchFamily="49" charset="0"/>
+              </a:rPr>
+              <a:t> – </a:t>
+            </a:r>
+            <a:r>
+              <a:rPr lang="es-CL" sz="1600" dirty="0" err="1" smtClean="0">
+                <a:solidFill>
+                  <a:schemeClr val="tx1"/>
+                </a:solidFill>
+                <a:latin typeface="Courier New" panose="02070309020205020404" pitchFamily="49" charset="0"/>
+                <a:cs typeface="Courier New" panose="02070309020205020404" pitchFamily="49" charset="0"/>
+              </a:rPr>
+              <a:t>input$filterDir</a:t>
+            </a:r>
+            <a:endParaRPr lang="es-419" dirty="0">
+              <a:solidFill>
+                <a:schemeClr val="tx1"/>
+              </a:solidFill>
+              <a:latin typeface="Courier New" panose="02070309020205020404" pitchFamily="49" charset="0"/>
+              <a:cs typeface="Courier New" panose="02070309020205020404" pitchFamily="49" charset="0"/>
+            </a:endParaRPr>
+          </a:p>
+        </p:txBody>
+      </p:sp>
+      <p:sp>
+        <p:nvSpPr>
+          <p:cNvPr id="17" name="Rectángulo 16"/>
+          <p:cNvSpPr/>
+          <p:nvPr/>
+        </p:nvSpPr>
+        <p:spPr>
+          <a:xfrm>
+            <a:off x="5112914" y="1635617"/>
+            <a:ext cx="2176528" cy="2112135"/>
+          </a:xfrm>
+          <a:prstGeom prst="rect">
+            <a:avLst/>
+          </a:prstGeom>
+        </p:spPr>
+        <p:style>
+          <a:lnRef idx="2">
+            <a:schemeClr val="accent1">
+              <a:shade val="50000"/>
+            </a:schemeClr>
+          </a:lnRef>
+          <a:fillRef idx="1">
+            <a:schemeClr val="accent1"/>
+          </a:fillRef>
+          <a:effectRef idx="0">
+            <a:schemeClr val="accent1"/>
+          </a:effectRef>
+          <a:fontRef idx="minor">
+            <a:schemeClr val="lt1"/>
+          </a:fontRef>
+        </p:style>
+        <p:txBody>
+          <a:bodyPr rtlCol="0" anchor="ctr"/>
+          <a:lstStyle/>
+          <a:p>
+            <a:pPr algn="ctr"/>
+            <a:r>
+              <a:rPr lang="es-CL" b="1" dirty="0" smtClean="0">
+                <a:solidFill>
+                  <a:srgbClr val="C00000"/>
                 </a:solidFill>
               </a:rPr>
-              <a:t>Browse</a:t>
-            </a:r>
+              <a:t>Selección categoría de filtrado</a:t>
+            </a:r>
+          </a:p>
+          <a:p>
+            <a:pPr algn="ctr"/>
+            <a:r>
+              <a:rPr lang="es-CL" dirty="0" err="1" smtClean="0"/>
+              <a:t>radioButtons</a:t>
+            </a:r>
+            <a:endParaRPr lang="es-CL" dirty="0" smtClean="0"/>
+          </a:p>
+          <a:p>
+            <a:pPr algn="ctr"/>
             <a:r>
               <a:rPr lang="es-CL" sz="1600" dirty="0" err="1" smtClean="0">
                 <a:solidFill>
-                  <a:srgbClr val="0070C0"/>
+                  <a:schemeClr val="tx1"/>
+                </a:solidFill>
+                <a:latin typeface="Courier New" panose="02070309020205020404" pitchFamily="49" charset="0"/>
+                <a:cs typeface="Courier New" panose="02070309020205020404" pitchFamily="49" charset="0"/>
+              </a:rPr>
+              <a:t>input$filterdir</a:t>
+            </a:r>
+            <a:endParaRPr lang="es-419" dirty="0">
+              <a:solidFill>
+                <a:schemeClr val="tx1"/>
+              </a:solidFill>
+              <a:latin typeface="Courier New" panose="02070309020205020404" pitchFamily="49" charset="0"/>
+              <a:cs typeface="Courier New" panose="02070309020205020404" pitchFamily="49" charset="0"/>
+            </a:endParaRPr>
+          </a:p>
+        </p:txBody>
+      </p:sp>
+      <p:sp>
+        <p:nvSpPr>
+          <p:cNvPr id="18" name="Rectángulo 17"/>
+          <p:cNvSpPr/>
+          <p:nvPr/>
+        </p:nvSpPr>
+        <p:spPr>
+          <a:xfrm>
+            <a:off x="5112914" y="4262907"/>
+            <a:ext cx="2176528" cy="2112135"/>
+          </a:xfrm>
+          <a:prstGeom prst="rect">
+            <a:avLst/>
+          </a:prstGeom>
+        </p:spPr>
+        <p:style>
+          <a:lnRef idx="2">
+            <a:schemeClr val="accent1">
+              <a:shade val="50000"/>
+            </a:schemeClr>
+          </a:lnRef>
+          <a:fillRef idx="1">
+            <a:schemeClr val="accent1"/>
+          </a:fillRef>
+          <a:effectRef idx="0">
+            <a:schemeClr val="accent1"/>
+          </a:effectRef>
+          <a:fontRef idx="minor">
+            <a:schemeClr val="lt1"/>
+          </a:fontRef>
+        </p:style>
+        <p:txBody>
+          <a:bodyPr rtlCol="0" anchor="ctr"/>
+          <a:lstStyle/>
+          <a:p>
+            <a:pPr algn="ctr"/>
+            <a:r>
+              <a:rPr lang="es-CL" b="1" dirty="0" smtClean="0">
+                <a:solidFill>
+                  <a:srgbClr val="C00000"/>
                 </a:solidFill>
               </a:rPr>
-              <a:t>Path</a:t>
+              <a:t>Tabla de recuentos por status </a:t>
+            </a:r>
+            <a:r>
+              <a:rPr lang="es-CL" b="1" dirty="0" err="1" smtClean="0">
+                <a:solidFill>
+                  <a:srgbClr val="C00000"/>
+                </a:solidFill>
+              </a:rPr>
+              <a:t>edicion</a:t>
+            </a:r>
+            <a:endParaRPr lang="es-CL" b="1" dirty="0" smtClean="0">
+              <a:solidFill>
+                <a:srgbClr val="C00000"/>
+              </a:solidFill>
+            </a:endParaRPr>
+          </a:p>
+          <a:p>
+            <a:pPr algn="ctr"/>
+            <a:r>
+              <a:rPr lang="es-CL" dirty="0" err="1" smtClean="0"/>
+              <a:t>tableOutput</a:t>
+            </a:r>
+            <a:endParaRPr lang="es-CL" dirty="0" smtClean="0"/>
+          </a:p>
+          <a:p>
+            <a:pPr algn="ctr"/>
+            <a:r>
+              <a:rPr lang="es-CL" sz="1600" dirty="0" err="1" smtClean="0">
+                <a:solidFill>
+                  <a:schemeClr val="tx1"/>
+                </a:solidFill>
+                <a:latin typeface="Courier New" panose="02070309020205020404" pitchFamily="49" charset="0"/>
+                <a:cs typeface="Courier New" panose="02070309020205020404" pitchFamily="49" charset="0"/>
+              </a:rPr>
+              <a:t>output$tableDir</a:t>
             </a:r>
             <a:endParaRPr lang="es-419" sz="1600" dirty="0">
               <a:solidFill>
-                <a:srgbClr val="0070C0"/>
+                <a:schemeClr val="tx1"/>
               </a:solidFill>
+              <a:latin typeface="Courier New" panose="02070309020205020404" pitchFamily="49" charset="0"/>
+              <a:cs typeface="Courier New" panose="02070309020205020404" pitchFamily="49" charset="0"/>
             </a:endParaRPr>
           </a:p>
         </p:txBody>
       </p:sp>
-      <p:cxnSp>
-        <p:nvCxnSpPr>
-          <p:cNvPr id="8" name="Conector recto 7"/>
-          <p:cNvCxnSpPr/>
-          <p:nvPr/>
-        </p:nvCxnSpPr>
-        <p:spPr>
-          <a:xfrm flipH="1">
-            <a:off x="7727324" y="347730"/>
-            <a:ext cx="0" cy="5885645"/>
-          </a:xfrm>
-          <a:prstGeom prst="line">
-            <a:avLst/>
-          </a:prstGeom>
-        </p:spPr>
-        <p:style>
-          <a:lnRef idx="1">
-            <a:schemeClr val="accent1"/>
-          </a:lnRef>
-          <a:fillRef idx="0">
-            <a:schemeClr val="accent1"/>
-          </a:fillRef>
-          <a:effectRef idx="0">
-            <a:schemeClr val="accent1"/>
-          </a:effectRef>
-          <a:fontRef idx="minor">
-            <a:schemeClr val="tx1"/>
-          </a:fontRef>
-        </p:style>
-      </p:cxnSp>
     </p:spTree>
     <p:extLst>
       <p:ext uri="{BB962C8B-B14F-4D97-AF65-F5344CB8AC3E}">
         <p14:creationId xmlns:p14="http://schemas.microsoft.com/office/powerpoint/2010/main" val="1103684499"/>
+      </p:ext>
+    </p:extLst>
+  </p:cSld>
+  <p:clrMapOvr>
+    <a:masterClrMapping/>
+  </p:clrMapOvr>
+  <p:timing>
+    <p:tnLst>
+      <p:par>
+        <p:cTn id="1" dur="indefinite" restart="never" nodeType="tmRoot"/>
+      </p:par>
+    </p:tnLst>
+  </p:timing>
+</p:sld>
+</file>
+
+<file path=ppt/slides/slide5.xml><?xml version="1.0" encoding="utf-8"?>
+<p:sld xmlns:a="http://schemas.openxmlformats.org/drawingml/2006/main" xmlns:r="http://schemas.openxmlformats.org/officeDocument/2006/relationships" xmlns:p="http://schemas.openxmlformats.org/presentationml/2006/main">
+  <p:cSld>
+    <p:spTree>
+      <p:nvGrpSpPr>
+        <p:cNvPr id="1" name=""/>
+        <p:cNvGrpSpPr/>
+        <p:nvPr/>
+      </p:nvGrpSpPr>
+      <p:grpSpPr>
+        <a:xfrm>
+          <a:off x="0" y="0"/>
+          <a:ext cx="0" cy="0"/>
+          <a:chOff x="0" y="0"/>
+          <a:chExt cx="0" cy="0"/>
+        </a:xfrm>
+      </p:grpSpPr>
+      <p:sp>
+        <p:nvSpPr>
+          <p:cNvPr id="4" name="Rectángulo 3"/>
+          <p:cNvSpPr/>
+          <p:nvPr/>
+        </p:nvSpPr>
+        <p:spPr>
+          <a:xfrm>
+            <a:off x="412124" y="643943"/>
+            <a:ext cx="2653048" cy="940158"/>
+          </a:xfrm>
+          <a:prstGeom prst="rect">
+            <a:avLst/>
+          </a:prstGeom>
+        </p:spPr>
+        <p:style>
+          <a:lnRef idx="2">
+            <a:schemeClr val="accent1">
+              <a:shade val="50000"/>
+            </a:schemeClr>
+          </a:lnRef>
+          <a:fillRef idx="1">
+            <a:schemeClr val="accent1"/>
+          </a:fillRef>
+          <a:effectRef idx="0">
+            <a:schemeClr val="accent1"/>
+          </a:effectRef>
+          <a:fontRef idx="minor">
+            <a:schemeClr val="lt1"/>
+          </a:fontRef>
+        </p:style>
+        <p:txBody>
+          <a:bodyPr rtlCol="0" anchor="ctr"/>
+          <a:lstStyle/>
+          <a:p>
+            <a:pPr algn="ctr"/>
+            <a:r>
+              <a:rPr lang="es-CL" b="1" dirty="0" err="1" smtClean="0">
+                <a:solidFill>
+                  <a:srgbClr val="C00000"/>
+                </a:solidFill>
+              </a:rPr>
+              <a:t>Cajon</a:t>
+            </a:r>
+            <a:r>
+              <a:rPr lang="es-CL" b="1" dirty="0" smtClean="0">
+                <a:solidFill>
+                  <a:srgbClr val="C00000"/>
+                </a:solidFill>
+              </a:rPr>
+              <a:t> pegar sujeto</a:t>
+            </a:r>
+          </a:p>
+          <a:p>
+            <a:pPr algn="ctr"/>
+            <a:r>
+              <a:rPr lang="es-CL" dirty="0" err="1" smtClean="0"/>
+              <a:t>textInput</a:t>
+            </a:r>
+            <a:endParaRPr lang="es-CL" dirty="0" smtClean="0"/>
+          </a:p>
+          <a:p>
+            <a:pPr algn="ctr"/>
+            <a:r>
+              <a:rPr lang="es-CL" sz="1600" dirty="0" err="1" smtClean="0">
+                <a:solidFill>
+                  <a:schemeClr val="tx1"/>
+                </a:solidFill>
+                <a:latin typeface="Courier New" panose="02070309020205020404" pitchFamily="49" charset="0"/>
+                <a:cs typeface="Courier New" panose="02070309020205020404" pitchFamily="49" charset="0"/>
+              </a:rPr>
+              <a:t>input$awd_paste</a:t>
+            </a:r>
+            <a:endParaRPr lang="es-419" sz="1600" dirty="0">
+              <a:solidFill>
+                <a:schemeClr val="tx1"/>
+              </a:solidFill>
+              <a:latin typeface="Courier New" panose="02070309020205020404" pitchFamily="49" charset="0"/>
+              <a:cs typeface="Courier New" panose="02070309020205020404" pitchFamily="49" charset="0"/>
+            </a:endParaRPr>
+          </a:p>
+        </p:txBody>
+      </p:sp>
+      <p:sp>
+        <p:nvSpPr>
+          <p:cNvPr id="5" name="CuadroTexto 4"/>
+          <p:cNvSpPr txBox="1"/>
+          <p:nvPr/>
+        </p:nvSpPr>
+        <p:spPr>
+          <a:xfrm>
+            <a:off x="412124" y="274611"/>
+            <a:ext cx="2623282" cy="369332"/>
+          </a:xfrm>
+          <a:prstGeom prst="rect">
+            <a:avLst/>
+          </a:prstGeom>
+          <a:noFill/>
+        </p:spPr>
+        <p:txBody>
+          <a:bodyPr wrap="none" rtlCol="0">
+            <a:spAutoFit/>
+          </a:bodyPr>
+          <a:lstStyle/>
+          <a:p>
+            <a:r>
+              <a:rPr lang="es-CL" dirty="0" smtClean="0"/>
+              <a:t>Pegar o seleccionar sujeto</a:t>
+            </a:r>
+          </a:p>
+        </p:txBody>
+      </p:sp>
+      <p:sp>
+        <p:nvSpPr>
+          <p:cNvPr id="7" name="Rectángulo 6"/>
+          <p:cNvSpPr/>
+          <p:nvPr/>
+        </p:nvSpPr>
+        <p:spPr>
+          <a:xfrm>
+            <a:off x="397241" y="1749379"/>
+            <a:ext cx="2653048" cy="1045335"/>
+          </a:xfrm>
+          <a:prstGeom prst="rect">
+            <a:avLst/>
+          </a:prstGeom>
+        </p:spPr>
+        <p:style>
+          <a:lnRef idx="2">
+            <a:schemeClr val="accent1">
+              <a:shade val="50000"/>
+            </a:schemeClr>
+          </a:lnRef>
+          <a:fillRef idx="1">
+            <a:schemeClr val="accent1"/>
+          </a:fillRef>
+          <a:effectRef idx="0">
+            <a:schemeClr val="accent1"/>
+          </a:effectRef>
+          <a:fontRef idx="minor">
+            <a:schemeClr val="lt1"/>
+          </a:fontRef>
+        </p:style>
+        <p:txBody>
+          <a:bodyPr rtlCol="0" anchor="ctr"/>
+          <a:lstStyle/>
+          <a:p>
+            <a:pPr algn="ctr"/>
+            <a:r>
+              <a:rPr lang="es-CL" b="1" dirty="0" smtClean="0">
+                <a:solidFill>
+                  <a:srgbClr val="C00000"/>
+                </a:solidFill>
+              </a:rPr>
+              <a:t>Selector de sujeto</a:t>
+            </a:r>
+          </a:p>
+          <a:p>
+            <a:pPr algn="ctr"/>
+            <a:r>
+              <a:rPr lang="es-CL" dirty="0" err="1" smtClean="0"/>
+              <a:t>uiOutput</a:t>
+            </a:r>
+            <a:endParaRPr lang="es-CL" dirty="0" smtClean="0"/>
+          </a:p>
+          <a:p>
+            <a:pPr algn="ctr"/>
+            <a:r>
+              <a:rPr lang="es-CL" sz="1600" dirty="0" err="1" smtClean="0">
+                <a:solidFill>
+                  <a:schemeClr val="tx1"/>
+                </a:solidFill>
+                <a:latin typeface="Courier New" panose="02070309020205020404" pitchFamily="49" charset="0"/>
+                <a:cs typeface="Courier New" panose="02070309020205020404" pitchFamily="49" charset="0"/>
+              </a:rPr>
+              <a:t>output$subjInput</a:t>
+            </a:r>
+            <a:endParaRPr lang="es-CL" sz="1600" dirty="0" smtClean="0">
+              <a:solidFill>
+                <a:schemeClr val="tx1"/>
+              </a:solidFill>
+              <a:latin typeface="Courier New" panose="02070309020205020404" pitchFamily="49" charset="0"/>
+              <a:cs typeface="Courier New" panose="02070309020205020404" pitchFamily="49" charset="0"/>
+            </a:endParaRPr>
+          </a:p>
+          <a:p>
+            <a:pPr algn="ctr"/>
+            <a:r>
+              <a:rPr lang="es-CL" sz="1600" dirty="0" err="1" smtClean="0">
+                <a:solidFill>
+                  <a:schemeClr val="tx1"/>
+                </a:solidFill>
+                <a:latin typeface="Courier New" panose="02070309020205020404" pitchFamily="49" charset="0"/>
+                <a:cs typeface="Courier New" panose="02070309020205020404" pitchFamily="49" charset="0"/>
+              </a:rPr>
+              <a:t>input$awd_select</a:t>
+            </a:r>
+            <a:endParaRPr lang="es-419" sz="1600" dirty="0">
+              <a:solidFill>
+                <a:schemeClr val="tx1"/>
+              </a:solidFill>
+              <a:latin typeface="Courier New" panose="02070309020205020404" pitchFamily="49" charset="0"/>
+              <a:cs typeface="Courier New" panose="02070309020205020404" pitchFamily="49" charset="0"/>
+            </a:endParaRPr>
+          </a:p>
+        </p:txBody>
+      </p:sp>
+      <p:sp>
+        <p:nvSpPr>
+          <p:cNvPr id="8" name="Rectángulo 7"/>
+          <p:cNvSpPr/>
+          <p:nvPr/>
+        </p:nvSpPr>
+        <p:spPr>
+          <a:xfrm>
+            <a:off x="3436513" y="643943"/>
+            <a:ext cx="2653048" cy="940158"/>
+          </a:xfrm>
+          <a:prstGeom prst="rect">
+            <a:avLst/>
+          </a:prstGeom>
+        </p:spPr>
+        <p:style>
+          <a:lnRef idx="2">
+            <a:schemeClr val="accent1">
+              <a:shade val="50000"/>
+            </a:schemeClr>
+          </a:lnRef>
+          <a:fillRef idx="1">
+            <a:schemeClr val="accent1"/>
+          </a:fillRef>
+          <a:effectRef idx="0">
+            <a:schemeClr val="accent1"/>
+          </a:effectRef>
+          <a:fontRef idx="minor">
+            <a:schemeClr val="lt1"/>
+          </a:fontRef>
+        </p:style>
+        <p:txBody>
+          <a:bodyPr rtlCol="0" anchor="ctr"/>
+          <a:lstStyle/>
+          <a:p>
+            <a:pPr algn="ctr"/>
+            <a:r>
+              <a:rPr lang="es-CL" b="1" dirty="0" err="1" smtClean="0">
+                <a:solidFill>
+                  <a:srgbClr val="C00000"/>
+                </a:solidFill>
+              </a:rPr>
+              <a:t>Cajon</a:t>
+            </a:r>
+            <a:r>
+              <a:rPr lang="es-CL" b="1" dirty="0" smtClean="0">
+                <a:solidFill>
+                  <a:srgbClr val="C00000"/>
+                </a:solidFill>
+              </a:rPr>
+              <a:t> pegar sujeto</a:t>
+            </a:r>
+          </a:p>
+          <a:p>
+            <a:pPr algn="ctr"/>
+            <a:r>
+              <a:rPr lang="es-CL" dirty="0" err="1" smtClean="0"/>
+              <a:t>textInput</a:t>
+            </a:r>
+            <a:endParaRPr lang="es-CL" dirty="0" smtClean="0"/>
+          </a:p>
+          <a:p>
+            <a:pPr algn="ctr"/>
+            <a:r>
+              <a:rPr lang="es-CL" sz="1600" dirty="0" err="1" smtClean="0">
+                <a:solidFill>
+                  <a:schemeClr val="tx1"/>
+                </a:solidFill>
+                <a:latin typeface="Courier New" panose="02070309020205020404" pitchFamily="49" charset="0"/>
+                <a:cs typeface="Courier New" panose="02070309020205020404" pitchFamily="49" charset="0"/>
+              </a:rPr>
+              <a:t>input$awd_paste</a:t>
+            </a:r>
+            <a:endParaRPr lang="es-419" sz="1600" dirty="0">
+              <a:solidFill>
+                <a:schemeClr val="tx1"/>
+              </a:solidFill>
+              <a:latin typeface="Courier New" panose="02070309020205020404" pitchFamily="49" charset="0"/>
+              <a:cs typeface="Courier New" panose="02070309020205020404" pitchFamily="49" charset="0"/>
+            </a:endParaRPr>
+          </a:p>
+        </p:txBody>
+      </p:sp>
+      <p:sp>
+        <p:nvSpPr>
+          <p:cNvPr id="9" name="CuadroTexto 8"/>
+          <p:cNvSpPr txBox="1"/>
+          <p:nvPr/>
+        </p:nvSpPr>
+        <p:spPr>
+          <a:xfrm>
+            <a:off x="3436513" y="274611"/>
+            <a:ext cx="1066318" cy="369332"/>
+          </a:xfrm>
+          <a:prstGeom prst="rect">
+            <a:avLst/>
+          </a:prstGeom>
+          <a:noFill/>
+        </p:spPr>
+        <p:txBody>
+          <a:bodyPr wrap="none" rtlCol="0">
+            <a:spAutoFit/>
+          </a:bodyPr>
+          <a:lstStyle/>
+          <a:p>
+            <a:r>
+              <a:rPr lang="es-CL" dirty="0" err="1" smtClean="0"/>
+              <a:t>Seleccion</a:t>
+            </a:r>
+            <a:endParaRPr lang="es-CL" dirty="0" smtClean="0"/>
+          </a:p>
+        </p:txBody>
+      </p:sp>
+      <p:sp>
+        <p:nvSpPr>
+          <p:cNvPr id="10" name="Rectángulo 9"/>
+          <p:cNvSpPr/>
+          <p:nvPr/>
+        </p:nvSpPr>
+        <p:spPr>
+          <a:xfrm>
+            <a:off x="3421630" y="1749380"/>
+            <a:ext cx="2653048" cy="940158"/>
+          </a:xfrm>
+          <a:prstGeom prst="rect">
+            <a:avLst/>
+          </a:prstGeom>
+        </p:spPr>
+        <p:style>
+          <a:lnRef idx="2">
+            <a:schemeClr val="accent1">
+              <a:shade val="50000"/>
+            </a:schemeClr>
+          </a:lnRef>
+          <a:fillRef idx="1">
+            <a:schemeClr val="accent1"/>
+          </a:fillRef>
+          <a:effectRef idx="0">
+            <a:schemeClr val="accent1"/>
+          </a:effectRef>
+          <a:fontRef idx="minor">
+            <a:schemeClr val="lt1"/>
+          </a:fontRef>
+        </p:style>
+        <p:txBody>
+          <a:bodyPr rtlCol="0" anchor="ctr"/>
+          <a:lstStyle/>
+          <a:p>
+            <a:pPr algn="ctr"/>
+            <a:r>
+              <a:rPr lang="es-CL" b="1" dirty="0" smtClean="0">
+                <a:solidFill>
+                  <a:srgbClr val="C00000"/>
+                </a:solidFill>
+              </a:rPr>
+              <a:t>Selector de sujeto</a:t>
+            </a:r>
+          </a:p>
+          <a:p>
+            <a:pPr algn="ctr"/>
+            <a:r>
+              <a:rPr lang="es-CL" dirty="0" err="1" smtClean="0"/>
+              <a:t>selectInput</a:t>
+            </a:r>
+            <a:endParaRPr lang="es-CL" dirty="0" smtClean="0"/>
+          </a:p>
+          <a:p>
+            <a:pPr algn="ctr"/>
+            <a:r>
+              <a:rPr lang="es-CL" sz="1600" dirty="0" err="1" smtClean="0">
+                <a:solidFill>
+                  <a:schemeClr val="tx1"/>
+                </a:solidFill>
+                <a:latin typeface="Courier New" panose="02070309020205020404" pitchFamily="49" charset="0"/>
+                <a:cs typeface="Courier New" panose="02070309020205020404" pitchFamily="49" charset="0"/>
+              </a:rPr>
+              <a:t>input$awd_select</a:t>
+            </a:r>
+            <a:endParaRPr lang="es-419" sz="1600" dirty="0">
+              <a:solidFill>
+                <a:schemeClr val="tx1"/>
+              </a:solidFill>
+              <a:latin typeface="Courier New" panose="02070309020205020404" pitchFamily="49" charset="0"/>
+              <a:cs typeface="Courier New" panose="02070309020205020404" pitchFamily="49" charset="0"/>
+            </a:endParaRPr>
+          </a:p>
+        </p:txBody>
+      </p:sp>
+    </p:spTree>
+    <p:extLst>
+      <p:ext uri="{BB962C8B-B14F-4D97-AF65-F5344CB8AC3E}">
+        <p14:creationId xmlns:p14="http://schemas.microsoft.com/office/powerpoint/2010/main" val="1142184872"/>
       </p:ext>
     </p:extLst>
   </p:cSld>

--- a/flujo edicion.pptx
+++ b/flujo edicion.pptx
@@ -252,7 +252,7 @@
           <a:p>
             <a:fld id="{E142A079-F624-4F06-8292-7991D53C206B}" type="datetimeFigureOut">
               <a:rPr lang="es-419" smtClean="0"/>
-              <a:t>23/1/2020</a:t>
+              <a:t>27/1/2020</a:t>
             </a:fld>
             <a:endParaRPr lang="es-419"/>
           </a:p>
@@ -422,7 +422,7 @@
           <a:p>
             <a:fld id="{E142A079-F624-4F06-8292-7991D53C206B}" type="datetimeFigureOut">
               <a:rPr lang="es-419" smtClean="0"/>
-              <a:t>23/1/2020</a:t>
+              <a:t>27/1/2020</a:t>
             </a:fld>
             <a:endParaRPr lang="es-419"/>
           </a:p>
@@ -602,7 +602,7 @@
           <a:p>
             <a:fld id="{E142A079-F624-4F06-8292-7991D53C206B}" type="datetimeFigureOut">
               <a:rPr lang="es-419" smtClean="0"/>
-              <a:t>23/1/2020</a:t>
+              <a:t>27/1/2020</a:t>
             </a:fld>
             <a:endParaRPr lang="es-419"/>
           </a:p>
@@ -772,7 +772,7 @@
           <a:p>
             <a:fld id="{E142A079-F624-4F06-8292-7991D53C206B}" type="datetimeFigureOut">
               <a:rPr lang="es-419" smtClean="0"/>
-              <a:t>23/1/2020</a:t>
+              <a:t>27/1/2020</a:t>
             </a:fld>
             <a:endParaRPr lang="es-419"/>
           </a:p>
@@ -1018,7 +1018,7 @@
           <a:p>
             <a:fld id="{E142A079-F624-4F06-8292-7991D53C206B}" type="datetimeFigureOut">
               <a:rPr lang="es-419" smtClean="0"/>
-              <a:t>23/1/2020</a:t>
+              <a:t>27/1/2020</a:t>
             </a:fld>
             <a:endParaRPr lang="es-419"/>
           </a:p>
@@ -1250,7 +1250,7 @@
           <a:p>
             <a:fld id="{E142A079-F624-4F06-8292-7991D53C206B}" type="datetimeFigureOut">
               <a:rPr lang="es-419" smtClean="0"/>
-              <a:t>23/1/2020</a:t>
+              <a:t>27/1/2020</a:t>
             </a:fld>
             <a:endParaRPr lang="es-419"/>
           </a:p>
@@ -1617,7 +1617,7 @@
           <a:p>
             <a:fld id="{E142A079-F624-4F06-8292-7991D53C206B}" type="datetimeFigureOut">
               <a:rPr lang="es-419" smtClean="0"/>
-              <a:t>23/1/2020</a:t>
+              <a:t>27/1/2020</a:t>
             </a:fld>
             <a:endParaRPr lang="es-419"/>
           </a:p>
@@ -1735,7 +1735,7 @@
           <a:p>
             <a:fld id="{E142A079-F624-4F06-8292-7991D53C206B}" type="datetimeFigureOut">
               <a:rPr lang="es-419" smtClean="0"/>
-              <a:t>23/1/2020</a:t>
+              <a:t>27/1/2020</a:t>
             </a:fld>
             <a:endParaRPr lang="es-419"/>
           </a:p>
@@ -1830,7 +1830,7 @@
           <a:p>
             <a:fld id="{E142A079-F624-4F06-8292-7991D53C206B}" type="datetimeFigureOut">
               <a:rPr lang="es-419" smtClean="0"/>
-              <a:t>23/1/2020</a:t>
+              <a:t>27/1/2020</a:t>
             </a:fld>
             <a:endParaRPr lang="es-419"/>
           </a:p>
@@ -2107,7 +2107,7 @@
           <a:p>
             <a:fld id="{E142A079-F624-4F06-8292-7991D53C206B}" type="datetimeFigureOut">
               <a:rPr lang="es-419" smtClean="0"/>
-              <a:t>23/1/2020</a:t>
+              <a:t>27/1/2020</a:t>
             </a:fld>
             <a:endParaRPr lang="es-419"/>
           </a:p>
@@ -2360,7 +2360,7 @@
           <a:p>
             <a:fld id="{E142A079-F624-4F06-8292-7991D53C206B}" type="datetimeFigureOut">
               <a:rPr lang="es-419" smtClean="0"/>
-              <a:t>23/1/2020</a:t>
+              <a:t>27/1/2020</a:t>
             </a:fld>
             <a:endParaRPr lang="es-419"/>
           </a:p>
@@ -2573,7 +2573,7 @@
           <a:p>
             <a:fld id="{E142A079-F624-4F06-8292-7991D53C206B}" type="datetimeFigureOut">
               <a:rPr lang="es-419" smtClean="0"/>
-              <a:t>23/1/2020</a:t>
+              <a:t>27/1/2020</a:t>
             </a:fld>
             <a:endParaRPr lang="es-419"/>
           </a:p>
@@ -3106,7 +3106,7 @@
         </p:nvSpPr>
         <p:spPr>
           <a:xfrm>
-            <a:off x="4199897" y="1724101"/>
+            <a:off x="4483235" y="1724101"/>
             <a:ext cx="1043188" cy="576000"/>
           </a:xfrm>
           <a:prstGeom prst="rect">
@@ -3152,7 +3152,7 @@
             </a:r>
             <a:r>
               <a:rPr lang="es-CL" dirty="0" smtClean="0"/>
-              <a:t>)</a:t>
+              <a:t>)z</a:t>
             </a:r>
             <a:endParaRPr lang="es-419" dirty="0"/>
           </a:p>
@@ -3282,18 +3282,7 @@
                 </a:solidFill>
                 <a:latin typeface="Consolas" panose="020B0609020204030204" pitchFamily="49" charset="0"/>
               </a:rPr>
-              <a:t>: 12/05/2011 20:00 – 13/05/2011 </a:t>
-            </a:r>
-            <a:r>
-              <a:rPr lang="es-CL" sz="1400" b="1" dirty="0" smtClean="0">
-                <a:solidFill>
-                  <a:schemeClr val="accent4">
-                    <a:lumMod val="50000"/>
-                  </a:schemeClr>
-                </a:solidFill>
-                <a:latin typeface="Consolas" panose="020B0609020204030204" pitchFamily="49" charset="0"/>
-              </a:rPr>
-              <a:t>20:15</a:t>
+              <a:t>: 12/05/2011 20:00 – 13/05/2011 20:15</a:t>
             </a:r>
           </a:p>
           <a:p>
@@ -3358,8 +3347,8 @@
         </p:nvSpPr>
         <p:spPr>
           <a:xfrm>
-            <a:off x="2635115" y="1724101"/>
-            <a:ext cx="1043188" cy="576000"/>
+            <a:off x="2635114" y="1724101"/>
+            <a:ext cx="1345845" cy="576000"/>
           </a:xfrm>
           <a:prstGeom prst="rect">
             <a:avLst/>
@@ -3388,19 +3377,11 @@
             <a:pPr algn="ctr"/>
             <a:r>
               <a:rPr lang="es-CL" dirty="0" err="1" smtClean="0"/>
-              <a:t>acv.edit</a:t>
-            </a:r>
-            <a:endParaRPr lang="es-CL" dirty="0" smtClean="0"/>
-          </a:p>
-          <a:p>
-            <a:pPr algn="ctr"/>
+              <a:t>semiperEdit</a:t>
+            </a:r>
             <a:r>
               <a:rPr lang="es-CL" dirty="0" smtClean="0"/>
-              <a:t>(</a:t>
-            </a:r>
-            <a:r>
-              <a:rPr lang="es-CL" dirty="0" err="1" smtClean="0"/>
-              <a:t>rds</a:t>
+              <a:t>(lista</a:t>
             </a:r>
             <a:r>
               <a:rPr lang="es-CL" dirty="0" smtClean="0"/>
@@ -3421,8 +3402,8 @@
         </p:nvCxnSpPr>
         <p:spPr>
           <a:xfrm>
-            <a:off x="3678303" y="2012101"/>
-            <a:ext cx="521594" cy="0"/>
+            <a:off x="3980959" y="2012101"/>
+            <a:ext cx="502276" cy="0"/>
           </a:xfrm>
           <a:prstGeom prst="straightConnector1">
             <a:avLst/>
@@ -3679,7 +3660,7 @@
             <a:pPr algn="ctr"/>
             <a:r>
               <a:rPr lang="es-CL" dirty="0" err="1" smtClean="0"/>
-              <a:t>acv.edit</a:t>
+              <a:t>acvfilter</a:t>
             </a:r>
             <a:endParaRPr lang="es-419" dirty="0"/>
           </a:p>
@@ -3697,7 +3678,7 @@
         <p:spPr>
           <a:xfrm flipV="1">
             <a:off x="2315524" y="2012101"/>
-            <a:ext cx="319591" cy="5275"/>
+            <a:ext cx="319590" cy="5275"/>
           </a:xfrm>
           <a:prstGeom prst="straightConnector1">
             <a:avLst/>
@@ -3783,12 +3764,12 @@
         </p:nvCxnSpPr>
         <p:spPr>
           <a:xfrm flipV="1">
-            <a:off x="5243085" y="1615114"/>
-            <a:ext cx="2241158" cy="396987"/>
+            <a:off x="5526423" y="1615114"/>
+            <a:ext cx="1957820" cy="396987"/>
           </a:xfrm>
           <a:prstGeom prst="bentConnector3">
             <a:avLst>
-              <a:gd name="adj1" fmla="val 74136"/>
+              <a:gd name="adj1" fmla="val 50000"/>
             </a:avLst>
           </a:prstGeom>
           <a:ln w="38100">
@@ -3821,12 +3802,12 @@
         </p:nvCxnSpPr>
         <p:spPr>
           <a:xfrm>
-            <a:off x="5243085" y="2012101"/>
-            <a:ext cx="2241158" cy="348291"/>
+            <a:off x="5526423" y="2012101"/>
+            <a:ext cx="1957820" cy="348291"/>
           </a:xfrm>
           <a:prstGeom prst="bentConnector3">
             <a:avLst>
-              <a:gd name="adj1" fmla="val 74135"/>
+              <a:gd name="adj1" fmla="val 50000"/>
             </a:avLst>
           </a:prstGeom>
           <a:ln w="38100">
@@ -4560,7 +4541,7 @@
         </p:nvSpPr>
         <p:spPr>
           <a:xfrm>
-            <a:off x="3351276" y="2990331"/>
+            <a:off x="3701844" y="2735176"/>
             <a:ext cx="2740430" cy="923330"/>
           </a:xfrm>
           <a:prstGeom prst="rect">
@@ -4640,7 +4621,7 @@
         </p:nvSpPr>
         <p:spPr>
           <a:xfrm>
-            <a:off x="5447877" y="1685464"/>
+            <a:off x="5421156" y="1077769"/>
             <a:ext cx="1253723" cy="646331"/>
           </a:xfrm>
           <a:prstGeom prst="rect">
@@ -4667,6 +4648,41 @@
           </a:p>
         </p:txBody>
       </p:sp>
+      <p:cxnSp>
+        <p:nvCxnSpPr>
+          <p:cNvPr id="5" name="Conector recto de flecha 4"/>
+          <p:cNvCxnSpPr>
+            <a:stCxn id="109" idx="2"/>
+          </p:cNvCxnSpPr>
+          <p:nvPr/>
+        </p:nvCxnSpPr>
+        <p:spPr>
+          <a:xfrm flipH="1">
+            <a:off x="6048017" y="1724100"/>
+            <a:ext cx="1" cy="288001"/>
+          </a:xfrm>
+          <a:prstGeom prst="straightConnector1">
+            <a:avLst/>
+          </a:prstGeom>
+          <a:ln>
+            <a:tailEnd type="triangle"/>
+          </a:ln>
+        </p:spPr>
+        <p:style>
+          <a:lnRef idx="1">
+            <a:schemeClr val="accent1"/>
+          </a:lnRef>
+          <a:fillRef idx="0">
+            <a:schemeClr val="accent1"/>
+          </a:fillRef>
+          <a:effectRef idx="0">
+            <a:schemeClr val="accent1"/>
+          </a:effectRef>
+          <a:fontRef idx="minor">
+            <a:schemeClr val="tx1"/>
+          </a:fontRef>
+        </p:style>
+      </p:cxnSp>
     </p:spTree>
     <p:extLst>
       <p:ext uri="{BB962C8B-B14F-4D97-AF65-F5344CB8AC3E}">
@@ -5230,12 +5246,6 @@
               </a:rPr>
               <a:t>()</a:t>
             </a:r>
-            <a:endParaRPr lang="es-419" dirty="0">
-              <a:solidFill>
-                <a:schemeClr val="bg1"/>
-              </a:solidFill>
-              <a:cs typeface="Courier New" panose="02070309020205020404" pitchFamily="49" charset="0"/>
-            </a:endParaRPr>
           </a:p>
         </p:txBody>
       </p:sp>
@@ -7471,11 +7481,6 @@
               </a:rPr>
               <a:t>Mostrar sujeto</a:t>
             </a:r>
-            <a:endParaRPr lang="es-CL" b="1" dirty="0" smtClean="0">
-              <a:solidFill>
-                <a:srgbClr val="C00000"/>
-              </a:solidFill>
-            </a:endParaRPr>
           </a:p>
           <a:p>
             <a:pPr algn="ctr"/>
@@ -7581,11 +7586,6 @@
               </a:rPr>
               <a:t>Mostrar Status</a:t>
             </a:r>
-            <a:endParaRPr lang="es-CL" b="1" dirty="0" smtClean="0">
-              <a:solidFill>
-                <a:srgbClr val="C00000"/>
-              </a:solidFill>
-            </a:endParaRPr>
           </a:p>
           <a:p>
             <a:pPr algn="ctr"/>
@@ -7661,11 +7661,6 @@
               </a:rPr>
               <a:t>Acciones a tomar</a:t>
             </a:r>
-            <a:endParaRPr lang="es-CL" b="1" dirty="0" smtClean="0">
-              <a:solidFill>
-                <a:srgbClr val="C00000"/>
-              </a:solidFill>
-            </a:endParaRPr>
           </a:p>
           <a:p>
             <a:pPr algn="ctr"/>
@@ -7803,7 +7798,6 @@
               <a:rPr lang="es-CL" dirty="0" smtClean="0"/>
               <a:t>Acción</a:t>
             </a:r>
-            <a:endParaRPr lang="es-CL" dirty="0" smtClean="0"/>
           </a:p>
         </p:txBody>
       </p:sp>
@@ -10675,15 +10669,7 @@
             </a:r>
             <a:r>
               <a:rPr lang="es-CL" sz="1400" dirty="0" smtClean="0"/>
-              <a:t>porque tiene actualizado los cambios de edición tipo sleep2wake, o wake2sleep y se necesita esto en </a:t>
-            </a:r>
-            <a:r>
-              <a:rPr lang="es-CL" sz="1400" dirty="0" smtClean="0"/>
-              <a:t>su </a:t>
-            </a:r>
-            <a:r>
-              <a:rPr lang="es-CL" sz="1400" dirty="0" smtClean="0"/>
-              <a:t>última versión. Los datos se pintan con el </a:t>
+              <a:t>porque tiene actualizado los cambios de edición tipo sleep2wake, o wake2sleep y se necesita esto en su última versión. Los datos se pintan con el </a:t>
             </a:r>
             <a:r>
               <a:rPr lang="es-CL" sz="1400" b="1" dirty="0" err="1" smtClean="0"/>
@@ -11470,11 +11456,7 @@
           <a:p>
             <a:r>
               <a:rPr lang="es-CL" sz="1600" b="1" dirty="0" smtClean="0"/>
-              <a:t>Faltan varias </a:t>
-            </a:r>
-            <a:r>
-              <a:rPr lang="es-CL" sz="1600" b="1" dirty="0" smtClean="0"/>
-              <a:t>cosas</a:t>
+              <a:t>Faltan varias cosas</a:t>
             </a:r>
           </a:p>
           <a:p>

--- a/flujo edicion.pptx
+++ b/flujo edicion.pptx
@@ -252,7 +252,7 @@
           <a:p>
             <a:fld id="{E142A079-F624-4F06-8292-7991D53C206B}" type="datetimeFigureOut">
               <a:rPr lang="es-419" smtClean="0"/>
-              <a:t>27/1/2020</a:t>
+              <a:t>29/1/2020</a:t>
             </a:fld>
             <a:endParaRPr lang="es-419"/>
           </a:p>
@@ -422,7 +422,7 @@
           <a:p>
             <a:fld id="{E142A079-F624-4F06-8292-7991D53C206B}" type="datetimeFigureOut">
               <a:rPr lang="es-419" smtClean="0"/>
-              <a:t>27/1/2020</a:t>
+              <a:t>29/1/2020</a:t>
             </a:fld>
             <a:endParaRPr lang="es-419"/>
           </a:p>
@@ -602,7 +602,7 @@
           <a:p>
             <a:fld id="{E142A079-F624-4F06-8292-7991D53C206B}" type="datetimeFigureOut">
               <a:rPr lang="es-419" smtClean="0"/>
-              <a:t>27/1/2020</a:t>
+              <a:t>29/1/2020</a:t>
             </a:fld>
             <a:endParaRPr lang="es-419"/>
           </a:p>
@@ -772,7 +772,7 @@
           <a:p>
             <a:fld id="{E142A079-F624-4F06-8292-7991D53C206B}" type="datetimeFigureOut">
               <a:rPr lang="es-419" smtClean="0"/>
-              <a:t>27/1/2020</a:t>
+              <a:t>29/1/2020</a:t>
             </a:fld>
             <a:endParaRPr lang="es-419"/>
           </a:p>
@@ -1018,7 +1018,7 @@
           <a:p>
             <a:fld id="{E142A079-F624-4F06-8292-7991D53C206B}" type="datetimeFigureOut">
               <a:rPr lang="es-419" smtClean="0"/>
-              <a:t>27/1/2020</a:t>
+              <a:t>29/1/2020</a:t>
             </a:fld>
             <a:endParaRPr lang="es-419"/>
           </a:p>
@@ -1250,7 +1250,7 @@
           <a:p>
             <a:fld id="{E142A079-F624-4F06-8292-7991D53C206B}" type="datetimeFigureOut">
               <a:rPr lang="es-419" smtClean="0"/>
-              <a:t>27/1/2020</a:t>
+              <a:t>29/1/2020</a:t>
             </a:fld>
             <a:endParaRPr lang="es-419"/>
           </a:p>
@@ -1617,7 +1617,7 @@
           <a:p>
             <a:fld id="{E142A079-F624-4F06-8292-7991D53C206B}" type="datetimeFigureOut">
               <a:rPr lang="es-419" smtClean="0"/>
-              <a:t>27/1/2020</a:t>
+              <a:t>29/1/2020</a:t>
             </a:fld>
             <a:endParaRPr lang="es-419"/>
           </a:p>
@@ -1735,7 +1735,7 @@
           <a:p>
             <a:fld id="{E142A079-F624-4F06-8292-7991D53C206B}" type="datetimeFigureOut">
               <a:rPr lang="es-419" smtClean="0"/>
-              <a:t>27/1/2020</a:t>
+              <a:t>29/1/2020</a:t>
             </a:fld>
             <a:endParaRPr lang="es-419"/>
           </a:p>
@@ -1830,7 +1830,7 @@
           <a:p>
             <a:fld id="{E142A079-F624-4F06-8292-7991D53C206B}" type="datetimeFigureOut">
               <a:rPr lang="es-419" smtClean="0"/>
-              <a:t>27/1/2020</a:t>
+              <a:t>29/1/2020</a:t>
             </a:fld>
             <a:endParaRPr lang="es-419"/>
           </a:p>
@@ -2107,7 +2107,7 @@
           <a:p>
             <a:fld id="{E142A079-F624-4F06-8292-7991D53C206B}" type="datetimeFigureOut">
               <a:rPr lang="es-419" smtClean="0"/>
-              <a:t>27/1/2020</a:t>
+              <a:t>29/1/2020</a:t>
             </a:fld>
             <a:endParaRPr lang="es-419"/>
           </a:p>
@@ -2360,7 +2360,7 @@
           <a:p>
             <a:fld id="{E142A079-F624-4F06-8292-7991D53C206B}" type="datetimeFigureOut">
               <a:rPr lang="es-419" smtClean="0"/>
-              <a:t>27/1/2020</a:t>
+              <a:t>29/1/2020</a:t>
             </a:fld>
             <a:endParaRPr lang="es-419"/>
           </a:p>
@@ -2573,7 +2573,7 @@
           <a:p>
             <a:fld id="{E142A079-F624-4F06-8292-7991D53C206B}" type="datetimeFigureOut">
               <a:rPr lang="es-419" smtClean="0"/>
-              <a:t>27/1/2020</a:t>
+              <a:t>29/1/2020</a:t>
             </a:fld>
             <a:endParaRPr lang="es-419"/>
           </a:p>
@@ -3381,11 +3381,7 @@
             </a:r>
             <a:r>
               <a:rPr lang="es-CL" dirty="0" smtClean="0"/>
-              <a:t>(lista</a:t>
-            </a:r>
-            <a:r>
-              <a:rPr lang="es-CL" dirty="0" smtClean="0"/>
-              <a:t>)</a:t>
+              <a:t>(lista)</a:t>
             </a:r>
             <a:endParaRPr lang="es-419" dirty="0"/>
           </a:p>
@@ -4446,8 +4442,8 @@
               <a:t>el </a:t>
             </a:r>
             <a:r>
-              <a:rPr lang="es-CL" dirty="0" err="1" smtClean="0"/>
-              <a:t>txt</a:t>
+              <a:rPr lang="es-CL" dirty="0" smtClean="0"/>
+              <a:t>RDS</a:t>
             </a:r>
             <a:endParaRPr lang="es-CL" dirty="0" smtClean="0"/>
           </a:p>
@@ -9669,7 +9665,7 @@
             </a:r>
             <a:r>
               <a:rPr lang="es-CL" dirty="0" err="1" smtClean="0"/>
-              <a:t>txt</a:t>
+              <a:t>rds</a:t>
             </a:r>
             <a:r>
               <a:rPr lang="es-CL" dirty="0" smtClean="0"/>
@@ -9724,8 +9720,16 @@
           <a:p>
             <a:pPr algn="ctr"/>
             <a:r>
-              <a:rPr lang="es-CL" sz="1600" smtClean="0"/>
-              <a:t>(obj:df)</a:t>
+              <a:rPr lang="es-CL" sz="1600" dirty="0" smtClean="0"/>
+              <a:t>(</a:t>
+            </a:r>
+            <a:r>
+              <a:rPr lang="es-CL" sz="1600" dirty="0" err="1" smtClean="0"/>
+              <a:t>obj:list</a:t>
+            </a:r>
+            <a:r>
+              <a:rPr lang="es-CL" sz="1600" dirty="0" smtClean="0"/>
+              <a:t>)</a:t>
             </a:r>
             <a:endParaRPr lang="es-419" sz="1600" dirty="0"/>
           </a:p>
@@ -11528,8 +11532,13 @@
             </a:r>
             <a:r>
               <a:rPr lang="es-CL" sz="2400" b="1" dirty="0" smtClean="0"/>
-              <a:t>Proceso Analizar</a:t>
-            </a:r>
+              <a:t>Proceso </a:t>
+            </a:r>
+            <a:r>
+              <a:rPr lang="es-CL" sz="2400" b="1" dirty="0" err="1" smtClean="0"/>
+              <a:t>Actograma</a:t>
+            </a:r>
+            <a:endParaRPr lang="es-CL" sz="2400" b="1" dirty="0" smtClean="0"/>
           </a:p>
           <a:p>
             <a:r>

--- a/flujo edicion.pptx
+++ b/flujo edicion.pptx
@@ -14,7 +14,7 @@
     <p:sldId id="257" r:id="rId8"/>
     <p:sldId id="258" r:id="rId9"/>
     <p:sldId id="266" r:id="rId10"/>
-    <p:sldId id="256" r:id="rId11"/>
+    <p:sldId id="267" r:id="rId11"/>
   </p:sldIdLst>
   <p:sldSz cx="12192000" cy="6858000"/>
   <p:notesSz cx="6858000" cy="9144000"/>
@@ -252,7 +252,7 @@
           <a:p>
             <a:fld id="{E142A079-F624-4F06-8292-7991D53C206B}" type="datetimeFigureOut">
               <a:rPr lang="es-419" smtClean="0"/>
-              <a:t>29/1/2020</a:t>
+              <a:t>31/1/2020</a:t>
             </a:fld>
             <a:endParaRPr lang="es-419"/>
           </a:p>
@@ -422,7 +422,7 @@
           <a:p>
             <a:fld id="{E142A079-F624-4F06-8292-7991D53C206B}" type="datetimeFigureOut">
               <a:rPr lang="es-419" smtClean="0"/>
-              <a:t>29/1/2020</a:t>
+              <a:t>31/1/2020</a:t>
             </a:fld>
             <a:endParaRPr lang="es-419"/>
           </a:p>
@@ -602,7 +602,7 @@
           <a:p>
             <a:fld id="{E142A079-F624-4F06-8292-7991D53C206B}" type="datetimeFigureOut">
               <a:rPr lang="es-419" smtClean="0"/>
-              <a:t>29/1/2020</a:t>
+              <a:t>31/1/2020</a:t>
             </a:fld>
             <a:endParaRPr lang="es-419"/>
           </a:p>
@@ -772,7 +772,7 @@
           <a:p>
             <a:fld id="{E142A079-F624-4F06-8292-7991D53C206B}" type="datetimeFigureOut">
               <a:rPr lang="es-419" smtClean="0"/>
-              <a:t>29/1/2020</a:t>
+              <a:t>31/1/2020</a:t>
             </a:fld>
             <a:endParaRPr lang="es-419"/>
           </a:p>
@@ -1018,7 +1018,7 @@
           <a:p>
             <a:fld id="{E142A079-F624-4F06-8292-7991D53C206B}" type="datetimeFigureOut">
               <a:rPr lang="es-419" smtClean="0"/>
-              <a:t>29/1/2020</a:t>
+              <a:t>31/1/2020</a:t>
             </a:fld>
             <a:endParaRPr lang="es-419"/>
           </a:p>
@@ -1250,7 +1250,7 @@
           <a:p>
             <a:fld id="{E142A079-F624-4F06-8292-7991D53C206B}" type="datetimeFigureOut">
               <a:rPr lang="es-419" smtClean="0"/>
-              <a:t>29/1/2020</a:t>
+              <a:t>31/1/2020</a:t>
             </a:fld>
             <a:endParaRPr lang="es-419"/>
           </a:p>
@@ -1617,7 +1617,7 @@
           <a:p>
             <a:fld id="{E142A079-F624-4F06-8292-7991D53C206B}" type="datetimeFigureOut">
               <a:rPr lang="es-419" smtClean="0"/>
-              <a:t>29/1/2020</a:t>
+              <a:t>31/1/2020</a:t>
             </a:fld>
             <a:endParaRPr lang="es-419"/>
           </a:p>
@@ -1735,7 +1735,7 @@
           <a:p>
             <a:fld id="{E142A079-F624-4F06-8292-7991D53C206B}" type="datetimeFigureOut">
               <a:rPr lang="es-419" smtClean="0"/>
-              <a:t>29/1/2020</a:t>
+              <a:t>31/1/2020</a:t>
             </a:fld>
             <a:endParaRPr lang="es-419"/>
           </a:p>
@@ -1830,7 +1830,7 @@
           <a:p>
             <a:fld id="{E142A079-F624-4F06-8292-7991D53C206B}" type="datetimeFigureOut">
               <a:rPr lang="es-419" smtClean="0"/>
-              <a:t>29/1/2020</a:t>
+              <a:t>31/1/2020</a:t>
             </a:fld>
             <a:endParaRPr lang="es-419"/>
           </a:p>
@@ -2107,7 +2107,7 @@
           <a:p>
             <a:fld id="{E142A079-F624-4F06-8292-7991D53C206B}" type="datetimeFigureOut">
               <a:rPr lang="es-419" smtClean="0"/>
-              <a:t>29/1/2020</a:t>
+              <a:t>31/1/2020</a:t>
             </a:fld>
             <a:endParaRPr lang="es-419"/>
           </a:p>
@@ -2360,7 +2360,7 @@
           <a:p>
             <a:fld id="{E142A079-F624-4F06-8292-7991D53C206B}" type="datetimeFigureOut">
               <a:rPr lang="es-419" smtClean="0"/>
-              <a:t>29/1/2020</a:t>
+              <a:t>31/1/2020</a:t>
             </a:fld>
             <a:endParaRPr lang="es-419"/>
           </a:p>
@@ -2573,7 +2573,7 @@
           <a:p>
             <a:fld id="{E142A079-F624-4F06-8292-7991D53C206B}" type="datetimeFigureOut">
               <a:rPr lang="es-419" smtClean="0"/>
-              <a:t>29/1/2020</a:t>
+              <a:t>31/1/2020</a:t>
             </a:fld>
             <a:endParaRPr lang="es-419"/>
           </a:p>
@@ -3053,111 +3053,42 @@
           <a:chExt cx="0" cy="0"/>
         </a:xfrm>
       </p:grpSpPr>
-      <p:sp>
-        <p:nvSpPr>
-          <p:cNvPr id="78" name="Rectángulo 77"/>
-          <p:cNvSpPr/>
-          <p:nvPr/>
-        </p:nvSpPr>
-        <p:spPr>
-          <a:xfrm>
-            <a:off x="360608" y="3230508"/>
-            <a:ext cx="3000777" cy="1284814"/>
-          </a:xfrm>
-          <a:prstGeom prst="rect">
-            <a:avLst/>
-          </a:prstGeom>
-          <a:solidFill>
-            <a:schemeClr val="accent3">
-              <a:alpha val="42000"/>
-            </a:schemeClr>
-          </a:solidFill>
-        </p:spPr>
-        <p:style>
-          <a:lnRef idx="2">
-            <a:schemeClr val="accent3">
-              <a:shade val="50000"/>
-            </a:schemeClr>
-          </a:lnRef>
-          <a:fillRef idx="1">
-            <a:schemeClr val="accent3"/>
-          </a:fillRef>
-          <a:effectRef idx="0">
-            <a:schemeClr val="accent3"/>
-          </a:effectRef>
-          <a:fontRef idx="minor">
-            <a:schemeClr val="lt1"/>
-          </a:fontRef>
-        </p:style>
-        <p:txBody>
-          <a:bodyPr rtlCol="0" anchor="ctr"/>
-          <a:lstStyle/>
-          <a:p>
-            <a:pPr algn="ctr"/>
-            <a:endParaRPr lang="es-419"/>
-          </a:p>
-        </p:txBody>
-      </p:sp>
-      <p:sp>
-        <p:nvSpPr>
-          <p:cNvPr id="8" name="Rectángulo 7"/>
-          <p:cNvSpPr/>
-          <p:nvPr/>
-        </p:nvSpPr>
-        <p:spPr>
-          <a:xfrm>
-            <a:off x="4483235" y="1724101"/>
-            <a:ext cx="1043188" cy="576000"/>
-          </a:xfrm>
-          <a:prstGeom prst="rect">
-            <a:avLst/>
-          </a:prstGeom>
-        </p:spPr>
-        <p:style>
-          <a:lnRef idx="2">
-            <a:schemeClr val="accent1">
-              <a:shade val="50000"/>
-            </a:schemeClr>
-          </a:lnRef>
-          <a:fillRef idx="1">
-            <a:schemeClr val="accent1"/>
-          </a:fillRef>
-          <a:effectRef idx="0">
-            <a:schemeClr val="accent1"/>
-          </a:effectRef>
-          <a:fontRef idx="minor">
-            <a:schemeClr val="lt1"/>
-          </a:fontRef>
-        </p:style>
-        <p:txBody>
-          <a:bodyPr rtlCol="0" anchor="ctr"/>
-          <a:lstStyle/>
-          <a:p>
-            <a:pPr algn="ctr"/>
-            <a:r>
-              <a:rPr lang="es-CL" dirty="0" err="1" smtClean="0"/>
-              <a:t>semiper</a:t>
-            </a:r>
-            <a:endParaRPr lang="es-CL" dirty="0" smtClean="0"/>
-          </a:p>
-          <a:p>
-            <a:pPr algn="ctr"/>
-            <a:r>
-              <a:rPr lang="es-CL" dirty="0" smtClean="0"/>
-              <a:t>(</a:t>
-            </a:r>
-            <a:r>
-              <a:rPr lang="es-CL" dirty="0" err="1" smtClean="0"/>
-              <a:t>obj</a:t>
-            </a:r>
-            <a:r>
-              <a:rPr lang="es-CL" dirty="0" smtClean="0"/>
-              <a:t>)z</a:t>
-            </a:r>
-            <a:endParaRPr lang="es-419" dirty="0"/>
-          </a:p>
-        </p:txBody>
-      </p:sp>
+      <p:cxnSp>
+        <p:nvCxnSpPr>
+          <p:cNvPr id="97" name="Conector angular 96"/>
+          <p:cNvCxnSpPr>
+            <a:stCxn id="85" idx="1"/>
+            <a:endCxn id="47" idx="2"/>
+          </p:cNvCxnSpPr>
+          <p:nvPr/>
+        </p:nvCxnSpPr>
+        <p:spPr>
+          <a:xfrm rot="10800000">
+            <a:off x="1707074" y="2497241"/>
+            <a:ext cx="8241093" cy="3609079"/>
+          </a:xfrm>
+          <a:prstGeom prst="bentConnector2">
+            <a:avLst/>
+          </a:prstGeom>
+          <a:ln w="38100">
+            <a:tailEnd type="triangle"/>
+          </a:ln>
+        </p:spPr>
+        <p:style>
+          <a:lnRef idx="1">
+            <a:schemeClr val="accent1"/>
+          </a:lnRef>
+          <a:fillRef idx="0">
+            <a:schemeClr val="accent1"/>
+          </a:fillRef>
+          <a:effectRef idx="0">
+            <a:schemeClr val="accent1"/>
+          </a:effectRef>
+          <a:fontRef idx="minor">
+            <a:schemeClr val="tx1"/>
+          </a:fontRef>
+        </p:style>
+      </p:cxnSp>
       <p:sp>
         <p:nvSpPr>
           <p:cNvPr id="33" name="Datos 32"/>
@@ -3166,8 +3097,8 @@
         </p:nvSpPr>
         <p:spPr>
           <a:xfrm>
-            <a:off x="7320769" y="1327114"/>
-            <a:ext cx="1634742" cy="576000"/>
+            <a:off x="8193898" y="1517253"/>
+            <a:ext cx="2178719" cy="1400030"/>
           </a:xfrm>
           <a:prstGeom prst="flowChartInputOutput">
             <a:avLst/>
@@ -3193,17 +3124,33 @@
           <a:bodyPr rtlCol="0" anchor="ctr"/>
           <a:lstStyle/>
           <a:p>
-            <a:pPr algn="ctr"/>
             <a:r>
               <a:rPr lang="es-CL" sz="1600" dirty="0" smtClean="0"/>
-              <a:t>editar</a:t>
-            </a:r>
-          </a:p>
-          <a:p>
-            <a:pPr algn="ctr"/>
+              <a:t>Edición</a:t>
+            </a:r>
+          </a:p>
+          <a:p>
             <a:r>
               <a:rPr lang="es-CL" sz="1600" dirty="0" smtClean="0"/>
-              <a:t>actividad</a:t>
+              <a:t>- Periodo</a:t>
+            </a:r>
+          </a:p>
+          <a:p>
+            <a:r>
+              <a:rPr lang="es-CL" sz="1600" dirty="0" smtClean="0"/>
+              <a:t>- Actividad</a:t>
+            </a:r>
+          </a:p>
+          <a:p>
+            <a:r>
+              <a:rPr lang="es-CL" sz="1600" dirty="0" smtClean="0"/>
+              <a:t>- Noche</a:t>
+            </a:r>
+          </a:p>
+          <a:p>
+            <a:r>
+              <a:rPr lang="es-CL" sz="1600" dirty="0" smtClean="0"/>
+              <a:t>- Borra filtro</a:t>
             </a:r>
             <a:endParaRPr lang="es-419" sz="1600" dirty="0"/>
           </a:p>
@@ -3217,8 +3164,8 @@
         </p:nvSpPr>
         <p:spPr>
           <a:xfrm>
-            <a:off x="180304" y="5297834"/>
-            <a:ext cx="4726662" cy="1384995"/>
+            <a:off x="2965320" y="4481371"/>
+            <a:ext cx="5032460" cy="1384995"/>
           </a:xfrm>
           <a:prstGeom prst="rect">
             <a:avLst/>
@@ -3247,7 +3194,7 @@
                 </a:solidFill>
                 <a:latin typeface="Consolas" panose="020B0609020204030204" pitchFamily="49" charset="0"/>
               </a:rPr>
-              <a:t>tosleep</a:t>
+              <a:t>ininoc</a:t>
             </a:r>
             <a:r>
               <a:rPr lang="es-CL" sz="1400" b="1" dirty="0" smtClean="0">
@@ -3258,8 +3205,38 @@
                 </a:solidFill>
                 <a:latin typeface="Consolas" panose="020B0609020204030204" pitchFamily="49" charset="0"/>
               </a:rPr>
-              <a:t>: 12/05/2011 20:00 – 12/05/2011 20:15</a:t>
-            </a:r>
+              <a:t>:  12/05/2011 </a:t>
+            </a:r>
+            <a:r>
+              <a:rPr lang="es-CL" sz="1400" b="1" dirty="0" smtClean="0">
+                <a:solidFill>
+                  <a:schemeClr val="accent5">
+                    <a:lumMod val="75000"/>
+                  </a:schemeClr>
+                </a:solidFill>
+                <a:latin typeface="Consolas" panose="020B0609020204030204" pitchFamily="49" charset="0"/>
+              </a:rPr>
+              <a:t>20:00 – 12/05/2011 </a:t>
+            </a:r>
+            <a:r>
+              <a:rPr lang="es-CL" sz="1400" b="1" dirty="0" smtClean="0">
+                <a:solidFill>
+                  <a:schemeClr val="accent5">
+                    <a:lumMod val="75000"/>
+                  </a:schemeClr>
+                </a:solidFill>
+                <a:latin typeface="Consolas" panose="020B0609020204030204" pitchFamily="49" charset="0"/>
+              </a:rPr>
+              <a:t>20:15 = 3</a:t>
+            </a:r>
+            <a:endParaRPr lang="es-CL" sz="1400" b="1" dirty="0" smtClean="0">
+              <a:solidFill>
+                <a:schemeClr val="accent5">
+                  <a:lumMod val="75000"/>
+                </a:schemeClr>
+              </a:solidFill>
+              <a:latin typeface="Consolas" panose="020B0609020204030204" pitchFamily="49" charset="0"/>
+            </a:endParaRPr>
           </a:p>
           <a:p>
             <a:r>
@@ -3282,8 +3259,27 @@
                 </a:solidFill>
                 <a:latin typeface="Consolas" panose="020B0609020204030204" pitchFamily="49" charset="0"/>
               </a:rPr>
-              <a:t>: 12/05/2011 20:00 – 13/05/2011 20:15</a:t>
-            </a:r>
+              <a:t>: 12/05/2011 20:00 – 13/05/2011 </a:t>
+            </a:r>
+            <a:r>
+              <a:rPr lang="es-CL" sz="1400" b="1" dirty="0" smtClean="0">
+                <a:solidFill>
+                  <a:schemeClr val="accent4">
+                    <a:lumMod val="50000"/>
+                  </a:schemeClr>
+                </a:solidFill>
+                <a:latin typeface="Consolas" panose="020B0609020204030204" pitchFamily="49" charset="0"/>
+              </a:rPr>
+              <a:t>20:15 = 2</a:t>
+            </a:r>
+            <a:endParaRPr lang="es-CL" sz="1400" b="1" dirty="0" smtClean="0">
+              <a:solidFill>
+                <a:schemeClr val="accent4">
+                  <a:lumMod val="50000"/>
+                </a:schemeClr>
+              </a:solidFill>
+              <a:latin typeface="Consolas" panose="020B0609020204030204" pitchFamily="49" charset="0"/>
+            </a:endParaRPr>
           </a:p>
           <a:p>
             <a:endParaRPr lang="es-CL" sz="1400" b="1" dirty="0">
@@ -3319,7 +3315,7 @@
                 </a:solidFill>
                 <a:latin typeface="Consolas" panose="020B0609020204030204" pitchFamily="49" charset="0"/>
               </a:rPr>
-              <a:t>: 12/05/2011 20:00 – 13/05/2011 </a:t>
+              <a:t>: </a:t>
             </a:r>
             <a:r>
               <a:rPr lang="es-CL" sz="1400" b="1" dirty="0" smtClean="0">
@@ -3328,7 +3324,25 @@
                 </a:solidFill>
                 <a:latin typeface="Consolas" panose="020B0609020204030204" pitchFamily="49" charset="0"/>
               </a:rPr>
-              <a:t>06:00</a:t>
+              <a:t> 12/05/2011 </a:t>
+            </a:r>
+            <a:r>
+              <a:rPr lang="es-CL" sz="1400" b="1" dirty="0">
+                <a:solidFill>
+                  <a:srgbClr val="C00000"/>
+                </a:solidFill>
+                <a:latin typeface="Consolas" panose="020B0609020204030204" pitchFamily="49" charset="0"/>
+              </a:rPr>
+              <a:t>20:00 – 13/05/2011 </a:t>
+            </a:r>
+            <a:r>
+              <a:rPr lang="es-CL" sz="1400" b="1" dirty="0" smtClean="0">
+                <a:solidFill>
+                  <a:srgbClr val="C00000"/>
+                </a:solidFill>
+                <a:latin typeface="Consolas" panose="020B0609020204030204" pitchFamily="49" charset="0"/>
+              </a:rPr>
+              <a:t>06:00 = 1</a:t>
             </a:r>
             <a:endParaRPr lang="es-419" sz="1400" b="1" dirty="0">
               <a:solidFill>
@@ -3341,14 +3355,524 @@
       </p:sp>
       <p:sp>
         <p:nvSpPr>
-          <p:cNvPr id="45" name="Rectángulo 44"/>
+          <p:cNvPr id="46" name="CuadroTexto 45"/>
+          <p:cNvSpPr txBox="1"/>
+          <p:nvPr/>
+        </p:nvSpPr>
+        <p:spPr>
+          <a:xfrm>
+            <a:off x="180304" y="180304"/>
+            <a:ext cx="11552350" cy="892552"/>
+          </a:xfrm>
+          <a:prstGeom prst="rect">
+            <a:avLst/>
+          </a:prstGeom>
+          <a:noFill/>
+        </p:spPr>
+        <p:txBody>
+          <a:bodyPr wrap="square" rtlCol="0">
+            <a:spAutoFit/>
+          </a:bodyPr>
+          <a:lstStyle/>
+          <a:p>
+            <a:r>
+              <a:rPr lang="es-CL" sz="2400" b="1" dirty="0" err="1" smtClean="0"/>
+              <a:t>Seccion</a:t>
+            </a:r>
+            <a:r>
+              <a:rPr lang="es-CL" sz="2400" b="1" dirty="0" smtClean="0"/>
+              <a:t> 3</a:t>
+            </a:r>
+            <a:r>
+              <a:rPr lang="es-CL" sz="2400" dirty="0" smtClean="0"/>
+              <a:t>: </a:t>
+            </a:r>
+            <a:r>
+              <a:rPr lang="es-CL" sz="2400" b="1" dirty="0" smtClean="0"/>
+              <a:t>Proceso </a:t>
+            </a:r>
+            <a:r>
+              <a:rPr lang="es-CL" sz="2400" b="1" dirty="0" smtClean="0"/>
+              <a:t>Editar</a:t>
+            </a:r>
+          </a:p>
+          <a:p>
+            <a:r>
+              <a:rPr lang="es-CL" sz="1400" dirty="0" smtClean="0"/>
+              <a:t>Al seleccionar o existir un </a:t>
+            </a:r>
+            <a:r>
+              <a:rPr lang="es-CL" sz="1400" b="1" dirty="0" err="1" smtClean="0"/>
+              <a:t>awdfile</a:t>
+            </a:r>
+            <a:r>
+              <a:rPr lang="es-CL" sz="1400" dirty="0" smtClean="0"/>
+              <a:t>() se carga el </a:t>
+            </a:r>
+            <a:r>
+              <a:rPr lang="es-CL" sz="1400" dirty="0"/>
+              <a:t>correspondiente </a:t>
+            </a:r>
+            <a:r>
+              <a:rPr lang="es-CL" sz="1400" b="1" dirty="0" err="1" smtClean="0"/>
+              <a:t>acveditRDS</a:t>
+            </a:r>
+            <a:r>
+              <a:rPr lang="es-CL" sz="1400" dirty="0" smtClean="0"/>
+              <a:t>()</a:t>
+            </a:r>
+            <a:r>
+              <a:rPr lang="es-CL" sz="1400" dirty="0"/>
+              <a:t> y el </a:t>
+            </a:r>
+            <a:r>
+              <a:rPr lang="es-CL" sz="1400" b="1" dirty="0" err="1" smtClean="0"/>
+              <a:t>filterRDS</a:t>
+            </a:r>
+            <a:r>
+              <a:rPr lang="es-CL" sz="1400" dirty="0" smtClean="0"/>
+              <a:t>() los cuales están en un </a:t>
+            </a:r>
+            <a:r>
+              <a:rPr lang="es-CL" sz="1400" b="1" dirty="0" err="1" smtClean="0"/>
+              <a:t>reactivePoll</a:t>
+            </a:r>
+            <a:r>
+              <a:rPr lang="es-CL" sz="1400" dirty="0" smtClean="0"/>
+              <a:t> que chequea cada ½ segundo si hay cambios en la fecha de modificación. Entonces el cambio o edición depende de modificar el archivo.</a:t>
+            </a:r>
+            <a:endParaRPr lang="es-CL" sz="1400" dirty="0" smtClean="0"/>
+          </a:p>
+        </p:txBody>
+      </p:sp>
+      <p:sp>
+        <p:nvSpPr>
+          <p:cNvPr id="47" name="Rectángulo 46"/>
           <p:cNvSpPr/>
           <p:nvPr/>
         </p:nvSpPr>
         <p:spPr>
           <a:xfrm>
-            <a:off x="2635114" y="1724101"/>
-            <a:ext cx="1345845" cy="576000"/>
+            <a:off x="897515" y="1921240"/>
+            <a:ext cx="1619115" cy="576000"/>
+          </a:xfrm>
+          <a:prstGeom prst="rect">
+            <a:avLst/>
+          </a:prstGeom>
+        </p:spPr>
+        <p:style>
+          <a:lnRef idx="2">
+            <a:schemeClr val="accent4">
+              <a:shade val="50000"/>
+            </a:schemeClr>
+          </a:lnRef>
+          <a:fillRef idx="1">
+            <a:schemeClr val="accent4"/>
+          </a:fillRef>
+          <a:effectRef idx="0">
+            <a:schemeClr val="accent4"/>
+          </a:effectRef>
+          <a:fontRef idx="minor">
+            <a:schemeClr val="lt1"/>
+          </a:fontRef>
+        </p:style>
+        <p:txBody>
+          <a:bodyPr rtlCol="0" anchor="ctr"/>
+          <a:lstStyle/>
+          <a:p>
+            <a:pPr algn="ctr"/>
+            <a:r>
+              <a:rPr lang="es-CL" sz="1600" dirty="0">
+                <a:solidFill>
+                  <a:schemeClr val="accent1">
+                    <a:lumMod val="50000"/>
+                  </a:schemeClr>
+                </a:solidFill>
+              </a:rPr>
+              <a:t>"_</a:t>
+            </a:r>
+            <a:r>
+              <a:rPr lang="es-CL" sz="1600" dirty="0" err="1">
+                <a:solidFill>
+                  <a:schemeClr val="accent1">
+                    <a:lumMod val="50000"/>
+                  </a:schemeClr>
+                </a:solidFill>
+              </a:rPr>
+              <a:t>acv.edit.RDS</a:t>
+            </a:r>
+            <a:r>
+              <a:rPr lang="es-CL" sz="1600" dirty="0">
+                <a:solidFill>
+                  <a:schemeClr val="accent1">
+                    <a:lumMod val="50000"/>
+                  </a:schemeClr>
+                </a:solidFill>
+              </a:rPr>
+              <a:t>"</a:t>
+            </a:r>
+            <a:endParaRPr lang="es-419" sz="1600" dirty="0">
+              <a:solidFill>
+                <a:schemeClr val="accent1">
+                  <a:lumMod val="50000"/>
+                </a:schemeClr>
+              </a:solidFill>
+            </a:endParaRPr>
+          </a:p>
+        </p:txBody>
+      </p:sp>
+      <p:sp>
+        <p:nvSpPr>
+          <p:cNvPr id="51" name="Rectángulo 50"/>
+          <p:cNvSpPr/>
+          <p:nvPr/>
+        </p:nvSpPr>
+        <p:spPr>
+          <a:xfrm>
+            <a:off x="897515" y="3248222"/>
+            <a:ext cx="1619114" cy="576000"/>
+          </a:xfrm>
+          <a:prstGeom prst="rect">
+            <a:avLst/>
+          </a:prstGeom>
+        </p:spPr>
+        <p:style>
+          <a:lnRef idx="2">
+            <a:schemeClr val="accent4">
+              <a:shade val="50000"/>
+            </a:schemeClr>
+          </a:lnRef>
+          <a:fillRef idx="1">
+            <a:schemeClr val="accent4"/>
+          </a:fillRef>
+          <a:effectRef idx="0">
+            <a:schemeClr val="accent4"/>
+          </a:effectRef>
+          <a:fontRef idx="minor">
+            <a:schemeClr val="lt1"/>
+          </a:fontRef>
+        </p:style>
+        <p:txBody>
+          <a:bodyPr rtlCol="0" anchor="ctr"/>
+          <a:lstStyle/>
+          <a:p>
+            <a:pPr algn="ctr"/>
+            <a:r>
+              <a:rPr lang="es-CL" sz="1600" dirty="0">
+                <a:solidFill>
+                  <a:schemeClr val="accent1">
+                    <a:lumMod val="50000"/>
+                  </a:schemeClr>
+                </a:solidFill>
+              </a:rPr>
+              <a:t>".</a:t>
+            </a:r>
+            <a:r>
+              <a:rPr lang="es-CL" sz="1600" dirty="0" err="1">
+                <a:solidFill>
+                  <a:schemeClr val="accent1">
+                    <a:lumMod val="50000"/>
+                  </a:schemeClr>
+                </a:solidFill>
+              </a:rPr>
+              <a:t>edit.RDS</a:t>
+            </a:r>
+            <a:r>
+              <a:rPr lang="es-CL" sz="1600" dirty="0">
+                <a:solidFill>
+                  <a:schemeClr val="accent1">
+                    <a:lumMod val="50000"/>
+                  </a:schemeClr>
+                </a:solidFill>
+              </a:rPr>
+              <a:t>"</a:t>
+            </a:r>
+            <a:endParaRPr lang="es-419" sz="1600" dirty="0">
+              <a:solidFill>
+                <a:schemeClr val="accent1">
+                  <a:lumMod val="50000"/>
+                </a:schemeClr>
+              </a:solidFill>
+            </a:endParaRPr>
+          </a:p>
+        </p:txBody>
+      </p:sp>
+      <p:sp>
+        <p:nvSpPr>
+          <p:cNvPr id="52" name="Rectángulo redondeado 51"/>
+          <p:cNvSpPr/>
+          <p:nvPr/>
+        </p:nvSpPr>
+        <p:spPr>
+          <a:xfrm>
+            <a:off x="2965320" y="1921240"/>
+            <a:ext cx="1004552" cy="576000"/>
+          </a:xfrm>
+          <a:prstGeom prst="roundRect">
+            <a:avLst/>
+          </a:prstGeom>
+        </p:spPr>
+        <p:style>
+          <a:lnRef idx="2">
+            <a:schemeClr val="accent2">
+              <a:shade val="50000"/>
+            </a:schemeClr>
+          </a:lnRef>
+          <a:fillRef idx="1">
+            <a:schemeClr val="accent2"/>
+          </a:fillRef>
+          <a:effectRef idx="0">
+            <a:schemeClr val="accent2"/>
+          </a:effectRef>
+          <a:fontRef idx="minor">
+            <a:schemeClr val="lt1"/>
+          </a:fontRef>
+        </p:style>
+        <p:txBody>
+          <a:bodyPr rtlCol="0" anchor="ctr"/>
+          <a:lstStyle/>
+          <a:p>
+            <a:pPr algn="ctr"/>
+            <a:r>
+              <a:rPr lang="es-CL" dirty="0" err="1" smtClean="0"/>
+              <a:t>check</a:t>
+            </a:r>
+            <a:endParaRPr lang="es-CL" dirty="0" smtClean="0"/>
+          </a:p>
+          <a:p>
+            <a:pPr algn="ctr"/>
+            <a:r>
+              <a:rPr lang="es-CL" dirty="0" err="1" smtClean="0"/>
+              <a:t>acvfilter</a:t>
+            </a:r>
+            <a:endParaRPr lang="es-419" dirty="0"/>
+          </a:p>
+        </p:txBody>
+      </p:sp>
+      <p:sp>
+        <p:nvSpPr>
+          <p:cNvPr id="67" name="Rectángulo 66"/>
+          <p:cNvSpPr/>
+          <p:nvPr/>
+        </p:nvSpPr>
+        <p:spPr>
+          <a:xfrm>
+            <a:off x="9948166" y="3936942"/>
+            <a:ext cx="1133340" cy="576000"/>
+          </a:xfrm>
+          <a:prstGeom prst="rect">
+            <a:avLst/>
+          </a:prstGeom>
+        </p:spPr>
+        <p:style>
+          <a:lnRef idx="2">
+            <a:schemeClr val="accent5">
+              <a:shade val="50000"/>
+            </a:schemeClr>
+          </a:lnRef>
+          <a:fillRef idx="1">
+            <a:schemeClr val="accent5"/>
+          </a:fillRef>
+          <a:effectRef idx="0">
+            <a:schemeClr val="accent5"/>
+          </a:effectRef>
+          <a:fontRef idx="minor">
+            <a:schemeClr val="lt1"/>
+          </a:fontRef>
+        </p:style>
+        <p:txBody>
+          <a:bodyPr rtlCol="0" anchor="ctr"/>
+          <a:lstStyle/>
+          <a:p>
+            <a:pPr algn="ctr"/>
+            <a:r>
+              <a:rPr lang="es-CL" dirty="0" err="1" smtClean="0"/>
+              <a:t>Button</a:t>
+            </a:r>
+            <a:r>
+              <a:rPr lang="es-CL" dirty="0" smtClean="0"/>
+              <a:t> </a:t>
+            </a:r>
+          </a:p>
+          <a:p>
+            <a:pPr algn="ctr"/>
+            <a:r>
+              <a:rPr lang="es-CL" dirty="0" err="1" smtClean="0"/>
+              <a:t>Action</a:t>
+            </a:r>
+            <a:endParaRPr lang="es-419" dirty="0"/>
+          </a:p>
+        </p:txBody>
+      </p:sp>
+      <p:sp>
+        <p:nvSpPr>
+          <p:cNvPr id="74" name="Rectángulo redondeado 73"/>
+          <p:cNvSpPr/>
+          <p:nvPr/>
+        </p:nvSpPr>
+        <p:spPr>
+          <a:xfrm>
+            <a:off x="9948166" y="4977610"/>
+            <a:ext cx="1133340" cy="576000"/>
+          </a:xfrm>
+          <a:prstGeom prst="roundRect">
+            <a:avLst/>
+          </a:prstGeom>
+        </p:spPr>
+        <p:style>
+          <a:lnRef idx="2">
+            <a:schemeClr val="accent2">
+              <a:shade val="50000"/>
+            </a:schemeClr>
+          </a:lnRef>
+          <a:fillRef idx="1">
+            <a:schemeClr val="accent2"/>
+          </a:fillRef>
+          <a:effectRef idx="0">
+            <a:schemeClr val="accent2"/>
+          </a:effectRef>
+          <a:fontRef idx="minor">
+            <a:schemeClr val="lt1"/>
+          </a:fontRef>
+        </p:style>
+        <p:txBody>
+          <a:bodyPr rtlCol="0" anchor="ctr"/>
+          <a:lstStyle/>
+          <a:p>
+            <a:pPr algn="ctr"/>
+            <a:r>
+              <a:rPr lang="es-CL" dirty="0" err="1" smtClean="0"/>
+              <a:t>update</a:t>
+            </a:r>
+            <a:endParaRPr lang="es-CL" dirty="0" smtClean="0"/>
+          </a:p>
+          <a:p>
+            <a:pPr algn="ctr"/>
+            <a:r>
+              <a:rPr lang="es-CL" dirty="0" err="1" smtClean="0"/>
+              <a:t>filter</a:t>
+            </a:r>
+            <a:endParaRPr lang="es-419" dirty="0"/>
+          </a:p>
+        </p:txBody>
+      </p:sp>
+      <p:sp>
+        <p:nvSpPr>
+          <p:cNvPr id="75" name="Rectángulo 74"/>
+          <p:cNvSpPr/>
+          <p:nvPr/>
+        </p:nvSpPr>
+        <p:spPr>
+          <a:xfrm>
+            <a:off x="6287943" y="3257087"/>
+            <a:ext cx="1043188" cy="576000"/>
+          </a:xfrm>
+          <a:prstGeom prst="rect">
+            <a:avLst/>
+          </a:prstGeom>
+        </p:spPr>
+        <p:style>
+          <a:lnRef idx="2">
+            <a:schemeClr val="accent4">
+              <a:shade val="50000"/>
+            </a:schemeClr>
+          </a:lnRef>
+          <a:fillRef idx="1">
+            <a:schemeClr val="accent4"/>
+          </a:fillRef>
+          <a:effectRef idx="0">
+            <a:schemeClr val="accent4"/>
+          </a:effectRef>
+          <a:fontRef idx="minor">
+            <a:schemeClr val="lt1"/>
+          </a:fontRef>
+        </p:style>
+        <p:txBody>
+          <a:bodyPr rtlCol="0" anchor="ctr"/>
+          <a:lstStyle/>
+          <a:p>
+            <a:pPr algn="ctr"/>
+            <a:r>
+              <a:rPr lang="es-CL" sz="1600" dirty="0" smtClean="0"/>
+              <a:t>Sho</a:t>
+            </a:r>
+            <a:r>
+              <a:rPr lang="es-CL" sz="1600" dirty="0" smtClean="0"/>
+              <a:t>w </a:t>
+            </a:r>
+          </a:p>
+          <a:p>
+            <a:pPr algn="ctr"/>
+            <a:r>
+              <a:rPr lang="es-CL" sz="1600" dirty="0" smtClean="0"/>
+              <a:t>filtro</a:t>
+            </a:r>
+            <a:endParaRPr lang="es-419" sz="1600" dirty="0"/>
+          </a:p>
+        </p:txBody>
+      </p:sp>
+      <p:sp>
+        <p:nvSpPr>
+          <p:cNvPr id="85" name="Rectángulo redondeado 84"/>
+          <p:cNvSpPr/>
+          <p:nvPr/>
+        </p:nvSpPr>
+        <p:spPr>
+          <a:xfrm>
+            <a:off x="9948166" y="5818319"/>
+            <a:ext cx="1133340" cy="576000"/>
+          </a:xfrm>
+          <a:prstGeom prst="roundRect">
+            <a:avLst/>
+          </a:prstGeom>
+        </p:spPr>
+        <p:style>
+          <a:lnRef idx="2">
+            <a:schemeClr val="accent2">
+              <a:shade val="50000"/>
+            </a:schemeClr>
+          </a:lnRef>
+          <a:fillRef idx="1">
+            <a:schemeClr val="accent2"/>
+          </a:fillRef>
+          <a:effectRef idx="0">
+            <a:schemeClr val="accent2"/>
+          </a:effectRef>
+          <a:fontRef idx="minor">
+            <a:schemeClr val="lt1"/>
+          </a:fontRef>
+        </p:style>
+        <p:txBody>
+          <a:bodyPr rtlCol="0" anchor="ctr"/>
+          <a:lstStyle/>
+          <a:p>
+            <a:pPr algn="ctr"/>
+            <a:r>
+              <a:rPr lang="es-CL" dirty="0" err="1" smtClean="0"/>
+              <a:t>update</a:t>
+            </a:r>
+            <a:endParaRPr lang="es-CL" dirty="0" smtClean="0"/>
+          </a:p>
+          <a:p>
+            <a:pPr algn="ctr"/>
+            <a:r>
+              <a:rPr lang="es-CL" dirty="0" err="1" smtClean="0"/>
+              <a:t>acv.edit</a:t>
+            </a:r>
+            <a:endParaRPr lang="es-419" dirty="0"/>
+          </a:p>
+        </p:txBody>
+      </p:sp>
+      <p:sp>
+        <p:nvSpPr>
+          <p:cNvPr id="42" name="Rectángulo 41"/>
+          <p:cNvSpPr/>
+          <p:nvPr/>
+        </p:nvSpPr>
+        <p:spPr>
+          <a:xfrm>
+            <a:off x="4418563" y="1501197"/>
+            <a:ext cx="1435219" cy="1416086"/>
           </a:xfrm>
           <a:prstGeom prst="rect">
             <a:avLst/>
@@ -3374,147 +3898,289 @@
           <a:bodyPr rtlCol="0" anchor="ctr"/>
           <a:lstStyle/>
           <a:p>
-            <a:pPr algn="ctr"/>
-            <a:r>
-              <a:rPr lang="es-CL" dirty="0" err="1" smtClean="0"/>
-              <a:t>semiperEdit</a:t>
-            </a:r>
-            <a:r>
-              <a:rPr lang="es-CL" dirty="0" smtClean="0"/>
-              <a:t>(lista)</a:t>
-            </a:r>
-            <a:endParaRPr lang="es-419" dirty="0"/>
-          </a:p>
-        </p:txBody>
-      </p:sp>
-      <p:cxnSp>
-        <p:nvCxnSpPr>
-          <p:cNvPr id="7" name="Conector recto de flecha 6"/>
-          <p:cNvCxnSpPr>
-            <a:stCxn id="45" idx="3"/>
-            <a:endCxn id="8" idx="1"/>
-          </p:cNvCxnSpPr>
-          <p:nvPr/>
-        </p:nvCxnSpPr>
-        <p:spPr>
-          <a:xfrm>
-            <a:off x="3980959" y="2012101"/>
-            <a:ext cx="502276" cy="0"/>
-          </a:xfrm>
-          <a:prstGeom prst="straightConnector1">
-            <a:avLst/>
-          </a:prstGeom>
-          <a:ln w="38100">
-            <a:tailEnd type="triangle"/>
-          </a:ln>
-        </p:spPr>
-        <p:style>
-          <a:lnRef idx="1">
-            <a:schemeClr val="accent1"/>
-          </a:lnRef>
-          <a:fillRef idx="0">
-            <a:schemeClr val="accent1"/>
-          </a:fillRef>
-          <a:effectRef idx="0">
-            <a:schemeClr val="accent1"/>
-          </a:effectRef>
-          <a:fontRef idx="minor">
-            <a:schemeClr val="tx1"/>
-          </a:fontRef>
-        </p:style>
-      </p:cxnSp>
-      <p:sp>
-        <p:nvSpPr>
-          <p:cNvPr id="46" name="CuadroTexto 45"/>
-          <p:cNvSpPr txBox="1"/>
-          <p:nvPr/>
-        </p:nvSpPr>
-        <p:spPr>
-          <a:xfrm>
-            <a:off x="180304" y="180304"/>
-            <a:ext cx="11552350" cy="954107"/>
+            <a:r>
+              <a:rPr lang="es-CL" sz="1600" dirty="0" err="1" smtClean="0"/>
+              <a:t>acveditRDS</a:t>
+            </a:r>
+            <a:r>
+              <a:rPr lang="es-CL" sz="1600" dirty="0" smtClean="0"/>
+              <a:t>()</a:t>
+            </a:r>
+          </a:p>
+          <a:p>
+            <a:r>
+              <a:rPr lang="es-CL" sz="1600" dirty="0" smtClean="0">
+                <a:solidFill>
+                  <a:schemeClr val="accent1">
+                    <a:lumMod val="50000"/>
+                  </a:schemeClr>
+                </a:solidFill>
+              </a:rPr>
+              <a:t>- </a:t>
+            </a:r>
+            <a:r>
+              <a:rPr lang="es-CL" sz="1600" dirty="0" err="1" smtClean="0">
+                <a:solidFill>
+                  <a:schemeClr val="accent1">
+                    <a:lumMod val="50000"/>
+                  </a:schemeClr>
+                </a:solidFill>
+              </a:rPr>
+              <a:t>semiper</a:t>
+            </a:r>
+            <a:endParaRPr lang="es-CL" sz="1600" dirty="0" smtClean="0">
+              <a:solidFill>
+                <a:schemeClr val="accent1">
+                  <a:lumMod val="50000"/>
+                </a:schemeClr>
+              </a:solidFill>
+            </a:endParaRPr>
+          </a:p>
+          <a:p>
+            <a:r>
+              <a:rPr lang="es-CL" sz="1600" dirty="0" smtClean="0">
+                <a:solidFill>
+                  <a:schemeClr val="accent1">
+                    <a:lumMod val="50000"/>
+                  </a:schemeClr>
+                </a:solidFill>
+              </a:rPr>
+              <a:t>- </a:t>
+            </a:r>
+            <a:r>
+              <a:rPr lang="es-CL" sz="1600" dirty="0" err="1" smtClean="0">
+                <a:solidFill>
+                  <a:schemeClr val="accent1">
+                    <a:lumMod val="50000"/>
+                  </a:schemeClr>
+                </a:solidFill>
+              </a:rPr>
+              <a:t>filtroNA</a:t>
+            </a:r>
+            <a:endParaRPr lang="es-CL" sz="1600" dirty="0" smtClean="0">
+              <a:solidFill>
+                <a:schemeClr val="accent1">
+                  <a:lumMod val="50000"/>
+                </a:schemeClr>
+              </a:solidFill>
+            </a:endParaRPr>
+          </a:p>
+          <a:p>
+            <a:r>
+              <a:rPr lang="es-CL" sz="1600" dirty="0" smtClean="0">
+                <a:solidFill>
+                  <a:schemeClr val="accent1">
+                    <a:lumMod val="50000"/>
+                  </a:schemeClr>
+                </a:solidFill>
+              </a:rPr>
+              <a:t>- </a:t>
+            </a:r>
+            <a:r>
+              <a:rPr lang="es-CL" sz="1600" dirty="0" err="1" smtClean="0">
+                <a:solidFill>
+                  <a:schemeClr val="accent1">
+                    <a:lumMod val="50000"/>
+                  </a:schemeClr>
+                </a:solidFill>
+              </a:rPr>
+              <a:t>filtroERROR</a:t>
+            </a:r>
+            <a:endParaRPr lang="es-CL" sz="1600" dirty="0" smtClean="0">
+              <a:solidFill>
+                <a:schemeClr val="accent1">
+                  <a:lumMod val="50000"/>
+                </a:schemeClr>
+              </a:solidFill>
+            </a:endParaRPr>
+          </a:p>
+          <a:p>
+            <a:r>
+              <a:rPr lang="es-CL" sz="1600" dirty="0" smtClean="0">
+                <a:solidFill>
+                  <a:schemeClr val="accent1">
+                    <a:lumMod val="50000"/>
+                  </a:schemeClr>
+                </a:solidFill>
+              </a:rPr>
+              <a:t>- </a:t>
+            </a:r>
+            <a:r>
+              <a:rPr lang="es-CL" sz="1600" dirty="0" err="1" smtClean="0">
+                <a:solidFill>
+                  <a:schemeClr val="accent1">
+                    <a:lumMod val="50000"/>
+                  </a:schemeClr>
+                </a:solidFill>
+              </a:rPr>
+              <a:t>timelist</a:t>
+            </a:r>
+            <a:endParaRPr lang="es-419" sz="1600" dirty="0">
+              <a:solidFill>
+                <a:schemeClr val="accent1">
+                  <a:lumMod val="50000"/>
+                </a:schemeClr>
+              </a:solidFill>
+            </a:endParaRPr>
+          </a:p>
+        </p:txBody>
+      </p:sp>
+      <p:sp>
+        <p:nvSpPr>
+          <p:cNvPr id="48" name="Rectángulo 47"/>
+          <p:cNvSpPr/>
+          <p:nvPr/>
+        </p:nvSpPr>
+        <p:spPr>
+          <a:xfrm>
+            <a:off x="4411298" y="3105741"/>
+            <a:ext cx="1435219" cy="869372"/>
           </a:xfrm>
           <a:prstGeom prst="rect">
             <a:avLst/>
           </a:prstGeom>
-          <a:noFill/>
-        </p:spPr>
-        <p:txBody>
-          <a:bodyPr wrap="square" rtlCol="0">
-            <a:spAutoFit/>
-          </a:bodyPr>
-          <a:lstStyle/>
-          <a:p>
-            <a:r>
-              <a:rPr lang="es-CL" sz="2400" b="1" dirty="0" err="1" smtClean="0"/>
-              <a:t>Seccion</a:t>
-            </a:r>
-            <a:r>
-              <a:rPr lang="es-CL" sz="2400" b="1" dirty="0" smtClean="0"/>
-              <a:t> 3</a:t>
-            </a:r>
-            <a:r>
-              <a:rPr lang="es-CL" sz="2400" dirty="0" smtClean="0"/>
-              <a:t>: </a:t>
-            </a:r>
-            <a:r>
-              <a:rPr lang="es-CL" sz="2400" b="1" dirty="0" smtClean="0"/>
-              <a:t>Proceso Editar</a:t>
-            </a:r>
-          </a:p>
-          <a:p>
+        </p:spPr>
+        <p:style>
+          <a:lnRef idx="2">
+            <a:schemeClr val="accent1">
+              <a:shade val="50000"/>
+            </a:schemeClr>
+          </a:lnRef>
+          <a:fillRef idx="1">
+            <a:schemeClr val="accent1"/>
+          </a:fillRef>
+          <a:effectRef idx="0">
+            <a:schemeClr val="accent1"/>
+          </a:effectRef>
+          <a:fontRef idx="minor">
+            <a:schemeClr val="lt1"/>
+          </a:fontRef>
+        </p:style>
+        <p:txBody>
+          <a:bodyPr rtlCol="0" anchor="ctr"/>
+          <a:lstStyle/>
+          <a:p>
+            <a:r>
+              <a:rPr lang="es-CL" sz="1600" dirty="0" err="1" smtClean="0"/>
+              <a:t>filterRDS</a:t>
+            </a:r>
             <a:r>
               <a:rPr lang="es-CL" sz="1600" dirty="0" smtClean="0"/>
-              <a:t>Al ejecutar la opción de editar Nos manda para la otra pestaña </a:t>
-            </a:r>
-            <a:r>
-              <a:rPr lang="es-CL" sz="1600" b="1" dirty="0" err="1" smtClean="0"/>
-              <a:t>acv.edit</a:t>
-            </a:r>
-            <a:r>
-              <a:rPr lang="es-CL" sz="1600" b="1" dirty="0" smtClean="0"/>
-              <a:t> es el que manda siempre</a:t>
-            </a:r>
-            <a:r>
-              <a:rPr lang="es-CL" sz="1600" dirty="0" smtClean="0"/>
-              <a:t> para sacar actividad, pero el filtro lo manda el archivo de filtro. Siempre por cada cambio, cada cosa se carga el </a:t>
-            </a:r>
+              <a:t>()</a:t>
+            </a:r>
+            <a:endParaRPr lang="es-CL" sz="1600" dirty="0" smtClean="0"/>
+          </a:p>
+          <a:p>
+            <a:r>
+              <a:rPr lang="es-CL" sz="1600" dirty="0" smtClean="0">
+                <a:solidFill>
+                  <a:schemeClr val="accent1">
+                    <a:lumMod val="50000"/>
+                  </a:schemeClr>
+                </a:solidFill>
+              </a:rPr>
+              <a:t>- </a:t>
+            </a:r>
+            <a:r>
+              <a:rPr lang="es-CL" sz="1600" dirty="0" err="1" smtClean="0">
+                <a:solidFill>
+                  <a:schemeClr val="accent1">
+                    <a:lumMod val="50000"/>
+                  </a:schemeClr>
+                </a:solidFill>
+              </a:rPr>
+              <a:t>header</a:t>
+            </a:r>
+            <a:endParaRPr lang="es-CL" sz="1600" dirty="0" smtClean="0">
+              <a:solidFill>
+                <a:schemeClr val="accent1">
+                  <a:lumMod val="50000"/>
+                </a:schemeClr>
+              </a:solidFill>
+            </a:endParaRPr>
+          </a:p>
+          <a:p>
+            <a:r>
+              <a:rPr lang="es-CL" sz="1600" dirty="0" smtClean="0">
+                <a:solidFill>
+                  <a:schemeClr val="accent1">
+                    <a:lumMod val="50000"/>
+                  </a:schemeClr>
+                </a:solidFill>
+              </a:rPr>
+              <a:t>- </a:t>
+            </a:r>
+            <a:r>
+              <a:rPr lang="es-CL" sz="1600" dirty="0" err="1" smtClean="0">
+                <a:solidFill>
+                  <a:schemeClr val="accent1">
+                    <a:lumMod val="50000"/>
+                  </a:schemeClr>
+                </a:solidFill>
+              </a:rPr>
+              <a:t>filter</a:t>
+            </a:r>
+            <a:endParaRPr lang="es-419" sz="1600" dirty="0">
+              <a:solidFill>
+                <a:schemeClr val="accent1">
+                  <a:lumMod val="50000"/>
+                </a:schemeClr>
+              </a:solidFill>
+            </a:endParaRPr>
+          </a:p>
+        </p:txBody>
+      </p:sp>
+      <p:sp>
+        <p:nvSpPr>
+          <p:cNvPr id="50" name="Rectángulo redondeado 49"/>
+          <p:cNvSpPr/>
+          <p:nvPr/>
+        </p:nvSpPr>
+        <p:spPr>
+          <a:xfrm>
+            <a:off x="2965320" y="3252427"/>
+            <a:ext cx="1004552" cy="576000"/>
+          </a:xfrm>
+          <a:prstGeom prst="roundRect">
+            <a:avLst/>
+          </a:prstGeom>
+        </p:spPr>
+        <p:style>
+          <a:lnRef idx="2">
+            <a:schemeClr val="accent2"/>
+          </a:lnRef>
+          <a:fillRef idx="1">
+            <a:schemeClr val="lt1"/>
+          </a:fillRef>
+          <a:effectRef idx="0">
+            <a:schemeClr val="accent2"/>
+          </a:effectRef>
+          <a:fontRef idx="minor">
+            <a:schemeClr val="dk1"/>
+          </a:fontRef>
+        </p:style>
+        <p:txBody>
+          <a:bodyPr rtlCol="0" anchor="ctr"/>
+          <a:lstStyle/>
+          <a:p>
+            <a:pPr algn="ctr"/>
             <a:r>
               <a:rPr lang="es-CL" sz="1600" dirty="0" err="1" smtClean="0"/>
-              <a:t>acv</a:t>
-            </a:r>
-            <a:r>
-              <a:rPr lang="es-CL" sz="1600" dirty="0" smtClean="0"/>
-              <a:t> y el </a:t>
-            </a:r>
-            <a:r>
-              <a:rPr lang="es-CL" sz="1600" dirty="0" err="1" smtClean="0"/>
-              <a:t>filter</a:t>
-            </a:r>
-            <a:r>
-              <a:rPr lang="es-CL" sz="1600" dirty="0" smtClean="0"/>
-              <a:t> de nuevo. Lo único que perdura es el </a:t>
-            </a:r>
-            <a:r>
-              <a:rPr lang="es-CL" sz="1600" b="1" dirty="0" err="1" smtClean="0"/>
-              <a:t>awdfile</a:t>
-            </a:r>
-            <a:r>
-              <a:rPr lang="es-CL" sz="1600" b="1" dirty="0" smtClean="0"/>
-              <a:t>()</a:t>
-            </a:r>
-          </a:p>
-        </p:txBody>
-      </p:sp>
-      <p:sp>
-        <p:nvSpPr>
-          <p:cNvPr id="47" name="Rectángulo 46"/>
+              <a:t>readRDS</a:t>
+            </a:r>
+            <a:endParaRPr lang="es-CL" sz="1600" dirty="0" smtClean="0"/>
+          </a:p>
+        </p:txBody>
+      </p:sp>
+      <p:sp>
+        <p:nvSpPr>
+          <p:cNvPr id="62" name="Rectángulo 61"/>
           <p:cNvSpPr/>
           <p:nvPr/>
         </p:nvSpPr>
         <p:spPr>
           <a:xfrm>
-            <a:off x="639590" y="3584915"/>
+            <a:off x="6287943" y="1914992"/>
             <a:ext cx="1043188" cy="576000"/>
           </a:xfrm>
           <a:prstGeom prst="rect">
@@ -3543,16 +4209,19 @@
           <a:p>
             <a:pPr algn="ctr"/>
             <a:r>
+              <a:rPr lang="es-CL" sz="1600" dirty="0" smtClean="0"/>
+              <a:t>Sho</a:t>
+            </a:r>
+            <a:r>
+              <a:rPr lang="es-CL" sz="1600" dirty="0" smtClean="0"/>
+              <a:t>w </a:t>
+            </a:r>
+          </a:p>
+          <a:p>
+            <a:pPr algn="ctr"/>
+            <a:r>
               <a:rPr lang="es-CL" sz="1600" dirty="0" err="1" smtClean="0"/>
-              <a:t>acv.edit</a:t>
-            </a:r>
-            <a:endParaRPr lang="es-CL" sz="1600" dirty="0" smtClean="0"/>
-          </a:p>
-          <a:p>
-            <a:pPr algn="ctr"/>
-            <a:r>
-              <a:rPr lang="es-CL" sz="1600" dirty="0" smtClean="0"/>
-              <a:t>FILE</a:t>
+              <a:t>Plot</a:t>
             </a:r>
             <a:endParaRPr lang="es-419" sz="1600" dirty="0"/>
           </a:p>
@@ -3560,14 +4229,14 @@
       </p:sp>
       <p:sp>
         <p:nvSpPr>
-          <p:cNvPr id="51" name="Rectángulo 50"/>
+          <p:cNvPr id="63" name="Rectángulo 62"/>
           <p:cNvSpPr/>
           <p:nvPr/>
         </p:nvSpPr>
         <p:spPr>
           <a:xfrm>
-            <a:off x="1966604" y="3584915"/>
-            <a:ext cx="1043188" cy="576000"/>
+            <a:off x="9948166" y="3096856"/>
+            <a:ext cx="1133340" cy="576000"/>
           </a:xfrm>
           <a:prstGeom prst="rect">
             <a:avLst/>
@@ -3575,15 +4244,15 @@
         </p:spPr>
         <p:style>
           <a:lnRef idx="2">
-            <a:schemeClr val="accent4">
+            <a:schemeClr val="accent1">
               <a:shade val="50000"/>
             </a:schemeClr>
           </a:lnRef>
           <a:fillRef idx="1">
-            <a:schemeClr val="accent4"/>
-          </a:fillRef>
-          <a:effectRef idx="0">
-            <a:schemeClr val="accent4"/>
+            <a:schemeClr val="accent1"/>
+          </a:fillRef>
+          <a:effectRef idx="0">
+            <a:schemeClr val="accent1"/>
           </a:effectRef>
           <a:fontRef idx="minor">
             <a:schemeClr val="lt1"/>
@@ -3595,86 +4264,37 @@
           <a:p>
             <a:pPr algn="ctr"/>
             <a:r>
+              <a:rPr lang="es-CL" sz="1600" dirty="0" smtClean="0"/>
+              <a:t>edición</a:t>
+            </a:r>
+          </a:p>
+          <a:p>
+            <a:pPr algn="ctr"/>
+            <a:r>
               <a:rPr lang="es-CL" sz="1600" dirty="0" err="1" smtClean="0"/>
-              <a:t>Filter</a:t>
-            </a:r>
-            <a:endParaRPr lang="es-CL" sz="1600" dirty="0" smtClean="0"/>
-          </a:p>
-          <a:p>
-            <a:pPr algn="ctr"/>
+              <a:t>list</a:t>
+            </a:r>
             <a:r>
               <a:rPr lang="es-CL" sz="1600" dirty="0" smtClean="0"/>
-              <a:t>FILE</a:t>
+              <a:t>()</a:t>
             </a:r>
             <a:endParaRPr lang="es-419" sz="1600" dirty="0"/>
-          </a:p>
-        </p:txBody>
-      </p:sp>
-      <p:sp>
-        <p:nvSpPr>
-          <p:cNvPr id="52" name="Rectángulo redondeado 51"/>
-          <p:cNvSpPr/>
-          <p:nvPr/>
-        </p:nvSpPr>
-        <p:spPr>
-          <a:xfrm>
-            <a:off x="1310972" y="1729376"/>
-            <a:ext cx="1004552" cy="576000"/>
-          </a:xfrm>
-          <a:prstGeom prst="roundRect">
-            <a:avLst/>
-          </a:prstGeom>
-        </p:spPr>
-        <p:style>
-          <a:lnRef idx="2">
-            <a:schemeClr val="accent2">
-              <a:shade val="50000"/>
-            </a:schemeClr>
-          </a:lnRef>
-          <a:fillRef idx="1">
-            <a:schemeClr val="accent2"/>
-          </a:fillRef>
-          <a:effectRef idx="0">
-            <a:schemeClr val="accent2"/>
-          </a:effectRef>
-          <a:fontRef idx="minor">
-            <a:schemeClr val="lt1"/>
-          </a:fontRef>
-        </p:style>
-        <p:txBody>
-          <a:bodyPr rtlCol="0" anchor="ctr"/>
-          <a:lstStyle/>
-          <a:p>
-            <a:pPr algn="ctr"/>
-            <a:r>
-              <a:rPr lang="es-CL" dirty="0" err="1" smtClean="0"/>
-              <a:t>check</a:t>
-            </a:r>
-            <a:endParaRPr lang="es-CL" dirty="0" smtClean="0"/>
-          </a:p>
-          <a:p>
-            <a:pPr algn="ctr"/>
-            <a:r>
-              <a:rPr lang="es-CL" dirty="0" err="1" smtClean="0"/>
-              <a:t>acvfilter</a:t>
-            </a:r>
-            <a:endParaRPr lang="es-419" dirty="0"/>
           </a:p>
         </p:txBody>
       </p:sp>
       <p:cxnSp>
         <p:nvCxnSpPr>
-          <p:cNvPr id="15" name="Conector recto de flecha 14"/>
+          <p:cNvPr id="36" name="Conector recto de flecha 35"/>
           <p:cNvCxnSpPr>
-            <a:stCxn id="52" idx="3"/>
-            <a:endCxn id="45" idx="1"/>
+            <a:stCxn id="63" idx="2"/>
+            <a:endCxn id="67" idx="0"/>
           </p:cNvCxnSpPr>
           <p:nvPr/>
         </p:nvCxnSpPr>
         <p:spPr>
-          <a:xfrm flipV="1">
-            <a:off x="2315524" y="2012101"/>
-            <a:ext cx="319590" cy="5275"/>
+          <a:xfrm>
+            <a:off x="10514836" y="3672856"/>
+            <a:ext cx="0" cy="264086"/>
           </a:xfrm>
           <a:prstGeom prst="straightConnector1">
             <a:avLst/>
@@ -3698,75 +4318,21 @@
           </a:fontRef>
         </p:style>
       </p:cxnSp>
-      <p:sp>
-        <p:nvSpPr>
-          <p:cNvPr id="61" name="Datos 60"/>
-          <p:cNvSpPr/>
-          <p:nvPr/>
-        </p:nvSpPr>
-        <p:spPr>
-          <a:xfrm>
-            <a:off x="7320769" y="2072392"/>
-            <a:ext cx="1634742" cy="576000"/>
-          </a:xfrm>
-          <a:prstGeom prst="flowChartInputOutput">
-            <a:avLst/>
-          </a:prstGeom>
-        </p:spPr>
-        <p:style>
-          <a:lnRef idx="2">
-            <a:schemeClr val="accent6">
-              <a:shade val="50000"/>
-            </a:schemeClr>
-          </a:lnRef>
-          <a:fillRef idx="1">
-            <a:schemeClr val="accent6"/>
-          </a:fillRef>
-          <a:effectRef idx="0">
-            <a:schemeClr val="accent6"/>
-          </a:effectRef>
-          <a:fontRef idx="minor">
-            <a:schemeClr val="lt1"/>
-          </a:fontRef>
-        </p:style>
-        <p:txBody>
-          <a:bodyPr rtlCol="0" anchor="ctr"/>
-          <a:lstStyle/>
-          <a:p>
-            <a:pPr algn="ctr"/>
-            <a:r>
-              <a:rPr lang="es-CL" sz="1600" dirty="0" smtClean="0"/>
-              <a:t>editar</a:t>
-            </a:r>
-          </a:p>
-          <a:p>
-            <a:pPr algn="ctr"/>
-            <a:r>
-              <a:rPr lang="es-CL" sz="1600" dirty="0" smtClean="0"/>
-              <a:t>periodo</a:t>
-            </a:r>
-            <a:endParaRPr lang="es-419" sz="1600" dirty="0"/>
-          </a:p>
-        </p:txBody>
-      </p:sp>
       <p:cxnSp>
         <p:nvCxnSpPr>
-          <p:cNvPr id="18" name="Conector angular 17"/>
+          <p:cNvPr id="38" name="Conector recto de flecha 37"/>
           <p:cNvCxnSpPr>
-            <a:stCxn id="8" idx="3"/>
-            <a:endCxn id="33" idx="2"/>
+            <a:endCxn id="74" idx="0"/>
           </p:cNvCxnSpPr>
           <p:nvPr/>
         </p:nvCxnSpPr>
         <p:spPr>
-          <a:xfrm flipV="1">
-            <a:off x="5526423" y="1615114"/>
-            <a:ext cx="1957820" cy="396987"/>
-          </a:xfrm>
-          <a:prstGeom prst="bentConnector3">
-            <a:avLst>
-              <a:gd name="adj1" fmla="val 50000"/>
-            </a:avLst>
+          <a:xfrm>
+            <a:off x="10514836" y="4512942"/>
+            <a:ext cx="0" cy="464668"/>
+          </a:xfrm>
+          <a:prstGeom prst="straightConnector1">
+            <a:avLst/>
           </a:prstGeom>
           <a:ln w="38100">
             <a:tailEnd type="triangle"/>
@@ -3789,22 +4355,20 @@
       </p:cxnSp>
       <p:cxnSp>
         <p:nvCxnSpPr>
-          <p:cNvPr id="21" name="Conector angular 20"/>
+          <p:cNvPr id="41" name="Conector recto de flecha 40"/>
           <p:cNvCxnSpPr>
-            <a:stCxn id="8" idx="3"/>
-            <a:endCxn id="61" idx="2"/>
+            <a:stCxn id="74" idx="2"/>
+            <a:endCxn id="85" idx="0"/>
           </p:cNvCxnSpPr>
           <p:nvPr/>
         </p:nvCxnSpPr>
         <p:spPr>
           <a:xfrm>
-            <a:off x="5526423" y="2012101"/>
-            <a:ext cx="1957820" cy="348291"/>
-          </a:xfrm>
-          <a:prstGeom prst="bentConnector3">
-            <a:avLst>
-              <a:gd name="adj1" fmla="val 50000"/>
-            </a:avLst>
+            <a:off x="10514836" y="5553610"/>
+            <a:ext cx="0" cy="264709"/>
+          </a:xfrm>
+          <a:prstGeom prst="straightConnector1">
+            <a:avLst/>
           </a:prstGeom>
           <a:ln w="38100">
             <a:tailEnd type="triangle"/>
@@ -3825,76 +4389,21 @@
           </a:fontRef>
         </p:style>
       </p:cxnSp>
-      <p:sp>
-        <p:nvSpPr>
-          <p:cNvPr id="67" name="Rectángulo 66"/>
-          <p:cNvSpPr/>
-          <p:nvPr/>
-        </p:nvSpPr>
-        <p:spPr>
-          <a:xfrm>
-            <a:off x="9523164" y="1724101"/>
-            <a:ext cx="1043188" cy="576000"/>
-          </a:xfrm>
-          <a:prstGeom prst="rect">
-            <a:avLst/>
-          </a:prstGeom>
-        </p:spPr>
-        <p:style>
-          <a:lnRef idx="2">
-            <a:schemeClr val="accent5">
-              <a:shade val="50000"/>
-            </a:schemeClr>
-          </a:lnRef>
-          <a:fillRef idx="1">
-            <a:schemeClr val="accent5"/>
-          </a:fillRef>
-          <a:effectRef idx="0">
-            <a:schemeClr val="accent5"/>
-          </a:effectRef>
-          <a:fontRef idx="minor">
-            <a:schemeClr val="lt1"/>
-          </a:fontRef>
-        </p:style>
-        <p:txBody>
-          <a:bodyPr rtlCol="0" anchor="ctr"/>
-          <a:lstStyle/>
-          <a:p>
-            <a:pPr algn="ctr"/>
-            <a:r>
-              <a:rPr lang="es-CL" dirty="0" err="1" smtClean="0"/>
-              <a:t>Button</a:t>
-            </a:r>
-            <a:r>
-              <a:rPr lang="es-CL" dirty="0" smtClean="0"/>
-              <a:t> </a:t>
-            </a:r>
-          </a:p>
-          <a:p>
-            <a:pPr algn="ctr"/>
-            <a:r>
-              <a:rPr lang="es-CL" dirty="0" err="1" smtClean="0"/>
-              <a:t>Action</a:t>
-            </a:r>
-            <a:endParaRPr lang="es-419" dirty="0"/>
-          </a:p>
-        </p:txBody>
-      </p:sp>
       <p:cxnSp>
         <p:nvCxnSpPr>
-          <p:cNvPr id="26" name="Conector angular 25"/>
+          <p:cNvPr id="53" name="Conector angular 52"/>
           <p:cNvCxnSpPr>
             <a:stCxn id="33" idx="5"/>
-            <a:endCxn id="67" idx="1"/>
+            <a:endCxn id="63" idx="0"/>
           </p:cNvCxnSpPr>
           <p:nvPr/>
         </p:nvCxnSpPr>
         <p:spPr>
           <a:xfrm>
-            <a:off x="8792037" y="1615114"/>
-            <a:ext cx="731127" cy="396987"/>
-          </a:xfrm>
-          <a:prstGeom prst="bentConnector3">
+            <a:off x="10154745" y="2217268"/>
+            <a:ext cx="360091" cy="879588"/>
+          </a:xfrm>
+          <a:prstGeom prst="bentConnector2">
             <a:avLst/>
           </a:prstGeom>
           <a:ln w="38100">
@@ -3918,19 +4427,19 @@
       </p:cxnSp>
       <p:cxnSp>
         <p:nvCxnSpPr>
-          <p:cNvPr id="28" name="Conector angular 27"/>
+          <p:cNvPr id="55" name="Conector recto de flecha 54"/>
           <p:cNvCxnSpPr>
-            <a:stCxn id="61" idx="5"/>
-            <a:endCxn id="67" idx="1"/>
+            <a:stCxn id="47" idx="3"/>
+            <a:endCxn id="52" idx="1"/>
           </p:cNvCxnSpPr>
           <p:nvPr/>
         </p:nvCxnSpPr>
         <p:spPr>
-          <a:xfrm flipV="1">
-            <a:off x="8792037" y="2012101"/>
-            <a:ext cx="731127" cy="348291"/>
-          </a:xfrm>
-          <a:prstGeom prst="bentConnector3">
+          <a:xfrm>
+            <a:off x="2516630" y="2209240"/>
+            <a:ext cx="448690" cy="0"/>
+          </a:xfrm>
+          <a:prstGeom prst="straightConnector1">
             <a:avLst/>
           </a:prstGeom>
           <a:ln w="38100">
@@ -3952,123 +4461,19 @@
           </a:fontRef>
         </p:style>
       </p:cxnSp>
-      <p:sp>
-        <p:nvSpPr>
-          <p:cNvPr id="74" name="Rectángulo redondeado 73"/>
-          <p:cNvSpPr/>
-          <p:nvPr/>
-        </p:nvSpPr>
-        <p:spPr>
-          <a:xfrm>
-            <a:off x="9523164" y="2654508"/>
-            <a:ext cx="1043188" cy="576000"/>
-          </a:xfrm>
-          <a:prstGeom prst="roundRect">
-            <a:avLst/>
-          </a:prstGeom>
-        </p:spPr>
-        <p:style>
-          <a:lnRef idx="2">
-            <a:schemeClr val="accent2">
-              <a:shade val="50000"/>
-            </a:schemeClr>
-          </a:lnRef>
-          <a:fillRef idx="1">
-            <a:schemeClr val="accent2"/>
-          </a:fillRef>
-          <a:effectRef idx="0">
-            <a:schemeClr val="accent2"/>
-          </a:effectRef>
-          <a:fontRef idx="minor">
-            <a:schemeClr val="lt1"/>
-          </a:fontRef>
-        </p:style>
-        <p:txBody>
-          <a:bodyPr rtlCol="0" anchor="ctr"/>
-          <a:lstStyle/>
-          <a:p>
-            <a:pPr algn="ctr"/>
-            <a:r>
-              <a:rPr lang="es-CL" dirty="0" err="1" smtClean="0"/>
-              <a:t>update</a:t>
-            </a:r>
-            <a:endParaRPr lang="es-CL" dirty="0" smtClean="0"/>
-          </a:p>
-          <a:p>
-            <a:pPr algn="ctr"/>
-            <a:r>
-              <a:rPr lang="es-CL" dirty="0" err="1" smtClean="0"/>
-              <a:t>filter</a:t>
-            </a:r>
-            <a:endParaRPr lang="es-419" dirty="0"/>
-          </a:p>
-        </p:txBody>
-      </p:sp>
-      <p:sp>
-        <p:nvSpPr>
-          <p:cNvPr id="75" name="Rectángulo 74"/>
-          <p:cNvSpPr/>
-          <p:nvPr/>
-        </p:nvSpPr>
-        <p:spPr>
-          <a:xfrm>
-            <a:off x="9523164" y="3584915"/>
-            <a:ext cx="1043188" cy="576000"/>
-          </a:xfrm>
-          <a:prstGeom prst="rect">
-            <a:avLst/>
-          </a:prstGeom>
-        </p:spPr>
-        <p:style>
-          <a:lnRef idx="2">
-            <a:schemeClr val="accent4">
-              <a:shade val="50000"/>
-            </a:schemeClr>
-          </a:lnRef>
-          <a:fillRef idx="1">
-            <a:schemeClr val="accent4"/>
-          </a:fillRef>
-          <a:effectRef idx="0">
-            <a:schemeClr val="accent4"/>
-          </a:effectRef>
-          <a:fontRef idx="minor">
-            <a:schemeClr val="lt1"/>
-          </a:fontRef>
-        </p:style>
-        <p:txBody>
-          <a:bodyPr rtlCol="0" anchor="ctr"/>
-          <a:lstStyle/>
-          <a:p>
-            <a:pPr algn="ctr"/>
-            <a:r>
-              <a:rPr lang="es-CL" sz="1600" dirty="0" err="1" smtClean="0"/>
-              <a:t>Filter</a:t>
-            </a:r>
-            <a:endParaRPr lang="es-CL" sz="1600" dirty="0" smtClean="0"/>
-          </a:p>
-          <a:p>
-            <a:pPr algn="ctr"/>
-            <a:r>
-              <a:rPr lang="es-CL" sz="1600" dirty="0" smtClean="0"/>
-              <a:t>FILE</a:t>
-            </a:r>
-            <a:endParaRPr lang="es-419" sz="1600" dirty="0"/>
-          </a:p>
-        </p:txBody>
-      </p:sp>
       <p:cxnSp>
         <p:nvCxnSpPr>
-          <p:cNvPr id="31" name="Conector recto de flecha 30"/>
+          <p:cNvPr id="57" name="Conector recto de flecha 56"/>
           <p:cNvCxnSpPr>
-            <a:stCxn id="67" idx="2"/>
-            <a:endCxn id="74" idx="0"/>
+            <a:stCxn id="52" idx="3"/>
+            <a:endCxn id="42" idx="1"/>
           </p:cNvCxnSpPr>
           <p:nvPr/>
         </p:nvCxnSpPr>
         <p:spPr>
           <a:xfrm>
-            <a:off x="10044758" y="2300101"/>
-            <a:ext cx="0" cy="354407"/>
+            <a:off x="3969872" y="2209240"/>
+            <a:ext cx="448691" cy="0"/>
           </a:xfrm>
           <a:prstGeom prst="straightConnector1">
             <a:avLst/>
@@ -4094,17 +4499,17 @@
       </p:cxnSp>
       <p:cxnSp>
         <p:nvCxnSpPr>
-          <p:cNvPr id="34" name="Conector recto de flecha 33"/>
+          <p:cNvPr id="60" name="Conector recto de flecha 59"/>
           <p:cNvCxnSpPr>
-            <a:stCxn id="74" idx="2"/>
-            <a:endCxn id="75" idx="0"/>
+            <a:stCxn id="51" idx="3"/>
+            <a:endCxn id="50" idx="1"/>
           </p:cNvCxnSpPr>
           <p:nvPr/>
         </p:nvCxnSpPr>
         <p:spPr>
           <a:xfrm>
-            <a:off x="10044758" y="3230508"/>
-            <a:ext cx="0" cy="354407"/>
+            <a:off x="2516629" y="3536222"/>
+            <a:ext cx="448691" cy="4205"/>
           </a:xfrm>
           <a:prstGeom prst="straightConnector1">
             <a:avLst/>
@@ -4128,71 +4533,19 @@
           </a:fontRef>
         </p:style>
       </p:cxnSp>
-      <p:sp>
-        <p:nvSpPr>
-          <p:cNvPr id="85" name="Rectángulo redondeado 84"/>
-          <p:cNvSpPr/>
-          <p:nvPr/>
-        </p:nvSpPr>
-        <p:spPr>
-          <a:xfrm>
-            <a:off x="9523164" y="4515322"/>
-            <a:ext cx="1043188" cy="576000"/>
-          </a:xfrm>
-          <a:prstGeom prst="roundRect">
-            <a:avLst/>
-          </a:prstGeom>
-        </p:spPr>
-        <p:style>
-          <a:lnRef idx="2">
-            <a:schemeClr val="accent2">
-              <a:shade val="50000"/>
-            </a:schemeClr>
-          </a:lnRef>
-          <a:fillRef idx="1">
-            <a:schemeClr val="accent2"/>
-          </a:fillRef>
-          <a:effectRef idx="0">
-            <a:schemeClr val="accent2"/>
-          </a:effectRef>
-          <a:fontRef idx="minor">
-            <a:schemeClr val="lt1"/>
-          </a:fontRef>
-        </p:style>
-        <p:txBody>
-          <a:bodyPr rtlCol="0" anchor="ctr"/>
-          <a:lstStyle/>
-          <a:p>
-            <a:pPr algn="ctr"/>
-            <a:r>
-              <a:rPr lang="es-CL" dirty="0" err="1" smtClean="0"/>
-              <a:t>update</a:t>
-            </a:r>
-            <a:endParaRPr lang="es-CL" dirty="0" smtClean="0"/>
-          </a:p>
-          <a:p>
-            <a:pPr algn="ctr"/>
-            <a:r>
-              <a:rPr lang="es-CL" dirty="0" err="1" smtClean="0"/>
-              <a:t>acv.edit</a:t>
-            </a:r>
-            <a:endParaRPr lang="es-419" dirty="0"/>
-          </a:p>
-        </p:txBody>
-      </p:sp>
       <p:cxnSp>
         <p:nvCxnSpPr>
-          <p:cNvPr id="44" name="Conector recto de flecha 43"/>
+          <p:cNvPr id="68" name="Conector recto de flecha 67"/>
           <p:cNvCxnSpPr>
-            <a:stCxn id="75" idx="2"/>
-            <a:endCxn id="85" idx="0"/>
+            <a:stCxn id="50" idx="3"/>
+            <a:endCxn id="48" idx="1"/>
           </p:cNvCxnSpPr>
           <p:nvPr/>
         </p:nvCxnSpPr>
         <p:spPr>
           <a:xfrm>
-            <a:off x="10044758" y="4160915"/>
-            <a:ext cx="0" cy="354407"/>
+            <a:off x="3969872" y="3540427"/>
+            <a:ext cx="441426" cy="0"/>
           </a:xfrm>
           <a:prstGeom prst="straightConnector1">
             <a:avLst/>
@@ -4216,71 +4569,19 @@
           </a:fontRef>
         </p:style>
       </p:cxnSp>
-      <p:sp>
-        <p:nvSpPr>
-          <p:cNvPr id="87" name="Rectángulo 86"/>
-          <p:cNvSpPr/>
-          <p:nvPr/>
-        </p:nvSpPr>
-        <p:spPr>
-          <a:xfrm>
-            <a:off x="7912323" y="4515322"/>
-            <a:ext cx="1043188" cy="576000"/>
-          </a:xfrm>
-          <a:prstGeom prst="rect">
-            <a:avLst/>
-          </a:prstGeom>
-        </p:spPr>
-        <p:style>
-          <a:lnRef idx="2">
-            <a:schemeClr val="accent4">
-              <a:shade val="50000"/>
-            </a:schemeClr>
-          </a:lnRef>
-          <a:fillRef idx="1">
-            <a:schemeClr val="accent4"/>
-          </a:fillRef>
-          <a:effectRef idx="0">
-            <a:schemeClr val="accent4"/>
-          </a:effectRef>
-          <a:fontRef idx="minor">
-            <a:schemeClr val="lt1"/>
-          </a:fontRef>
-        </p:style>
-        <p:txBody>
-          <a:bodyPr rtlCol="0" anchor="ctr"/>
-          <a:lstStyle/>
-          <a:p>
-            <a:pPr algn="ctr"/>
-            <a:r>
-              <a:rPr lang="es-CL" sz="1600" dirty="0" err="1" smtClean="0"/>
-              <a:t>acv.edit</a:t>
-            </a:r>
-            <a:endParaRPr lang="es-CL" sz="1600" dirty="0" smtClean="0"/>
-          </a:p>
-          <a:p>
-            <a:pPr algn="ctr"/>
-            <a:r>
-              <a:rPr lang="es-CL" sz="1600" dirty="0" smtClean="0"/>
-              <a:t>FILE</a:t>
-            </a:r>
-            <a:endParaRPr lang="es-419" sz="1600" dirty="0"/>
-          </a:p>
-        </p:txBody>
-      </p:sp>
       <p:cxnSp>
         <p:nvCxnSpPr>
-          <p:cNvPr id="49" name="Conector recto de flecha 48"/>
+          <p:cNvPr id="71" name="Conector recto de flecha 70"/>
           <p:cNvCxnSpPr>
-            <a:stCxn id="85" idx="1"/>
-            <a:endCxn id="87" idx="3"/>
+            <a:stCxn id="42" idx="3"/>
+            <a:endCxn id="62" idx="1"/>
           </p:cNvCxnSpPr>
           <p:nvPr/>
         </p:nvCxnSpPr>
         <p:spPr>
-          <a:xfrm flipH="1">
-            <a:off x="8955511" y="4803322"/>
-            <a:ext cx="567653" cy="0"/>
+          <a:xfrm flipV="1">
+            <a:off x="5853782" y="2202992"/>
+            <a:ext cx="434161" cy="6248"/>
           </a:xfrm>
           <a:prstGeom prst="straightConnector1">
             <a:avLst/>
@@ -4306,19 +4607,19 @@
       </p:cxnSp>
       <p:cxnSp>
         <p:nvCxnSpPr>
-          <p:cNvPr id="59" name="Conector angular 58"/>
+          <p:cNvPr id="73" name="Conector recto de flecha 72"/>
           <p:cNvCxnSpPr>
-            <a:stCxn id="51" idx="0"/>
-            <a:endCxn id="52" idx="2"/>
+            <a:stCxn id="48" idx="3"/>
+            <a:endCxn id="75" idx="1"/>
           </p:cNvCxnSpPr>
           <p:nvPr/>
         </p:nvCxnSpPr>
         <p:spPr>
-          <a:xfrm rot="16200000" flipV="1">
-            <a:off x="1510954" y="2607671"/>
-            <a:ext cx="1279539" cy="674950"/>
-          </a:xfrm>
-          <a:prstGeom prst="bentConnector3">
+          <a:xfrm>
+            <a:off x="5846517" y="3540427"/>
+            <a:ext cx="441426" cy="4660"/>
+          </a:xfrm>
+          <a:prstGeom prst="straightConnector1">
             <a:avLst/>
           </a:prstGeom>
           <a:ln w="38100">
@@ -4342,19 +4643,19 @@
       </p:cxnSp>
       <p:cxnSp>
         <p:nvCxnSpPr>
-          <p:cNvPr id="64" name="Conector angular 63"/>
+          <p:cNvPr id="79" name="Conector recto de flecha 78"/>
           <p:cNvCxnSpPr>
-            <a:stCxn id="47" idx="0"/>
-            <a:endCxn id="52" idx="2"/>
+            <a:stCxn id="62" idx="3"/>
+            <a:endCxn id="33" idx="2"/>
           </p:cNvCxnSpPr>
           <p:nvPr/>
         </p:nvCxnSpPr>
         <p:spPr>
-          <a:xfrm rot="5400000" flipH="1" flipV="1">
-            <a:off x="847447" y="2619114"/>
-            <a:ext cx="1279539" cy="652064"/>
-          </a:xfrm>
-          <a:prstGeom prst="bentConnector3">
+          <a:xfrm>
+            <a:off x="7331131" y="2202992"/>
+            <a:ext cx="1080639" cy="14276"/>
+          </a:xfrm>
+          <a:prstGeom prst="straightConnector1">
             <a:avLst/>
           </a:prstGeom>
           <a:ln w="38100">
@@ -4376,291 +4677,24 @@
           </a:fontRef>
         </p:style>
       </p:cxnSp>
-      <p:sp>
-        <p:nvSpPr>
-          <p:cNvPr id="65" name="CuadroTexto 64"/>
-          <p:cNvSpPr txBox="1"/>
-          <p:nvPr/>
-        </p:nvSpPr>
-        <p:spPr>
-          <a:xfrm>
-            <a:off x="7778256" y="5056156"/>
-            <a:ext cx="1311321" cy="646331"/>
-          </a:xfrm>
-          <a:prstGeom prst="rect">
-            <a:avLst/>
-          </a:prstGeom>
-          <a:noFill/>
-        </p:spPr>
-        <p:txBody>
-          <a:bodyPr wrap="none" rtlCol="0">
-            <a:spAutoFit/>
-          </a:bodyPr>
-          <a:lstStyle/>
-          <a:p>
-            <a:pPr algn="ctr"/>
-            <a:r>
-              <a:rPr lang="es-CL" dirty="0" smtClean="0"/>
-              <a:t>el RDS</a:t>
-            </a:r>
-          </a:p>
-          <a:p>
-            <a:pPr algn="ctr"/>
-            <a:r>
-              <a:rPr lang="es-CL" dirty="0" smtClean="0"/>
-              <a:t>no el objeto</a:t>
-            </a:r>
-            <a:endParaRPr lang="es-419" dirty="0"/>
-          </a:p>
-        </p:txBody>
-      </p:sp>
-      <p:sp>
-        <p:nvSpPr>
-          <p:cNvPr id="98" name="CuadroTexto 97"/>
-          <p:cNvSpPr txBox="1"/>
-          <p:nvPr/>
-        </p:nvSpPr>
-        <p:spPr>
-          <a:xfrm>
-            <a:off x="10566352" y="3549749"/>
-            <a:ext cx="1311321" cy="646331"/>
-          </a:xfrm>
-          <a:prstGeom prst="rect">
-            <a:avLst/>
-          </a:prstGeom>
-          <a:noFill/>
-        </p:spPr>
-        <p:txBody>
-          <a:bodyPr wrap="none" rtlCol="0">
-            <a:spAutoFit/>
-          </a:bodyPr>
-          <a:lstStyle/>
-          <a:p>
-            <a:pPr algn="ctr"/>
-            <a:r>
-              <a:rPr lang="es-CL" dirty="0" smtClean="0"/>
-              <a:t>el </a:t>
-            </a:r>
-            <a:r>
-              <a:rPr lang="es-CL" dirty="0" smtClean="0"/>
-              <a:t>RDS</a:t>
-            </a:r>
-            <a:endParaRPr lang="es-CL" dirty="0" smtClean="0"/>
-          </a:p>
-          <a:p>
-            <a:pPr algn="ctr"/>
-            <a:r>
-              <a:rPr lang="es-CL" dirty="0" smtClean="0"/>
-              <a:t>no el objeto</a:t>
-            </a:r>
-            <a:endParaRPr lang="es-419" dirty="0"/>
-          </a:p>
-        </p:txBody>
-      </p:sp>
       <p:cxnSp>
         <p:nvCxnSpPr>
-          <p:cNvPr id="70" name="Conector recto de flecha 69"/>
+          <p:cNvPr id="92" name="Conector angular 91"/>
           <p:cNvCxnSpPr>
-            <a:stCxn id="75" idx="1"/>
-            <a:endCxn id="51" idx="3"/>
+            <a:stCxn id="74" idx="1"/>
+            <a:endCxn id="51" idx="2"/>
           </p:cNvCxnSpPr>
           <p:nvPr/>
         </p:nvCxnSpPr>
         <p:spPr>
-          <a:xfrm flipH="1">
-            <a:off x="3009792" y="3872915"/>
-            <a:ext cx="6513372" cy="0"/>
-          </a:xfrm>
-          <a:prstGeom prst="straightConnector1">
+          <a:xfrm rot="10800000">
+            <a:off x="1707072" y="3824222"/>
+            <a:ext cx="8241094" cy="1441388"/>
+          </a:xfrm>
+          <a:prstGeom prst="bentConnector2">
             <a:avLst/>
           </a:prstGeom>
           <a:ln w="38100">
-            <a:tailEnd type="triangle"/>
-          </a:ln>
-        </p:spPr>
-        <p:style>
-          <a:lnRef idx="1">
-            <a:schemeClr val="accent1"/>
-          </a:lnRef>
-          <a:fillRef idx="0">
-            <a:schemeClr val="accent1"/>
-          </a:fillRef>
-          <a:effectRef idx="0">
-            <a:schemeClr val="accent1"/>
-          </a:effectRef>
-          <a:fontRef idx="minor">
-            <a:schemeClr val="tx1"/>
-          </a:fontRef>
-        </p:style>
-      </p:cxnSp>
-      <p:cxnSp>
-        <p:nvCxnSpPr>
-          <p:cNvPr id="77" name="Conector angular 76"/>
-          <p:cNvCxnSpPr>
-            <a:stCxn id="87" idx="1"/>
-            <a:endCxn id="47" idx="2"/>
-          </p:cNvCxnSpPr>
-          <p:nvPr/>
-        </p:nvCxnSpPr>
-        <p:spPr>
-          <a:xfrm rot="10800000">
-            <a:off x="1161185" y="4160916"/>
-            <a:ext cx="6751139" cy="642407"/>
-          </a:xfrm>
-          <a:prstGeom prst="bentConnector2">
-            <a:avLst/>
-          </a:prstGeom>
-          <a:ln w="38100">
-            <a:tailEnd type="triangle"/>
-          </a:ln>
-        </p:spPr>
-        <p:style>
-          <a:lnRef idx="1">
-            <a:schemeClr val="accent1"/>
-          </a:lnRef>
-          <a:fillRef idx="0">
-            <a:schemeClr val="accent1"/>
-          </a:fillRef>
-          <a:effectRef idx="0">
-            <a:schemeClr val="accent1"/>
-          </a:effectRef>
-          <a:fontRef idx="minor">
-            <a:schemeClr val="tx1"/>
-          </a:fontRef>
-        </p:style>
-      </p:cxnSp>
-      <p:sp>
-        <p:nvSpPr>
-          <p:cNvPr id="80" name="CuadroTexto 79"/>
-          <p:cNvSpPr txBox="1"/>
-          <p:nvPr/>
-        </p:nvSpPr>
-        <p:spPr>
-          <a:xfrm>
-            <a:off x="3701844" y="2735176"/>
-            <a:ext cx="2740430" cy="923330"/>
-          </a:xfrm>
-          <a:prstGeom prst="rect">
-            <a:avLst/>
-          </a:prstGeom>
-          <a:noFill/>
-        </p:spPr>
-        <p:txBody>
-          <a:bodyPr wrap="none" rtlCol="0">
-            <a:spAutoFit/>
-          </a:bodyPr>
-          <a:lstStyle/>
-          <a:p>
-            <a:r>
-              <a:rPr lang="es-CL" dirty="0" smtClean="0"/>
-              <a:t>Siempre se cargan</a:t>
-            </a:r>
-          </a:p>
-          <a:p>
-            <a:r>
-              <a:rPr lang="es-CL" dirty="0" smtClean="0"/>
-              <a:t>desde cero, nada se recicla</a:t>
-            </a:r>
-          </a:p>
-          <a:p>
-            <a:r>
-              <a:rPr lang="es-CL" dirty="0" smtClean="0"/>
-              <a:t>para evitar posibles errores</a:t>
-            </a:r>
-            <a:endParaRPr lang="es-419" dirty="0"/>
-          </a:p>
-        </p:txBody>
-      </p:sp>
-      <p:sp>
-        <p:nvSpPr>
-          <p:cNvPr id="93" name="CuadroTexto 92"/>
-          <p:cNvSpPr txBox="1"/>
-          <p:nvPr/>
-        </p:nvSpPr>
-        <p:spPr>
-          <a:xfrm>
-            <a:off x="5589431" y="5975797"/>
-            <a:ext cx="6143223" cy="369332"/>
-          </a:xfrm>
-          <a:prstGeom prst="rect">
-            <a:avLst/>
-          </a:prstGeom>
-          <a:noFill/>
-        </p:spPr>
-        <p:txBody>
-          <a:bodyPr wrap="square" rtlCol="0">
-            <a:spAutoFit/>
-          </a:bodyPr>
-          <a:lstStyle/>
-          <a:p>
-            <a:r>
-              <a:rPr lang="es-CL" dirty="0" smtClean="0"/>
-              <a:t>Un reactive </a:t>
-            </a:r>
-            <a:r>
-              <a:rPr lang="es-CL" dirty="0" err="1" smtClean="0"/>
-              <a:t>poll</a:t>
-            </a:r>
-            <a:r>
-              <a:rPr lang="es-CL" dirty="0" smtClean="0"/>
-              <a:t> que cheque ambos files</a:t>
-            </a:r>
-            <a:endParaRPr lang="es-419" dirty="0"/>
-          </a:p>
-        </p:txBody>
-      </p:sp>
-      <p:sp>
-        <p:nvSpPr>
-          <p:cNvPr id="109" name="CuadroTexto 108"/>
-          <p:cNvSpPr txBox="1"/>
-          <p:nvPr/>
-        </p:nvSpPr>
-        <p:spPr>
-          <a:xfrm>
-            <a:off x="5421156" y="1077769"/>
-            <a:ext cx="1253723" cy="646331"/>
-          </a:xfrm>
-          <a:prstGeom prst="rect">
-            <a:avLst/>
-          </a:prstGeom>
-          <a:noFill/>
-        </p:spPr>
-        <p:txBody>
-          <a:bodyPr wrap="square" rtlCol="0">
-            <a:spAutoFit/>
-          </a:bodyPr>
-          <a:lstStyle/>
-          <a:p>
-            <a:pPr algn="ctr"/>
-            <a:r>
-              <a:rPr lang="es-CL" dirty="0" smtClean="0"/>
-              <a:t>Selecciona un </a:t>
-            </a:r>
-            <a:r>
-              <a:rPr lang="es-CL" dirty="0" err="1" smtClean="0"/>
-              <a:t>plot</a:t>
-            </a:r>
-            <a:endParaRPr lang="es-419" dirty="0"/>
-          </a:p>
-        </p:txBody>
-      </p:sp>
-      <p:cxnSp>
-        <p:nvCxnSpPr>
-          <p:cNvPr id="5" name="Conector recto de flecha 4"/>
-          <p:cNvCxnSpPr>
-            <a:stCxn id="109" idx="2"/>
-          </p:cNvCxnSpPr>
-          <p:nvPr/>
-        </p:nvCxnSpPr>
-        <p:spPr>
-          <a:xfrm flipH="1">
-            <a:off x="6048017" y="1724100"/>
-            <a:ext cx="1" cy="288001"/>
-          </a:xfrm>
-          <a:prstGeom prst="straightConnector1">
-            <a:avLst/>
-          </a:prstGeom>
-          <a:ln>
             <a:tailEnd type="triangle"/>
           </a:ln>
         </p:spPr>
@@ -4682,7 +4716,7 @@
     </p:spTree>
     <p:extLst>
       <p:ext uri="{BB962C8B-B14F-4D97-AF65-F5344CB8AC3E}">
-        <p14:creationId xmlns:p14="http://schemas.microsoft.com/office/powerpoint/2010/main" val="3318330363"/>
+        <p14:creationId xmlns:p14="http://schemas.microsoft.com/office/powerpoint/2010/main" val="1732730366"/>
       </p:ext>
     </p:extLst>
   </p:cSld>
@@ -7996,7 +8030,7 @@
         </p:nvSpPr>
         <p:spPr>
           <a:xfrm>
-            <a:off x="1248990" y="1712112"/>
+            <a:off x="785349" y="1892418"/>
             <a:ext cx="1171978" cy="643944"/>
           </a:xfrm>
           <a:prstGeom prst="rect">
@@ -8047,7 +8081,7 @@
         </p:nvSpPr>
         <p:spPr>
           <a:xfrm>
-            <a:off x="1248990" y="2663298"/>
+            <a:off x="785349" y="2843604"/>
             <a:ext cx="1171978" cy="643944"/>
           </a:xfrm>
           <a:prstGeom prst="rect">
@@ -8098,7 +8132,7 @@
         </p:nvSpPr>
         <p:spPr>
           <a:xfrm>
-            <a:off x="6837952" y="4451317"/>
+            <a:off x="6374311" y="4631623"/>
             <a:ext cx="1171978" cy="643944"/>
           </a:xfrm>
           <a:prstGeom prst="roundRect">
@@ -8142,7 +8176,7 @@
         </p:nvSpPr>
         <p:spPr>
           <a:xfrm>
-            <a:off x="3167941" y="2191551"/>
+            <a:off x="2704300" y="2371857"/>
             <a:ext cx="1173007" cy="643944"/>
           </a:xfrm>
           <a:prstGeom prst="rect">
@@ -8176,7 +8210,6 @@
               <a:rPr lang="es-CL" sz="1400" dirty="0" smtClean="0"/>
               <a:t>()</a:t>
             </a:r>
-            <a:endParaRPr lang="es-419" sz="1400" dirty="0"/>
           </a:p>
         </p:txBody>
       </p:sp>
@@ -8404,59 +8437,13 @@
       </p:sp>
       <p:sp>
         <p:nvSpPr>
-          <p:cNvPr id="100" name="CuadroTexto 99"/>
-          <p:cNvSpPr txBox="1"/>
-          <p:nvPr/>
-        </p:nvSpPr>
-        <p:spPr>
-          <a:xfrm>
-            <a:off x="725505" y="4990673"/>
-            <a:ext cx="3390925" cy="1077218"/>
-          </a:xfrm>
-          <a:prstGeom prst="rect">
-            <a:avLst/>
-          </a:prstGeom>
-          <a:noFill/>
-        </p:spPr>
-        <p:txBody>
-          <a:bodyPr wrap="square" rtlCol="0">
-            <a:spAutoFit/>
-          </a:bodyPr>
-          <a:lstStyle/>
-          <a:p>
-            <a:r>
-              <a:rPr lang="es-CL" sz="1600" dirty="0" smtClean="0"/>
-              <a:t>Funciona, pero le falta arreglar las dimensiones del </a:t>
-            </a:r>
-            <a:r>
-              <a:rPr lang="es-CL" sz="1600" dirty="0" err="1" smtClean="0"/>
-              <a:t>actograma</a:t>
-            </a:r>
-            <a:r>
-              <a:rPr lang="es-CL" sz="1600" dirty="0" smtClean="0"/>
-              <a:t> con un </a:t>
-            </a:r>
-            <a:r>
-              <a:rPr lang="es-CL" sz="1600" dirty="0" err="1" smtClean="0"/>
-              <a:t>renderUI</a:t>
-            </a:r>
-            <a:r>
-              <a:rPr lang="es-CL" sz="1600" dirty="0" smtClean="0"/>
-              <a:t>, ya está resuelto solo falta implementar</a:t>
-            </a:r>
-            <a:endParaRPr lang="es-419" sz="1600" dirty="0"/>
-          </a:p>
-        </p:txBody>
-      </p:sp>
-      <p:sp>
-        <p:nvSpPr>
           <p:cNvPr id="48" name="Rectángulo 47"/>
           <p:cNvSpPr/>
           <p:nvPr/>
         </p:nvSpPr>
         <p:spPr>
           <a:xfrm>
-            <a:off x="1248990" y="3614484"/>
+            <a:off x="785349" y="3794790"/>
             <a:ext cx="1173007" cy="643944"/>
           </a:xfrm>
           <a:prstGeom prst="rect">
@@ -8505,7 +8492,7 @@
         </p:nvCxnSpPr>
         <p:spPr>
           <a:xfrm flipH="1" flipV="1">
-            <a:off x="1834979" y="3307242"/>
+            <a:off x="1371338" y="3487548"/>
             <a:ext cx="515" cy="307242"/>
           </a:xfrm>
           <a:prstGeom prst="straightConnector1">
@@ -8538,7 +8525,7 @@
         </p:nvSpPr>
         <p:spPr>
           <a:xfrm>
-            <a:off x="4908920" y="1712112"/>
+            <a:off x="4445279" y="1892418"/>
             <a:ext cx="1171978" cy="643944"/>
           </a:xfrm>
           <a:prstGeom prst="rect">
@@ -8585,7 +8572,7 @@
         </p:nvCxnSpPr>
         <p:spPr>
           <a:xfrm flipV="1">
-            <a:off x="2420968" y="2513523"/>
+            <a:off x="1957327" y="2693829"/>
             <a:ext cx="746973" cy="471747"/>
           </a:xfrm>
           <a:prstGeom prst="bentConnector3">
@@ -8621,7 +8608,7 @@
         </p:nvCxnSpPr>
         <p:spPr>
           <a:xfrm>
-            <a:off x="2420968" y="2034084"/>
+            <a:off x="1957327" y="2214390"/>
             <a:ext cx="746973" cy="479439"/>
           </a:xfrm>
           <a:prstGeom prst="bentConnector3">
@@ -8654,7 +8641,7 @@
         </p:nvSpPr>
         <p:spPr>
           <a:xfrm>
-            <a:off x="4908920" y="2663298"/>
+            <a:off x="4445279" y="2843604"/>
             <a:ext cx="1171978" cy="643944"/>
           </a:xfrm>
           <a:prstGeom prst="rect">
@@ -8708,7 +8695,7 @@
         </p:nvCxnSpPr>
         <p:spPr>
           <a:xfrm flipV="1">
-            <a:off x="4340948" y="2034084"/>
+            <a:off x="3877307" y="2214390"/>
             <a:ext cx="567972" cy="479439"/>
           </a:xfrm>
           <a:prstGeom prst="bentConnector3">
@@ -8744,7 +8731,7 @@
         </p:nvCxnSpPr>
         <p:spPr>
           <a:xfrm>
-            <a:off x="4340948" y="2513523"/>
+            <a:off x="3877307" y="2693829"/>
             <a:ext cx="567972" cy="471747"/>
           </a:xfrm>
           <a:prstGeom prst="bentConnector3">
@@ -8777,7 +8764,7 @@
         </p:nvSpPr>
         <p:spPr>
           <a:xfrm>
-            <a:off x="8275104" y="1753192"/>
+            <a:off x="7811463" y="1933498"/>
             <a:ext cx="1171978" cy="643944"/>
           </a:xfrm>
           <a:prstGeom prst="rect">
@@ -8832,7 +8819,7 @@
         </p:nvSpPr>
         <p:spPr>
           <a:xfrm>
-            <a:off x="8275104" y="2719108"/>
+            <a:off x="7811463" y="2899414"/>
             <a:ext cx="1171978" cy="643944"/>
           </a:xfrm>
           <a:prstGeom prst="rect">
@@ -8890,7 +8877,7 @@
         </p:nvCxnSpPr>
         <p:spPr>
           <a:xfrm>
-            <a:off x="8861093" y="2397136"/>
+            <a:off x="8397452" y="2577442"/>
             <a:ext cx="0" cy="321972"/>
           </a:xfrm>
           <a:prstGeom prst="straightConnector1">
@@ -8923,7 +8910,7 @@
         </p:nvSpPr>
         <p:spPr>
           <a:xfrm>
-            <a:off x="8275104" y="4451317"/>
+            <a:off x="7811463" y="4631623"/>
             <a:ext cx="1171978" cy="643944"/>
           </a:xfrm>
           <a:prstGeom prst="roundRect">
@@ -8967,7 +8954,7 @@
         </p:nvSpPr>
         <p:spPr>
           <a:xfrm>
-            <a:off x="9712256" y="4451317"/>
+            <a:off x="9248615" y="4631623"/>
             <a:ext cx="1171978" cy="643944"/>
           </a:xfrm>
           <a:prstGeom prst="roundRect">
@@ -9014,7 +9001,7 @@
         </p:nvCxnSpPr>
         <p:spPr>
           <a:xfrm rot="5400000">
-            <a:off x="7598385" y="3188608"/>
+            <a:off x="7134744" y="3368914"/>
             <a:ext cx="1088265" cy="1437152"/>
           </a:xfrm>
           <a:prstGeom prst="bentConnector3">
@@ -9052,7 +9039,7 @@
         </p:nvCxnSpPr>
         <p:spPr>
           <a:xfrm rot="16200000" flipH="1">
-            <a:off x="9035537" y="3188608"/>
+            <a:off x="8571896" y="3368914"/>
             <a:ext cx="1088265" cy="1437152"/>
           </a:xfrm>
           <a:prstGeom prst="bentConnector3">
@@ -9090,7 +9077,7 @@
         </p:nvCxnSpPr>
         <p:spPr>
           <a:xfrm>
-            <a:off x="8861093" y="3363052"/>
+            <a:off x="8397452" y="3543358"/>
             <a:ext cx="0" cy="1088265"/>
           </a:xfrm>
           <a:prstGeom prst="straightConnector1">
@@ -9123,7 +9110,7 @@
         </p:nvCxnSpPr>
         <p:spPr>
           <a:xfrm>
-            <a:off x="4649271" y="2513523"/>
+            <a:off x="4185630" y="2693829"/>
             <a:ext cx="4211307" cy="1115691"/>
           </a:xfrm>
           <a:prstGeom prst="bentConnector3">
@@ -9156,7 +9143,7 @@
         </p:nvSpPr>
         <p:spPr>
           <a:xfrm rot="5400000">
-            <a:off x="8641717" y="3447419"/>
+            <a:off x="8178076" y="3627725"/>
             <a:ext cx="427017" cy="4034549"/>
           </a:xfrm>
           <a:prstGeom prst="rightBrace">
@@ -9198,7 +9185,7 @@
         </p:nvSpPr>
         <p:spPr>
           <a:xfrm>
-            <a:off x="6520451" y="5917364"/>
+            <a:off x="6056810" y="6097670"/>
             <a:ext cx="4669548" cy="369332"/>
           </a:xfrm>
           <a:prstGeom prst="rect">
@@ -9235,13 +9222,13 @@
         </p:nvCxnSpPr>
         <p:spPr>
           <a:xfrm rot="10800000">
-            <a:off x="2420968" y="3936457"/>
+            <a:off x="1957327" y="4116763"/>
             <a:ext cx="4416985" cy="836833"/>
           </a:xfrm>
           <a:prstGeom prst="bentConnector3">
             <a:avLst/>
           </a:prstGeom>
-          <a:ln>
+          <a:ln w="38100">
             <a:tailEnd type="triangle"/>
           </a:ln>
         </p:spPr>
@@ -9268,7 +9255,7 @@
         </p:nvSpPr>
         <p:spPr>
           <a:xfrm>
-            <a:off x="4580553" y="4508290"/>
+            <a:off x="4168428" y="4649959"/>
             <a:ext cx="1106008" cy="307777"/>
           </a:xfrm>
           <a:prstGeom prst="rect">
@@ -9294,6 +9281,295 @@
           </a:p>
         </p:txBody>
       </p:sp>
+      <p:cxnSp>
+        <p:nvCxnSpPr>
+          <p:cNvPr id="3" name="Conector angular 2"/>
+          <p:cNvCxnSpPr>
+            <a:stCxn id="19" idx="0"/>
+            <a:endCxn id="36" idx="1"/>
+          </p:cNvCxnSpPr>
+          <p:nvPr/>
+        </p:nvCxnSpPr>
+        <p:spPr>
+          <a:xfrm rot="5400000" flipH="1" flipV="1">
+            <a:off x="6032139" y="-1134392"/>
+            <a:ext cx="764915" cy="6247584"/>
+          </a:xfrm>
+          <a:prstGeom prst="bentConnector2">
+            <a:avLst/>
+          </a:prstGeom>
+          <a:ln w="38100">
+            <a:tailEnd type="triangle"/>
+          </a:ln>
+        </p:spPr>
+        <p:style>
+          <a:lnRef idx="1">
+            <a:schemeClr val="accent1"/>
+          </a:lnRef>
+          <a:fillRef idx="0">
+            <a:schemeClr val="accent1"/>
+          </a:fillRef>
+          <a:effectRef idx="0">
+            <a:schemeClr val="accent1"/>
+          </a:effectRef>
+          <a:fontRef idx="minor">
+            <a:schemeClr val="tx1"/>
+          </a:fontRef>
+        </p:style>
+      </p:cxnSp>
+      <p:sp>
+        <p:nvSpPr>
+          <p:cNvPr id="36" name="Rectángulo redondeado 35"/>
+          <p:cNvSpPr/>
+          <p:nvPr/>
+        </p:nvSpPr>
+        <p:spPr>
+          <a:xfrm>
+            <a:off x="9538388" y="958414"/>
+            <a:ext cx="1732206" cy="1297056"/>
+          </a:xfrm>
+          <a:prstGeom prst="roundRect">
+            <a:avLst/>
+          </a:prstGeom>
+        </p:spPr>
+        <p:style>
+          <a:lnRef idx="2">
+            <a:schemeClr val="accent2">
+              <a:shade val="50000"/>
+            </a:schemeClr>
+          </a:lnRef>
+          <a:fillRef idx="1">
+            <a:schemeClr val="accent2"/>
+          </a:fillRef>
+          <a:effectRef idx="0">
+            <a:schemeClr val="accent2"/>
+          </a:effectRef>
+          <a:fontRef idx="minor">
+            <a:schemeClr val="lt1"/>
+          </a:fontRef>
+        </p:style>
+        <p:txBody>
+          <a:bodyPr rtlCol="0" anchor="ctr"/>
+          <a:lstStyle/>
+          <a:p>
+            <a:r>
+              <a:rPr lang="es-CL" sz="1600" dirty="0" smtClean="0"/>
+              <a:t>Cargar datos con el </a:t>
+            </a:r>
+            <a:r>
+              <a:rPr lang="es-CL" sz="1600" dirty="0" err="1" smtClean="0"/>
+              <a:t>poll</a:t>
+            </a:r>
+            <a:r>
+              <a:rPr lang="es-CL" sz="1600" dirty="0" smtClean="0"/>
+              <a:t> en:</a:t>
+            </a:r>
+          </a:p>
+          <a:p>
+            <a:r>
+              <a:rPr lang="es-CL" sz="1600" dirty="0" smtClean="0">
+                <a:solidFill>
+                  <a:schemeClr val="accent1">
+                    <a:lumMod val="50000"/>
+                  </a:schemeClr>
+                </a:solidFill>
+              </a:rPr>
+              <a:t>- </a:t>
+            </a:r>
+            <a:r>
+              <a:rPr lang="es-CL" sz="1600" dirty="0" err="1" smtClean="0">
+                <a:solidFill>
+                  <a:schemeClr val="accent1">
+                    <a:lumMod val="50000"/>
+                  </a:schemeClr>
+                </a:solidFill>
+              </a:rPr>
+              <a:t>acveditRDS</a:t>
+            </a:r>
+            <a:r>
+              <a:rPr lang="es-CL" sz="1600" dirty="0" smtClean="0">
+                <a:solidFill>
+                  <a:schemeClr val="accent1">
+                    <a:lumMod val="50000"/>
+                  </a:schemeClr>
+                </a:solidFill>
+              </a:rPr>
+              <a:t>()</a:t>
+            </a:r>
+          </a:p>
+          <a:p>
+            <a:r>
+              <a:rPr lang="es-CL" sz="1600" dirty="0" smtClean="0">
+                <a:solidFill>
+                  <a:schemeClr val="accent1">
+                    <a:lumMod val="50000"/>
+                  </a:schemeClr>
+                </a:solidFill>
+              </a:rPr>
+              <a:t>- </a:t>
+            </a:r>
+            <a:r>
+              <a:rPr lang="es-CL" sz="1600" dirty="0" err="1" smtClean="0">
+                <a:solidFill>
+                  <a:schemeClr val="accent1">
+                    <a:lumMod val="50000"/>
+                  </a:schemeClr>
+                </a:solidFill>
+              </a:rPr>
+              <a:t>filerRDS</a:t>
+            </a:r>
+            <a:r>
+              <a:rPr lang="es-CL" sz="1600" dirty="0" smtClean="0">
+                <a:solidFill>
+                  <a:schemeClr val="accent1">
+                    <a:lumMod val="50000"/>
+                  </a:schemeClr>
+                </a:solidFill>
+              </a:rPr>
+              <a:t>()</a:t>
+            </a:r>
+            <a:endParaRPr lang="es-419" sz="1600" dirty="0">
+              <a:solidFill>
+                <a:schemeClr val="accent1">
+                  <a:lumMod val="50000"/>
+                </a:schemeClr>
+              </a:solidFill>
+            </a:endParaRPr>
+          </a:p>
+        </p:txBody>
+      </p:sp>
+      <p:sp>
+        <p:nvSpPr>
+          <p:cNvPr id="15" name="CuadroTexto 14"/>
+          <p:cNvSpPr txBox="1"/>
+          <p:nvPr/>
+        </p:nvSpPr>
+        <p:spPr>
+          <a:xfrm>
+            <a:off x="9431188" y="2327888"/>
+            <a:ext cx="2000955" cy="1384995"/>
+          </a:xfrm>
+          <a:prstGeom prst="rect">
+            <a:avLst/>
+          </a:prstGeom>
+          <a:noFill/>
+        </p:spPr>
+        <p:txBody>
+          <a:bodyPr wrap="square" rtlCol="0">
+            <a:spAutoFit/>
+          </a:bodyPr>
+          <a:lstStyle/>
+          <a:p>
+            <a:r>
+              <a:rPr lang="es-CL" sz="1400" dirty="0" smtClean="0"/>
+              <a:t>Habiendo seleccionado un sujeto y por tanto un </a:t>
+            </a:r>
+            <a:r>
+              <a:rPr lang="es-CL" sz="1400" dirty="0" err="1" smtClean="0"/>
+              <a:t>awdfile</a:t>
+            </a:r>
+            <a:r>
+              <a:rPr lang="es-CL" sz="1400" dirty="0" smtClean="0"/>
+              <a:t>() </a:t>
+            </a:r>
+            <a:r>
+              <a:rPr lang="es-CL" sz="1400" dirty="0" err="1" smtClean="0"/>
+              <a:t>object</a:t>
+            </a:r>
+            <a:r>
+              <a:rPr lang="es-CL" sz="1400" dirty="0" smtClean="0"/>
+              <a:t> se cargarán los datos y siempre habrá datos cargados.</a:t>
+            </a:r>
+            <a:endParaRPr lang="es-419" sz="1400" dirty="0"/>
+          </a:p>
+        </p:txBody>
+      </p:sp>
+      <p:sp>
+        <p:nvSpPr>
+          <p:cNvPr id="16" name="Rectángulo 15"/>
+          <p:cNvSpPr/>
+          <p:nvPr/>
+        </p:nvSpPr>
+        <p:spPr>
+          <a:xfrm>
+            <a:off x="785349" y="4853324"/>
+            <a:ext cx="1171977" cy="497666"/>
+          </a:xfrm>
+          <a:prstGeom prst="rect">
+            <a:avLst/>
+          </a:prstGeom>
+        </p:spPr>
+        <p:style>
+          <a:lnRef idx="2">
+            <a:schemeClr val="accent6"/>
+          </a:lnRef>
+          <a:fillRef idx="1">
+            <a:schemeClr val="lt1"/>
+          </a:fillRef>
+          <a:effectRef idx="0">
+            <a:schemeClr val="accent6"/>
+          </a:effectRef>
+          <a:fontRef idx="minor">
+            <a:schemeClr val="dk1"/>
+          </a:fontRef>
+        </p:style>
+        <p:txBody>
+          <a:bodyPr rtlCol="0" anchor="ctr"/>
+          <a:lstStyle/>
+          <a:p>
+            <a:pPr algn="ctr"/>
+            <a:r>
+              <a:rPr lang="es-CL" dirty="0" err="1" smtClean="0"/>
+              <a:t>Via</a:t>
+            </a:r>
+            <a:r>
+              <a:rPr lang="es-CL" dirty="0" smtClean="0"/>
+              <a:t> </a:t>
+            </a:r>
+            <a:r>
+              <a:rPr lang="es-CL" dirty="0" err="1" smtClean="0"/>
+              <a:t>Poll</a:t>
+            </a:r>
+            <a:endParaRPr lang="es-419" dirty="0"/>
+          </a:p>
+        </p:txBody>
+      </p:sp>
+      <p:cxnSp>
+        <p:nvCxnSpPr>
+          <p:cNvPr id="18" name="Conector recto de flecha 17"/>
+          <p:cNvCxnSpPr>
+            <a:stCxn id="16" idx="0"/>
+            <a:endCxn id="48" idx="2"/>
+          </p:cNvCxnSpPr>
+          <p:nvPr/>
+        </p:nvCxnSpPr>
+        <p:spPr>
+          <a:xfrm flipV="1">
+            <a:off x="1371338" y="4438734"/>
+            <a:ext cx="515" cy="414590"/>
+          </a:xfrm>
+          <a:prstGeom prst="straightConnector1">
+            <a:avLst/>
+          </a:prstGeom>
+          <a:ln w="38100">
+            <a:tailEnd type="triangle"/>
+          </a:ln>
+        </p:spPr>
+        <p:style>
+          <a:lnRef idx="1">
+            <a:schemeClr val="accent1"/>
+          </a:lnRef>
+          <a:fillRef idx="0">
+            <a:schemeClr val="accent1"/>
+          </a:fillRef>
+          <a:effectRef idx="0">
+            <a:schemeClr val="accent1"/>
+          </a:effectRef>
+          <a:fontRef idx="minor">
+            <a:schemeClr val="tx1"/>
+          </a:fontRef>
+        </p:style>
+      </p:cxnSp>
     </p:spTree>
     <p:extLst>
       <p:ext uri="{BB962C8B-B14F-4D97-AF65-F5344CB8AC3E}">
@@ -9368,7 +9644,7 @@
           <a:p>
             <a:pPr algn="ctr"/>
             <a:r>
-              <a:rPr lang="es-CL" sz="1600" smtClean="0"/>
+              <a:rPr lang="es-CL" sz="1600" dirty="0" err="1" smtClean="0"/>
               <a:t>awdfile</a:t>
             </a:r>
             <a:endParaRPr lang="es-CL" sz="1600" dirty="0" smtClean="0"/>
@@ -9376,8 +9652,16 @@
           <a:p>
             <a:pPr algn="ctr"/>
             <a:r>
-              <a:rPr lang="es-CL" sz="1600" smtClean="0"/>
-              <a:t>(obj:str)</a:t>
+              <a:rPr lang="es-CL" sz="1600" dirty="0" smtClean="0"/>
+              <a:t>(</a:t>
+            </a:r>
+            <a:r>
+              <a:rPr lang="es-CL" sz="1600" dirty="0" err="1" smtClean="0"/>
+              <a:t>obj:str</a:t>
+            </a:r>
+            <a:r>
+              <a:rPr lang="es-CL" sz="1600" dirty="0" smtClean="0"/>
+              <a:t>)</a:t>
             </a:r>
             <a:endParaRPr lang="es-419" sz="1600" dirty="0"/>
           </a:p>

--- a/flujo edicion.pptx
+++ b/flujo edicion.pptx
@@ -15,6 +15,7 @@
     <p:sldId id="258" r:id="rId9"/>
     <p:sldId id="266" r:id="rId10"/>
     <p:sldId id="267" r:id="rId11"/>
+    <p:sldId id="268" r:id="rId12"/>
   </p:sldIdLst>
   <p:sldSz cx="12192000" cy="6858000"/>
   <p:notesSz cx="6858000" cy="9144000"/>
@@ -252,7 +253,7 @@
           <a:p>
             <a:fld id="{E142A079-F624-4F06-8292-7991D53C206B}" type="datetimeFigureOut">
               <a:rPr lang="es-419" smtClean="0"/>
-              <a:t>31/1/2020</a:t>
+              <a:t>2/3/2020</a:t>
             </a:fld>
             <a:endParaRPr lang="es-419"/>
           </a:p>
@@ -422,7 +423,7 @@
           <a:p>
             <a:fld id="{E142A079-F624-4F06-8292-7991D53C206B}" type="datetimeFigureOut">
               <a:rPr lang="es-419" smtClean="0"/>
-              <a:t>31/1/2020</a:t>
+              <a:t>2/3/2020</a:t>
             </a:fld>
             <a:endParaRPr lang="es-419"/>
           </a:p>
@@ -602,7 +603,7 @@
           <a:p>
             <a:fld id="{E142A079-F624-4F06-8292-7991D53C206B}" type="datetimeFigureOut">
               <a:rPr lang="es-419" smtClean="0"/>
-              <a:t>31/1/2020</a:t>
+              <a:t>2/3/2020</a:t>
             </a:fld>
             <a:endParaRPr lang="es-419"/>
           </a:p>
@@ -772,7 +773,7 @@
           <a:p>
             <a:fld id="{E142A079-F624-4F06-8292-7991D53C206B}" type="datetimeFigureOut">
               <a:rPr lang="es-419" smtClean="0"/>
-              <a:t>31/1/2020</a:t>
+              <a:t>2/3/2020</a:t>
             </a:fld>
             <a:endParaRPr lang="es-419"/>
           </a:p>
@@ -1018,7 +1019,7 @@
           <a:p>
             <a:fld id="{E142A079-F624-4F06-8292-7991D53C206B}" type="datetimeFigureOut">
               <a:rPr lang="es-419" smtClean="0"/>
-              <a:t>31/1/2020</a:t>
+              <a:t>2/3/2020</a:t>
             </a:fld>
             <a:endParaRPr lang="es-419"/>
           </a:p>
@@ -1250,7 +1251,7 @@
           <a:p>
             <a:fld id="{E142A079-F624-4F06-8292-7991D53C206B}" type="datetimeFigureOut">
               <a:rPr lang="es-419" smtClean="0"/>
-              <a:t>31/1/2020</a:t>
+              <a:t>2/3/2020</a:t>
             </a:fld>
             <a:endParaRPr lang="es-419"/>
           </a:p>
@@ -1617,7 +1618,7 @@
           <a:p>
             <a:fld id="{E142A079-F624-4F06-8292-7991D53C206B}" type="datetimeFigureOut">
               <a:rPr lang="es-419" smtClean="0"/>
-              <a:t>31/1/2020</a:t>
+              <a:t>2/3/2020</a:t>
             </a:fld>
             <a:endParaRPr lang="es-419"/>
           </a:p>
@@ -1735,7 +1736,7 @@
           <a:p>
             <a:fld id="{E142A079-F624-4F06-8292-7991D53C206B}" type="datetimeFigureOut">
               <a:rPr lang="es-419" smtClean="0"/>
-              <a:t>31/1/2020</a:t>
+              <a:t>2/3/2020</a:t>
             </a:fld>
             <a:endParaRPr lang="es-419"/>
           </a:p>
@@ -1830,7 +1831,7 @@
           <a:p>
             <a:fld id="{E142A079-F624-4F06-8292-7991D53C206B}" type="datetimeFigureOut">
               <a:rPr lang="es-419" smtClean="0"/>
-              <a:t>31/1/2020</a:t>
+              <a:t>2/3/2020</a:t>
             </a:fld>
             <a:endParaRPr lang="es-419"/>
           </a:p>
@@ -2107,7 +2108,7 @@
           <a:p>
             <a:fld id="{E142A079-F624-4F06-8292-7991D53C206B}" type="datetimeFigureOut">
               <a:rPr lang="es-419" smtClean="0"/>
-              <a:t>31/1/2020</a:t>
+              <a:t>2/3/2020</a:t>
             </a:fld>
             <a:endParaRPr lang="es-419"/>
           </a:p>
@@ -2360,7 +2361,7 @@
           <a:p>
             <a:fld id="{E142A079-F624-4F06-8292-7991D53C206B}" type="datetimeFigureOut">
               <a:rPr lang="es-419" smtClean="0"/>
-              <a:t>31/1/2020</a:t>
+              <a:t>2/3/2020</a:t>
             </a:fld>
             <a:endParaRPr lang="es-419"/>
           </a:p>
@@ -2573,7 +2574,7 @@
           <a:p>
             <a:fld id="{E142A079-F624-4F06-8292-7991D53C206B}" type="datetimeFigureOut">
               <a:rPr lang="es-419" smtClean="0"/>
-              <a:t>31/1/2020</a:t>
+              <a:t>2/3/2020</a:t>
             </a:fld>
             <a:endParaRPr lang="es-419"/>
           </a:p>
@@ -3164,8 +3165,8 @@
         </p:nvSpPr>
         <p:spPr>
           <a:xfrm>
-            <a:off x="2965320" y="4481371"/>
-            <a:ext cx="5032460" cy="1384995"/>
+            <a:off x="2965320" y="5009410"/>
+            <a:ext cx="5032460" cy="1169551"/>
           </a:xfrm>
           <a:prstGeom prst="rect">
             <a:avLst/>
@@ -3194,7 +3195,7 @@
                 </a:solidFill>
                 <a:latin typeface="Consolas" panose="020B0609020204030204" pitchFamily="49" charset="0"/>
               </a:rPr>
-              <a:t>ininoc</a:t>
+              <a:t>automatico</a:t>
             </a:r>
             <a:r>
               <a:rPr lang="es-CL" sz="1400" b="1" dirty="0" smtClean="0">
@@ -3205,8 +3206,10 @@
                 </a:solidFill>
                 <a:latin typeface="Consolas" panose="020B0609020204030204" pitchFamily="49" charset="0"/>
               </a:rPr>
-              <a:t>:  12/05/2011 </a:t>
-            </a:r>
+              <a:t> = 1</a:t>
+            </a:r>
+          </a:p>
+          <a:p>
             <a:r>
               <a:rPr lang="es-CL" sz="1400" b="1" dirty="0" smtClean="0">
                 <a:solidFill>
@@ -3216,8 +3219,10 @@
                 </a:solidFill>
                 <a:latin typeface="Consolas" panose="020B0609020204030204" pitchFamily="49" charset="0"/>
               </a:rPr>
-              <a:t>20:00 – 12/05/2011 </a:t>
-            </a:r>
+              <a:t>periodo manual = 2</a:t>
+            </a:r>
+          </a:p>
+          <a:p>
             <a:r>
               <a:rPr lang="es-CL" sz="1400" b="1" dirty="0" smtClean="0">
                 <a:solidFill>
@@ -3227,18 +3232,29 @@
                 </a:solidFill>
                 <a:latin typeface="Consolas" panose="020B0609020204030204" pitchFamily="49" charset="0"/>
               </a:rPr>
-              <a:t>20:15 = 3</a:t>
+              <a:t>cambio actividad = 3</a:t>
             </a:r>
             <a:endParaRPr lang="es-CL" sz="1400" b="1" dirty="0" smtClean="0">
               <a:solidFill>
-                <a:schemeClr val="accent5">
-                  <a:lumMod val="75000"/>
+                <a:schemeClr val="accent4">
+                  <a:lumMod val="50000"/>
                 </a:schemeClr>
               </a:solidFill>
               <a:latin typeface="Consolas" panose="020B0609020204030204" pitchFamily="49" charset="0"/>
             </a:endParaRPr>
           </a:p>
           <a:p>
+            <a:r>
+              <a:rPr lang="es-CL" sz="1400" b="1" dirty="0" smtClean="0">
+                <a:solidFill>
+                  <a:schemeClr val="accent4">
+                    <a:lumMod val="50000"/>
+                  </a:schemeClr>
+                </a:solidFill>
+                <a:latin typeface="Consolas" panose="020B0609020204030204" pitchFamily="49" charset="0"/>
+              </a:rPr>
+              <a:t>set </a:t>
+            </a:r>
             <a:r>
               <a:rPr lang="es-CL" sz="1400" b="1" dirty="0" err="1" smtClean="0">
                 <a:solidFill>
@@ -3248,7 +3264,7 @@
                 </a:solidFill>
                 <a:latin typeface="Consolas" panose="020B0609020204030204" pitchFamily="49" charset="0"/>
               </a:rPr>
-              <a:t>toawake</a:t>
+              <a:t>ini</a:t>
             </a:r>
             <a:r>
               <a:rPr lang="es-CL" sz="1400" b="1" dirty="0" smtClean="0">
@@ -3259,90 +3275,7 @@
                 </a:solidFill>
                 <a:latin typeface="Consolas" panose="020B0609020204030204" pitchFamily="49" charset="0"/>
               </a:rPr>
-              <a:t>: 12/05/2011 20:00 – 13/05/2011 </a:t>
-            </a:r>
-            <a:r>
-              <a:rPr lang="es-CL" sz="1400" b="1" dirty="0" smtClean="0">
-                <a:solidFill>
-                  <a:schemeClr val="accent4">
-                    <a:lumMod val="50000"/>
-                  </a:schemeClr>
-                </a:solidFill>
-                <a:latin typeface="Consolas" panose="020B0609020204030204" pitchFamily="49" charset="0"/>
-              </a:rPr>
-              <a:t>20:15 = 2</a:t>
-            </a:r>
-            <a:endParaRPr lang="es-CL" sz="1400" b="1" dirty="0" smtClean="0">
-              <a:solidFill>
-                <a:schemeClr val="accent4">
-                  <a:lumMod val="50000"/>
-                </a:schemeClr>
-              </a:solidFill>
-              <a:latin typeface="Consolas" panose="020B0609020204030204" pitchFamily="49" charset="0"/>
-            </a:endParaRPr>
-          </a:p>
-          <a:p>
-            <a:endParaRPr lang="es-CL" sz="1400" b="1" dirty="0">
-              <a:solidFill>
-                <a:schemeClr val="accent4">
-                  <a:lumMod val="50000"/>
-                </a:schemeClr>
-              </a:solidFill>
-              <a:latin typeface="Consolas" panose="020B0609020204030204" pitchFamily="49" charset="0"/>
-            </a:endParaRPr>
-          </a:p>
-          <a:p>
-            <a:r>
-              <a:rPr lang="es-CL" sz="1400" dirty="0"/>
-              <a:t>Formato para filtrar un periodo completo</a:t>
-            </a:r>
-            <a:br>
-              <a:rPr lang="es-CL" sz="1400" dirty="0"/>
-            </a:br>
-            <a:r>
-              <a:rPr lang="es-CL" sz="1400" b="1" dirty="0" err="1">
-                <a:solidFill>
-                  <a:srgbClr val="C00000"/>
-                </a:solidFill>
-                <a:latin typeface="Consolas" panose="020B0609020204030204" pitchFamily="49" charset="0"/>
-              </a:rPr>
-              <a:t>filter</a:t>
-            </a:r>
-            <a:r>
-              <a:rPr lang="es-CL" sz="1400" b="1" dirty="0">
-                <a:solidFill>
-                  <a:srgbClr val="C00000"/>
-                </a:solidFill>
-                <a:latin typeface="Consolas" panose="020B0609020204030204" pitchFamily="49" charset="0"/>
-              </a:rPr>
-              <a:t>: </a:t>
-            </a:r>
-            <a:r>
-              <a:rPr lang="es-CL" sz="1400" b="1" dirty="0" smtClean="0">
-                <a:solidFill>
-                  <a:srgbClr val="C00000"/>
-                </a:solidFill>
-                <a:latin typeface="Consolas" panose="020B0609020204030204" pitchFamily="49" charset="0"/>
-              </a:rPr>
-              <a:t> 12/05/2011 </a:t>
-            </a:r>
-            <a:r>
-              <a:rPr lang="es-CL" sz="1400" b="1" dirty="0">
-                <a:solidFill>
-                  <a:srgbClr val="C00000"/>
-                </a:solidFill>
-                <a:latin typeface="Consolas" panose="020B0609020204030204" pitchFamily="49" charset="0"/>
-              </a:rPr>
-              <a:t>20:00 – 13/05/2011 </a:t>
-            </a:r>
-            <a:r>
-              <a:rPr lang="es-CL" sz="1400" b="1" dirty="0" smtClean="0">
-                <a:solidFill>
-                  <a:srgbClr val="C00000"/>
-                </a:solidFill>
-                <a:latin typeface="Consolas" panose="020B0609020204030204" pitchFamily="49" charset="0"/>
-              </a:rPr>
-              <a:t>06:00 = 1</a:t>
+              <a:t> noche = 4</a:t>
             </a:r>
             <a:endParaRPr lang="es-419" sz="1400" b="1" dirty="0">
               <a:solidFill>
@@ -3389,11 +3322,7 @@
             </a:r>
             <a:r>
               <a:rPr lang="es-CL" sz="2400" b="1" dirty="0" smtClean="0"/>
-              <a:t>Proceso </a:t>
-            </a:r>
-            <a:r>
-              <a:rPr lang="es-CL" sz="2400" b="1" dirty="0" smtClean="0"/>
-              <a:t>Editar</a:t>
+              <a:t>Proceso Editar</a:t>
             </a:r>
           </a:p>
           <a:p>
@@ -3441,7 +3370,6 @@
               <a:rPr lang="es-CL" sz="1400" dirty="0" smtClean="0"/>
               <a:t> que chequea cada ½ segundo si hay cambios en la fecha de modificación. Entonces el cambio o edición depende de modificar el archivo.</a:t>
             </a:r>
-            <a:endParaRPr lang="es-CL" sz="1400" dirty="0" smtClean="0"/>
           </a:p>
         </p:txBody>
       </p:sp>
@@ -3794,11 +3722,7 @@
             <a:pPr algn="ctr"/>
             <a:r>
               <a:rPr lang="es-CL" sz="1600" dirty="0" smtClean="0"/>
-              <a:t>Sho</a:t>
-            </a:r>
-            <a:r>
-              <a:rPr lang="es-CL" sz="1600" dirty="0" smtClean="0"/>
-              <a:t>w </a:t>
+              <a:t>Show </a:t>
             </a:r>
           </a:p>
           <a:p>
@@ -4068,7 +3992,6 @@
               <a:rPr lang="es-CL" sz="1600" dirty="0" smtClean="0"/>
               <a:t>()</a:t>
             </a:r>
-            <a:endParaRPr lang="es-CL" sz="1600" dirty="0" smtClean="0"/>
           </a:p>
           <a:p>
             <a:r>
@@ -4210,11 +4133,7 @@
             <a:pPr algn="ctr"/>
             <a:r>
               <a:rPr lang="es-CL" sz="1600" dirty="0" smtClean="0"/>
-              <a:t>Sho</a:t>
-            </a:r>
-            <a:r>
-              <a:rPr lang="es-CL" sz="1600" dirty="0" smtClean="0"/>
-              <a:t>w </a:t>
+              <a:t>Show </a:t>
             </a:r>
           </a:p>
           <a:p>
@@ -4717,6 +4636,890 @@
     <p:extLst>
       <p:ext uri="{BB962C8B-B14F-4D97-AF65-F5344CB8AC3E}">
         <p14:creationId xmlns:p14="http://schemas.microsoft.com/office/powerpoint/2010/main" val="1732730366"/>
+      </p:ext>
+    </p:extLst>
+  </p:cSld>
+  <p:clrMapOvr>
+    <a:masterClrMapping/>
+  </p:clrMapOvr>
+  <p:timing>
+    <p:tnLst>
+      <p:par>
+        <p:cTn id="1" dur="indefinite" restart="never" nodeType="tmRoot"/>
+      </p:par>
+    </p:tnLst>
+  </p:timing>
+</p:sld>
+</file>
+
+<file path=ppt/slides/slide11.xml><?xml version="1.0" encoding="utf-8"?>
+<p:sld xmlns:a="http://schemas.openxmlformats.org/drawingml/2006/main" xmlns:r="http://schemas.openxmlformats.org/officeDocument/2006/relationships" xmlns:p="http://schemas.openxmlformats.org/presentationml/2006/main">
+  <p:cSld>
+    <p:spTree>
+      <p:nvGrpSpPr>
+        <p:cNvPr id="1" name=""/>
+        <p:cNvGrpSpPr/>
+        <p:nvPr/>
+      </p:nvGrpSpPr>
+      <p:grpSpPr>
+        <a:xfrm>
+          <a:off x="0" y="0"/>
+          <a:ext cx="0" cy="0"/>
+          <a:chOff x="0" y="0"/>
+          <a:chExt cx="0" cy="0"/>
+        </a:xfrm>
+      </p:grpSpPr>
+      <p:cxnSp>
+        <p:nvCxnSpPr>
+          <p:cNvPr id="15" name="Conector recto de flecha 14"/>
+          <p:cNvCxnSpPr>
+            <a:stCxn id="13" idx="0"/>
+            <a:endCxn id="7" idx="2"/>
+          </p:cNvCxnSpPr>
+          <p:nvPr/>
+        </p:nvCxnSpPr>
+        <p:spPr>
+          <a:xfrm flipV="1">
+            <a:off x="9304984" y="2382592"/>
+            <a:ext cx="1" cy="1909399"/>
+          </a:xfrm>
+          <a:prstGeom prst="straightConnector1">
+            <a:avLst/>
+          </a:prstGeom>
+          <a:ln w="38100">
+            <a:tailEnd type="triangle"/>
+          </a:ln>
+        </p:spPr>
+        <p:style>
+          <a:lnRef idx="1">
+            <a:schemeClr val="accent2"/>
+          </a:lnRef>
+          <a:fillRef idx="0">
+            <a:schemeClr val="accent2"/>
+          </a:fillRef>
+          <a:effectRef idx="0">
+            <a:schemeClr val="accent2"/>
+          </a:effectRef>
+          <a:fontRef idx="minor">
+            <a:schemeClr val="tx1"/>
+          </a:fontRef>
+        </p:style>
+      </p:cxnSp>
+      <p:sp>
+        <p:nvSpPr>
+          <p:cNvPr id="4" name="Rectángulo 3"/>
+          <p:cNvSpPr/>
+          <p:nvPr/>
+        </p:nvSpPr>
+        <p:spPr>
+          <a:xfrm>
+            <a:off x="1081824" y="1416676"/>
+            <a:ext cx="2820473" cy="965916"/>
+          </a:xfrm>
+          <a:prstGeom prst="rect">
+            <a:avLst/>
+          </a:prstGeom>
+        </p:spPr>
+        <p:style>
+          <a:lnRef idx="2">
+            <a:schemeClr val="accent1">
+              <a:shade val="50000"/>
+            </a:schemeClr>
+          </a:lnRef>
+          <a:fillRef idx="1">
+            <a:schemeClr val="accent1"/>
+          </a:fillRef>
+          <a:effectRef idx="0">
+            <a:schemeClr val="accent1"/>
+          </a:effectRef>
+          <a:fontRef idx="minor">
+            <a:schemeClr val="lt1"/>
+          </a:fontRef>
+        </p:style>
+        <p:txBody>
+          <a:bodyPr rtlCol="0" anchor="ctr"/>
+          <a:lstStyle/>
+          <a:p>
+            <a:pPr algn="ctr"/>
+            <a:r>
+              <a:rPr lang="es-CL" dirty="0" smtClean="0">
+                <a:solidFill>
+                  <a:schemeClr val="accent4"/>
+                </a:solidFill>
+              </a:rPr>
+              <a:t>Mostrar fecha del gráfico</a:t>
+            </a:r>
+          </a:p>
+          <a:p>
+            <a:pPr algn="ctr"/>
+            <a:r>
+              <a:rPr lang="es-419" dirty="0" err="1" smtClean="0"/>
+              <a:t>verbatimTextOutput</a:t>
+            </a:r>
+            <a:endParaRPr lang="es-419" dirty="0" smtClean="0"/>
+          </a:p>
+          <a:p>
+            <a:pPr algn="ctr"/>
+            <a:r>
+              <a:rPr lang="es-419" sz="1600" dirty="0" smtClean="0">
+                <a:solidFill>
+                  <a:schemeClr val="tx1"/>
+                </a:solidFill>
+                <a:latin typeface="Courier New" panose="02070309020205020404" pitchFamily="49" charset="0"/>
+                <a:cs typeface="Courier New" panose="02070309020205020404" pitchFamily="49" charset="0"/>
+              </a:rPr>
+              <a:t>output$selectedPer1</a:t>
+            </a:r>
+            <a:endParaRPr lang="es-419" sz="1600" dirty="0">
+              <a:solidFill>
+                <a:schemeClr val="tx1"/>
+              </a:solidFill>
+              <a:latin typeface="Courier New" panose="02070309020205020404" pitchFamily="49" charset="0"/>
+              <a:cs typeface="Courier New" panose="02070309020205020404" pitchFamily="49" charset="0"/>
+            </a:endParaRPr>
+          </a:p>
+        </p:txBody>
+      </p:sp>
+      <p:sp>
+        <p:nvSpPr>
+          <p:cNvPr id="5" name="CuadroTexto 4"/>
+          <p:cNvSpPr txBox="1"/>
+          <p:nvPr/>
+        </p:nvSpPr>
+        <p:spPr>
+          <a:xfrm>
+            <a:off x="180304" y="180304"/>
+            <a:ext cx="11552350" cy="677108"/>
+          </a:xfrm>
+          <a:prstGeom prst="rect">
+            <a:avLst/>
+          </a:prstGeom>
+          <a:noFill/>
+        </p:spPr>
+        <p:txBody>
+          <a:bodyPr wrap="square" rtlCol="0">
+            <a:spAutoFit/>
+          </a:bodyPr>
+          <a:lstStyle/>
+          <a:p>
+            <a:r>
+              <a:rPr lang="es-CL" sz="2400" b="1" dirty="0" err="1" smtClean="0"/>
+              <a:t>Seccion</a:t>
+            </a:r>
+            <a:r>
+              <a:rPr lang="es-CL" sz="2400" b="1" dirty="0" smtClean="0"/>
+              <a:t> 3</a:t>
+            </a:r>
+            <a:r>
+              <a:rPr lang="es-CL" sz="2400" dirty="0" smtClean="0"/>
+              <a:t>: </a:t>
+            </a:r>
+            <a:r>
+              <a:rPr lang="es-CL" sz="2400" b="1" dirty="0" smtClean="0"/>
+              <a:t>Pestaña "Edición de períodos"</a:t>
+            </a:r>
+            <a:endParaRPr lang="es-CL" sz="2400" b="1" dirty="0" smtClean="0"/>
+          </a:p>
+          <a:p>
+            <a:r>
+              <a:rPr lang="es-CL" sz="1400" dirty="0" smtClean="0"/>
+              <a:t>Este es el UI y sus componentes</a:t>
+            </a:r>
+            <a:endParaRPr lang="es-CL" sz="1400" dirty="0" smtClean="0"/>
+          </a:p>
+        </p:txBody>
+      </p:sp>
+      <p:sp>
+        <p:nvSpPr>
+          <p:cNvPr id="6" name="Rectángulo 5"/>
+          <p:cNvSpPr/>
+          <p:nvPr/>
+        </p:nvSpPr>
+        <p:spPr>
+          <a:xfrm>
+            <a:off x="4327300" y="1416676"/>
+            <a:ext cx="2820473" cy="965916"/>
+          </a:xfrm>
+          <a:prstGeom prst="rect">
+            <a:avLst/>
+          </a:prstGeom>
+        </p:spPr>
+        <p:style>
+          <a:lnRef idx="2">
+            <a:schemeClr val="accent1">
+              <a:shade val="50000"/>
+            </a:schemeClr>
+          </a:lnRef>
+          <a:fillRef idx="1">
+            <a:schemeClr val="accent1"/>
+          </a:fillRef>
+          <a:effectRef idx="0">
+            <a:schemeClr val="accent1"/>
+          </a:effectRef>
+          <a:fontRef idx="minor">
+            <a:schemeClr val="lt1"/>
+          </a:fontRef>
+        </p:style>
+        <p:txBody>
+          <a:bodyPr rtlCol="0" anchor="ctr"/>
+          <a:lstStyle/>
+          <a:p>
+            <a:pPr algn="ctr"/>
+            <a:r>
+              <a:rPr lang="es-CL" dirty="0" smtClean="0">
+                <a:solidFill>
+                  <a:schemeClr val="accent4"/>
+                </a:solidFill>
+              </a:rPr>
+              <a:t>Casilla </a:t>
+            </a:r>
+            <a:r>
+              <a:rPr lang="es-CL" dirty="0" err="1" smtClean="0">
+                <a:solidFill>
+                  <a:schemeClr val="accent4"/>
+                </a:solidFill>
+              </a:rPr>
+              <a:t>dia</a:t>
+            </a:r>
+            <a:r>
+              <a:rPr lang="es-CL" dirty="0" smtClean="0">
+                <a:solidFill>
+                  <a:schemeClr val="accent4"/>
+                </a:solidFill>
+              </a:rPr>
+              <a:t> | noche</a:t>
+            </a:r>
+          </a:p>
+          <a:p>
+            <a:pPr algn="ctr"/>
+            <a:r>
+              <a:rPr lang="es-419" dirty="0" err="1"/>
+              <a:t>checkboxGroupInput</a:t>
+            </a:r>
+            <a:endParaRPr lang="es-419" dirty="0" smtClean="0"/>
+          </a:p>
+          <a:p>
+            <a:pPr algn="ctr"/>
+            <a:r>
+              <a:rPr lang="es-419" sz="1600" dirty="0" err="1" smtClean="0">
+                <a:solidFill>
+                  <a:schemeClr val="tx1"/>
+                </a:solidFill>
+                <a:latin typeface="Courier New" panose="02070309020205020404" pitchFamily="49" charset="0"/>
+                <a:cs typeface="Courier New" panose="02070309020205020404" pitchFamily="49" charset="0"/>
+              </a:rPr>
+              <a:t>input$dianoc</a:t>
+            </a:r>
+            <a:endParaRPr lang="es-419" sz="1600" dirty="0">
+              <a:solidFill>
+                <a:schemeClr val="tx1"/>
+              </a:solidFill>
+              <a:latin typeface="Courier New" panose="02070309020205020404" pitchFamily="49" charset="0"/>
+              <a:cs typeface="Courier New" panose="02070309020205020404" pitchFamily="49" charset="0"/>
+            </a:endParaRPr>
+          </a:p>
+        </p:txBody>
+      </p:sp>
+      <p:sp>
+        <p:nvSpPr>
+          <p:cNvPr id="7" name="Rectángulo 6"/>
+          <p:cNvSpPr/>
+          <p:nvPr/>
+        </p:nvSpPr>
+        <p:spPr>
+          <a:xfrm>
+            <a:off x="7894748" y="1416676"/>
+            <a:ext cx="2820473" cy="965916"/>
+          </a:xfrm>
+          <a:prstGeom prst="rect">
+            <a:avLst/>
+          </a:prstGeom>
+        </p:spPr>
+        <p:style>
+          <a:lnRef idx="2">
+            <a:schemeClr val="accent1">
+              <a:shade val="50000"/>
+            </a:schemeClr>
+          </a:lnRef>
+          <a:fillRef idx="1">
+            <a:schemeClr val="accent1"/>
+          </a:fillRef>
+          <a:effectRef idx="0">
+            <a:schemeClr val="accent1"/>
+          </a:effectRef>
+          <a:fontRef idx="minor">
+            <a:schemeClr val="lt1"/>
+          </a:fontRef>
+        </p:style>
+        <p:txBody>
+          <a:bodyPr rtlCol="0" anchor="ctr"/>
+          <a:lstStyle/>
+          <a:p>
+            <a:pPr algn="ctr"/>
+            <a:r>
+              <a:rPr lang="es-CL" dirty="0" err="1" smtClean="0">
+                <a:solidFill>
+                  <a:schemeClr val="accent4"/>
+                </a:solidFill>
+              </a:rPr>
+              <a:t>Boton</a:t>
+            </a:r>
+            <a:r>
+              <a:rPr lang="es-CL" dirty="0" smtClean="0">
+                <a:solidFill>
+                  <a:schemeClr val="accent4"/>
+                </a:solidFill>
+              </a:rPr>
+              <a:t> para agregar</a:t>
+            </a:r>
+          </a:p>
+          <a:p>
+            <a:pPr algn="ctr"/>
+            <a:r>
+              <a:rPr lang="es-419" dirty="0" err="1"/>
+              <a:t>actionButton</a:t>
+            </a:r>
+            <a:endParaRPr lang="es-419" dirty="0" smtClean="0"/>
+          </a:p>
+          <a:p>
+            <a:pPr algn="ctr"/>
+            <a:r>
+              <a:rPr lang="es-419" sz="1600" dirty="0" err="1">
+                <a:solidFill>
+                  <a:schemeClr val="tx1"/>
+                </a:solidFill>
+                <a:latin typeface="Courier New" panose="02070309020205020404" pitchFamily="49" charset="0"/>
+                <a:cs typeface="Courier New" panose="02070309020205020404" pitchFamily="49" charset="0"/>
+              </a:rPr>
+              <a:t>input$cambia_periodo</a:t>
+            </a:r>
+            <a:endParaRPr lang="es-419" sz="1600" dirty="0">
+              <a:solidFill>
+                <a:schemeClr val="tx1"/>
+              </a:solidFill>
+              <a:latin typeface="Courier New" panose="02070309020205020404" pitchFamily="49" charset="0"/>
+              <a:cs typeface="Courier New" panose="02070309020205020404" pitchFamily="49" charset="0"/>
+            </a:endParaRPr>
+          </a:p>
+        </p:txBody>
+      </p:sp>
+      <p:sp>
+        <p:nvSpPr>
+          <p:cNvPr id="8" name="Rectángulo 7"/>
+          <p:cNvSpPr/>
+          <p:nvPr/>
+        </p:nvSpPr>
+        <p:spPr>
+          <a:xfrm>
+            <a:off x="1081823" y="2766811"/>
+            <a:ext cx="2820473" cy="965916"/>
+          </a:xfrm>
+          <a:prstGeom prst="rect">
+            <a:avLst/>
+          </a:prstGeom>
+        </p:spPr>
+        <p:style>
+          <a:lnRef idx="2">
+            <a:schemeClr val="accent1">
+              <a:shade val="50000"/>
+            </a:schemeClr>
+          </a:lnRef>
+          <a:fillRef idx="1">
+            <a:schemeClr val="accent1"/>
+          </a:fillRef>
+          <a:effectRef idx="0">
+            <a:schemeClr val="accent1"/>
+          </a:effectRef>
+          <a:fontRef idx="minor">
+            <a:schemeClr val="lt1"/>
+          </a:fontRef>
+        </p:style>
+        <p:txBody>
+          <a:bodyPr rtlCol="0" anchor="ctr"/>
+          <a:lstStyle/>
+          <a:p>
+            <a:pPr algn="ctr"/>
+            <a:r>
+              <a:rPr lang="es-CL" dirty="0" smtClean="0">
+                <a:solidFill>
+                  <a:schemeClr val="accent4"/>
+                </a:solidFill>
+              </a:rPr>
+              <a:t>Periodo a filtrar</a:t>
+            </a:r>
+          </a:p>
+          <a:p>
+            <a:pPr algn="ctr"/>
+            <a:r>
+              <a:rPr lang="es-419" dirty="0" err="1" smtClean="0"/>
+              <a:t>verbatimTextOutput</a:t>
+            </a:r>
+            <a:endParaRPr lang="es-419" dirty="0" smtClean="0"/>
+          </a:p>
+          <a:p>
+            <a:pPr algn="ctr"/>
+            <a:r>
+              <a:rPr lang="es-419" sz="1600" dirty="0">
+                <a:solidFill>
+                  <a:schemeClr val="tx1"/>
+                </a:solidFill>
+                <a:latin typeface="Courier New" panose="02070309020205020404" pitchFamily="49" charset="0"/>
+                <a:cs typeface="Courier New" panose="02070309020205020404" pitchFamily="49" charset="0"/>
+              </a:rPr>
+              <a:t>output$toFilter1</a:t>
+            </a:r>
+          </a:p>
+        </p:txBody>
+      </p:sp>
+      <p:sp>
+        <p:nvSpPr>
+          <p:cNvPr id="9" name="Rectángulo 8"/>
+          <p:cNvSpPr/>
+          <p:nvPr/>
+        </p:nvSpPr>
+        <p:spPr>
+          <a:xfrm>
+            <a:off x="5252431" y="2766811"/>
+            <a:ext cx="5462790" cy="965916"/>
+          </a:xfrm>
+          <a:prstGeom prst="rect">
+            <a:avLst/>
+          </a:prstGeom>
+        </p:spPr>
+        <p:style>
+          <a:lnRef idx="2">
+            <a:schemeClr val="accent4">
+              <a:shade val="50000"/>
+            </a:schemeClr>
+          </a:lnRef>
+          <a:fillRef idx="1">
+            <a:schemeClr val="accent4"/>
+          </a:fillRef>
+          <a:effectRef idx="0">
+            <a:schemeClr val="accent4"/>
+          </a:effectRef>
+          <a:fontRef idx="minor">
+            <a:schemeClr val="lt1"/>
+          </a:fontRef>
+        </p:style>
+        <p:txBody>
+          <a:bodyPr rtlCol="0" anchor="ctr"/>
+          <a:lstStyle/>
+          <a:p>
+            <a:pPr algn="ctr"/>
+            <a:r>
+              <a:rPr lang="es-CL" sz="1600" dirty="0" smtClean="0">
+                <a:solidFill>
+                  <a:schemeClr val="tx1"/>
+                </a:solidFill>
+                <a:latin typeface="Courier New" panose="02070309020205020404" pitchFamily="49" charset="0"/>
+                <a:cs typeface="Courier New" panose="02070309020205020404" pitchFamily="49" charset="0"/>
+              </a:rPr>
+              <a:t>reactive</a:t>
+            </a:r>
+          </a:p>
+          <a:p>
+            <a:pPr algn="ctr"/>
+            <a:r>
+              <a:rPr lang="es-CL" sz="1600" dirty="0" err="1" smtClean="0">
+                <a:solidFill>
+                  <a:schemeClr val="tx1"/>
+                </a:solidFill>
+                <a:latin typeface="Courier New" panose="02070309020205020404" pitchFamily="49" charset="0"/>
+                <a:cs typeface="Courier New" panose="02070309020205020404" pitchFamily="49" charset="0"/>
+              </a:rPr>
+              <a:t>filterPeriod</a:t>
+            </a:r>
+            <a:r>
+              <a:rPr lang="es-CL" sz="1600" dirty="0" smtClean="0">
+                <a:solidFill>
+                  <a:schemeClr val="tx1"/>
+                </a:solidFill>
+                <a:latin typeface="Courier New" panose="02070309020205020404" pitchFamily="49" charset="0"/>
+                <a:cs typeface="Courier New" panose="02070309020205020404" pitchFamily="49" charset="0"/>
+              </a:rPr>
+              <a:t>()</a:t>
+            </a:r>
+          </a:p>
+          <a:p>
+            <a:pPr algn="ctr"/>
+            <a:r>
+              <a:rPr lang="en-US" sz="1600" dirty="0">
+                <a:solidFill>
+                  <a:schemeClr val="tx1"/>
+                </a:solidFill>
+                <a:latin typeface="Courier New" panose="02070309020205020404" pitchFamily="49" charset="0"/>
+                <a:cs typeface="Courier New" panose="02070309020205020404" pitchFamily="49" charset="0"/>
+              </a:rPr>
+              <a:t>list(</a:t>
+            </a:r>
+            <a:r>
+              <a:rPr lang="en-US" sz="1600" dirty="0" err="1">
+                <a:solidFill>
+                  <a:schemeClr val="tx1"/>
+                </a:solidFill>
+                <a:latin typeface="Courier New" panose="02070309020205020404" pitchFamily="49" charset="0"/>
+                <a:cs typeface="Courier New" panose="02070309020205020404" pitchFamily="49" charset="0"/>
+              </a:rPr>
+              <a:t>msg</a:t>
+            </a:r>
+            <a:r>
+              <a:rPr lang="en-US" sz="1600" dirty="0">
+                <a:solidFill>
+                  <a:schemeClr val="tx1"/>
+                </a:solidFill>
+                <a:latin typeface="Courier New" panose="02070309020205020404" pitchFamily="49" charset="0"/>
+                <a:cs typeface="Courier New" panose="02070309020205020404" pitchFamily="49" charset="0"/>
+              </a:rPr>
+              <a:t> = </a:t>
+            </a:r>
+            <a:r>
+              <a:rPr lang="en-US" sz="1600" dirty="0" err="1">
+                <a:solidFill>
+                  <a:schemeClr val="tx1"/>
+                </a:solidFill>
+                <a:latin typeface="Courier New" panose="02070309020205020404" pitchFamily="49" charset="0"/>
+                <a:cs typeface="Courier New" panose="02070309020205020404" pitchFamily="49" charset="0"/>
+              </a:rPr>
+              <a:t>msg</a:t>
+            </a:r>
+            <a:r>
+              <a:rPr lang="en-US" sz="1600" dirty="0">
+                <a:solidFill>
+                  <a:schemeClr val="tx1"/>
+                </a:solidFill>
+                <a:latin typeface="Courier New" panose="02070309020205020404" pitchFamily="49" charset="0"/>
+                <a:cs typeface="Courier New" panose="02070309020205020404" pitchFamily="49" charset="0"/>
+              </a:rPr>
+              <a:t>, action = 1, </a:t>
+            </a:r>
+            <a:r>
+              <a:rPr lang="en-US" sz="1600" dirty="0" err="1">
+                <a:solidFill>
+                  <a:schemeClr val="tx1"/>
+                </a:solidFill>
+                <a:latin typeface="Courier New" panose="02070309020205020404" pitchFamily="49" charset="0"/>
+                <a:cs typeface="Courier New" panose="02070309020205020404" pitchFamily="49" charset="0"/>
+              </a:rPr>
+              <a:t>filtro</a:t>
+            </a:r>
+            <a:r>
+              <a:rPr lang="en-US" sz="1600" dirty="0">
+                <a:solidFill>
+                  <a:schemeClr val="tx1"/>
+                </a:solidFill>
+                <a:latin typeface="Courier New" panose="02070309020205020404" pitchFamily="49" charset="0"/>
+                <a:cs typeface="Courier New" panose="02070309020205020404" pitchFamily="49" charset="0"/>
+              </a:rPr>
+              <a:t> = </a:t>
+            </a:r>
+            <a:r>
+              <a:rPr lang="en-US" sz="1600" dirty="0" err="1">
+                <a:solidFill>
+                  <a:schemeClr val="tx1"/>
+                </a:solidFill>
+                <a:latin typeface="Courier New" panose="02070309020205020404" pitchFamily="49" charset="0"/>
+                <a:cs typeface="Courier New" panose="02070309020205020404" pitchFamily="49" charset="0"/>
+              </a:rPr>
+              <a:t>diaF</a:t>
+            </a:r>
+            <a:r>
+              <a:rPr lang="en-US" sz="1600" dirty="0">
+                <a:solidFill>
+                  <a:schemeClr val="tx1"/>
+                </a:solidFill>
+                <a:latin typeface="Courier New" panose="02070309020205020404" pitchFamily="49" charset="0"/>
+                <a:cs typeface="Courier New" panose="02070309020205020404" pitchFamily="49" charset="0"/>
+              </a:rPr>
+              <a:t>)</a:t>
+            </a:r>
+            <a:endParaRPr lang="es-419" sz="1600" dirty="0">
+              <a:solidFill>
+                <a:schemeClr val="tx1"/>
+              </a:solidFill>
+              <a:latin typeface="Courier New" panose="02070309020205020404" pitchFamily="49" charset="0"/>
+              <a:cs typeface="Courier New" panose="02070309020205020404" pitchFamily="49" charset="0"/>
+            </a:endParaRPr>
+          </a:p>
+        </p:txBody>
+      </p:sp>
+      <p:cxnSp>
+        <p:nvCxnSpPr>
+          <p:cNvPr id="11" name="Conector recto de flecha 10"/>
+          <p:cNvCxnSpPr>
+            <a:stCxn id="9" idx="1"/>
+            <a:endCxn id="8" idx="3"/>
+          </p:cNvCxnSpPr>
+          <p:nvPr/>
+        </p:nvCxnSpPr>
+        <p:spPr>
+          <a:xfrm flipH="1">
+            <a:off x="3902296" y="3249769"/>
+            <a:ext cx="1350135" cy="0"/>
+          </a:xfrm>
+          <a:prstGeom prst="straightConnector1">
+            <a:avLst/>
+          </a:prstGeom>
+          <a:ln w="38100">
+            <a:tailEnd type="triangle"/>
+          </a:ln>
+        </p:spPr>
+        <p:style>
+          <a:lnRef idx="1">
+            <a:schemeClr val="accent1"/>
+          </a:lnRef>
+          <a:fillRef idx="0">
+            <a:schemeClr val="accent1"/>
+          </a:fillRef>
+          <a:effectRef idx="0">
+            <a:schemeClr val="accent1"/>
+          </a:effectRef>
+          <a:fontRef idx="minor">
+            <a:schemeClr val="tx1"/>
+          </a:fontRef>
+        </p:style>
+      </p:cxnSp>
+      <p:sp>
+        <p:nvSpPr>
+          <p:cNvPr id="13" name="Rectángulo 12"/>
+          <p:cNvSpPr/>
+          <p:nvPr/>
+        </p:nvSpPr>
+        <p:spPr>
+          <a:xfrm>
+            <a:off x="7894747" y="4291991"/>
+            <a:ext cx="2820473" cy="965916"/>
+          </a:xfrm>
+          <a:prstGeom prst="rect">
+            <a:avLst/>
+          </a:prstGeom>
+        </p:spPr>
+        <p:style>
+          <a:lnRef idx="2">
+            <a:schemeClr val="accent2">
+              <a:shade val="50000"/>
+            </a:schemeClr>
+          </a:lnRef>
+          <a:fillRef idx="1">
+            <a:schemeClr val="accent2"/>
+          </a:fillRef>
+          <a:effectRef idx="0">
+            <a:schemeClr val="accent2"/>
+          </a:effectRef>
+          <a:fontRef idx="minor">
+            <a:schemeClr val="lt1"/>
+          </a:fontRef>
+        </p:style>
+        <p:txBody>
+          <a:bodyPr rtlCol="0" anchor="ctr"/>
+          <a:lstStyle/>
+          <a:p>
+            <a:pPr algn="ctr"/>
+            <a:r>
+              <a:rPr lang="es-CL" dirty="0" smtClean="0">
+                <a:solidFill>
+                  <a:schemeClr val="accent1">
+                    <a:lumMod val="50000"/>
+                  </a:schemeClr>
+                </a:solidFill>
+              </a:rPr>
+              <a:t>Modal</a:t>
+            </a:r>
+          </a:p>
+          <a:p>
+            <a:pPr algn="ctr"/>
+            <a:r>
+              <a:rPr lang="es-419" dirty="0" err="1" smtClean="0"/>
+              <a:t>function</a:t>
+            </a:r>
+            <a:r>
+              <a:rPr lang="es-419" dirty="0" smtClean="0"/>
+              <a:t> </a:t>
+            </a:r>
+            <a:r>
+              <a:rPr lang="es-419" sz="1600" dirty="0" err="1" smtClean="0">
+                <a:solidFill>
+                  <a:schemeClr val="tx1"/>
+                </a:solidFill>
+                <a:latin typeface="Courier New" panose="02070309020205020404" pitchFamily="49" charset="0"/>
+                <a:cs typeface="Courier New" panose="02070309020205020404" pitchFamily="49" charset="0"/>
+              </a:rPr>
+              <a:t>warnModal</a:t>
+            </a:r>
+            <a:endParaRPr lang="es-419" sz="1600" dirty="0" smtClean="0">
+              <a:solidFill>
+                <a:schemeClr val="tx1"/>
+              </a:solidFill>
+              <a:latin typeface="Courier New" panose="02070309020205020404" pitchFamily="49" charset="0"/>
+              <a:cs typeface="Courier New" panose="02070309020205020404" pitchFamily="49" charset="0"/>
+            </a:endParaRPr>
+          </a:p>
+          <a:p>
+            <a:pPr algn="ctr"/>
+            <a:r>
+              <a:rPr lang="es-CL" sz="1600" dirty="0" err="1" smtClean="0">
+                <a:solidFill>
+                  <a:schemeClr val="tx1"/>
+                </a:solidFill>
+                <a:latin typeface="Courier New" panose="02070309020205020404" pitchFamily="49" charset="0"/>
+                <a:cs typeface="Courier New" panose="02070309020205020404" pitchFamily="49" charset="0"/>
+              </a:rPr>
+              <a:t>input$ok</a:t>
+            </a:r>
+            <a:endParaRPr lang="es-419" sz="1600" dirty="0">
+              <a:solidFill>
+                <a:schemeClr val="tx1"/>
+              </a:solidFill>
+              <a:latin typeface="Courier New" panose="02070309020205020404" pitchFamily="49" charset="0"/>
+              <a:cs typeface="Courier New" panose="02070309020205020404" pitchFamily="49" charset="0"/>
+            </a:endParaRPr>
+          </a:p>
+        </p:txBody>
+      </p:sp>
+      <p:sp>
+        <p:nvSpPr>
+          <p:cNvPr id="16" name="Rectángulo 15"/>
+          <p:cNvSpPr/>
+          <p:nvPr/>
+        </p:nvSpPr>
+        <p:spPr>
+          <a:xfrm>
+            <a:off x="4327299" y="4291991"/>
+            <a:ext cx="2820473" cy="965916"/>
+          </a:xfrm>
+          <a:prstGeom prst="rect">
+            <a:avLst/>
+          </a:prstGeom>
+        </p:spPr>
+        <p:style>
+          <a:lnRef idx="2">
+            <a:schemeClr val="accent2">
+              <a:shade val="50000"/>
+            </a:schemeClr>
+          </a:lnRef>
+          <a:fillRef idx="1">
+            <a:schemeClr val="accent2"/>
+          </a:fillRef>
+          <a:effectRef idx="0">
+            <a:schemeClr val="accent2"/>
+          </a:effectRef>
+          <a:fontRef idx="minor">
+            <a:schemeClr val="lt1"/>
+          </a:fontRef>
+        </p:style>
+        <p:txBody>
+          <a:bodyPr rtlCol="0" anchor="ctr"/>
+          <a:lstStyle/>
+          <a:p>
+            <a:pPr algn="ctr"/>
+            <a:r>
+              <a:rPr lang="es-CL" dirty="0" err="1" smtClean="0">
+                <a:solidFill>
+                  <a:schemeClr val="accent1">
+                    <a:lumMod val="50000"/>
+                  </a:schemeClr>
+                </a:solidFill>
+              </a:rPr>
+              <a:t>observeEvent</a:t>
+            </a:r>
+            <a:endParaRPr lang="es-CL" dirty="0" smtClean="0">
+              <a:solidFill>
+                <a:schemeClr val="accent1">
+                  <a:lumMod val="50000"/>
+                </a:schemeClr>
+              </a:solidFill>
+            </a:endParaRPr>
+          </a:p>
+          <a:p>
+            <a:pPr algn="ctr"/>
+            <a:r>
+              <a:rPr lang="es-419" dirty="0" err="1" smtClean="0"/>
+              <a:t>function</a:t>
+            </a:r>
+            <a:r>
+              <a:rPr lang="es-419" dirty="0" smtClean="0"/>
+              <a:t> </a:t>
+            </a:r>
+            <a:r>
+              <a:rPr lang="es-419" sz="1600" dirty="0" err="1" smtClean="0">
+                <a:solidFill>
+                  <a:schemeClr val="tx1"/>
+                </a:solidFill>
+                <a:latin typeface="Courier New" panose="02070309020205020404" pitchFamily="49" charset="0"/>
+                <a:cs typeface="Courier New" panose="02070309020205020404" pitchFamily="49" charset="0"/>
+              </a:rPr>
+              <a:t>warnModal</a:t>
+            </a:r>
+            <a:endParaRPr lang="es-419" sz="1600" dirty="0" smtClean="0">
+              <a:solidFill>
+                <a:schemeClr val="tx1"/>
+              </a:solidFill>
+              <a:latin typeface="Courier New" panose="02070309020205020404" pitchFamily="49" charset="0"/>
+              <a:cs typeface="Courier New" panose="02070309020205020404" pitchFamily="49" charset="0"/>
+            </a:endParaRPr>
+          </a:p>
+          <a:p>
+            <a:pPr algn="ctr"/>
+            <a:r>
+              <a:rPr lang="es-CL" sz="1600" dirty="0" err="1" smtClean="0">
+                <a:solidFill>
+                  <a:schemeClr val="tx1"/>
+                </a:solidFill>
+                <a:latin typeface="Courier New" panose="02070309020205020404" pitchFamily="49" charset="0"/>
+                <a:cs typeface="Courier New" panose="02070309020205020404" pitchFamily="49" charset="0"/>
+              </a:rPr>
+              <a:t>input$ok</a:t>
+            </a:r>
+            <a:endParaRPr lang="es-419" sz="1600" dirty="0">
+              <a:solidFill>
+                <a:schemeClr val="tx1"/>
+              </a:solidFill>
+              <a:latin typeface="Courier New" panose="02070309020205020404" pitchFamily="49" charset="0"/>
+              <a:cs typeface="Courier New" panose="02070309020205020404" pitchFamily="49" charset="0"/>
+            </a:endParaRPr>
+          </a:p>
+        </p:txBody>
+      </p:sp>
+      <p:cxnSp>
+        <p:nvCxnSpPr>
+          <p:cNvPr id="18" name="Conector recto de flecha 17"/>
+          <p:cNvCxnSpPr>
+            <a:stCxn id="13" idx="1"/>
+            <a:endCxn id="16" idx="3"/>
+          </p:cNvCxnSpPr>
+          <p:nvPr/>
+        </p:nvCxnSpPr>
+        <p:spPr>
+          <a:xfrm flipH="1">
+            <a:off x="7147772" y="4774949"/>
+            <a:ext cx="746975" cy="0"/>
+          </a:xfrm>
+          <a:prstGeom prst="straightConnector1">
+            <a:avLst/>
+          </a:prstGeom>
+          <a:ln w="38100">
+            <a:tailEnd type="triangle"/>
+          </a:ln>
+        </p:spPr>
+        <p:style>
+          <a:lnRef idx="1">
+            <a:schemeClr val="accent1"/>
+          </a:lnRef>
+          <a:fillRef idx="0">
+            <a:schemeClr val="accent1"/>
+          </a:fillRef>
+          <a:effectRef idx="0">
+            <a:schemeClr val="accent1"/>
+          </a:effectRef>
+          <a:fontRef idx="minor">
+            <a:schemeClr val="tx1"/>
+          </a:fontRef>
+        </p:style>
+      </p:cxnSp>
+    </p:spTree>
+    <p:extLst>
+      <p:ext uri="{BB962C8B-B14F-4D97-AF65-F5344CB8AC3E}">
+        <p14:creationId xmlns:p14="http://schemas.microsoft.com/office/powerpoint/2010/main" val="2298570763"/>
       </p:ext>
     </p:extLst>
   </p:cSld>

--- a/flujo edicion.pptx
+++ b/flujo edicion.pptx
@@ -10,12 +10,13 @@
     <p:sldId id="261" r:id="rId4"/>
     <p:sldId id="265" r:id="rId5"/>
     <p:sldId id="260" r:id="rId6"/>
-    <p:sldId id="263" r:id="rId7"/>
-    <p:sldId id="257" r:id="rId8"/>
+    <p:sldId id="257" r:id="rId7"/>
+    <p:sldId id="263" r:id="rId8"/>
     <p:sldId id="258" r:id="rId9"/>
     <p:sldId id="266" r:id="rId10"/>
     <p:sldId id="267" r:id="rId11"/>
     <p:sldId id="268" r:id="rId12"/>
+    <p:sldId id="269" r:id="rId13"/>
   </p:sldIdLst>
   <p:sldSz cx="12192000" cy="6858000"/>
   <p:notesSz cx="6858000" cy="9144000"/>
@@ -253,7 +254,7 @@
           <a:p>
             <a:fld id="{E142A079-F624-4F06-8292-7991D53C206B}" type="datetimeFigureOut">
               <a:rPr lang="es-419" smtClean="0"/>
-              <a:t>2/3/2020</a:t>
+              <a:t>4/3/2020</a:t>
             </a:fld>
             <a:endParaRPr lang="es-419"/>
           </a:p>
@@ -423,7 +424,7 @@
           <a:p>
             <a:fld id="{E142A079-F624-4F06-8292-7991D53C206B}" type="datetimeFigureOut">
               <a:rPr lang="es-419" smtClean="0"/>
-              <a:t>2/3/2020</a:t>
+              <a:t>4/3/2020</a:t>
             </a:fld>
             <a:endParaRPr lang="es-419"/>
           </a:p>
@@ -603,7 +604,7 @@
           <a:p>
             <a:fld id="{E142A079-F624-4F06-8292-7991D53C206B}" type="datetimeFigureOut">
               <a:rPr lang="es-419" smtClean="0"/>
-              <a:t>2/3/2020</a:t>
+              <a:t>4/3/2020</a:t>
             </a:fld>
             <a:endParaRPr lang="es-419"/>
           </a:p>
@@ -773,7 +774,7 @@
           <a:p>
             <a:fld id="{E142A079-F624-4F06-8292-7991D53C206B}" type="datetimeFigureOut">
               <a:rPr lang="es-419" smtClean="0"/>
-              <a:t>2/3/2020</a:t>
+              <a:t>4/3/2020</a:t>
             </a:fld>
             <a:endParaRPr lang="es-419"/>
           </a:p>
@@ -1019,7 +1020,7 @@
           <a:p>
             <a:fld id="{E142A079-F624-4F06-8292-7991D53C206B}" type="datetimeFigureOut">
               <a:rPr lang="es-419" smtClean="0"/>
-              <a:t>2/3/2020</a:t>
+              <a:t>4/3/2020</a:t>
             </a:fld>
             <a:endParaRPr lang="es-419"/>
           </a:p>
@@ -1251,7 +1252,7 @@
           <a:p>
             <a:fld id="{E142A079-F624-4F06-8292-7991D53C206B}" type="datetimeFigureOut">
               <a:rPr lang="es-419" smtClean="0"/>
-              <a:t>2/3/2020</a:t>
+              <a:t>4/3/2020</a:t>
             </a:fld>
             <a:endParaRPr lang="es-419"/>
           </a:p>
@@ -1618,7 +1619,7 @@
           <a:p>
             <a:fld id="{E142A079-F624-4F06-8292-7991D53C206B}" type="datetimeFigureOut">
               <a:rPr lang="es-419" smtClean="0"/>
-              <a:t>2/3/2020</a:t>
+              <a:t>4/3/2020</a:t>
             </a:fld>
             <a:endParaRPr lang="es-419"/>
           </a:p>
@@ -1736,7 +1737,7 @@
           <a:p>
             <a:fld id="{E142A079-F624-4F06-8292-7991D53C206B}" type="datetimeFigureOut">
               <a:rPr lang="es-419" smtClean="0"/>
-              <a:t>2/3/2020</a:t>
+              <a:t>4/3/2020</a:t>
             </a:fld>
             <a:endParaRPr lang="es-419"/>
           </a:p>
@@ -1831,7 +1832,7 @@
           <a:p>
             <a:fld id="{E142A079-F624-4F06-8292-7991D53C206B}" type="datetimeFigureOut">
               <a:rPr lang="es-419" smtClean="0"/>
-              <a:t>2/3/2020</a:t>
+              <a:t>4/3/2020</a:t>
             </a:fld>
             <a:endParaRPr lang="es-419"/>
           </a:p>
@@ -2108,7 +2109,7 @@
           <a:p>
             <a:fld id="{E142A079-F624-4F06-8292-7991D53C206B}" type="datetimeFigureOut">
               <a:rPr lang="es-419" smtClean="0"/>
-              <a:t>2/3/2020</a:t>
+              <a:t>4/3/2020</a:t>
             </a:fld>
             <a:endParaRPr lang="es-419"/>
           </a:p>
@@ -2361,7 +2362,7 @@
           <a:p>
             <a:fld id="{E142A079-F624-4F06-8292-7991D53C206B}" type="datetimeFigureOut">
               <a:rPr lang="es-419" smtClean="0"/>
-              <a:t>2/3/2020</a:t>
+              <a:t>4/3/2020</a:t>
             </a:fld>
             <a:endParaRPr lang="es-419"/>
           </a:p>
@@ -2574,7 +2575,7 @@
           <a:p>
             <a:fld id="{E142A079-F624-4F06-8292-7991D53C206B}" type="datetimeFigureOut">
               <a:rPr lang="es-419" smtClean="0"/>
-              <a:t>2/3/2020</a:t>
+              <a:t>4/3/2020</a:t>
             </a:fld>
             <a:endParaRPr lang="es-419"/>
           </a:p>
@@ -3165,8 +3166,8 @@
         </p:nvSpPr>
         <p:spPr>
           <a:xfrm>
-            <a:off x="2965320" y="5009410"/>
-            <a:ext cx="5032460" cy="1169551"/>
+            <a:off x="3249482" y="4720819"/>
+            <a:ext cx="5032460" cy="1323439"/>
           </a:xfrm>
           <a:prstGeom prst="rect">
             <a:avLst/>
@@ -3180,108 +3181,99 @@
           <a:lstStyle/>
           <a:p>
             <a:r>
-              <a:rPr lang="es-CL" sz="1400" dirty="0" smtClean="0"/>
+              <a:rPr lang="es-CL" sz="1600" dirty="0" smtClean="0"/>
               <a:t>Formato editar un segmento de actividad</a:t>
             </a:r>
             <a:br>
-              <a:rPr lang="es-CL" sz="1400" dirty="0" smtClean="0"/>
+              <a:rPr lang="es-CL" sz="1600" dirty="0" smtClean="0"/>
             </a:br>
             <a:r>
-              <a:rPr lang="es-CL" sz="1400" b="1" dirty="0" err="1" smtClean="0">
+              <a:rPr lang="es-CL" sz="1600" b="1" dirty="0" err="1" smtClean="0">
                 <a:solidFill>
                   <a:schemeClr val="accent5">
                     <a:lumMod val="75000"/>
                   </a:schemeClr>
                 </a:solidFill>
-                <a:latin typeface="Consolas" panose="020B0609020204030204" pitchFamily="49" charset="0"/>
               </a:rPr>
               <a:t>automatico</a:t>
             </a:r>
             <a:r>
-              <a:rPr lang="es-CL" sz="1400" b="1" dirty="0" smtClean="0">
+              <a:rPr lang="es-CL" sz="1600" b="1" dirty="0" smtClean="0">
                 <a:solidFill>
                   <a:schemeClr val="accent5">
                     <a:lumMod val="75000"/>
                   </a:schemeClr>
                 </a:solidFill>
-                <a:latin typeface="Consolas" panose="020B0609020204030204" pitchFamily="49" charset="0"/>
               </a:rPr>
               <a:t> = 1</a:t>
             </a:r>
           </a:p>
           <a:p>
             <a:r>
-              <a:rPr lang="es-CL" sz="1400" b="1" dirty="0" smtClean="0">
+              <a:rPr lang="es-CL" sz="1600" b="1" dirty="0" smtClean="0">
                 <a:solidFill>
                   <a:schemeClr val="accent5">
                     <a:lumMod val="75000"/>
                   </a:schemeClr>
                 </a:solidFill>
-                <a:latin typeface="Consolas" panose="020B0609020204030204" pitchFamily="49" charset="0"/>
               </a:rPr>
               <a:t>periodo manual = 2</a:t>
             </a:r>
           </a:p>
           <a:p>
             <a:r>
-              <a:rPr lang="es-CL" sz="1400" b="1" dirty="0" smtClean="0">
+              <a:rPr lang="es-CL" sz="1600" b="1" dirty="0" smtClean="0">
                 <a:solidFill>
                   <a:schemeClr val="accent5">
                     <a:lumMod val="75000"/>
                   </a:schemeClr>
                 </a:solidFill>
-                <a:latin typeface="Consolas" panose="020B0609020204030204" pitchFamily="49" charset="0"/>
               </a:rPr>
               <a:t>cambio actividad = 3</a:t>
             </a:r>
-            <a:endParaRPr lang="es-CL" sz="1400" b="1" dirty="0" smtClean="0">
+            <a:endParaRPr lang="es-CL" sz="1600" b="1" dirty="0" smtClean="0">
               <a:solidFill>
                 <a:schemeClr val="accent4">
                   <a:lumMod val="50000"/>
                 </a:schemeClr>
               </a:solidFill>
-              <a:latin typeface="Consolas" panose="020B0609020204030204" pitchFamily="49" charset="0"/>
             </a:endParaRPr>
           </a:p>
           <a:p>
             <a:r>
-              <a:rPr lang="es-CL" sz="1400" b="1" dirty="0" smtClean="0">
+              <a:rPr lang="es-CL" sz="1600" b="1" dirty="0" smtClean="0">
                 <a:solidFill>
                   <a:schemeClr val="accent4">
                     <a:lumMod val="50000"/>
                   </a:schemeClr>
                 </a:solidFill>
-                <a:latin typeface="Consolas" panose="020B0609020204030204" pitchFamily="49" charset="0"/>
               </a:rPr>
               <a:t>set </a:t>
             </a:r>
             <a:r>
-              <a:rPr lang="es-CL" sz="1400" b="1" dirty="0" err="1" smtClean="0">
+              <a:rPr lang="es-CL" sz="1600" b="1" dirty="0" err="1" smtClean="0">
                 <a:solidFill>
                   <a:schemeClr val="accent4">
                     <a:lumMod val="50000"/>
                   </a:schemeClr>
                 </a:solidFill>
-                <a:latin typeface="Consolas" panose="020B0609020204030204" pitchFamily="49" charset="0"/>
               </a:rPr>
               <a:t>ini</a:t>
             </a:r>
             <a:r>
-              <a:rPr lang="es-CL" sz="1400" b="1" dirty="0" smtClean="0">
+              <a:rPr lang="es-CL" sz="1600" b="1" dirty="0" smtClean="0">
                 <a:solidFill>
                   <a:schemeClr val="accent4">
                     <a:lumMod val="50000"/>
                   </a:schemeClr>
                 </a:solidFill>
-                <a:latin typeface="Consolas" panose="020B0609020204030204" pitchFamily="49" charset="0"/>
               </a:rPr>
               <a:t> noche = 4</a:t>
             </a:r>
-            <a:endParaRPr lang="es-419" sz="1400" b="1" dirty="0">
+            <a:endParaRPr lang="es-419" sz="1600" b="1" dirty="0">
               <a:solidFill>
                 <a:srgbClr val="C00000"/>
               </a:solidFill>
-              <a:latin typeface="Consolas" panose="020B0609020204030204" pitchFamily="49" charset="0"/>
             </a:endParaRPr>
           </a:p>
         </p:txBody>
@@ -4575,42 +4567,6 @@
             <a:ext cx="1080639" cy="14276"/>
           </a:xfrm>
           <a:prstGeom prst="straightConnector1">
-            <a:avLst/>
-          </a:prstGeom>
-          <a:ln w="38100">
-            <a:tailEnd type="triangle"/>
-          </a:ln>
-        </p:spPr>
-        <p:style>
-          <a:lnRef idx="1">
-            <a:schemeClr val="accent1"/>
-          </a:lnRef>
-          <a:fillRef idx="0">
-            <a:schemeClr val="accent1"/>
-          </a:fillRef>
-          <a:effectRef idx="0">
-            <a:schemeClr val="accent1"/>
-          </a:effectRef>
-          <a:fontRef idx="minor">
-            <a:schemeClr val="tx1"/>
-          </a:fontRef>
-        </p:style>
-      </p:cxnSp>
-      <p:cxnSp>
-        <p:nvCxnSpPr>
-          <p:cNvPr id="92" name="Conector angular 91"/>
-          <p:cNvCxnSpPr>
-            <a:stCxn id="74" idx="1"/>
-            <a:endCxn id="51" idx="2"/>
-          </p:cNvCxnSpPr>
-          <p:nvPr/>
-        </p:nvCxnSpPr>
-        <p:spPr>
-          <a:xfrm rot="10800000">
-            <a:off x="1707072" y="3824222"/>
-            <a:ext cx="8241094" cy="1441388"/>
-          </a:xfrm>
-          <a:prstGeom prst="bentConnector2">
             <a:avLst/>
           </a:prstGeom>
           <a:ln w="38100">
@@ -4818,14 +4774,12 @@
               <a:rPr lang="es-CL" sz="2400" b="1" dirty="0" smtClean="0"/>
               <a:t>Pestaña "Edición de períodos"</a:t>
             </a:r>
-            <a:endParaRPr lang="es-CL" sz="2400" b="1" dirty="0" smtClean="0"/>
           </a:p>
           <a:p>
             <a:r>
               <a:rPr lang="es-CL" sz="1400" dirty="0" smtClean="0"/>
               <a:t>Este es el UI y sus componentes</a:t>
             </a:r>
-            <a:endParaRPr lang="es-CL" sz="1400" dirty="0" smtClean="0"/>
           </a:p>
         </p:txBody>
       </p:sp>
@@ -5520,6 +5474,543 @@
     <p:extLst>
       <p:ext uri="{BB962C8B-B14F-4D97-AF65-F5344CB8AC3E}">
         <p14:creationId xmlns:p14="http://schemas.microsoft.com/office/powerpoint/2010/main" val="2298570763"/>
+      </p:ext>
+    </p:extLst>
+  </p:cSld>
+  <p:clrMapOvr>
+    <a:masterClrMapping/>
+  </p:clrMapOvr>
+  <p:timing>
+    <p:tnLst>
+      <p:par>
+        <p:cTn id="1" dur="indefinite" restart="never" nodeType="tmRoot"/>
+      </p:par>
+    </p:tnLst>
+  </p:timing>
+</p:sld>
+</file>
+
+<file path=ppt/slides/slide12.xml><?xml version="1.0" encoding="utf-8"?>
+<p:sld xmlns:a="http://schemas.openxmlformats.org/drawingml/2006/main" xmlns:r="http://schemas.openxmlformats.org/officeDocument/2006/relationships" xmlns:p="http://schemas.openxmlformats.org/presentationml/2006/main">
+  <p:cSld>
+    <p:spTree>
+      <p:nvGrpSpPr>
+        <p:cNvPr id="1" name=""/>
+        <p:cNvGrpSpPr/>
+        <p:nvPr/>
+      </p:nvGrpSpPr>
+      <p:grpSpPr>
+        <a:xfrm>
+          <a:off x="0" y="0"/>
+          <a:ext cx="0" cy="0"/>
+          <a:chOff x="0" y="0"/>
+          <a:chExt cx="0" cy="0"/>
+        </a:xfrm>
+      </p:grpSpPr>
+      <p:sp>
+        <p:nvSpPr>
+          <p:cNvPr id="4" name="Rectángulo 3"/>
+          <p:cNvSpPr/>
+          <p:nvPr/>
+        </p:nvSpPr>
+        <p:spPr>
+          <a:xfrm>
+            <a:off x="1081824" y="1416676"/>
+            <a:ext cx="2820473" cy="965916"/>
+          </a:xfrm>
+          <a:prstGeom prst="rect">
+            <a:avLst/>
+          </a:prstGeom>
+        </p:spPr>
+        <p:style>
+          <a:lnRef idx="2">
+            <a:schemeClr val="accent1">
+              <a:shade val="50000"/>
+            </a:schemeClr>
+          </a:lnRef>
+          <a:fillRef idx="1">
+            <a:schemeClr val="accent1"/>
+          </a:fillRef>
+          <a:effectRef idx="0">
+            <a:schemeClr val="accent1"/>
+          </a:effectRef>
+          <a:fontRef idx="minor">
+            <a:schemeClr val="lt1"/>
+          </a:fontRef>
+        </p:style>
+        <p:txBody>
+          <a:bodyPr rtlCol="0" anchor="ctr"/>
+          <a:lstStyle/>
+          <a:p>
+            <a:pPr algn="ctr"/>
+            <a:r>
+              <a:rPr lang="es-CL" dirty="0" smtClean="0">
+                <a:solidFill>
+                  <a:schemeClr val="accent4"/>
+                </a:solidFill>
+              </a:rPr>
+              <a:t>Mostrar fecha del gráfico</a:t>
+            </a:r>
+          </a:p>
+          <a:p>
+            <a:pPr algn="ctr"/>
+            <a:r>
+              <a:rPr lang="es-419" dirty="0" err="1" smtClean="0"/>
+              <a:t>verbatimTextOutput</a:t>
+            </a:r>
+            <a:endParaRPr lang="es-419" dirty="0" smtClean="0"/>
+          </a:p>
+          <a:p>
+            <a:pPr algn="ctr"/>
+            <a:r>
+              <a:rPr lang="es-419" sz="1600" dirty="0" smtClean="0">
+                <a:solidFill>
+                  <a:schemeClr val="tx1"/>
+                </a:solidFill>
+                <a:latin typeface="Courier New" panose="02070309020205020404" pitchFamily="49" charset="0"/>
+                <a:cs typeface="Courier New" panose="02070309020205020404" pitchFamily="49" charset="0"/>
+              </a:rPr>
+              <a:t>output$selectedPer1</a:t>
+            </a:r>
+            <a:endParaRPr lang="es-419" sz="1600" dirty="0">
+              <a:solidFill>
+                <a:schemeClr val="tx1"/>
+              </a:solidFill>
+              <a:latin typeface="Courier New" panose="02070309020205020404" pitchFamily="49" charset="0"/>
+              <a:cs typeface="Courier New" panose="02070309020205020404" pitchFamily="49" charset="0"/>
+            </a:endParaRPr>
+          </a:p>
+        </p:txBody>
+      </p:sp>
+      <p:sp>
+        <p:nvSpPr>
+          <p:cNvPr id="5" name="CuadroTexto 4"/>
+          <p:cNvSpPr txBox="1"/>
+          <p:nvPr/>
+        </p:nvSpPr>
+        <p:spPr>
+          <a:xfrm>
+            <a:off x="180304" y="180304"/>
+            <a:ext cx="11552350" cy="677108"/>
+          </a:xfrm>
+          <a:prstGeom prst="rect">
+            <a:avLst/>
+          </a:prstGeom>
+          <a:noFill/>
+        </p:spPr>
+        <p:txBody>
+          <a:bodyPr wrap="square" rtlCol="0">
+            <a:spAutoFit/>
+          </a:bodyPr>
+          <a:lstStyle/>
+          <a:p>
+            <a:r>
+              <a:rPr lang="es-CL" sz="2400" b="1" dirty="0" err="1" smtClean="0"/>
+              <a:t>Seccion</a:t>
+            </a:r>
+            <a:r>
+              <a:rPr lang="es-CL" sz="2400" b="1" dirty="0" smtClean="0"/>
+              <a:t> 3</a:t>
+            </a:r>
+            <a:r>
+              <a:rPr lang="es-CL" sz="2400" dirty="0" smtClean="0"/>
+              <a:t>: </a:t>
+            </a:r>
+            <a:r>
+              <a:rPr lang="es-CL" sz="2400" b="1" dirty="0" smtClean="0"/>
+              <a:t>Pestaña </a:t>
+            </a:r>
+            <a:r>
+              <a:rPr lang="es-CL" sz="2400" b="1" dirty="0" smtClean="0"/>
+              <a:t>"Editar actividad"</a:t>
+            </a:r>
+            <a:endParaRPr lang="es-CL" sz="2400" b="1" dirty="0" smtClean="0"/>
+          </a:p>
+          <a:p>
+            <a:r>
+              <a:rPr lang="es-CL" sz="1400" dirty="0" smtClean="0"/>
+              <a:t>Este es el UI y sus componentes</a:t>
+            </a:r>
+          </a:p>
+        </p:txBody>
+      </p:sp>
+      <p:sp>
+        <p:nvSpPr>
+          <p:cNvPr id="9" name="Rectángulo 8"/>
+          <p:cNvSpPr/>
+          <p:nvPr/>
+        </p:nvSpPr>
+        <p:spPr>
+          <a:xfrm>
+            <a:off x="5252431" y="2766811"/>
+            <a:ext cx="5462790" cy="965916"/>
+          </a:xfrm>
+          <a:prstGeom prst="rect">
+            <a:avLst/>
+          </a:prstGeom>
+        </p:spPr>
+        <p:style>
+          <a:lnRef idx="2">
+            <a:schemeClr val="accent4">
+              <a:shade val="50000"/>
+            </a:schemeClr>
+          </a:lnRef>
+          <a:fillRef idx="1">
+            <a:schemeClr val="accent4"/>
+          </a:fillRef>
+          <a:effectRef idx="0">
+            <a:schemeClr val="accent4"/>
+          </a:effectRef>
+          <a:fontRef idx="minor">
+            <a:schemeClr val="lt1"/>
+          </a:fontRef>
+        </p:style>
+        <p:txBody>
+          <a:bodyPr rtlCol="0" anchor="ctr"/>
+          <a:lstStyle/>
+          <a:p>
+            <a:pPr algn="ctr"/>
+            <a:r>
+              <a:rPr lang="es-CL" sz="1600" dirty="0" smtClean="0">
+                <a:solidFill>
+                  <a:schemeClr val="tx1"/>
+                </a:solidFill>
+                <a:latin typeface="Courier New" panose="02070309020205020404" pitchFamily="49" charset="0"/>
+                <a:cs typeface="Courier New" panose="02070309020205020404" pitchFamily="49" charset="0"/>
+              </a:rPr>
+              <a:t>reactive</a:t>
+            </a:r>
+          </a:p>
+          <a:p>
+            <a:pPr algn="ctr"/>
+            <a:r>
+              <a:rPr lang="es-CL" sz="1600" dirty="0" err="1" smtClean="0">
+                <a:solidFill>
+                  <a:schemeClr val="tx1"/>
+                </a:solidFill>
+                <a:latin typeface="Courier New" panose="02070309020205020404" pitchFamily="49" charset="0"/>
+                <a:cs typeface="Courier New" panose="02070309020205020404" pitchFamily="49" charset="0"/>
+              </a:rPr>
+              <a:t>filterPeriod</a:t>
+            </a:r>
+            <a:r>
+              <a:rPr lang="es-CL" sz="1600" dirty="0" smtClean="0">
+                <a:solidFill>
+                  <a:schemeClr val="tx1"/>
+                </a:solidFill>
+                <a:latin typeface="Courier New" panose="02070309020205020404" pitchFamily="49" charset="0"/>
+                <a:cs typeface="Courier New" panose="02070309020205020404" pitchFamily="49" charset="0"/>
+              </a:rPr>
+              <a:t>()</a:t>
+            </a:r>
+          </a:p>
+          <a:p>
+            <a:pPr algn="ctr"/>
+            <a:r>
+              <a:rPr lang="en-US" sz="1600" dirty="0">
+                <a:solidFill>
+                  <a:schemeClr val="tx1"/>
+                </a:solidFill>
+                <a:latin typeface="Courier New" panose="02070309020205020404" pitchFamily="49" charset="0"/>
+                <a:cs typeface="Courier New" panose="02070309020205020404" pitchFamily="49" charset="0"/>
+              </a:rPr>
+              <a:t>list(</a:t>
+            </a:r>
+            <a:r>
+              <a:rPr lang="en-US" sz="1600" dirty="0" err="1">
+                <a:solidFill>
+                  <a:schemeClr val="tx1"/>
+                </a:solidFill>
+                <a:latin typeface="Courier New" panose="02070309020205020404" pitchFamily="49" charset="0"/>
+                <a:cs typeface="Courier New" panose="02070309020205020404" pitchFamily="49" charset="0"/>
+              </a:rPr>
+              <a:t>msg</a:t>
+            </a:r>
+            <a:r>
+              <a:rPr lang="en-US" sz="1600" dirty="0">
+                <a:solidFill>
+                  <a:schemeClr val="tx1"/>
+                </a:solidFill>
+                <a:latin typeface="Courier New" panose="02070309020205020404" pitchFamily="49" charset="0"/>
+                <a:cs typeface="Courier New" panose="02070309020205020404" pitchFamily="49" charset="0"/>
+              </a:rPr>
+              <a:t> = </a:t>
+            </a:r>
+            <a:r>
+              <a:rPr lang="en-US" sz="1600" dirty="0" err="1">
+                <a:solidFill>
+                  <a:schemeClr val="tx1"/>
+                </a:solidFill>
+                <a:latin typeface="Courier New" panose="02070309020205020404" pitchFamily="49" charset="0"/>
+                <a:cs typeface="Courier New" panose="02070309020205020404" pitchFamily="49" charset="0"/>
+              </a:rPr>
+              <a:t>msg</a:t>
+            </a:r>
+            <a:r>
+              <a:rPr lang="en-US" sz="1600" dirty="0">
+                <a:solidFill>
+                  <a:schemeClr val="tx1"/>
+                </a:solidFill>
+                <a:latin typeface="Courier New" panose="02070309020205020404" pitchFamily="49" charset="0"/>
+                <a:cs typeface="Courier New" panose="02070309020205020404" pitchFamily="49" charset="0"/>
+              </a:rPr>
+              <a:t>, action = 1, </a:t>
+            </a:r>
+            <a:r>
+              <a:rPr lang="en-US" sz="1600" dirty="0" err="1">
+                <a:solidFill>
+                  <a:schemeClr val="tx1"/>
+                </a:solidFill>
+                <a:latin typeface="Courier New" panose="02070309020205020404" pitchFamily="49" charset="0"/>
+                <a:cs typeface="Courier New" panose="02070309020205020404" pitchFamily="49" charset="0"/>
+              </a:rPr>
+              <a:t>filtro</a:t>
+            </a:r>
+            <a:r>
+              <a:rPr lang="en-US" sz="1600" dirty="0">
+                <a:solidFill>
+                  <a:schemeClr val="tx1"/>
+                </a:solidFill>
+                <a:latin typeface="Courier New" panose="02070309020205020404" pitchFamily="49" charset="0"/>
+                <a:cs typeface="Courier New" panose="02070309020205020404" pitchFamily="49" charset="0"/>
+              </a:rPr>
+              <a:t> = </a:t>
+            </a:r>
+            <a:r>
+              <a:rPr lang="en-US" sz="1600" dirty="0" err="1">
+                <a:solidFill>
+                  <a:schemeClr val="tx1"/>
+                </a:solidFill>
+                <a:latin typeface="Courier New" panose="02070309020205020404" pitchFamily="49" charset="0"/>
+                <a:cs typeface="Courier New" panose="02070309020205020404" pitchFamily="49" charset="0"/>
+              </a:rPr>
+              <a:t>diaF</a:t>
+            </a:r>
+            <a:r>
+              <a:rPr lang="en-US" sz="1600" dirty="0">
+                <a:solidFill>
+                  <a:schemeClr val="tx1"/>
+                </a:solidFill>
+                <a:latin typeface="Courier New" panose="02070309020205020404" pitchFamily="49" charset="0"/>
+                <a:cs typeface="Courier New" panose="02070309020205020404" pitchFamily="49" charset="0"/>
+              </a:rPr>
+              <a:t>)</a:t>
+            </a:r>
+            <a:endParaRPr lang="es-419" sz="1600" dirty="0">
+              <a:solidFill>
+                <a:schemeClr val="tx1"/>
+              </a:solidFill>
+              <a:latin typeface="Courier New" panose="02070309020205020404" pitchFamily="49" charset="0"/>
+              <a:cs typeface="Courier New" panose="02070309020205020404" pitchFamily="49" charset="0"/>
+            </a:endParaRPr>
+          </a:p>
+        </p:txBody>
+      </p:sp>
+      <p:sp>
+        <p:nvSpPr>
+          <p:cNvPr id="13" name="Rectángulo 12"/>
+          <p:cNvSpPr/>
+          <p:nvPr/>
+        </p:nvSpPr>
+        <p:spPr>
+          <a:xfrm>
+            <a:off x="7894747" y="4291991"/>
+            <a:ext cx="2820473" cy="965916"/>
+          </a:xfrm>
+          <a:prstGeom prst="rect">
+            <a:avLst/>
+          </a:prstGeom>
+        </p:spPr>
+        <p:style>
+          <a:lnRef idx="2">
+            <a:schemeClr val="accent2">
+              <a:shade val="50000"/>
+            </a:schemeClr>
+          </a:lnRef>
+          <a:fillRef idx="1">
+            <a:schemeClr val="accent2"/>
+          </a:fillRef>
+          <a:effectRef idx="0">
+            <a:schemeClr val="accent2"/>
+          </a:effectRef>
+          <a:fontRef idx="minor">
+            <a:schemeClr val="lt1"/>
+          </a:fontRef>
+        </p:style>
+        <p:txBody>
+          <a:bodyPr rtlCol="0" anchor="ctr"/>
+          <a:lstStyle/>
+          <a:p>
+            <a:pPr algn="ctr"/>
+            <a:r>
+              <a:rPr lang="es-CL" dirty="0" smtClean="0">
+                <a:solidFill>
+                  <a:schemeClr val="accent1">
+                    <a:lumMod val="50000"/>
+                  </a:schemeClr>
+                </a:solidFill>
+              </a:rPr>
+              <a:t>Modal</a:t>
+            </a:r>
+          </a:p>
+          <a:p>
+            <a:pPr algn="ctr"/>
+            <a:r>
+              <a:rPr lang="es-419" dirty="0" err="1" smtClean="0"/>
+              <a:t>function</a:t>
+            </a:r>
+            <a:r>
+              <a:rPr lang="es-419" dirty="0" smtClean="0"/>
+              <a:t> </a:t>
+            </a:r>
+            <a:r>
+              <a:rPr lang="es-419" sz="1600" dirty="0" err="1" smtClean="0">
+                <a:solidFill>
+                  <a:schemeClr val="tx1"/>
+                </a:solidFill>
+                <a:latin typeface="Courier New" panose="02070309020205020404" pitchFamily="49" charset="0"/>
+                <a:cs typeface="Courier New" panose="02070309020205020404" pitchFamily="49" charset="0"/>
+              </a:rPr>
+              <a:t>warnModal</a:t>
+            </a:r>
+            <a:endParaRPr lang="es-419" sz="1600" dirty="0" smtClean="0">
+              <a:solidFill>
+                <a:schemeClr val="tx1"/>
+              </a:solidFill>
+              <a:latin typeface="Courier New" panose="02070309020205020404" pitchFamily="49" charset="0"/>
+              <a:cs typeface="Courier New" panose="02070309020205020404" pitchFamily="49" charset="0"/>
+            </a:endParaRPr>
+          </a:p>
+          <a:p>
+            <a:pPr algn="ctr"/>
+            <a:r>
+              <a:rPr lang="es-CL" sz="1600" dirty="0" err="1" smtClean="0">
+                <a:solidFill>
+                  <a:schemeClr val="tx1"/>
+                </a:solidFill>
+                <a:latin typeface="Courier New" panose="02070309020205020404" pitchFamily="49" charset="0"/>
+                <a:cs typeface="Courier New" panose="02070309020205020404" pitchFamily="49" charset="0"/>
+              </a:rPr>
+              <a:t>input$ok</a:t>
+            </a:r>
+            <a:endParaRPr lang="es-419" sz="1600" dirty="0">
+              <a:solidFill>
+                <a:schemeClr val="tx1"/>
+              </a:solidFill>
+              <a:latin typeface="Courier New" panose="02070309020205020404" pitchFamily="49" charset="0"/>
+              <a:cs typeface="Courier New" panose="02070309020205020404" pitchFamily="49" charset="0"/>
+            </a:endParaRPr>
+          </a:p>
+        </p:txBody>
+      </p:sp>
+      <p:sp>
+        <p:nvSpPr>
+          <p:cNvPr id="16" name="Rectángulo 15"/>
+          <p:cNvSpPr/>
+          <p:nvPr/>
+        </p:nvSpPr>
+        <p:spPr>
+          <a:xfrm>
+            <a:off x="4327299" y="4291991"/>
+            <a:ext cx="2820473" cy="965916"/>
+          </a:xfrm>
+          <a:prstGeom prst="rect">
+            <a:avLst/>
+          </a:prstGeom>
+        </p:spPr>
+        <p:style>
+          <a:lnRef idx="2">
+            <a:schemeClr val="accent2">
+              <a:shade val="50000"/>
+            </a:schemeClr>
+          </a:lnRef>
+          <a:fillRef idx="1">
+            <a:schemeClr val="accent2"/>
+          </a:fillRef>
+          <a:effectRef idx="0">
+            <a:schemeClr val="accent2"/>
+          </a:effectRef>
+          <a:fontRef idx="minor">
+            <a:schemeClr val="lt1"/>
+          </a:fontRef>
+        </p:style>
+        <p:txBody>
+          <a:bodyPr rtlCol="0" anchor="ctr"/>
+          <a:lstStyle/>
+          <a:p>
+            <a:pPr algn="ctr"/>
+            <a:r>
+              <a:rPr lang="es-CL" dirty="0" err="1" smtClean="0">
+                <a:solidFill>
+                  <a:schemeClr val="accent1">
+                    <a:lumMod val="50000"/>
+                  </a:schemeClr>
+                </a:solidFill>
+              </a:rPr>
+              <a:t>observeEvent</a:t>
+            </a:r>
+            <a:endParaRPr lang="es-CL" dirty="0" smtClean="0">
+              <a:solidFill>
+                <a:schemeClr val="accent1">
+                  <a:lumMod val="50000"/>
+                </a:schemeClr>
+              </a:solidFill>
+            </a:endParaRPr>
+          </a:p>
+          <a:p>
+            <a:pPr algn="ctr"/>
+            <a:r>
+              <a:rPr lang="es-419" dirty="0" err="1" smtClean="0"/>
+              <a:t>function</a:t>
+            </a:r>
+            <a:r>
+              <a:rPr lang="es-419" dirty="0" smtClean="0"/>
+              <a:t> </a:t>
+            </a:r>
+            <a:r>
+              <a:rPr lang="es-419" sz="1600" dirty="0" err="1" smtClean="0">
+                <a:solidFill>
+                  <a:schemeClr val="tx1"/>
+                </a:solidFill>
+                <a:latin typeface="Courier New" panose="02070309020205020404" pitchFamily="49" charset="0"/>
+                <a:cs typeface="Courier New" panose="02070309020205020404" pitchFamily="49" charset="0"/>
+              </a:rPr>
+              <a:t>warnModal</a:t>
+            </a:r>
+            <a:endParaRPr lang="es-419" sz="1600" dirty="0" smtClean="0">
+              <a:solidFill>
+                <a:schemeClr val="tx1"/>
+              </a:solidFill>
+              <a:latin typeface="Courier New" panose="02070309020205020404" pitchFamily="49" charset="0"/>
+              <a:cs typeface="Courier New" panose="02070309020205020404" pitchFamily="49" charset="0"/>
+            </a:endParaRPr>
+          </a:p>
+          <a:p>
+            <a:pPr algn="ctr"/>
+            <a:r>
+              <a:rPr lang="es-CL" sz="1600" dirty="0" err="1" smtClean="0">
+                <a:solidFill>
+                  <a:schemeClr val="tx1"/>
+                </a:solidFill>
+                <a:latin typeface="Courier New" panose="02070309020205020404" pitchFamily="49" charset="0"/>
+                <a:cs typeface="Courier New" panose="02070309020205020404" pitchFamily="49" charset="0"/>
+              </a:rPr>
+              <a:t>input$ok</a:t>
+            </a:r>
+            <a:endParaRPr lang="es-419" sz="1600" dirty="0">
+              <a:solidFill>
+                <a:schemeClr val="tx1"/>
+              </a:solidFill>
+              <a:latin typeface="Courier New" panose="02070309020205020404" pitchFamily="49" charset="0"/>
+              <a:cs typeface="Courier New" panose="02070309020205020404" pitchFamily="49" charset="0"/>
+            </a:endParaRPr>
+          </a:p>
+        </p:txBody>
+      </p:sp>
+    </p:spTree>
+    <p:extLst>
+      <p:ext uri="{BB962C8B-B14F-4D97-AF65-F5344CB8AC3E}">
+        <p14:creationId xmlns:p14="http://schemas.microsoft.com/office/powerpoint/2010/main" val="2314202075"/>
       </p:ext>
     </p:extLst>
   </p:cSld>
@@ -5869,8 +6360,8 @@
         </p:nvSpPr>
         <p:spPr>
           <a:xfrm>
-            <a:off x="7956998" y="1635617"/>
-            <a:ext cx="3556715" cy="4739425"/>
+            <a:off x="7956998" y="1635618"/>
+            <a:ext cx="3556715" cy="3425780"/>
           </a:xfrm>
           <a:prstGeom prst="rect">
             <a:avLst/>
@@ -6308,6 +6799,86 @@
               <a:t>()</a:t>
             </a:r>
             <a:endParaRPr lang="es-419" sz="1600" dirty="0">
+              <a:solidFill>
+                <a:schemeClr val="tx1"/>
+              </a:solidFill>
+              <a:latin typeface="Courier New" panose="02070309020205020404" pitchFamily="49" charset="0"/>
+              <a:cs typeface="Courier New" panose="02070309020205020404" pitchFamily="49" charset="0"/>
+            </a:endParaRPr>
+          </a:p>
+        </p:txBody>
+      </p:sp>
+      <p:sp>
+        <p:nvSpPr>
+          <p:cNvPr id="10" name="Rectángulo 9"/>
+          <p:cNvSpPr/>
+          <p:nvPr/>
+        </p:nvSpPr>
+        <p:spPr>
+          <a:xfrm>
+            <a:off x="8658896" y="5396247"/>
+            <a:ext cx="2152917" cy="914401"/>
+          </a:xfrm>
+          <a:prstGeom prst="rect">
+            <a:avLst/>
+          </a:prstGeom>
+        </p:spPr>
+        <p:style>
+          <a:lnRef idx="2">
+            <a:schemeClr val="accent1">
+              <a:shade val="50000"/>
+            </a:schemeClr>
+          </a:lnRef>
+          <a:fillRef idx="1">
+            <a:schemeClr val="accent1"/>
+          </a:fillRef>
+          <a:effectRef idx="0">
+            <a:schemeClr val="accent1"/>
+          </a:effectRef>
+          <a:fontRef idx="minor">
+            <a:schemeClr val="lt1"/>
+          </a:fontRef>
+        </p:style>
+        <p:txBody>
+          <a:bodyPr rtlCol="0" anchor="ctr"/>
+          <a:lstStyle/>
+          <a:p>
+            <a:pPr algn="ctr"/>
+            <a:r>
+              <a:rPr lang="es-CL" b="1" dirty="0" smtClean="0">
+                <a:solidFill>
+                  <a:srgbClr val="C00000"/>
+                </a:solidFill>
+              </a:rPr>
+              <a:t>Procesado en masa</a:t>
+            </a:r>
+            <a:endParaRPr lang="es-CL" b="1" dirty="0" smtClean="0">
+              <a:solidFill>
+                <a:srgbClr val="C00000"/>
+              </a:solidFill>
+            </a:endParaRPr>
+          </a:p>
+          <a:p>
+            <a:pPr algn="ctr"/>
+            <a:r>
+              <a:rPr lang="es-CL" dirty="0" err="1" smtClean="0"/>
+              <a:t>actionButton</a:t>
+            </a:r>
+            <a:endParaRPr lang="es-CL" dirty="0" smtClean="0"/>
+          </a:p>
+          <a:p>
+            <a:pPr algn="ctr"/>
+            <a:r>
+              <a:rPr lang="es-CL" sz="1600" dirty="0" err="1" smtClean="0">
+                <a:solidFill>
+                  <a:schemeClr val="tx1"/>
+                </a:solidFill>
+                <a:latin typeface="Courier New" panose="02070309020205020404" pitchFamily="49" charset="0"/>
+                <a:cs typeface="Courier New" panose="02070309020205020404" pitchFamily="49" charset="0"/>
+              </a:rPr>
+              <a:t>input$massProc</a:t>
+            </a:r>
+            <a:endParaRPr lang="es-CL" sz="1600" dirty="0" smtClean="0">
               <a:solidFill>
                 <a:schemeClr val="tx1"/>
               </a:solidFill>
@@ -7541,7 +8112,7 @@
         </p:nvSpPr>
         <p:spPr>
           <a:xfrm>
-            <a:off x="10149760" y="5012094"/>
+            <a:off x="10149760" y="3324962"/>
             <a:ext cx="1171978" cy="643944"/>
           </a:xfrm>
           <a:prstGeom prst="rect">
@@ -7589,7 +8160,7 @@
         <p:spPr>
           <a:xfrm>
             <a:off x="10735235" y="2392840"/>
-            <a:ext cx="514" cy="2619254"/>
+            <a:ext cx="514" cy="932122"/>
           </a:xfrm>
           <a:prstGeom prst="straightConnector1">
             <a:avLst/>
@@ -7944,6 +8515,171 @@
           </a:p>
         </p:txBody>
       </p:sp>
+      <p:sp>
+        <p:nvSpPr>
+          <p:cNvPr id="39" name="Rectángulo 38"/>
+          <p:cNvSpPr/>
+          <p:nvPr/>
+        </p:nvSpPr>
+        <p:spPr>
+          <a:xfrm>
+            <a:off x="10148731" y="4468228"/>
+            <a:ext cx="1171978" cy="643944"/>
+          </a:xfrm>
+          <a:prstGeom prst="rect">
+            <a:avLst/>
+          </a:prstGeom>
+        </p:spPr>
+        <p:style>
+          <a:lnRef idx="2">
+            <a:schemeClr val="accent1">
+              <a:shade val="50000"/>
+            </a:schemeClr>
+          </a:lnRef>
+          <a:fillRef idx="1">
+            <a:schemeClr val="accent1"/>
+          </a:fillRef>
+          <a:effectRef idx="0">
+            <a:schemeClr val="accent1"/>
+          </a:effectRef>
+          <a:fontRef idx="minor">
+            <a:schemeClr val="lt1"/>
+          </a:fontRef>
+        </p:style>
+        <p:txBody>
+          <a:bodyPr rtlCol="0" anchor="ctr"/>
+          <a:lstStyle/>
+          <a:p>
+            <a:pPr algn="ctr"/>
+            <a:r>
+              <a:rPr lang="es-CL" dirty="0" err="1" smtClean="0"/>
+              <a:t>massProc</a:t>
+            </a:r>
+            <a:endParaRPr lang="es-419" dirty="0"/>
+          </a:p>
+        </p:txBody>
+      </p:sp>
+      <p:sp>
+        <p:nvSpPr>
+          <p:cNvPr id="40" name="Rectángulo redondeado 39"/>
+          <p:cNvSpPr/>
+          <p:nvPr/>
+        </p:nvSpPr>
+        <p:spPr>
+          <a:xfrm>
+            <a:off x="10148731" y="5473521"/>
+            <a:ext cx="1171978" cy="643944"/>
+          </a:xfrm>
+          <a:prstGeom prst="roundRect">
+            <a:avLst/>
+          </a:prstGeom>
+        </p:spPr>
+        <p:style>
+          <a:lnRef idx="2">
+            <a:schemeClr val="accent2">
+              <a:shade val="50000"/>
+            </a:schemeClr>
+          </a:lnRef>
+          <a:fillRef idx="1">
+            <a:schemeClr val="accent2"/>
+          </a:fillRef>
+          <a:effectRef idx="0">
+            <a:schemeClr val="accent2"/>
+          </a:effectRef>
+          <a:fontRef idx="minor">
+            <a:schemeClr val="lt1"/>
+          </a:fontRef>
+        </p:style>
+        <p:txBody>
+          <a:bodyPr rtlCol="0" anchor="ctr"/>
+          <a:lstStyle/>
+          <a:p>
+            <a:pPr algn="ctr"/>
+            <a:r>
+              <a:rPr lang="es-CL" sz="1400" dirty="0" err="1" smtClean="0"/>
+              <a:t>Seccion</a:t>
+            </a:r>
+            <a:r>
+              <a:rPr lang="es-CL" sz="1400" dirty="0" smtClean="0"/>
+              <a:t> 2</a:t>
+            </a:r>
+          </a:p>
+          <a:p>
+            <a:pPr algn="ctr"/>
+            <a:r>
+              <a:rPr lang="es-CL" sz="1400" dirty="0" smtClean="0"/>
+              <a:t>Analizar</a:t>
+            </a:r>
+            <a:endParaRPr lang="es-419" sz="1400" dirty="0"/>
+          </a:p>
+        </p:txBody>
+      </p:sp>
+      <p:cxnSp>
+        <p:nvCxnSpPr>
+          <p:cNvPr id="3" name="Conector recto de flecha 2"/>
+          <p:cNvCxnSpPr>
+            <a:stCxn id="39" idx="2"/>
+            <a:endCxn id="40" idx="0"/>
+          </p:cNvCxnSpPr>
+          <p:nvPr/>
+        </p:nvCxnSpPr>
+        <p:spPr>
+          <a:xfrm>
+            <a:off x="10734720" y="5112172"/>
+            <a:ext cx="0" cy="361349"/>
+          </a:xfrm>
+          <a:prstGeom prst="straightConnector1">
+            <a:avLst/>
+          </a:prstGeom>
+          <a:ln w="38100">
+            <a:tailEnd type="triangle"/>
+          </a:ln>
+        </p:spPr>
+        <p:style>
+          <a:lnRef idx="1">
+            <a:schemeClr val="accent1"/>
+          </a:lnRef>
+          <a:fillRef idx="0">
+            <a:schemeClr val="accent1"/>
+          </a:fillRef>
+          <a:effectRef idx="0">
+            <a:schemeClr val="accent1"/>
+          </a:effectRef>
+          <a:fontRef idx="minor">
+            <a:schemeClr val="tx1"/>
+          </a:fontRef>
+        </p:style>
+      </p:cxnSp>
+      <p:cxnSp>
+        <p:nvCxnSpPr>
+          <p:cNvPr id="10" name="Conector recto 9"/>
+          <p:cNvCxnSpPr/>
+          <p:nvPr/>
+        </p:nvCxnSpPr>
+        <p:spPr>
+          <a:xfrm>
+            <a:off x="9960385" y="4246334"/>
+            <a:ext cx="1591964" cy="0"/>
+          </a:xfrm>
+          <a:prstGeom prst="line">
+            <a:avLst/>
+          </a:prstGeom>
+        </p:spPr>
+        <p:style>
+          <a:lnRef idx="1">
+            <a:schemeClr val="accent1"/>
+          </a:lnRef>
+          <a:fillRef idx="0">
+            <a:schemeClr val="accent1"/>
+          </a:fillRef>
+          <a:effectRef idx="0">
+            <a:schemeClr val="accent1"/>
+          </a:effectRef>
+          <a:fontRef idx="minor">
+            <a:schemeClr val="tx1"/>
+          </a:fontRef>
+        </p:style>
+      </p:cxnSp>
     </p:spTree>
     <p:extLst>
       <p:ext uri="{BB962C8B-B14F-4D97-AF65-F5344CB8AC3E}">
@@ -8753,88 +9489,14 @@
       </p:grpSpPr>
       <p:sp>
         <p:nvSpPr>
-          <p:cNvPr id="4" name="CuadroTexto 3"/>
-          <p:cNvSpPr txBox="1"/>
-          <p:nvPr/>
-        </p:nvSpPr>
-        <p:spPr>
-          <a:xfrm>
-            <a:off x="180304" y="180304"/>
-            <a:ext cx="6463180" cy="954107"/>
-          </a:xfrm>
-          <a:prstGeom prst="rect">
-            <a:avLst/>
-          </a:prstGeom>
-          <a:noFill/>
-        </p:spPr>
-        <p:txBody>
-          <a:bodyPr wrap="none" rtlCol="0">
-            <a:spAutoFit/>
-          </a:bodyPr>
-          <a:lstStyle/>
-          <a:p>
-            <a:r>
-              <a:rPr lang="es-CL" sz="2400" b="1" dirty="0" err="1" smtClean="0"/>
-              <a:t>Seccion</a:t>
-            </a:r>
-            <a:r>
-              <a:rPr lang="es-CL" sz="2400" b="1" dirty="0" smtClean="0"/>
-              <a:t> 2</a:t>
-            </a:r>
-            <a:r>
-              <a:rPr lang="es-CL" sz="2400" dirty="0" smtClean="0"/>
-              <a:t>: </a:t>
-            </a:r>
-            <a:r>
-              <a:rPr lang="es-CL" sz="2400" b="1" dirty="0" smtClean="0"/>
-              <a:t>Mostrar </a:t>
-            </a:r>
-            <a:r>
-              <a:rPr lang="es-CL" sz="2400" b="1" dirty="0" err="1" smtClean="0"/>
-              <a:t>Actograma</a:t>
-            </a:r>
-            <a:endParaRPr lang="es-CL" sz="2400" b="1" dirty="0" smtClean="0"/>
-          </a:p>
-          <a:p>
-            <a:r>
-              <a:rPr lang="es-CL" sz="1600" dirty="0" smtClean="0"/>
-              <a:t>La idea en esta sección es </a:t>
-            </a:r>
-            <a:r>
-              <a:rPr lang="es-CL" sz="1600" b="1" dirty="0" smtClean="0"/>
-              <a:t>seleccionar un sujeto </a:t>
-            </a:r>
-            <a:r>
-              <a:rPr lang="es-CL" sz="1600" dirty="0" smtClean="0"/>
-              <a:t>y tener un idea de qué se le</a:t>
-            </a:r>
-          </a:p>
-          <a:p>
-            <a:r>
-              <a:rPr lang="es-CL" sz="1600" dirty="0" smtClean="0"/>
-              <a:t>quiere hacer o si  ya esta listo, etc. Además de visualizar el </a:t>
-            </a:r>
-            <a:r>
-              <a:rPr lang="es-CL" sz="1600" dirty="0" err="1" smtClean="0"/>
-              <a:t>actograma</a:t>
-            </a:r>
-            <a:r>
-              <a:rPr lang="es-CL" sz="1600" dirty="0" smtClean="0"/>
-              <a:t>.</a:t>
-            </a:r>
-          </a:p>
-        </p:txBody>
-      </p:sp>
-      <p:sp>
-        <p:nvSpPr>
-          <p:cNvPr id="5" name="Rectángulo 4"/>
+          <p:cNvPr id="4" name="Rectángulo 3"/>
           <p:cNvSpPr/>
           <p:nvPr/>
         </p:nvSpPr>
         <p:spPr>
           <a:xfrm>
-            <a:off x="785349" y="1892418"/>
-            <a:ext cx="1171978" cy="643944"/>
+            <a:off x="1184856" y="1461655"/>
+            <a:ext cx="1133340" cy="576000"/>
           </a:xfrm>
           <a:prstGeom prst="rect">
             <a:avLst/>
@@ -8862,15 +9524,28 @@
           <a:p>
             <a:pPr algn="ctr"/>
             <a:r>
+              <a:rPr lang="es-CL" sz="1600" dirty="0" err="1" smtClean="0"/>
+              <a:t>awdfile</a:t>
+            </a:r>
+            <a:r>
               <a:rPr lang="es-CL" sz="1600" dirty="0" smtClean="0"/>
-              <a:t>Pegar</a:t>
-            </a:r>
+              <a:t>()</a:t>
+            </a:r>
+            <a:endParaRPr lang="es-CL" sz="1600" dirty="0" smtClean="0"/>
           </a:p>
           <a:p>
             <a:pPr algn="ctr"/>
             <a:r>
               <a:rPr lang="es-CL" sz="1600" dirty="0" smtClean="0"/>
-              <a:t>Sujeto</a:t>
+              <a:t>(</a:t>
+            </a:r>
+            <a:r>
+              <a:rPr lang="es-CL" sz="1600" dirty="0" err="1" smtClean="0"/>
+              <a:t>obj:str</a:t>
+            </a:r>
+            <a:r>
+              <a:rPr lang="es-CL" sz="1600" dirty="0" smtClean="0"/>
+              <a:t>)</a:t>
             </a:r>
             <a:endParaRPr lang="es-419" sz="1600" dirty="0"/>
           </a:p>
@@ -8878,14 +9553,160 @@
       </p:sp>
       <p:sp>
         <p:nvSpPr>
-          <p:cNvPr id="7" name="Rectángulo 6"/>
+          <p:cNvPr id="5" name="Rectángulo redondeado 4"/>
           <p:cNvSpPr/>
           <p:nvPr/>
         </p:nvSpPr>
         <p:spPr>
           <a:xfrm>
-            <a:off x="785349" y="2843604"/>
-            <a:ext cx="1171978" cy="643944"/>
+            <a:off x="2848131" y="1461655"/>
+            <a:ext cx="1004552" cy="576000"/>
+          </a:xfrm>
+          <a:prstGeom prst="roundRect">
+            <a:avLst/>
+          </a:prstGeom>
+        </p:spPr>
+        <p:style>
+          <a:lnRef idx="2">
+            <a:schemeClr val="accent2">
+              <a:shade val="50000"/>
+            </a:schemeClr>
+          </a:lnRef>
+          <a:fillRef idx="1">
+            <a:schemeClr val="accent2"/>
+          </a:fillRef>
+          <a:effectRef idx="0">
+            <a:schemeClr val="accent2"/>
+          </a:effectRef>
+          <a:fontRef idx="minor">
+            <a:schemeClr val="lt1"/>
+          </a:fontRef>
+        </p:style>
+        <p:txBody>
+          <a:bodyPr rtlCol="0" anchor="ctr"/>
+          <a:lstStyle/>
+          <a:p>
+            <a:pPr algn="ctr"/>
+            <a:r>
+              <a:rPr lang="es-CL" dirty="0" err="1" smtClean="0"/>
+              <a:t>create</a:t>
+            </a:r>
+            <a:r>
+              <a:rPr lang="es-CL" dirty="0" smtClean="0"/>
+              <a:t/>
+            </a:r>
+            <a:br>
+              <a:rPr lang="es-CL" dirty="0" smtClean="0"/>
+            </a:br>
+            <a:r>
+              <a:rPr lang="es-CL" dirty="0" err="1" smtClean="0"/>
+              <a:t>acv</a:t>
+            </a:r>
+            <a:endParaRPr lang="es-419" dirty="0"/>
+          </a:p>
+        </p:txBody>
+      </p:sp>
+      <p:cxnSp>
+        <p:nvCxnSpPr>
+          <p:cNvPr id="6" name="Conector recto de flecha 5"/>
+          <p:cNvCxnSpPr>
+            <a:stCxn id="4" idx="3"/>
+            <a:endCxn id="5" idx="1"/>
+          </p:cNvCxnSpPr>
+          <p:nvPr/>
+        </p:nvCxnSpPr>
+        <p:spPr>
+          <a:xfrm>
+            <a:off x="2318196" y="1749655"/>
+            <a:ext cx="529935" cy="0"/>
+          </a:xfrm>
+          <a:prstGeom prst="straightConnector1">
+            <a:avLst/>
+          </a:prstGeom>
+          <a:ln w="38100">
+            <a:tailEnd type="triangle"/>
+          </a:ln>
+        </p:spPr>
+        <p:style>
+          <a:lnRef idx="1">
+            <a:schemeClr val="accent1"/>
+          </a:lnRef>
+          <a:fillRef idx="0">
+            <a:schemeClr val="accent1"/>
+          </a:fillRef>
+          <a:effectRef idx="0">
+            <a:schemeClr val="accent1"/>
+          </a:effectRef>
+          <a:fontRef idx="minor">
+            <a:schemeClr val="tx1"/>
+          </a:fontRef>
+        </p:style>
+      </p:cxnSp>
+      <p:sp>
+        <p:nvSpPr>
+          <p:cNvPr id="7" name="Rectángulo redondeado 6"/>
+          <p:cNvSpPr/>
+          <p:nvPr/>
+        </p:nvSpPr>
+        <p:spPr>
+          <a:xfrm>
+            <a:off x="5992906" y="2656613"/>
+            <a:ext cx="1004552" cy="576000"/>
+          </a:xfrm>
+          <a:prstGeom prst="roundRect">
+            <a:avLst/>
+          </a:prstGeom>
+        </p:spPr>
+        <p:style>
+          <a:lnRef idx="2">
+            <a:schemeClr val="accent2">
+              <a:shade val="50000"/>
+            </a:schemeClr>
+          </a:lnRef>
+          <a:fillRef idx="1">
+            <a:schemeClr val="accent2"/>
+          </a:fillRef>
+          <a:effectRef idx="0">
+            <a:schemeClr val="accent2"/>
+          </a:effectRef>
+          <a:fontRef idx="minor">
+            <a:schemeClr val="lt1"/>
+          </a:fontRef>
+        </p:style>
+        <p:txBody>
+          <a:bodyPr rtlCol="0" anchor="ctr"/>
+          <a:lstStyle/>
+          <a:p>
+            <a:pPr algn="ctr"/>
+            <a:r>
+              <a:rPr lang="es-CL" dirty="0" err="1" smtClean="0"/>
+              <a:t>create</a:t>
+            </a:r>
+            <a:r>
+              <a:rPr lang="es-CL" dirty="0" smtClean="0"/>
+              <a:t/>
+            </a:r>
+            <a:br>
+              <a:rPr lang="es-CL" dirty="0" smtClean="0"/>
+            </a:br>
+            <a:r>
+              <a:rPr lang="es-CL" dirty="0" smtClean="0"/>
+              <a:t>1°filtro</a:t>
+            </a:r>
+            <a:endParaRPr lang="es-419" dirty="0"/>
+          </a:p>
+        </p:txBody>
+      </p:sp>
+      <p:sp>
+        <p:nvSpPr>
+          <p:cNvPr id="13" name="Rectángulo 12"/>
+          <p:cNvSpPr/>
+          <p:nvPr/>
+        </p:nvSpPr>
+        <p:spPr>
+          <a:xfrm>
+            <a:off x="4421254" y="1461655"/>
+            <a:ext cx="1043188" cy="576000"/>
           </a:xfrm>
           <a:prstGeom prst="rect">
             <a:avLst/>
@@ -8913,30 +9734,221 @@
           <a:p>
             <a:pPr algn="ctr"/>
             <a:r>
+              <a:rPr lang="es-CL" dirty="0" err="1" smtClean="0"/>
+              <a:t>acv</a:t>
+            </a:r>
+            <a:endParaRPr lang="es-CL" dirty="0" smtClean="0"/>
+          </a:p>
+          <a:p>
+            <a:pPr algn="ctr"/>
+            <a:r>
+              <a:rPr lang="es-CL" smtClean="0"/>
+              <a:t>(obj:df)</a:t>
+            </a:r>
+            <a:endParaRPr lang="es-419" dirty="0"/>
+          </a:p>
+        </p:txBody>
+      </p:sp>
+      <p:cxnSp>
+        <p:nvCxnSpPr>
+          <p:cNvPr id="15" name="Conector recto de flecha 14"/>
+          <p:cNvCxnSpPr>
+            <a:stCxn id="5" idx="3"/>
+            <a:endCxn id="13" idx="1"/>
+          </p:cNvCxnSpPr>
+          <p:nvPr/>
+        </p:nvCxnSpPr>
+        <p:spPr>
+          <a:xfrm>
+            <a:off x="3852683" y="1749655"/>
+            <a:ext cx="568571" cy="0"/>
+          </a:xfrm>
+          <a:prstGeom prst="straightConnector1">
+            <a:avLst/>
+          </a:prstGeom>
+          <a:ln w="38100">
+            <a:tailEnd type="triangle"/>
+          </a:ln>
+        </p:spPr>
+        <p:style>
+          <a:lnRef idx="1">
+            <a:schemeClr val="accent1"/>
+          </a:lnRef>
+          <a:fillRef idx="0">
+            <a:schemeClr val="accent1"/>
+          </a:fillRef>
+          <a:effectRef idx="0">
+            <a:schemeClr val="accent1"/>
+          </a:effectRef>
+          <a:fontRef idx="minor">
+            <a:schemeClr val="tx1"/>
+          </a:fontRef>
+        </p:style>
+      </p:cxnSp>
+      <p:sp>
+        <p:nvSpPr>
+          <p:cNvPr id="18" name="Rectángulo 17"/>
+          <p:cNvSpPr/>
+          <p:nvPr/>
+        </p:nvSpPr>
+        <p:spPr>
+          <a:xfrm>
+            <a:off x="9217895" y="2656614"/>
+            <a:ext cx="1043188" cy="576000"/>
+          </a:xfrm>
+          <a:prstGeom prst="rect">
+            <a:avLst/>
+          </a:prstGeom>
+        </p:spPr>
+        <p:style>
+          <a:lnRef idx="2">
+            <a:schemeClr val="accent1"/>
+          </a:lnRef>
+          <a:fillRef idx="1">
+            <a:schemeClr val="lt1"/>
+          </a:fillRef>
+          <a:effectRef idx="0">
+            <a:schemeClr val="accent1"/>
+          </a:effectRef>
+          <a:fontRef idx="minor">
+            <a:schemeClr val="dk1"/>
+          </a:fontRef>
+        </p:style>
+        <p:txBody>
+          <a:bodyPr rtlCol="0" anchor="ctr"/>
+          <a:lstStyle/>
+          <a:p>
+            <a:pPr algn="ctr"/>
+            <a:r>
+              <a:rPr lang="es-CL" dirty="0" err="1" smtClean="0"/>
+              <a:t>edit.file</a:t>
+            </a:r>
+            <a:endParaRPr lang="es-CL" dirty="0" smtClean="0"/>
+          </a:p>
+          <a:p>
+            <a:pPr algn="ctr"/>
+            <a:r>
+              <a:rPr lang="es-CL" dirty="0" smtClean="0"/>
+              <a:t>(</a:t>
+            </a:r>
+            <a:r>
+              <a:rPr lang="es-CL" dirty="0" err="1" smtClean="0"/>
+              <a:t>rds</a:t>
+            </a:r>
+            <a:r>
+              <a:rPr lang="es-CL" dirty="0" smtClean="0"/>
+              <a:t>)</a:t>
+            </a:r>
+            <a:endParaRPr lang="es-419" dirty="0"/>
+          </a:p>
+        </p:txBody>
+      </p:sp>
+      <p:sp>
+        <p:nvSpPr>
+          <p:cNvPr id="24" name="Rectángulo 23"/>
+          <p:cNvSpPr/>
+          <p:nvPr/>
+        </p:nvSpPr>
+        <p:spPr>
+          <a:xfrm>
+            <a:off x="7606136" y="2656614"/>
+            <a:ext cx="1043188" cy="576000"/>
+          </a:xfrm>
+          <a:prstGeom prst="rect">
+            <a:avLst/>
+          </a:prstGeom>
+        </p:spPr>
+        <p:style>
+          <a:lnRef idx="2">
+            <a:schemeClr val="accent1">
+              <a:shade val="50000"/>
+            </a:schemeClr>
+          </a:lnRef>
+          <a:fillRef idx="1">
+            <a:schemeClr val="accent1"/>
+          </a:fillRef>
+          <a:effectRef idx="0">
+            <a:schemeClr val="accent1"/>
+          </a:effectRef>
+          <a:fontRef idx="minor">
+            <a:schemeClr val="lt1"/>
+          </a:fontRef>
+        </p:style>
+        <p:txBody>
+          <a:bodyPr rtlCol="0" anchor="ctr"/>
+          <a:lstStyle/>
+          <a:p>
+            <a:pPr algn="ctr"/>
+            <a:r>
+              <a:rPr lang="es-CL" sz="1600" dirty="0" err="1" smtClean="0"/>
+              <a:t>filter.stats</a:t>
+            </a:r>
+            <a:endParaRPr lang="es-CL" sz="1600" dirty="0" smtClean="0"/>
+          </a:p>
+          <a:p>
+            <a:pPr algn="ctr"/>
+            <a:r>
               <a:rPr lang="es-CL" sz="1600" dirty="0" smtClean="0"/>
-              <a:t>Seleccionar</a:t>
-            </a:r>
-          </a:p>
-          <a:p>
-            <a:pPr algn="ctr"/>
+              <a:t>(</a:t>
+            </a:r>
+            <a:r>
+              <a:rPr lang="es-CL" sz="1600" dirty="0" err="1" smtClean="0"/>
+              <a:t>obj:list</a:t>
+            </a:r>
             <a:r>
               <a:rPr lang="es-CL" sz="1600" dirty="0" smtClean="0"/>
-              <a:t>Sujeto</a:t>
+              <a:t>)</a:t>
             </a:r>
             <a:endParaRPr lang="es-419" sz="1600" dirty="0"/>
           </a:p>
         </p:txBody>
       </p:sp>
-      <p:sp>
-        <p:nvSpPr>
-          <p:cNvPr id="12" name="Rectángulo redondeado 11"/>
+      <p:cxnSp>
+        <p:nvCxnSpPr>
+          <p:cNvPr id="29" name="Conector recto de flecha 28"/>
+          <p:cNvCxnSpPr>
+            <a:stCxn id="7" idx="3"/>
+            <a:endCxn id="24" idx="1"/>
+          </p:cNvCxnSpPr>
+          <p:nvPr/>
+        </p:nvCxnSpPr>
+        <p:spPr>
+          <a:xfrm>
+            <a:off x="6997458" y="2944613"/>
+            <a:ext cx="608678" cy="1"/>
+          </a:xfrm>
+          <a:prstGeom prst="straightConnector1">
+            <a:avLst/>
+          </a:prstGeom>
+          <a:ln w="38100">
+            <a:tailEnd type="triangle"/>
+          </a:ln>
+        </p:spPr>
+        <p:style>
+          <a:lnRef idx="1">
+            <a:schemeClr val="accent1"/>
+          </a:lnRef>
+          <a:fillRef idx="0">
+            <a:schemeClr val="accent1"/>
+          </a:fillRef>
+          <a:effectRef idx="0">
+            <a:schemeClr val="accent1"/>
+          </a:effectRef>
+          <a:fontRef idx="minor">
+            <a:schemeClr val="tx1"/>
+          </a:fontRef>
+        </p:style>
+      </p:cxnSp>
+      <p:sp>
+        <p:nvSpPr>
+          <p:cNvPr id="32" name="Rectángulo redondeado 31"/>
           <p:cNvSpPr/>
           <p:nvPr/>
         </p:nvSpPr>
         <p:spPr>
           <a:xfrm>
-            <a:off x="6374311" y="4631623"/>
-            <a:ext cx="1171978" cy="643944"/>
+            <a:off x="6033013" y="3765312"/>
+            <a:ext cx="1004552" cy="576000"/>
           </a:xfrm>
           <a:prstGeom prst="roundRect">
             <a:avLst/>
@@ -8964,153 +9976,106 @@
           <a:p>
             <a:pPr algn="ctr"/>
             <a:r>
-              <a:rPr lang="es-CL" sz="1600" dirty="0" smtClean="0"/>
-              <a:t>Analizar</a:t>
-            </a:r>
-            <a:endParaRPr lang="es-419" sz="1600" dirty="0"/>
-          </a:p>
-        </p:txBody>
-      </p:sp>
-      <p:sp>
-        <p:nvSpPr>
-          <p:cNvPr id="19" name="Rectángulo 18"/>
+              <a:rPr lang="es-CL" dirty="0" err="1" smtClean="0"/>
+              <a:t>create</a:t>
+            </a:r>
+            <a:r>
+              <a:rPr lang="es-CL" dirty="0" smtClean="0"/>
+              <a:t/>
+            </a:r>
+            <a:br>
+              <a:rPr lang="es-CL" dirty="0" smtClean="0"/>
+            </a:br>
+            <a:r>
+              <a:rPr lang="es-CL" dirty="0" err="1" smtClean="0"/>
+              <a:t>acv.edit</a:t>
+            </a:r>
+            <a:endParaRPr lang="es-419" dirty="0"/>
+          </a:p>
+        </p:txBody>
+      </p:sp>
+      <p:cxnSp>
+        <p:nvCxnSpPr>
+          <p:cNvPr id="35" name="Conector recto de flecha 34"/>
+          <p:cNvCxnSpPr>
+            <a:stCxn id="24" idx="3"/>
+            <a:endCxn id="18" idx="1"/>
+          </p:cNvCxnSpPr>
+          <p:nvPr/>
+        </p:nvCxnSpPr>
+        <p:spPr>
+          <a:xfrm>
+            <a:off x="8649324" y="2944614"/>
+            <a:ext cx="568571" cy="0"/>
+          </a:xfrm>
+          <a:prstGeom prst="straightConnector1">
+            <a:avLst/>
+          </a:prstGeom>
+          <a:ln w="38100">
+            <a:tailEnd type="triangle"/>
+          </a:ln>
+        </p:spPr>
+        <p:style>
+          <a:lnRef idx="1">
+            <a:schemeClr val="accent1"/>
+          </a:lnRef>
+          <a:fillRef idx="0">
+            <a:schemeClr val="accent1"/>
+          </a:fillRef>
+          <a:effectRef idx="0">
+            <a:schemeClr val="accent1"/>
+          </a:effectRef>
+          <a:fontRef idx="minor">
+            <a:schemeClr val="tx1"/>
+          </a:fontRef>
+        </p:style>
+      </p:cxnSp>
+      <p:cxnSp>
+        <p:nvCxnSpPr>
+          <p:cNvPr id="48" name="Conector angular 47"/>
+          <p:cNvCxnSpPr>
+            <a:stCxn id="13" idx="2"/>
+            <a:endCxn id="32" idx="1"/>
+          </p:cNvCxnSpPr>
+          <p:nvPr/>
+        </p:nvCxnSpPr>
+        <p:spPr>
+          <a:xfrm rot="16200000" flipH="1">
+            <a:off x="4480102" y="2500400"/>
+            <a:ext cx="2015657" cy="1090165"/>
+          </a:xfrm>
+          <a:prstGeom prst="bentConnector2">
+            <a:avLst/>
+          </a:prstGeom>
+          <a:ln w="38100">
+            <a:tailEnd type="triangle"/>
+          </a:ln>
+        </p:spPr>
+        <p:style>
+          <a:lnRef idx="3">
+            <a:schemeClr val="accent3"/>
+          </a:lnRef>
+          <a:fillRef idx="0">
+            <a:schemeClr val="accent3"/>
+          </a:fillRef>
+          <a:effectRef idx="2">
+            <a:schemeClr val="accent3"/>
+          </a:effectRef>
+          <a:fontRef idx="minor">
+            <a:schemeClr val="tx1"/>
+          </a:fontRef>
+        </p:style>
+      </p:cxnSp>
+      <p:sp>
+        <p:nvSpPr>
+          <p:cNvPr id="51" name="Rectángulo 50"/>
           <p:cNvSpPr/>
           <p:nvPr/>
         </p:nvSpPr>
         <p:spPr>
           <a:xfrm>
-            <a:off x="2704300" y="2371857"/>
-            <a:ext cx="1173007" cy="643944"/>
-          </a:xfrm>
-          <a:prstGeom prst="rect">
-            <a:avLst/>
-          </a:prstGeom>
-        </p:spPr>
-        <p:style>
-          <a:lnRef idx="2">
-            <a:schemeClr val="accent1"/>
-          </a:lnRef>
-          <a:fillRef idx="1">
-            <a:schemeClr val="lt1"/>
-          </a:fillRef>
-          <a:effectRef idx="0">
-            <a:schemeClr val="accent1"/>
-          </a:effectRef>
-          <a:fontRef idx="minor">
-            <a:schemeClr val="dk1"/>
-          </a:fontRef>
-        </p:style>
-        <p:txBody>
-          <a:bodyPr rtlCol="0" anchor="ctr"/>
-          <a:lstStyle/>
-          <a:p>
-            <a:pPr algn="ctr"/>
-            <a:r>
-              <a:rPr lang="es-CL" sz="1400" dirty="0" err="1" smtClean="0"/>
-              <a:t>awdfile</a:t>
-            </a:r>
-            <a:r>
-              <a:rPr lang="es-CL" sz="1400" dirty="0" smtClean="0"/>
-              <a:t>()</a:t>
-            </a:r>
-          </a:p>
-        </p:txBody>
-      </p:sp>
-      <p:sp>
-        <p:nvSpPr>
-          <p:cNvPr id="92" name="Rectángulo 91"/>
-          <p:cNvSpPr/>
-          <p:nvPr/>
-        </p:nvSpPr>
-        <p:spPr>
-          <a:xfrm>
-            <a:off x="6831517" y="180304"/>
-            <a:ext cx="917573" cy="266751"/>
-          </a:xfrm>
-          <a:prstGeom prst="rect">
-            <a:avLst/>
-          </a:prstGeom>
-        </p:spPr>
-        <p:style>
-          <a:lnRef idx="2">
-            <a:schemeClr val="accent6">
-              <a:shade val="50000"/>
-            </a:schemeClr>
-          </a:lnRef>
-          <a:fillRef idx="1">
-            <a:schemeClr val="accent6"/>
-          </a:fillRef>
-          <a:effectRef idx="0">
-            <a:schemeClr val="accent6"/>
-          </a:effectRef>
-          <a:fontRef idx="minor">
-            <a:schemeClr val="lt1"/>
-          </a:fontRef>
-        </p:style>
-        <p:txBody>
-          <a:bodyPr rtlCol="0" anchor="ctr"/>
-          <a:lstStyle/>
-          <a:p>
-            <a:pPr algn="ctr"/>
-            <a:r>
-              <a:rPr lang="es-CL" sz="1600" dirty="0" smtClean="0"/>
-              <a:t>Output</a:t>
-            </a:r>
-          </a:p>
-        </p:txBody>
-      </p:sp>
-      <p:sp>
-        <p:nvSpPr>
-          <p:cNvPr id="93" name="Rectángulo 92"/>
-          <p:cNvSpPr/>
-          <p:nvPr/>
-        </p:nvSpPr>
-        <p:spPr>
-          <a:xfrm>
-            <a:off x="7876292" y="206230"/>
-            <a:ext cx="917573" cy="240825"/>
-          </a:xfrm>
-          <a:prstGeom prst="rect">
-            <a:avLst/>
-          </a:prstGeom>
-        </p:spPr>
-        <p:style>
-          <a:lnRef idx="2">
-            <a:schemeClr val="accent1"/>
-          </a:lnRef>
-          <a:fillRef idx="1">
-            <a:schemeClr val="lt1"/>
-          </a:fillRef>
-          <a:effectRef idx="0">
-            <a:schemeClr val="accent1"/>
-          </a:effectRef>
-          <a:fontRef idx="minor">
-            <a:schemeClr val="dk1"/>
-          </a:fontRef>
-        </p:style>
-        <p:txBody>
-          <a:bodyPr rtlCol="0" anchor="ctr"/>
-          <a:lstStyle/>
-          <a:p>
-            <a:pPr algn="ctr"/>
-            <a:r>
-              <a:rPr lang="es-CL" sz="1400" dirty="0" smtClean="0"/>
-              <a:t>Objetos</a:t>
-            </a:r>
-            <a:endParaRPr lang="es-419" sz="1400" dirty="0"/>
-          </a:p>
-        </p:txBody>
-      </p:sp>
-      <p:sp>
-        <p:nvSpPr>
-          <p:cNvPr id="94" name="Rectángulo 93"/>
-          <p:cNvSpPr/>
-          <p:nvPr/>
-        </p:nvSpPr>
-        <p:spPr>
-          <a:xfrm>
-            <a:off x="8921067" y="200607"/>
-            <a:ext cx="912116" cy="246448"/>
+            <a:off x="5968619" y="4874009"/>
+            <a:ext cx="1133340" cy="576000"/>
           </a:xfrm>
           <a:prstGeom prst="rect">
             <a:avLst/>
@@ -9138,8 +10103,16 @@
           <a:p>
             <a:pPr algn="ctr"/>
             <a:r>
-              <a:rPr lang="es-CL" sz="1600" dirty="0" smtClean="0"/>
-              <a:t>Interfaz</a:t>
+              <a:rPr lang="es-CL" sz="1600" dirty="0" err="1" smtClean="0"/>
+              <a:t>acv.edit</a:t>
+            </a:r>
+            <a:endParaRPr lang="es-CL" sz="1600" dirty="0" smtClean="0"/>
+          </a:p>
+          <a:p>
+            <a:pPr algn="ctr"/>
+            <a:r>
+              <a:rPr lang="es-CL" sz="1600" smtClean="0"/>
+              <a:t>(obj:df)</a:t>
             </a:r>
             <a:endParaRPr lang="es-419" sz="1600" dirty="0"/>
           </a:p>
@@ -9147,16 +10120,134 @@
       </p:sp>
       <p:sp>
         <p:nvSpPr>
-          <p:cNvPr id="95" name="Rectángulo 94"/>
+          <p:cNvPr id="52" name="Rectángulo 51"/>
           <p:cNvSpPr/>
           <p:nvPr/>
         </p:nvSpPr>
         <p:spPr>
           <a:xfrm>
-            <a:off x="9960385" y="208024"/>
-            <a:ext cx="912116" cy="246448"/>
+            <a:off x="6013695" y="5982706"/>
+            <a:ext cx="1043188" cy="576000"/>
           </a:xfrm>
           <a:prstGeom prst="rect">
+            <a:avLst/>
+          </a:prstGeom>
+        </p:spPr>
+        <p:style>
+          <a:lnRef idx="2">
+            <a:schemeClr val="accent1"/>
+          </a:lnRef>
+          <a:fillRef idx="1">
+            <a:schemeClr val="lt1"/>
+          </a:fillRef>
+          <a:effectRef idx="0">
+            <a:schemeClr val="accent1"/>
+          </a:effectRef>
+          <a:fontRef idx="minor">
+            <a:schemeClr val="dk1"/>
+          </a:fontRef>
+        </p:style>
+        <p:txBody>
+          <a:bodyPr rtlCol="0" anchor="ctr"/>
+          <a:lstStyle/>
+          <a:p>
+            <a:pPr algn="ctr"/>
+            <a:r>
+              <a:rPr lang="es-CL" dirty="0" err="1">
+                <a:solidFill>
+                  <a:schemeClr val="dk1"/>
+                </a:solidFill>
+              </a:rPr>
+              <a:t>acv.edit</a:t>
+            </a:r>
+            <a:endParaRPr lang="es-CL" dirty="0">
+              <a:solidFill>
+                <a:schemeClr val="dk1"/>
+              </a:solidFill>
+            </a:endParaRPr>
+          </a:p>
+          <a:p>
+            <a:pPr algn="ctr"/>
+            <a:r>
+              <a:rPr lang="es-CL" dirty="0">
+                <a:solidFill>
+                  <a:schemeClr val="dk1"/>
+                </a:solidFill>
+              </a:rPr>
+              <a:t>(</a:t>
+            </a:r>
+            <a:r>
+              <a:rPr lang="es-CL" dirty="0" err="1">
+                <a:solidFill>
+                  <a:schemeClr val="dk1"/>
+                </a:solidFill>
+              </a:rPr>
+              <a:t>rds</a:t>
+            </a:r>
+            <a:r>
+              <a:rPr lang="es-CL" dirty="0">
+                <a:solidFill>
+                  <a:schemeClr val="dk1"/>
+                </a:solidFill>
+              </a:rPr>
+              <a:t>)</a:t>
+            </a:r>
+            <a:endParaRPr lang="es-419" dirty="0">
+              <a:solidFill>
+                <a:schemeClr val="dk1"/>
+              </a:solidFill>
+            </a:endParaRPr>
+          </a:p>
+        </p:txBody>
+      </p:sp>
+      <p:cxnSp>
+        <p:nvCxnSpPr>
+          <p:cNvPr id="55" name="Conector recto de flecha 54"/>
+          <p:cNvCxnSpPr>
+            <a:stCxn id="32" idx="2"/>
+            <a:endCxn id="51" idx="0"/>
+          </p:cNvCxnSpPr>
+          <p:nvPr/>
+        </p:nvCxnSpPr>
+        <p:spPr>
+          <a:xfrm>
+            <a:off x="6535289" y="4341312"/>
+            <a:ext cx="0" cy="532697"/>
+          </a:xfrm>
+          <a:prstGeom prst="straightConnector1">
+            <a:avLst/>
+          </a:prstGeom>
+          <a:ln w="38100">
+            <a:tailEnd type="triangle"/>
+          </a:ln>
+        </p:spPr>
+        <p:style>
+          <a:lnRef idx="1">
+            <a:schemeClr val="accent1"/>
+          </a:lnRef>
+          <a:fillRef idx="0">
+            <a:schemeClr val="accent1"/>
+          </a:fillRef>
+          <a:effectRef idx="0">
+            <a:schemeClr val="accent1"/>
+          </a:effectRef>
+          <a:fontRef idx="minor">
+            <a:schemeClr val="tx1"/>
+          </a:fontRef>
+        </p:style>
+      </p:cxnSp>
+      <p:sp>
+        <p:nvSpPr>
+          <p:cNvPr id="27" name="Rectángulo redondeado 26"/>
+          <p:cNvSpPr/>
+          <p:nvPr/>
+        </p:nvSpPr>
+        <p:spPr>
+          <a:xfrm>
+            <a:off x="5968619" y="1461655"/>
+            <a:ext cx="1004552" cy="576000"/>
+          </a:xfrm>
+          <a:prstGeom prst="roundRect">
             <a:avLst/>
           </a:prstGeom>
         </p:spPr>
@@ -9182,121 +10273,37 @@
           <a:p>
             <a:pPr algn="ctr"/>
             <a:r>
-              <a:rPr lang="es-CL" sz="1600" dirty="0" smtClean="0"/>
-              <a:t>Proceso</a:t>
-            </a:r>
-            <a:endParaRPr lang="es-419" sz="1600" dirty="0"/>
-          </a:p>
-        </p:txBody>
-      </p:sp>
-      <p:sp>
-        <p:nvSpPr>
-          <p:cNvPr id="96" name="Rectángulo 95"/>
-          <p:cNvSpPr/>
-          <p:nvPr/>
-        </p:nvSpPr>
-        <p:spPr>
-          <a:xfrm>
-            <a:off x="10999703" y="208024"/>
-            <a:ext cx="912116" cy="246448"/>
-          </a:xfrm>
-          <a:prstGeom prst="rect">
-            <a:avLst/>
-          </a:prstGeom>
-        </p:spPr>
-        <p:style>
-          <a:lnRef idx="2">
-            <a:schemeClr val="accent4">
-              <a:shade val="50000"/>
-            </a:schemeClr>
-          </a:lnRef>
-          <a:fillRef idx="1">
-            <a:schemeClr val="accent4"/>
-          </a:fillRef>
-          <a:effectRef idx="0">
-            <a:schemeClr val="accent4"/>
-          </a:effectRef>
-          <a:fontRef idx="minor">
-            <a:schemeClr val="lt1"/>
-          </a:fontRef>
-        </p:style>
-        <p:txBody>
-          <a:bodyPr rtlCol="0" anchor="ctr"/>
-          <a:lstStyle/>
-          <a:p>
-            <a:pPr algn="ctr"/>
-            <a:r>
-              <a:rPr lang="es-CL" sz="1600" dirty="0" smtClean="0">
-                <a:solidFill>
-                  <a:schemeClr val="accent1">
-                    <a:lumMod val="50000"/>
-                  </a:schemeClr>
-                </a:solidFill>
-              </a:rPr>
-              <a:t>Archivo</a:t>
-            </a:r>
-          </a:p>
-        </p:txBody>
-      </p:sp>
-      <p:sp>
-        <p:nvSpPr>
-          <p:cNvPr id="48" name="Rectángulo 47"/>
-          <p:cNvSpPr/>
-          <p:nvPr/>
-        </p:nvSpPr>
-        <p:spPr>
-          <a:xfrm>
-            <a:off x="785349" y="3794790"/>
-            <a:ext cx="1173007" cy="643944"/>
-          </a:xfrm>
-          <a:prstGeom prst="rect">
-            <a:avLst/>
-          </a:prstGeom>
-        </p:spPr>
-        <p:style>
-          <a:lnRef idx="2">
-            <a:schemeClr val="accent1"/>
-          </a:lnRef>
-          <a:fillRef idx="1">
-            <a:schemeClr val="lt1"/>
-          </a:fillRef>
-          <a:effectRef idx="0">
-            <a:schemeClr val="accent1"/>
-          </a:effectRef>
-          <a:fontRef idx="minor">
-            <a:schemeClr val="dk1"/>
-          </a:fontRef>
-        </p:style>
-        <p:txBody>
-          <a:bodyPr rtlCol="0" anchor="ctr"/>
-          <a:lstStyle/>
-          <a:p>
-            <a:pPr algn="ctr"/>
-            <a:r>
-              <a:rPr lang="es-CL" sz="1400" dirty="0" err="1" smtClean="0"/>
-              <a:t>subjectDF</a:t>
-            </a:r>
-            <a:r>
-              <a:rPr lang="es-CL" sz="1400" dirty="0" smtClean="0"/>
-              <a:t>()</a:t>
-            </a:r>
-            <a:endParaRPr lang="es-419" sz="1400" dirty="0"/>
+              <a:rPr lang="es-CL" dirty="0" err="1" smtClean="0"/>
+              <a:t>create</a:t>
+            </a:r>
+            <a:r>
+              <a:rPr lang="es-CL" smtClean="0"/>
+              <a:t/>
+            </a:r>
+            <a:br>
+              <a:rPr lang="es-CL" smtClean="0"/>
+            </a:br>
+            <a:r>
+              <a:rPr lang="es-CL" smtClean="0"/>
+              <a:t>semiper</a:t>
+            </a:r>
+            <a:endParaRPr lang="es-419" dirty="0"/>
           </a:p>
         </p:txBody>
       </p:sp>
       <p:cxnSp>
         <p:nvCxnSpPr>
-          <p:cNvPr id="23" name="Conector recto de flecha 22"/>
+          <p:cNvPr id="10" name="Conector recto de flecha 9"/>
           <p:cNvCxnSpPr>
-            <a:stCxn id="48" idx="0"/>
-            <a:endCxn id="7" idx="2"/>
+            <a:stCxn id="13" idx="3"/>
+            <a:endCxn id="27" idx="1"/>
           </p:cNvCxnSpPr>
           <p:nvPr/>
         </p:nvCxnSpPr>
         <p:spPr>
-          <a:xfrm flipH="1" flipV="1">
-            <a:off x="1371338" y="3487548"/>
-            <a:ext cx="515" cy="307242"/>
+          <a:xfrm>
+            <a:off x="5464442" y="1749655"/>
+            <a:ext cx="504177" cy="0"/>
           </a:xfrm>
           <a:prstGeom prst="straightConnector1">
             <a:avLst/>
@@ -9322,253 +10329,14 @@
       </p:cxnSp>
       <p:sp>
         <p:nvSpPr>
-          <p:cNvPr id="54" name="Rectángulo 53"/>
+          <p:cNvPr id="31" name="Rectángulo 30"/>
           <p:cNvSpPr/>
           <p:nvPr/>
         </p:nvSpPr>
         <p:spPr>
           <a:xfrm>
-            <a:off x="4445279" y="1892418"/>
-            <a:ext cx="1171978" cy="643944"/>
-          </a:xfrm>
-          <a:prstGeom prst="rect">
-            <a:avLst/>
-          </a:prstGeom>
-        </p:spPr>
-        <p:style>
-          <a:lnRef idx="2">
-            <a:schemeClr val="accent6">
-              <a:shade val="50000"/>
-            </a:schemeClr>
-          </a:lnRef>
-          <a:fillRef idx="1">
-            <a:schemeClr val="accent6"/>
-          </a:fillRef>
-          <a:effectRef idx="0">
-            <a:schemeClr val="accent6"/>
-          </a:effectRef>
-          <a:fontRef idx="minor">
-            <a:schemeClr val="lt1"/>
-          </a:fontRef>
-        </p:style>
-        <p:txBody>
-          <a:bodyPr rtlCol="0" anchor="ctr"/>
-          <a:lstStyle/>
-          <a:p>
-            <a:pPr algn="ctr"/>
-            <a:r>
-              <a:rPr lang="es-CL" sz="1600" dirty="0" smtClean="0"/>
-              <a:t>Muestra sujeto</a:t>
-            </a:r>
-            <a:endParaRPr lang="es-419" sz="1600" dirty="0"/>
-          </a:p>
-        </p:txBody>
-      </p:sp>
-      <p:cxnSp>
-        <p:nvCxnSpPr>
-          <p:cNvPr id="29" name="Conector angular 28"/>
-          <p:cNvCxnSpPr>
-            <a:stCxn id="7" idx="3"/>
-            <a:endCxn id="19" idx="1"/>
-          </p:cNvCxnSpPr>
-          <p:nvPr/>
-        </p:nvCxnSpPr>
-        <p:spPr>
-          <a:xfrm flipV="1">
-            <a:off x="1957327" y="2693829"/>
-            <a:ext cx="746973" cy="471747"/>
-          </a:xfrm>
-          <a:prstGeom prst="bentConnector3">
-            <a:avLst/>
-          </a:prstGeom>
-          <a:ln w="38100">
-            <a:tailEnd type="triangle"/>
-          </a:ln>
-        </p:spPr>
-        <p:style>
-          <a:lnRef idx="1">
-            <a:schemeClr val="accent1"/>
-          </a:lnRef>
-          <a:fillRef idx="0">
-            <a:schemeClr val="accent1"/>
-          </a:fillRef>
-          <a:effectRef idx="0">
-            <a:schemeClr val="accent1"/>
-          </a:effectRef>
-          <a:fontRef idx="minor">
-            <a:schemeClr val="tx1"/>
-          </a:fontRef>
-        </p:style>
-      </p:cxnSp>
-      <p:cxnSp>
-        <p:nvCxnSpPr>
-          <p:cNvPr id="32" name="Conector angular 31"/>
-          <p:cNvCxnSpPr>
-            <a:stCxn id="5" idx="3"/>
-            <a:endCxn id="19" idx="1"/>
-          </p:cNvCxnSpPr>
-          <p:nvPr/>
-        </p:nvCxnSpPr>
-        <p:spPr>
-          <a:xfrm>
-            <a:off x="1957327" y="2214390"/>
-            <a:ext cx="746973" cy="479439"/>
-          </a:xfrm>
-          <a:prstGeom prst="bentConnector3">
-            <a:avLst/>
-          </a:prstGeom>
-          <a:ln w="38100">
-            <a:tailEnd type="triangle"/>
-          </a:ln>
-        </p:spPr>
-        <p:style>
-          <a:lnRef idx="1">
-            <a:schemeClr val="accent1"/>
-          </a:lnRef>
-          <a:fillRef idx="0">
-            <a:schemeClr val="accent1"/>
-          </a:fillRef>
-          <a:effectRef idx="0">
-            <a:schemeClr val="accent1"/>
-          </a:effectRef>
-          <a:fontRef idx="minor">
-            <a:schemeClr val="tx1"/>
-          </a:fontRef>
-        </p:style>
-      </p:cxnSp>
-      <p:sp>
-        <p:nvSpPr>
-          <p:cNvPr id="62" name="Rectángulo 61"/>
-          <p:cNvSpPr/>
-          <p:nvPr/>
-        </p:nvSpPr>
-        <p:spPr>
-          <a:xfrm>
-            <a:off x="4445279" y="2843604"/>
-            <a:ext cx="1171978" cy="643944"/>
-          </a:xfrm>
-          <a:prstGeom prst="rect">
-            <a:avLst/>
-          </a:prstGeom>
-        </p:spPr>
-        <p:style>
-          <a:lnRef idx="2">
-            <a:schemeClr val="accent6">
-              <a:shade val="50000"/>
-            </a:schemeClr>
-          </a:lnRef>
-          <a:fillRef idx="1">
-            <a:schemeClr val="accent6"/>
-          </a:fillRef>
-          <a:effectRef idx="0">
-            <a:schemeClr val="accent6"/>
-          </a:effectRef>
-          <a:fontRef idx="minor">
-            <a:schemeClr val="lt1"/>
-          </a:fontRef>
-        </p:style>
-        <p:txBody>
-          <a:bodyPr rtlCol="0" anchor="ctr"/>
-          <a:lstStyle/>
-          <a:p>
-            <a:pPr algn="ctr"/>
-            <a:r>
-              <a:rPr lang="es-CL" sz="1600" dirty="0" smtClean="0"/>
-              <a:t>Status</a:t>
-            </a:r>
-          </a:p>
-          <a:p>
-            <a:pPr algn="ctr"/>
-            <a:r>
-              <a:rPr lang="es-CL" sz="1600" dirty="0" smtClean="0"/>
-              <a:t>sujeto</a:t>
-            </a:r>
-            <a:endParaRPr lang="es-419" sz="1600" dirty="0"/>
-          </a:p>
-        </p:txBody>
-      </p:sp>
-      <p:cxnSp>
-        <p:nvCxnSpPr>
-          <p:cNvPr id="39" name="Conector angular 38"/>
-          <p:cNvCxnSpPr>
-            <a:stCxn id="19" idx="3"/>
-            <a:endCxn id="54" idx="1"/>
-          </p:cNvCxnSpPr>
-          <p:nvPr/>
-        </p:nvCxnSpPr>
-        <p:spPr>
-          <a:xfrm flipV="1">
-            <a:off x="3877307" y="2214390"/>
-            <a:ext cx="567972" cy="479439"/>
-          </a:xfrm>
-          <a:prstGeom prst="bentConnector3">
-            <a:avLst/>
-          </a:prstGeom>
-          <a:ln w="38100">
-            <a:tailEnd type="triangle"/>
-          </a:ln>
-        </p:spPr>
-        <p:style>
-          <a:lnRef idx="1">
-            <a:schemeClr val="accent1"/>
-          </a:lnRef>
-          <a:fillRef idx="0">
-            <a:schemeClr val="accent1"/>
-          </a:fillRef>
-          <a:effectRef idx="0">
-            <a:schemeClr val="accent1"/>
-          </a:effectRef>
-          <a:fontRef idx="minor">
-            <a:schemeClr val="tx1"/>
-          </a:fontRef>
-        </p:style>
-      </p:cxnSp>
-      <p:cxnSp>
-        <p:nvCxnSpPr>
-          <p:cNvPr id="41" name="Conector angular 40"/>
-          <p:cNvCxnSpPr>
-            <a:stCxn id="19" idx="3"/>
-            <a:endCxn id="62" idx="1"/>
-          </p:cNvCxnSpPr>
-          <p:nvPr/>
-        </p:nvCxnSpPr>
-        <p:spPr>
-          <a:xfrm>
-            <a:off x="3877307" y="2693829"/>
-            <a:ext cx="567972" cy="471747"/>
-          </a:xfrm>
-          <a:prstGeom prst="bentConnector3">
-            <a:avLst/>
-          </a:prstGeom>
-          <a:ln w="38100">
-            <a:tailEnd type="triangle"/>
-          </a:ln>
-        </p:spPr>
-        <p:style>
-          <a:lnRef idx="1">
-            <a:schemeClr val="accent1"/>
-          </a:lnRef>
-          <a:fillRef idx="0">
-            <a:schemeClr val="accent1"/>
-          </a:fillRef>
-          <a:effectRef idx="0">
-            <a:schemeClr val="accent1"/>
-          </a:effectRef>
-          <a:fontRef idx="minor">
-            <a:schemeClr val="tx1"/>
-          </a:fontRef>
-        </p:style>
-      </p:cxnSp>
-      <p:sp>
-        <p:nvSpPr>
-          <p:cNvPr id="70" name="Rectángulo 69"/>
-          <p:cNvSpPr/>
-          <p:nvPr/>
-        </p:nvSpPr>
-        <p:spPr>
-          <a:xfrm>
-            <a:off x="7811463" y="1933498"/>
-            <a:ext cx="1171978" cy="643944"/>
+            <a:off x="7515984" y="1461655"/>
+            <a:ext cx="1133340" cy="576000"/>
           </a:xfrm>
           <a:prstGeom prst="rect">
             <a:avLst/>
@@ -9596,74 +10364,16 @@
           <a:p>
             <a:pPr algn="ctr"/>
             <a:r>
-              <a:rPr lang="es-CL" sz="1600" dirty="0" err="1" smtClean="0"/>
-              <a:t>Accion</a:t>
-            </a:r>
-            <a:r>
-              <a:rPr lang="es-CL" sz="1600" dirty="0" smtClean="0"/>
-              <a:t> a</a:t>
-            </a:r>
-          </a:p>
-          <a:p>
-            <a:pPr algn="ctr"/>
-            <a:r>
-              <a:rPr lang="es-CL" sz="1600" dirty="0" smtClean="0"/>
-              <a:t>tomar</a:t>
-            </a:r>
-            <a:endParaRPr lang="es-419" sz="1600" dirty="0"/>
-          </a:p>
-        </p:txBody>
-      </p:sp>
-      <p:sp>
-        <p:nvSpPr>
-          <p:cNvPr id="71" name="Rectángulo 70"/>
-          <p:cNvSpPr/>
-          <p:nvPr/>
-        </p:nvSpPr>
-        <p:spPr>
-          <a:xfrm>
-            <a:off x="7811463" y="2899414"/>
-            <a:ext cx="1171978" cy="643944"/>
-          </a:xfrm>
-          <a:prstGeom prst="rect">
-            <a:avLst/>
-          </a:prstGeom>
-        </p:spPr>
-        <p:style>
-          <a:lnRef idx="2">
-            <a:schemeClr val="accent1">
-              <a:shade val="50000"/>
-            </a:schemeClr>
-          </a:lnRef>
-          <a:fillRef idx="1">
-            <a:schemeClr val="accent1"/>
-          </a:fillRef>
-          <a:effectRef idx="0">
-            <a:schemeClr val="accent1"/>
-          </a:effectRef>
-          <a:fontRef idx="minor">
-            <a:schemeClr val="lt1"/>
-          </a:fontRef>
-        </p:style>
-        <p:txBody>
-          <a:bodyPr rtlCol="0" anchor="ctr"/>
-          <a:lstStyle/>
-          <a:p>
-            <a:pPr algn="ctr"/>
-            <a:r>
-              <a:rPr lang="es-CL" sz="1600" dirty="0" err="1" smtClean="0"/>
-              <a:t>Boton</a:t>
-            </a:r>
-            <a:r>
-              <a:rPr lang="es-CL" sz="1600" dirty="0" smtClean="0"/>
-              <a:t> de</a:t>
-            </a:r>
-          </a:p>
-          <a:p>
-            <a:pPr algn="ctr"/>
-            <a:r>
-              <a:rPr lang="es-CL" sz="1600" dirty="0" smtClean="0"/>
-              <a:t>acción</a:t>
+              <a:rPr lang="es-CL" sz="1600" smtClean="0"/>
+              <a:t>semiper</a:t>
+            </a:r>
+            <a:endParaRPr lang="es-CL" sz="1600" dirty="0" smtClean="0"/>
+          </a:p>
+          <a:p>
+            <a:pPr algn="ctr"/>
+            <a:r>
+              <a:rPr lang="es-CL" sz="1600" smtClean="0"/>
+              <a:t>(obj:list)</a:t>
             </a:r>
             <a:endParaRPr lang="es-419" sz="1600" dirty="0"/>
           </a:p>
@@ -9671,17 +10381,17 @@
       </p:sp>
       <p:cxnSp>
         <p:nvCxnSpPr>
-          <p:cNvPr id="43" name="Conector recto de flecha 42"/>
+          <p:cNvPr id="14" name="Conector recto de flecha 13"/>
           <p:cNvCxnSpPr>
-            <a:stCxn id="70" idx="2"/>
-            <a:endCxn id="71" idx="0"/>
+            <a:stCxn id="27" idx="3"/>
+            <a:endCxn id="31" idx="1"/>
           </p:cNvCxnSpPr>
           <p:nvPr/>
         </p:nvCxnSpPr>
         <p:spPr>
           <a:xfrm>
-            <a:off x="8397452" y="2577442"/>
-            <a:ext cx="0" cy="321972"/>
+            <a:off x="6973171" y="1749655"/>
+            <a:ext cx="542813" cy="0"/>
           </a:xfrm>
           <a:prstGeom prst="straightConnector1">
             <a:avLst/>
@@ -9705,112 +10415,22 @@
           </a:fontRef>
         </p:style>
       </p:cxnSp>
-      <p:sp>
-        <p:nvSpPr>
-          <p:cNvPr id="76" name="Rectángulo redondeado 75"/>
-          <p:cNvSpPr/>
-          <p:nvPr/>
-        </p:nvSpPr>
-        <p:spPr>
-          <a:xfrm>
-            <a:off x="7811463" y="4631623"/>
-            <a:ext cx="1171978" cy="643944"/>
-          </a:xfrm>
-          <a:prstGeom prst="roundRect">
-            <a:avLst/>
-          </a:prstGeom>
-        </p:spPr>
-        <p:style>
-          <a:lnRef idx="2">
-            <a:schemeClr val="accent2">
-              <a:shade val="50000"/>
-            </a:schemeClr>
-          </a:lnRef>
-          <a:fillRef idx="1">
-            <a:schemeClr val="accent2"/>
-          </a:fillRef>
-          <a:effectRef idx="0">
-            <a:schemeClr val="accent2"/>
-          </a:effectRef>
-          <a:fontRef idx="minor">
-            <a:schemeClr val="lt1"/>
-          </a:fontRef>
-        </p:style>
-        <p:txBody>
-          <a:bodyPr rtlCol="0" anchor="ctr"/>
-          <a:lstStyle/>
-          <a:p>
-            <a:pPr algn="ctr"/>
-            <a:r>
-              <a:rPr lang="es-CL" sz="1600" dirty="0" smtClean="0"/>
-              <a:t>Editar</a:t>
-            </a:r>
-            <a:endParaRPr lang="es-419" sz="1600" dirty="0"/>
-          </a:p>
-        </p:txBody>
-      </p:sp>
-      <p:sp>
-        <p:nvSpPr>
-          <p:cNvPr id="79" name="Rectángulo redondeado 78"/>
-          <p:cNvSpPr/>
-          <p:nvPr/>
-        </p:nvSpPr>
-        <p:spPr>
-          <a:xfrm>
-            <a:off x="9248615" y="4631623"/>
-            <a:ext cx="1171978" cy="643944"/>
-          </a:xfrm>
-          <a:prstGeom prst="roundRect">
-            <a:avLst/>
-          </a:prstGeom>
-        </p:spPr>
-        <p:style>
-          <a:lnRef idx="2">
-            <a:schemeClr val="accent2">
-              <a:shade val="50000"/>
-            </a:schemeClr>
-          </a:lnRef>
-          <a:fillRef idx="1">
-            <a:schemeClr val="accent2"/>
-          </a:fillRef>
-          <a:effectRef idx="0">
-            <a:schemeClr val="accent2"/>
-          </a:effectRef>
-          <a:fontRef idx="minor">
-            <a:schemeClr val="lt1"/>
-          </a:fontRef>
-        </p:style>
-        <p:txBody>
-          <a:bodyPr rtlCol="0" anchor="ctr"/>
-          <a:lstStyle/>
-          <a:p>
-            <a:pPr algn="ctr"/>
-            <a:r>
-              <a:rPr lang="es-CL" sz="1600" dirty="0" err="1" smtClean="0"/>
-              <a:t>Actograma</a:t>
-            </a:r>
-            <a:endParaRPr lang="es-419" sz="1600" dirty="0"/>
-          </a:p>
-        </p:txBody>
-      </p:sp>
       <p:cxnSp>
         <p:nvCxnSpPr>
-          <p:cNvPr id="50" name="Conector angular 49"/>
+          <p:cNvPr id="21" name="Conector angular 20"/>
           <p:cNvCxnSpPr>
-            <a:stCxn id="71" idx="2"/>
-            <a:endCxn id="12" idx="0"/>
+            <a:stCxn id="31" idx="2"/>
+            <a:endCxn id="7" idx="0"/>
           </p:cNvCxnSpPr>
           <p:nvPr/>
         </p:nvCxnSpPr>
         <p:spPr>
           <a:xfrm rot="5400000">
-            <a:off x="7134744" y="3368914"/>
-            <a:ext cx="1088265" cy="1437152"/>
+            <a:off x="6979439" y="1553398"/>
+            <a:ext cx="618958" cy="1587472"/>
           </a:xfrm>
           <a:prstGeom prst="bentConnector3">
-            <a:avLst>
-              <a:gd name="adj1" fmla="val 71302"/>
-            </a:avLst>
+            <a:avLst/>
           </a:prstGeom>
           <a:ln w="38100">
             <a:tailEnd type="triangle"/>
@@ -9831,165 +10451,264 @@
           </a:fontRef>
         </p:style>
       </p:cxnSp>
+      <p:sp>
+        <p:nvSpPr>
+          <p:cNvPr id="45" name="CuadroTexto 44"/>
+          <p:cNvSpPr txBox="1"/>
+          <p:nvPr/>
+        </p:nvSpPr>
+        <p:spPr>
+          <a:xfrm>
+            <a:off x="9713730" y="3882574"/>
+            <a:ext cx="1964763" cy="1815882"/>
+          </a:xfrm>
+          <a:prstGeom prst="rect">
+            <a:avLst/>
+          </a:prstGeom>
+          <a:noFill/>
+        </p:spPr>
+        <p:txBody>
+          <a:bodyPr wrap="square" rtlCol="0">
+            <a:spAutoFit/>
+          </a:bodyPr>
+          <a:lstStyle/>
+          <a:p>
+            <a:r>
+              <a:rPr lang="es-ES" sz="1400" dirty="0" smtClean="0"/>
+              <a:t>Este archivo incorpora o modifica ediciones después de este proceso y saca para el </a:t>
+            </a:r>
+            <a:r>
+              <a:rPr lang="es-ES" sz="1400" b="1" dirty="0" err="1" smtClean="0">
+                <a:solidFill>
+                  <a:srgbClr val="00B0F0"/>
+                </a:solidFill>
+              </a:rPr>
+              <a:t>actograma</a:t>
+            </a:r>
+            <a:endParaRPr lang="es-ES" sz="1400" b="1" dirty="0" smtClean="0">
+              <a:solidFill>
+                <a:srgbClr val="00B0F0"/>
+              </a:solidFill>
+            </a:endParaRPr>
+          </a:p>
+          <a:p>
+            <a:r>
+              <a:rPr lang="es-ES" sz="1400" b="1" dirty="0" smtClean="0">
+                <a:solidFill>
+                  <a:srgbClr val="00B0F0"/>
+                </a:solidFill>
+              </a:rPr>
+              <a:t>1: Filtro</a:t>
+            </a:r>
+          </a:p>
+          <a:p>
+            <a:r>
+              <a:rPr lang="es-ES" sz="1400" b="1" dirty="0" smtClean="0">
+                <a:solidFill>
+                  <a:srgbClr val="00B0F0"/>
+                </a:solidFill>
+              </a:rPr>
+              <a:t>2: a </a:t>
+            </a:r>
+            <a:r>
+              <a:rPr lang="es-ES" sz="1400" b="1" dirty="0" err="1" smtClean="0">
+                <a:solidFill>
+                  <a:srgbClr val="00B0F0"/>
+                </a:solidFill>
+              </a:rPr>
+              <a:t>Sleep</a:t>
+            </a:r>
+            <a:endParaRPr lang="es-ES" sz="1400" b="1" dirty="0" smtClean="0">
+              <a:solidFill>
+                <a:srgbClr val="00B0F0"/>
+              </a:solidFill>
+            </a:endParaRPr>
+          </a:p>
+          <a:p>
+            <a:r>
+              <a:rPr lang="es-ES" sz="1400" b="1" dirty="0" smtClean="0">
+                <a:solidFill>
+                  <a:srgbClr val="00B0F0"/>
+                </a:solidFill>
+              </a:rPr>
+              <a:t>3: a Wake</a:t>
+            </a:r>
+            <a:endParaRPr lang="es-CL" sz="1400" b="1" dirty="0">
+              <a:solidFill>
+                <a:srgbClr val="00B0F0"/>
+              </a:solidFill>
+            </a:endParaRPr>
+          </a:p>
+        </p:txBody>
+      </p:sp>
       <p:cxnSp>
         <p:nvCxnSpPr>
-          <p:cNvPr id="53" name="Conector angular 52"/>
+          <p:cNvPr id="40" name="Conector angular 39"/>
           <p:cNvCxnSpPr>
-            <a:stCxn id="71" idx="2"/>
-            <a:endCxn id="79" idx="0"/>
+            <a:stCxn id="18" idx="2"/>
+            <a:endCxn id="45" idx="0"/>
           </p:cNvCxnSpPr>
           <p:nvPr/>
         </p:nvCxnSpPr>
         <p:spPr>
           <a:xfrm rot="16200000" flipH="1">
-            <a:off x="8571896" y="3368914"/>
-            <a:ext cx="1088265" cy="1437152"/>
+            <a:off x="9892820" y="3079282"/>
+            <a:ext cx="649960" cy="956623"/>
           </a:xfrm>
           <a:prstGeom prst="bentConnector3">
-            <a:avLst>
-              <a:gd name="adj1" fmla="val 71301"/>
-            </a:avLst>
+            <a:avLst/>
+          </a:prstGeom>
+          <a:ln>
+            <a:tailEnd type="triangle"/>
+          </a:ln>
+        </p:spPr>
+        <p:style>
+          <a:lnRef idx="1">
+            <a:schemeClr val="accent1"/>
+          </a:lnRef>
+          <a:fillRef idx="0">
+            <a:schemeClr val="accent1"/>
+          </a:fillRef>
+          <a:effectRef idx="0">
+            <a:schemeClr val="accent1"/>
+          </a:effectRef>
+          <a:fontRef idx="minor">
+            <a:schemeClr val="tx1"/>
+          </a:fontRef>
+        </p:style>
+      </p:cxnSp>
+      <p:sp>
+        <p:nvSpPr>
+          <p:cNvPr id="43" name="CuadroTexto 42"/>
+          <p:cNvSpPr txBox="1"/>
+          <p:nvPr/>
+        </p:nvSpPr>
+        <p:spPr>
+          <a:xfrm>
+            <a:off x="350874" y="2656613"/>
+            <a:ext cx="4129806" cy="2554545"/>
+          </a:xfrm>
+          <a:prstGeom prst="rect">
+            <a:avLst/>
+          </a:prstGeom>
+          <a:noFill/>
+        </p:spPr>
+        <p:txBody>
+          <a:bodyPr wrap="square" rtlCol="0">
+            <a:spAutoFit/>
+          </a:bodyPr>
+          <a:lstStyle/>
+          <a:p>
+            <a:r>
+              <a:rPr lang="es-ES" sz="1600" smtClean="0"/>
+              <a:t>El resultado de este proceso es:</a:t>
+            </a:r>
+          </a:p>
+          <a:p>
+            <a:r>
+              <a:rPr lang="es-ES" sz="1600" smtClean="0"/>
+              <a:t>4 archivos.</a:t>
+            </a:r>
+          </a:p>
+          <a:p>
+            <a:pPr marL="285750" indent="-285750">
+              <a:buFont typeface="Arial" panose="020B0604020202020204" pitchFamily="34" charset="0"/>
+              <a:buChar char="•"/>
+            </a:pPr>
+            <a:r>
+              <a:rPr lang="es-ES" sz="1600" b="1" smtClean="0"/>
+              <a:t>RDS</a:t>
+            </a:r>
+            <a:r>
+              <a:rPr lang="es-ES" sz="1600" smtClean="0"/>
+              <a:t>: de semiperiodos que sirve para hacer el actograma y crear el primer filtro de exclusiones.</a:t>
+            </a:r>
+          </a:p>
+          <a:p>
+            <a:pPr marL="285750" indent="-285750">
+              <a:buFont typeface="Arial" panose="020B0604020202020204" pitchFamily="34" charset="0"/>
+              <a:buChar char="•"/>
+            </a:pPr>
+            <a:r>
+              <a:rPr lang="es-ES" sz="1600" b="1" smtClean="0"/>
+              <a:t>TXT</a:t>
+            </a:r>
+            <a:r>
+              <a:rPr lang="es-ES" sz="1600" smtClean="0"/>
+              <a:t>: en formato (.edit) para manejar las ediciones globales del ACV.</a:t>
+            </a:r>
+          </a:p>
+          <a:p>
+            <a:pPr marL="285750" indent="-285750">
+              <a:buFont typeface="Arial" panose="020B0604020202020204" pitchFamily="34" charset="0"/>
+              <a:buChar char="•"/>
+            </a:pPr>
+            <a:r>
+              <a:rPr lang="es-ES" sz="1600" b="1" smtClean="0"/>
+              <a:t>RDS</a:t>
+            </a:r>
+            <a:r>
+              <a:rPr lang="es-ES" sz="1600" smtClean="0"/>
+              <a:t> y </a:t>
+            </a:r>
+            <a:r>
+              <a:rPr lang="es-ES" sz="1600" b="1" smtClean="0"/>
+              <a:t>TXT</a:t>
+            </a:r>
+            <a:r>
+              <a:rPr lang="es-ES" sz="1600" smtClean="0"/>
+              <a:t> de la versión ACV con los datos del primer filtro que se saca de este proceso. </a:t>
+            </a:r>
+            <a:endParaRPr lang="es-CL" sz="1600"/>
+          </a:p>
+        </p:txBody>
+      </p:sp>
+      <p:cxnSp>
+        <p:nvCxnSpPr>
+          <p:cNvPr id="47" name="Conector angular 46"/>
+          <p:cNvCxnSpPr>
+            <a:stCxn id="24" idx="2"/>
+            <a:endCxn id="32" idx="3"/>
+          </p:cNvCxnSpPr>
+          <p:nvPr/>
+        </p:nvCxnSpPr>
+        <p:spPr>
+          <a:xfrm rot="5400000">
+            <a:off x="7172299" y="3097881"/>
+            <a:ext cx="820698" cy="1090165"/>
+          </a:xfrm>
+          <a:prstGeom prst="bentConnector2">
+            <a:avLst/>
           </a:prstGeom>
           <a:ln w="38100">
             <a:tailEnd type="triangle"/>
           </a:ln>
         </p:spPr>
         <p:style>
-          <a:lnRef idx="1">
-            <a:schemeClr val="accent1"/>
+          <a:lnRef idx="3">
+            <a:schemeClr val="accent3"/>
           </a:lnRef>
           <a:fillRef idx="0">
-            <a:schemeClr val="accent1"/>
-          </a:fillRef>
-          <a:effectRef idx="0">
-            <a:schemeClr val="accent1"/>
+            <a:schemeClr val="accent3"/>
+          </a:fillRef>
+          <a:effectRef idx="2">
+            <a:schemeClr val="accent3"/>
           </a:effectRef>
           <a:fontRef idx="minor">
             <a:schemeClr val="tx1"/>
           </a:fontRef>
         </p:style>
       </p:cxnSp>
-      <p:cxnSp>
-        <p:nvCxnSpPr>
-          <p:cNvPr id="57" name="Conector recto de flecha 56"/>
-          <p:cNvCxnSpPr>
-            <a:stCxn id="71" idx="2"/>
-            <a:endCxn id="76" idx="0"/>
-          </p:cNvCxnSpPr>
-          <p:nvPr/>
-        </p:nvCxnSpPr>
-        <p:spPr>
-          <a:xfrm>
-            <a:off x="8397452" y="3543358"/>
-            <a:ext cx="0" cy="1088265"/>
-          </a:xfrm>
-          <a:prstGeom prst="straightConnector1">
-            <a:avLst/>
-          </a:prstGeom>
-          <a:ln w="38100">
-            <a:tailEnd type="triangle"/>
-          </a:ln>
-        </p:spPr>
-        <p:style>
-          <a:lnRef idx="1">
-            <a:schemeClr val="accent1"/>
-          </a:lnRef>
-          <a:fillRef idx="0">
-            <a:schemeClr val="accent1"/>
-          </a:fillRef>
-          <a:effectRef idx="0">
-            <a:schemeClr val="accent1"/>
-          </a:effectRef>
-          <a:fontRef idx="minor">
-            <a:schemeClr val="tx1"/>
-          </a:fontRef>
-        </p:style>
-      </p:cxnSp>
-      <p:cxnSp>
-        <p:nvCxnSpPr>
-          <p:cNvPr id="66" name="Conector angular 65"/>
-          <p:cNvCxnSpPr/>
-          <p:nvPr/>
-        </p:nvCxnSpPr>
-        <p:spPr>
-          <a:xfrm>
-            <a:off x="4185630" y="2693829"/>
-            <a:ext cx="4211307" cy="1115691"/>
-          </a:xfrm>
-          <a:prstGeom prst="bentConnector3">
-            <a:avLst/>
-          </a:prstGeom>
-          <a:ln w="38100">
-            <a:tailEnd type="triangle"/>
-          </a:ln>
-        </p:spPr>
-        <p:style>
-          <a:lnRef idx="1">
-            <a:schemeClr val="accent1"/>
-          </a:lnRef>
-          <a:fillRef idx="0">
-            <a:schemeClr val="accent1"/>
-          </a:fillRef>
-          <a:effectRef idx="0">
-            <a:schemeClr val="accent1"/>
-          </a:effectRef>
-          <a:fontRef idx="minor">
-            <a:schemeClr val="tx1"/>
-          </a:fontRef>
-        </p:style>
-      </p:cxnSp>
-      <p:sp>
-        <p:nvSpPr>
-          <p:cNvPr id="77" name="Cerrar llave 76"/>
-          <p:cNvSpPr/>
-          <p:nvPr/>
-        </p:nvSpPr>
-        <p:spPr>
-          <a:xfrm rot="5400000">
-            <a:off x="8178076" y="3627725"/>
-            <a:ext cx="427017" cy="4034549"/>
-          </a:xfrm>
-          <a:prstGeom prst="rightBrace">
-            <a:avLst>
-              <a:gd name="adj1" fmla="val 45241"/>
-              <a:gd name="adj2" fmla="val 50000"/>
-            </a:avLst>
-          </a:prstGeom>
-          <a:ln w="38100"/>
-        </p:spPr>
-        <p:style>
-          <a:lnRef idx="1">
-            <a:schemeClr val="accent1"/>
-          </a:lnRef>
-          <a:fillRef idx="0">
-            <a:schemeClr val="accent1"/>
-          </a:fillRef>
-          <a:effectRef idx="0">
-            <a:schemeClr val="accent1"/>
-          </a:effectRef>
-          <a:fontRef idx="minor">
-            <a:schemeClr val="tx1"/>
-          </a:fontRef>
-        </p:style>
-        <p:txBody>
-          <a:bodyPr rtlCol="0" anchor="ctr"/>
-          <a:lstStyle/>
-          <a:p>
-            <a:pPr algn="ctr"/>
-            <a:endParaRPr lang="es-419"/>
-          </a:p>
-        </p:txBody>
-      </p:sp>
-      <p:sp>
-        <p:nvSpPr>
-          <p:cNvPr id="80" name="CuadroTexto 79"/>
+      <p:sp>
+        <p:nvSpPr>
+          <p:cNvPr id="30" name="CuadroTexto 29"/>
           <p:cNvSpPr txBox="1"/>
           <p:nvPr/>
         </p:nvSpPr>
         <p:spPr>
           <a:xfrm>
-            <a:off x="6056810" y="6097670"/>
-            <a:ext cx="4669548" cy="369332"/>
+            <a:off x="180304" y="180304"/>
+            <a:ext cx="5818452" cy="707886"/>
           </a:xfrm>
           <a:prstGeom prst="rect">
             <a:avLst/>
@@ -10002,354 +10721,44 @@
           </a:bodyPr>
           <a:lstStyle/>
           <a:p>
-            <a:pPr algn="ctr"/>
-            <a:r>
-              <a:rPr lang="es-CL" dirty="0" smtClean="0"/>
-              <a:t>Cada proceso de estos se explica a </a:t>
-            </a:r>
-            <a:r>
-              <a:rPr lang="es-CL" dirty="0" err="1" smtClean="0"/>
-              <a:t>continuacion</a:t>
-            </a:r>
-            <a:endParaRPr lang="es-419" dirty="0"/>
+            <a:r>
+              <a:rPr lang="es-CL" sz="2400" b="1" dirty="0" err="1" smtClean="0"/>
+              <a:t>Seccion</a:t>
+            </a:r>
+            <a:r>
+              <a:rPr lang="es-CL" sz="2400" b="1" dirty="0" smtClean="0"/>
+              <a:t> 2</a:t>
+            </a:r>
+            <a:r>
+              <a:rPr lang="es-CL" sz="2400" dirty="0" smtClean="0"/>
+              <a:t>: </a:t>
+            </a:r>
+            <a:r>
+              <a:rPr lang="es-CL" sz="2400" b="1" dirty="0" smtClean="0"/>
+              <a:t>Proceso Analizar</a:t>
+            </a:r>
+          </a:p>
+          <a:p>
+            <a:r>
+              <a:rPr lang="es-CL" sz="1600" dirty="0" smtClean="0"/>
+              <a:t>Al ejecutar la opción de analizar por primera vez esto es lo que pasa</a:t>
+            </a:r>
           </a:p>
         </p:txBody>
       </p:sp>
       <p:cxnSp>
         <p:nvCxnSpPr>
-          <p:cNvPr id="83" name="Conector angular 82"/>
+          <p:cNvPr id="3" name="Conector recto de flecha 2"/>
           <p:cNvCxnSpPr>
-            <a:stCxn id="12" idx="1"/>
+            <a:stCxn id="51" idx="2"/>
+            <a:endCxn id="52" idx="0"/>
           </p:cNvCxnSpPr>
           <p:nvPr/>
         </p:nvCxnSpPr>
         <p:spPr>
-          <a:xfrm rot="10800000">
-            <a:off x="1957327" y="4116763"/>
-            <a:ext cx="4416985" cy="836833"/>
-          </a:xfrm>
-          <a:prstGeom prst="bentConnector3">
-            <a:avLst/>
-          </a:prstGeom>
-          <a:ln w="38100">
-            <a:tailEnd type="triangle"/>
-          </a:ln>
-        </p:spPr>
-        <p:style>
-          <a:lnRef idx="1">
-            <a:schemeClr val="accent1"/>
-          </a:lnRef>
-          <a:fillRef idx="0">
-            <a:schemeClr val="accent1"/>
-          </a:fillRef>
-          <a:effectRef idx="0">
-            <a:schemeClr val="accent1"/>
-          </a:effectRef>
-          <a:fontRef idx="minor">
-            <a:schemeClr val="tx1"/>
-          </a:fontRef>
-        </p:style>
-      </p:cxnSp>
-      <p:sp>
-        <p:nvSpPr>
-          <p:cNvPr id="84" name="CuadroTexto 83"/>
-          <p:cNvSpPr txBox="1"/>
-          <p:nvPr/>
-        </p:nvSpPr>
-        <p:spPr>
-          <a:xfrm>
-            <a:off x="4168428" y="4649959"/>
-            <a:ext cx="1106008" cy="307777"/>
-          </a:xfrm>
-          <a:prstGeom prst="rect">
-            <a:avLst/>
-          </a:prstGeom>
-          <a:noFill/>
-        </p:spPr>
-        <p:txBody>
-          <a:bodyPr wrap="none" rtlCol="0">
-            <a:spAutoFit/>
-          </a:bodyPr>
-          <a:lstStyle/>
-          <a:p>
-            <a:r>
-              <a:rPr lang="es-CL" sz="1400" dirty="0" smtClean="0"/>
-              <a:t>Hace </a:t>
-            </a:r>
-            <a:r>
-              <a:rPr lang="es-CL" sz="1400" dirty="0" err="1" smtClean="0"/>
-              <a:t>update</a:t>
-            </a:r>
-            <a:endParaRPr lang="es-419" sz="1400" dirty="0"/>
-          </a:p>
-        </p:txBody>
-      </p:sp>
-      <p:cxnSp>
-        <p:nvCxnSpPr>
-          <p:cNvPr id="3" name="Conector angular 2"/>
-          <p:cNvCxnSpPr>
-            <a:stCxn id="19" idx="0"/>
-            <a:endCxn id="36" idx="1"/>
-          </p:cNvCxnSpPr>
-          <p:nvPr/>
-        </p:nvCxnSpPr>
-        <p:spPr>
-          <a:xfrm rot="5400000" flipH="1" flipV="1">
-            <a:off x="6032139" y="-1134392"/>
-            <a:ext cx="764915" cy="6247584"/>
-          </a:xfrm>
-          <a:prstGeom prst="bentConnector2">
-            <a:avLst/>
-          </a:prstGeom>
-          <a:ln w="38100">
-            <a:tailEnd type="triangle"/>
-          </a:ln>
-        </p:spPr>
-        <p:style>
-          <a:lnRef idx="1">
-            <a:schemeClr val="accent1"/>
-          </a:lnRef>
-          <a:fillRef idx="0">
-            <a:schemeClr val="accent1"/>
-          </a:fillRef>
-          <a:effectRef idx="0">
-            <a:schemeClr val="accent1"/>
-          </a:effectRef>
-          <a:fontRef idx="minor">
-            <a:schemeClr val="tx1"/>
-          </a:fontRef>
-        </p:style>
-      </p:cxnSp>
-      <p:sp>
-        <p:nvSpPr>
-          <p:cNvPr id="36" name="Rectángulo redondeado 35"/>
-          <p:cNvSpPr/>
-          <p:nvPr/>
-        </p:nvSpPr>
-        <p:spPr>
-          <a:xfrm>
-            <a:off x="9538388" y="958414"/>
-            <a:ext cx="1732206" cy="1297056"/>
-          </a:xfrm>
-          <a:prstGeom prst="roundRect">
-            <a:avLst/>
-          </a:prstGeom>
-        </p:spPr>
-        <p:style>
-          <a:lnRef idx="2">
-            <a:schemeClr val="accent2">
-              <a:shade val="50000"/>
-            </a:schemeClr>
-          </a:lnRef>
-          <a:fillRef idx="1">
-            <a:schemeClr val="accent2"/>
-          </a:fillRef>
-          <a:effectRef idx="0">
-            <a:schemeClr val="accent2"/>
-          </a:effectRef>
-          <a:fontRef idx="minor">
-            <a:schemeClr val="lt1"/>
-          </a:fontRef>
-        </p:style>
-        <p:txBody>
-          <a:bodyPr rtlCol="0" anchor="ctr"/>
-          <a:lstStyle/>
-          <a:p>
-            <a:r>
-              <a:rPr lang="es-CL" sz="1600" dirty="0" smtClean="0"/>
-              <a:t>Cargar datos con el </a:t>
-            </a:r>
-            <a:r>
-              <a:rPr lang="es-CL" sz="1600" dirty="0" err="1" smtClean="0"/>
-              <a:t>poll</a:t>
-            </a:r>
-            <a:r>
-              <a:rPr lang="es-CL" sz="1600" dirty="0" smtClean="0"/>
-              <a:t> en:</a:t>
-            </a:r>
-          </a:p>
-          <a:p>
-            <a:r>
-              <a:rPr lang="es-CL" sz="1600" dirty="0" smtClean="0">
-                <a:solidFill>
-                  <a:schemeClr val="accent1">
-                    <a:lumMod val="50000"/>
-                  </a:schemeClr>
-                </a:solidFill>
-              </a:rPr>
-              <a:t>- </a:t>
-            </a:r>
-            <a:r>
-              <a:rPr lang="es-CL" sz="1600" dirty="0" err="1" smtClean="0">
-                <a:solidFill>
-                  <a:schemeClr val="accent1">
-                    <a:lumMod val="50000"/>
-                  </a:schemeClr>
-                </a:solidFill>
-              </a:rPr>
-              <a:t>acveditRDS</a:t>
-            </a:r>
-            <a:r>
-              <a:rPr lang="es-CL" sz="1600" dirty="0" smtClean="0">
-                <a:solidFill>
-                  <a:schemeClr val="accent1">
-                    <a:lumMod val="50000"/>
-                  </a:schemeClr>
-                </a:solidFill>
-              </a:rPr>
-              <a:t>()</a:t>
-            </a:r>
-          </a:p>
-          <a:p>
-            <a:r>
-              <a:rPr lang="es-CL" sz="1600" dirty="0" smtClean="0">
-                <a:solidFill>
-                  <a:schemeClr val="accent1">
-                    <a:lumMod val="50000"/>
-                  </a:schemeClr>
-                </a:solidFill>
-              </a:rPr>
-              <a:t>- </a:t>
-            </a:r>
-            <a:r>
-              <a:rPr lang="es-CL" sz="1600" dirty="0" err="1" smtClean="0">
-                <a:solidFill>
-                  <a:schemeClr val="accent1">
-                    <a:lumMod val="50000"/>
-                  </a:schemeClr>
-                </a:solidFill>
-              </a:rPr>
-              <a:t>filerRDS</a:t>
-            </a:r>
-            <a:r>
-              <a:rPr lang="es-CL" sz="1600" dirty="0" smtClean="0">
-                <a:solidFill>
-                  <a:schemeClr val="accent1">
-                    <a:lumMod val="50000"/>
-                  </a:schemeClr>
-                </a:solidFill>
-              </a:rPr>
-              <a:t>()</a:t>
-            </a:r>
-            <a:endParaRPr lang="es-419" sz="1600" dirty="0">
-              <a:solidFill>
-                <a:schemeClr val="accent1">
-                  <a:lumMod val="50000"/>
-                </a:schemeClr>
-              </a:solidFill>
-            </a:endParaRPr>
-          </a:p>
-        </p:txBody>
-      </p:sp>
-      <p:sp>
-        <p:nvSpPr>
-          <p:cNvPr id="15" name="CuadroTexto 14"/>
-          <p:cNvSpPr txBox="1"/>
-          <p:nvPr/>
-        </p:nvSpPr>
-        <p:spPr>
-          <a:xfrm>
-            <a:off x="9431188" y="2327888"/>
-            <a:ext cx="2000955" cy="1384995"/>
-          </a:xfrm>
-          <a:prstGeom prst="rect">
-            <a:avLst/>
-          </a:prstGeom>
-          <a:noFill/>
-        </p:spPr>
-        <p:txBody>
-          <a:bodyPr wrap="square" rtlCol="0">
-            <a:spAutoFit/>
-          </a:bodyPr>
-          <a:lstStyle/>
-          <a:p>
-            <a:r>
-              <a:rPr lang="es-CL" sz="1400" dirty="0" smtClean="0"/>
-              <a:t>Habiendo seleccionado un sujeto y por tanto un </a:t>
-            </a:r>
-            <a:r>
-              <a:rPr lang="es-CL" sz="1400" dirty="0" err="1" smtClean="0"/>
-              <a:t>awdfile</a:t>
-            </a:r>
-            <a:r>
-              <a:rPr lang="es-CL" sz="1400" dirty="0" smtClean="0"/>
-              <a:t>() </a:t>
-            </a:r>
-            <a:r>
-              <a:rPr lang="es-CL" sz="1400" dirty="0" err="1" smtClean="0"/>
-              <a:t>object</a:t>
-            </a:r>
-            <a:r>
-              <a:rPr lang="es-CL" sz="1400" dirty="0" smtClean="0"/>
-              <a:t> se cargarán los datos y siempre habrá datos cargados.</a:t>
-            </a:r>
-            <a:endParaRPr lang="es-419" sz="1400" dirty="0"/>
-          </a:p>
-        </p:txBody>
-      </p:sp>
-      <p:sp>
-        <p:nvSpPr>
-          <p:cNvPr id="16" name="Rectángulo 15"/>
-          <p:cNvSpPr/>
-          <p:nvPr/>
-        </p:nvSpPr>
-        <p:spPr>
-          <a:xfrm>
-            <a:off x="785349" y="4853324"/>
-            <a:ext cx="1171977" cy="497666"/>
-          </a:xfrm>
-          <a:prstGeom prst="rect">
-            <a:avLst/>
-          </a:prstGeom>
-        </p:spPr>
-        <p:style>
-          <a:lnRef idx="2">
-            <a:schemeClr val="accent6"/>
-          </a:lnRef>
-          <a:fillRef idx="1">
-            <a:schemeClr val="lt1"/>
-          </a:fillRef>
-          <a:effectRef idx="0">
-            <a:schemeClr val="accent6"/>
-          </a:effectRef>
-          <a:fontRef idx="minor">
-            <a:schemeClr val="dk1"/>
-          </a:fontRef>
-        </p:style>
-        <p:txBody>
-          <a:bodyPr rtlCol="0" anchor="ctr"/>
-          <a:lstStyle/>
-          <a:p>
-            <a:pPr algn="ctr"/>
-            <a:r>
-              <a:rPr lang="es-CL" dirty="0" err="1" smtClean="0"/>
-              <a:t>Via</a:t>
-            </a:r>
-            <a:r>
-              <a:rPr lang="es-CL" dirty="0" smtClean="0"/>
-              <a:t> </a:t>
-            </a:r>
-            <a:r>
-              <a:rPr lang="es-CL" dirty="0" err="1" smtClean="0"/>
-              <a:t>Poll</a:t>
-            </a:r>
-            <a:endParaRPr lang="es-419" dirty="0"/>
-          </a:p>
-        </p:txBody>
-      </p:sp>
-      <p:cxnSp>
-        <p:nvCxnSpPr>
-          <p:cNvPr id="18" name="Conector recto de flecha 17"/>
-          <p:cNvCxnSpPr>
-            <a:stCxn id="16" idx="0"/>
-            <a:endCxn id="48" idx="2"/>
-          </p:cNvCxnSpPr>
-          <p:nvPr/>
-        </p:nvCxnSpPr>
-        <p:spPr>
-          <a:xfrm flipV="1">
-            <a:off x="1371338" y="4438734"/>
-            <a:ext cx="515" cy="414590"/>
+          <a:xfrm>
+            <a:off x="6535289" y="5450009"/>
+            <a:ext cx="0" cy="532697"/>
           </a:xfrm>
           <a:prstGeom prst="straightConnector1">
             <a:avLst/>
@@ -10376,7 +10785,7 @@
     </p:spTree>
     <p:extLst>
       <p:ext uri="{BB962C8B-B14F-4D97-AF65-F5344CB8AC3E}">
-        <p14:creationId xmlns:p14="http://schemas.microsoft.com/office/powerpoint/2010/main" val="3793264851"/>
+        <p14:creationId xmlns:p14="http://schemas.microsoft.com/office/powerpoint/2010/main" val="3802682983"/>
       </p:ext>
     </p:extLst>
   </p:cSld>
@@ -10412,14 +10821,88 @@
       </p:grpSpPr>
       <p:sp>
         <p:nvSpPr>
-          <p:cNvPr id="4" name="Rectángulo 3"/>
+          <p:cNvPr id="4" name="CuadroTexto 3"/>
+          <p:cNvSpPr txBox="1"/>
+          <p:nvPr/>
+        </p:nvSpPr>
+        <p:spPr>
+          <a:xfrm>
+            <a:off x="180304" y="180304"/>
+            <a:ext cx="6463180" cy="954107"/>
+          </a:xfrm>
+          <a:prstGeom prst="rect">
+            <a:avLst/>
+          </a:prstGeom>
+          <a:noFill/>
+        </p:spPr>
+        <p:txBody>
+          <a:bodyPr wrap="none" rtlCol="0">
+            <a:spAutoFit/>
+          </a:bodyPr>
+          <a:lstStyle/>
+          <a:p>
+            <a:r>
+              <a:rPr lang="es-CL" sz="2400" b="1" dirty="0" err="1" smtClean="0"/>
+              <a:t>Seccion</a:t>
+            </a:r>
+            <a:r>
+              <a:rPr lang="es-CL" sz="2400" b="1" dirty="0" smtClean="0"/>
+              <a:t> 2</a:t>
+            </a:r>
+            <a:r>
+              <a:rPr lang="es-CL" sz="2400" dirty="0" smtClean="0"/>
+              <a:t>: </a:t>
+            </a:r>
+            <a:r>
+              <a:rPr lang="es-CL" sz="2400" b="1" dirty="0" smtClean="0"/>
+              <a:t>Mostrar </a:t>
+            </a:r>
+            <a:r>
+              <a:rPr lang="es-CL" sz="2400" b="1" dirty="0" err="1" smtClean="0"/>
+              <a:t>Actograma</a:t>
+            </a:r>
+            <a:endParaRPr lang="es-CL" sz="2400" b="1" dirty="0" smtClean="0"/>
+          </a:p>
+          <a:p>
+            <a:r>
+              <a:rPr lang="es-CL" sz="1600" dirty="0" smtClean="0"/>
+              <a:t>La idea en esta sección es </a:t>
+            </a:r>
+            <a:r>
+              <a:rPr lang="es-CL" sz="1600" b="1" dirty="0" smtClean="0"/>
+              <a:t>seleccionar un sujeto </a:t>
+            </a:r>
+            <a:r>
+              <a:rPr lang="es-CL" sz="1600" dirty="0" smtClean="0"/>
+              <a:t>y tener un idea de qué se le</a:t>
+            </a:r>
+          </a:p>
+          <a:p>
+            <a:r>
+              <a:rPr lang="es-CL" sz="1600" dirty="0" smtClean="0"/>
+              <a:t>quiere hacer o si  ya esta listo, etc. Además de visualizar el </a:t>
+            </a:r>
+            <a:r>
+              <a:rPr lang="es-CL" sz="1600" dirty="0" err="1" smtClean="0"/>
+              <a:t>actograma</a:t>
+            </a:r>
+            <a:r>
+              <a:rPr lang="es-CL" sz="1600" dirty="0" smtClean="0"/>
+              <a:t>.</a:t>
+            </a:r>
+          </a:p>
+        </p:txBody>
+      </p:sp>
+      <p:sp>
+        <p:nvSpPr>
+          <p:cNvPr id="5" name="Rectángulo 4"/>
           <p:cNvSpPr/>
           <p:nvPr/>
         </p:nvSpPr>
         <p:spPr>
           <a:xfrm>
-            <a:off x="1184856" y="1461655"/>
-            <a:ext cx="1133340" cy="576000"/>
+            <a:off x="785349" y="1892418"/>
+            <a:ext cx="1171978" cy="643944"/>
           </a:xfrm>
           <a:prstGeom prst="rect">
             <a:avLst/>
@@ -10447,24 +10930,15 @@
           <a:p>
             <a:pPr algn="ctr"/>
             <a:r>
-              <a:rPr lang="es-CL" sz="1600" dirty="0" err="1" smtClean="0"/>
-              <a:t>awdfile</a:t>
-            </a:r>
-            <a:endParaRPr lang="es-CL" sz="1600" dirty="0" smtClean="0"/>
-          </a:p>
-          <a:p>
-            <a:pPr algn="ctr"/>
-            <a:r>
               <a:rPr lang="es-CL" sz="1600" dirty="0" smtClean="0"/>
-              <a:t>(</a:t>
-            </a:r>
-            <a:r>
-              <a:rPr lang="es-CL" sz="1600" dirty="0" err="1" smtClean="0"/>
-              <a:t>obj:str</a:t>
-            </a:r>
+              <a:t>Pegar</a:t>
+            </a:r>
+          </a:p>
+          <a:p>
+            <a:pPr algn="ctr"/>
             <a:r>
               <a:rPr lang="es-CL" sz="1600" dirty="0" smtClean="0"/>
-              <a:t>)</a:t>
+              <a:t>Sujeto</a:t>
             </a:r>
             <a:endParaRPr lang="es-419" sz="1600" dirty="0"/>
           </a:p>
@@ -10472,14 +10946,65 @@
       </p:sp>
       <p:sp>
         <p:nvSpPr>
-          <p:cNvPr id="5" name="Rectángulo redondeado 4"/>
+          <p:cNvPr id="7" name="Rectángulo 6"/>
           <p:cNvSpPr/>
           <p:nvPr/>
         </p:nvSpPr>
         <p:spPr>
           <a:xfrm>
-            <a:off x="2848131" y="1461655"/>
-            <a:ext cx="1004552" cy="576000"/>
+            <a:off x="785349" y="2843604"/>
+            <a:ext cx="1171978" cy="643944"/>
+          </a:xfrm>
+          <a:prstGeom prst="rect">
+            <a:avLst/>
+          </a:prstGeom>
+        </p:spPr>
+        <p:style>
+          <a:lnRef idx="2">
+            <a:schemeClr val="accent1">
+              <a:shade val="50000"/>
+            </a:schemeClr>
+          </a:lnRef>
+          <a:fillRef idx="1">
+            <a:schemeClr val="accent1"/>
+          </a:fillRef>
+          <a:effectRef idx="0">
+            <a:schemeClr val="accent1"/>
+          </a:effectRef>
+          <a:fontRef idx="minor">
+            <a:schemeClr val="lt1"/>
+          </a:fontRef>
+        </p:style>
+        <p:txBody>
+          <a:bodyPr rtlCol="0" anchor="ctr"/>
+          <a:lstStyle/>
+          <a:p>
+            <a:pPr algn="ctr"/>
+            <a:r>
+              <a:rPr lang="es-CL" sz="1600" dirty="0" smtClean="0"/>
+              <a:t>Seleccionar</a:t>
+            </a:r>
+          </a:p>
+          <a:p>
+            <a:pPr algn="ctr"/>
+            <a:r>
+              <a:rPr lang="es-CL" sz="1600" dirty="0" smtClean="0"/>
+              <a:t>Sujeto</a:t>
+            </a:r>
+            <a:endParaRPr lang="es-419" sz="1600" dirty="0"/>
+          </a:p>
+        </p:txBody>
+      </p:sp>
+      <p:sp>
+        <p:nvSpPr>
+          <p:cNvPr id="12" name="Rectángulo redondeado 11"/>
+          <p:cNvSpPr/>
+          <p:nvPr/>
+        </p:nvSpPr>
+        <p:spPr>
+          <a:xfrm>
+            <a:off x="6374311" y="4631623"/>
+            <a:ext cx="1171978" cy="643944"/>
           </a:xfrm>
           <a:prstGeom prst="roundRect">
             <a:avLst/>
@@ -10507,72 +11032,199 @@
           <a:p>
             <a:pPr algn="ctr"/>
             <a:r>
-              <a:rPr lang="es-CL" dirty="0" err="1" smtClean="0"/>
-              <a:t>create</a:t>
-            </a:r>
-            <a:r>
-              <a:rPr lang="es-CL" dirty="0" smtClean="0"/>
-              <a:t/>
-            </a:r>
-            <a:br>
-              <a:rPr lang="es-CL" dirty="0" smtClean="0"/>
-            </a:br>
-            <a:r>
-              <a:rPr lang="es-CL" dirty="0" err="1" smtClean="0"/>
-              <a:t>acv</a:t>
-            </a:r>
-            <a:endParaRPr lang="es-419" dirty="0"/>
-          </a:p>
-        </p:txBody>
-      </p:sp>
-      <p:cxnSp>
-        <p:nvCxnSpPr>
-          <p:cNvPr id="6" name="Conector recto de flecha 5"/>
-          <p:cNvCxnSpPr>
-            <a:stCxn id="4" idx="3"/>
-            <a:endCxn id="5" idx="1"/>
-          </p:cNvCxnSpPr>
-          <p:nvPr/>
-        </p:nvCxnSpPr>
-        <p:spPr>
-          <a:xfrm>
-            <a:off x="2318196" y="1749655"/>
-            <a:ext cx="529935" cy="0"/>
-          </a:xfrm>
-          <a:prstGeom prst="straightConnector1">
-            <a:avLst/>
-          </a:prstGeom>
-          <a:ln w="38100">
-            <a:tailEnd type="triangle"/>
-          </a:ln>
-        </p:spPr>
-        <p:style>
-          <a:lnRef idx="1">
-            <a:schemeClr val="accent1"/>
-          </a:lnRef>
-          <a:fillRef idx="0">
-            <a:schemeClr val="accent1"/>
-          </a:fillRef>
-          <a:effectRef idx="0">
-            <a:schemeClr val="accent1"/>
-          </a:effectRef>
-          <a:fontRef idx="minor">
-            <a:schemeClr val="tx1"/>
-          </a:fontRef>
-        </p:style>
-      </p:cxnSp>
-      <p:sp>
-        <p:nvSpPr>
-          <p:cNvPr id="7" name="Rectángulo redondeado 6"/>
+              <a:rPr lang="es-CL" sz="1600" dirty="0" smtClean="0"/>
+              <a:t>Analizar</a:t>
+            </a:r>
+            <a:endParaRPr lang="es-419" sz="1600" dirty="0"/>
+          </a:p>
+        </p:txBody>
+      </p:sp>
+      <p:sp>
+        <p:nvSpPr>
+          <p:cNvPr id="19" name="Rectángulo 18"/>
           <p:cNvSpPr/>
           <p:nvPr/>
         </p:nvSpPr>
         <p:spPr>
           <a:xfrm>
-            <a:off x="5992906" y="2656613"/>
-            <a:ext cx="1004552" cy="576000"/>
-          </a:xfrm>
-          <a:prstGeom prst="roundRect">
+            <a:off x="2704300" y="2371857"/>
+            <a:ext cx="1173007" cy="643944"/>
+          </a:xfrm>
+          <a:prstGeom prst="rect">
+            <a:avLst/>
+          </a:prstGeom>
+        </p:spPr>
+        <p:style>
+          <a:lnRef idx="2">
+            <a:schemeClr val="accent1"/>
+          </a:lnRef>
+          <a:fillRef idx="1">
+            <a:schemeClr val="lt1"/>
+          </a:fillRef>
+          <a:effectRef idx="0">
+            <a:schemeClr val="accent1"/>
+          </a:effectRef>
+          <a:fontRef idx="minor">
+            <a:schemeClr val="dk1"/>
+          </a:fontRef>
+        </p:style>
+        <p:txBody>
+          <a:bodyPr rtlCol="0" anchor="ctr"/>
+          <a:lstStyle/>
+          <a:p>
+            <a:pPr algn="ctr"/>
+            <a:r>
+              <a:rPr lang="es-CL" sz="1400" dirty="0" err="1" smtClean="0"/>
+              <a:t>awdfile</a:t>
+            </a:r>
+            <a:r>
+              <a:rPr lang="es-CL" sz="1400" dirty="0" smtClean="0"/>
+              <a:t>()</a:t>
+            </a:r>
+          </a:p>
+        </p:txBody>
+      </p:sp>
+      <p:sp>
+        <p:nvSpPr>
+          <p:cNvPr id="92" name="Rectángulo 91"/>
+          <p:cNvSpPr/>
+          <p:nvPr/>
+        </p:nvSpPr>
+        <p:spPr>
+          <a:xfrm>
+            <a:off x="6831517" y="180304"/>
+            <a:ext cx="917573" cy="266751"/>
+          </a:xfrm>
+          <a:prstGeom prst="rect">
+            <a:avLst/>
+          </a:prstGeom>
+        </p:spPr>
+        <p:style>
+          <a:lnRef idx="2">
+            <a:schemeClr val="accent6">
+              <a:shade val="50000"/>
+            </a:schemeClr>
+          </a:lnRef>
+          <a:fillRef idx="1">
+            <a:schemeClr val="accent6"/>
+          </a:fillRef>
+          <a:effectRef idx="0">
+            <a:schemeClr val="accent6"/>
+          </a:effectRef>
+          <a:fontRef idx="minor">
+            <a:schemeClr val="lt1"/>
+          </a:fontRef>
+        </p:style>
+        <p:txBody>
+          <a:bodyPr rtlCol="0" anchor="ctr"/>
+          <a:lstStyle/>
+          <a:p>
+            <a:pPr algn="ctr"/>
+            <a:r>
+              <a:rPr lang="es-CL" sz="1600" dirty="0" smtClean="0"/>
+              <a:t>Output</a:t>
+            </a:r>
+          </a:p>
+        </p:txBody>
+      </p:sp>
+      <p:sp>
+        <p:nvSpPr>
+          <p:cNvPr id="93" name="Rectángulo 92"/>
+          <p:cNvSpPr/>
+          <p:nvPr/>
+        </p:nvSpPr>
+        <p:spPr>
+          <a:xfrm>
+            <a:off x="7876292" y="206230"/>
+            <a:ext cx="917573" cy="240825"/>
+          </a:xfrm>
+          <a:prstGeom prst="rect">
+            <a:avLst/>
+          </a:prstGeom>
+        </p:spPr>
+        <p:style>
+          <a:lnRef idx="2">
+            <a:schemeClr val="accent1"/>
+          </a:lnRef>
+          <a:fillRef idx="1">
+            <a:schemeClr val="lt1"/>
+          </a:fillRef>
+          <a:effectRef idx="0">
+            <a:schemeClr val="accent1"/>
+          </a:effectRef>
+          <a:fontRef idx="minor">
+            <a:schemeClr val="dk1"/>
+          </a:fontRef>
+        </p:style>
+        <p:txBody>
+          <a:bodyPr rtlCol="0" anchor="ctr"/>
+          <a:lstStyle/>
+          <a:p>
+            <a:pPr algn="ctr"/>
+            <a:r>
+              <a:rPr lang="es-CL" sz="1400" dirty="0" smtClean="0"/>
+              <a:t>Objetos</a:t>
+            </a:r>
+            <a:endParaRPr lang="es-419" sz="1400" dirty="0"/>
+          </a:p>
+        </p:txBody>
+      </p:sp>
+      <p:sp>
+        <p:nvSpPr>
+          <p:cNvPr id="94" name="Rectángulo 93"/>
+          <p:cNvSpPr/>
+          <p:nvPr/>
+        </p:nvSpPr>
+        <p:spPr>
+          <a:xfrm>
+            <a:off x="8921067" y="200607"/>
+            <a:ext cx="912116" cy="246448"/>
+          </a:xfrm>
+          <a:prstGeom prst="rect">
+            <a:avLst/>
+          </a:prstGeom>
+        </p:spPr>
+        <p:style>
+          <a:lnRef idx="2">
+            <a:schemeClr val="accent1">
+              <a:shade val="50000"/>
+            </a:schemeClr>
+          </a:lnRef>
+          <a:fillRef idx="1">
+            <a:schemeClr val="accent1"/>
+          </a:fillRef>
+          <a:effectRef idx="0">
+            <a:schemeClr val="accent1"/>
+          </a:effectRef>
+          <a:fontRef idx="minor">
+            <a:schemeClr val="lt1"/>
+          </a:fontRef>
+        </p:style>
+        <p:txBody>
+          <a:bodyPr rtlCol="0" anchor="ctr"/>
+          <a:lstStyle/>
+          <a:p>
+            <a:pPr algn="ctr"/>
+            <a:r>
+              <a:rPr lang="es-CL" sz="1600" dirty="0" smtClean="0"/>
+              <a:t>Interfaz</a:t>
+            </a:r>
+            <a:endParaRPr lang="es-419" sz="1600" dirty="0"/>
+          </a:p>
+        </p:txBody>
+      </p:sp>
+      <p:sp>
+        <p:nvSpPr>
+          <p:cNvPr id="95" name="Rectángulo 94"/>
+          <p:cNvSpPr/>
+          <p:nvPr/>
+        </p:nvSpPr>
+        <p:spPr>
+          <a:xfrm>
+            <a:off x="9960385" y="208024"/>
+            <a:ext cx="912116" cy="246448"/>
+          </a:xfrm>
+          <a:prstGeom prst="rect">
             <a:avLst/>
           </a:prstGeom>
         </p:spPr>
@@ -10598,34 +11250,393 @@
           <a:p>
             <a:pPr algn="ctr"/>
             <a:r>
-              <a:rPr lang="es-CL" dirty="0" err="1" smtClean="0"/>
-              <a:t>create</a:t>
-            </a:r>
-            <a:r>
-              <a:rPr lang="es-CL" dirty="0" smtClean="0"/>
-              <a:t/>
-            </a:r>
-            <a:br>
-              <a:rPr lang="es-CL" dirty="0" smtClean="0"/>
-            </a:br>
-            <a:r>
-              <a:rPr lang="es-CL" dirty="0" smtClean="0"/>
-              <a:t>1°filtro</a:t>
-            </a:r>
-            <a:endParaRPr lang="es-419" dirty="0"/>
-          </a:p>
-        </p:txBody>
-      </p:sp>
-      <p:sp>
-        <p:nvSpPr>
-          <p:cNvPr id="13" name="Rectángulo 12"/>
+              <a:rPr lang="es-CL" sz="1600" dirty="0" smtClean="0"/>
+              <a:t>Proceso</a:t>
+            </a:r>
+            <a:endParaRPr lang="es-419" sz="1600" dirty="0"/>
+          </a:p>
+        </p:txBody>
+      </p:sp>
+      <p:sp>
+        <p:nvSpPr>
+          <p:cNvPr id="96" name="Rectángulo 95"/>
           <p:cNvSpPr/>
           <p:nvPr/>
         </p:nvSpPr>
         <p:spPr>
           <a:xfrm>
-            <a:off x="4421254" y="1461655"/>
-            <a:ext cx="1043188" cy="576000"/>
+            <a:off x="10999703" y="208024"/>
+            <a:ext cx="912116" cy="246448"/>
+          </a:xfrm>
+          <a:prstGeom prst="rect">
+            <a:avLst/>
+          </a:prstGeom>
+        </p:spPr>
+        <p:style>
+          <a:lnRef idx="2">
+            <a:schemeClr val="accent4">
+              <a:shade val="50000"/>
+            </a:schemeClr>
+          </a:lnRef>
+          <a:fillRef idx="1">
+            <a:schemeClr val="accent4"/>
+          </a:fillRef>
+          <a:effectRef idx="0">
+            <a:schemeClr val="accent4"/>
+          </a:effectRef>
+          <a:fontRef idx="minor">
+            <a:schemeClr val="lt1"/>
+          </a:fontRef>
+        </p:style>
+        <p:txBody>
+          <a:bodyPr rtlCol="0" anchor="ctr"/>
+          <a:lstStyle/>
+          <a:p>
+            <a:pPr algn="ctr"/>
+            <a:r>
+              <a:rPr lang="es-CL" sz="1600" dirty="0" smtClean="0">
+                <a:solidFill>
+                  <a:schemeClr val="accent1">
+                    <a:lumMod val="50000"/>
+                  </a:schemeClr>
+                </a:solidFill>
+              </a:rPr>
+              <a:t>Archivo</a:t>
+            </a:r>
+          </a:p>
+        </p:txBody>
+      </p:sp>
+      <p:sp>
+        <p:nvSpPr>
+          <p:cNvPr id="48" name="Rectángulo 47"/>
+          <p:cNvSpPr/>
+          <p:nvPr/>
+        </p:nvSpPr>
+        <p:spPr>
+          <a:xfrm>
+            <a:off x="785349" y="3794790"/>
+            <a:ext cx="1173007" cy="643944"/>
+          </a:xfrm>
+          <a:prstGeom prst="rect">
+            <a:avLst/>
+          </a:prstGeom>
+        </p:spPr>
+        <p:style>
+          <a:lnRef idx="2">
+            <a:schemeClr val="accent1"/>
+          </a:lnRef>
+          <a:fillRef idx="1">
+            <a:schemeClr val="lt1"/>
+          </a:fillRef>
+          <a:effectRef idx="0">
+            <a:schemeClr val="accent1"/>
+          </a:effectRef>
+          <a:fontRef idx="minor">
+            <a:schemeClr val="dk1"/>
+          </a:fontRef>
+        </p:style>
+        <p:txBody>
+          <a:bodyPr rtlCol="0" anchor="ctr"/>
+          <a:lstStyle/>
+          <a:p>
+            <a:pPr algn="ctr"/>
+            <a:r>
+              <a:rPr lang="es-CL" sz="1400" dirty="0" err="1" smtClean="0"/>
+              <a:t>subjectDF</a:t>
+            </a:r>
+            <a:r>
+              <a:rPr lang="es-CL" sz="1400" dirty="0" smtClean="0"/>
+              <a:t>()</a:t>
+            </a:r>
+            <a:endParaRPr lang="es-419" sz="1400" dirty="0"/>
+          </a:p>
+        </p:txBody>
+      </p:sp>
+      <p:cxnSp>
+        <p:nvCxnSpPr>
+          <p:cNvPr id="23" name="Conector recto de flecha 22"/>
+          <p:cNvCxnSpPr>
+            <a:stCxn id="48" idx="0"/>
+            <a:endCxn id="7" idx="2"/>
+          </p:cNvCxnSpPr>
+          <p:nvPr/>
+        </p:nvCxnSpPr>
+        <p:spPr>
+          <a:xfrm flipH="1" flipV="1">
+            <a:off x="1371338" y="3487548"/>
+            <a:ext cx="515" cy="307242"/>
+          </a:xfrm>
+          <a:prstGeom prst="straightConnector1">
+            <a:avLst/>
+          </a:prstGeom>
+          <a:ln w="38100">
+            <a:tailEnd type="triangle"/>
+          </a:ln>
+        </p:spPr>
+        <p:style>
+          <a:lnRef idx="1">
+            <a:schemeClr val="accent1"/>
+          </a:lnRef>
+          <a:fillRef idx="0">
+            <a:schemeClr val="accent1"/>
+          </a:fillRef>
+          <a:effectRef idx="0">
+            <a:schemeClr val="accent1"/>
+          </a:effectRef>
+          <a:fontRef idx="minor">
+            <a:schemeClr val="tx1"/>
+          </a:fontRef>
+        </p:style>
+      </p:cxnSp>
+      <p:sp>
+        <p:nvSpPr>
+          <p:cNvPr id="54" name="Rectángulo 53"/>
+          <p:cNvSpPr/>
+          <p:nvPr/>
+        </p:nvSpPr>
+        <p:spPr>
+          <a:xfrm>
+            <a:off x="4445279" y="1892418"/>
+            <a:ext cx="1171978" cy="643944"/>
+          </a:xfrm>
+          <a:prstGeom prst="rect">
+            <a:avLst/>
+          </a:prstGeom>
+        </p:spPr>
+        <p:style>
+          <a:lnRef idx="2">
+            <a:schemeClr val="accent6">
+              <a:shade val="50000"/>
+            </a:schemeClr>
+          </a:lnRef>
+          <a:fillRef idx="1">
+            <a:schemeClr val="accent6"/>
+          </a:fillRef>
+          <a:effectRef idx="0">
+            <a:schemeClr val="accent6"/>
+          </a:effectRef>
+          <a:fontRef idx="minor">
+            <a:schemeClr val="lt1"/>
+          </a:fontRef>
+        </p:style>
+        <p:txBody>
+          <a:bodyPr rtlCol="0" anchor="ctr"/>
+          <a:lstStyle/>
+          <a:p>
+            <a:pPr algn="ctr"/>
+            <a:r>
+              <a:rPr lang="es-CL" sz="1600" dirty="0" smtClean="0"/>
+              <a:t>Muestra sujeto</a:t>
+            </a:r>
+            <a:endParaRPr lang="es-419" sz="1600" dirty="0"/>
+          </a:p>
+        </p:txBody>
+      </p:sp>
+      <p:cxnSp>
+        <p:nvCxnSpPr>
+          <p:cNvPr id="29" name="Conector angular 28"/>
+          <p:cNvCxnSpPr>
+            <a:stCxn id="7" idx="3"/>
+            <a:endCxn id="19" idx="1"/>
+          </p:cNvCxnSpPr>
+          <p:nvPr/>
+        </p:nvCxnSpPr>
+        <p:spPr>
+          <a:xfrm flipV="1">
+            <a:off x="1957327" y="2693829"/>
+            <a:ext cx="746973" cy="471747"/>
+          </a:xfrm>
+          <a:prstGeom prst="bentConnector3">
+            <a:avLst/>
+          </a:prstGeom>
+          <a:ln w="38100">
+            <a:tailEnd type="triangle"/>
+          </a:ln>
+        </p:spPr>
+        <p:style>
+          <a:lnRef idx="1">
+            <a:schemeClr val="accent1"/>
+          </a:lnRef>
+          <a:fillRef idx="0">
+            <a:schemeClr val="accent1"/>
+          </a:fillRef>
+          <a:effectRef idx="0">
+            <a:schemeClr val="accent1"/>
+          </a:effectRef>
+          <a:fontRef idx="minor">
+            <a:schemeClr val="tx1"/>
+          </a:fontRef>
+        </p:style>
+      </p:cxnSp>
+      <p:cxnSp>
+        <p:nvCxnSpPr>
+          <p:cNvPr id="32" name="Conector angular 31"/>
+          <p:cNvCxnSpPr>
+            <a:stCxn id="5" idx="3"/>
+            <a:endCxn id="19" idx="1"/>
+          </p:cNvCxnSpPr>
+          <p:nvPr/>
+        </p:nvCxnSpPr>
+        <p:spPr>
+          <a:xfrm>
+            <a:off x="1957327" y="2214390"/>
+            <a:ext cx="746973" cy="479439"/>
+          </a:xfrm>
+          <a:prstGeom prst="bentConnector3">
+            <a:avLst/>
+          </a:prstGeom>
+          <a:ln w="38100">
+            <a:tailEnd type="triangle"/>
+          </a:ln>
+        </p:spPr>
+        <p:style>
+          <a:lnRef idx="1">
+            <a:schemeClr val="accent1"/>
+          </a:lnRef>
+          <a:fillRef idx="0">
+            <a:schemeClr val="accent1"/>
+          </a:fillRef>
+          <a:effectRef idx="0">
+            <a:schemeClr val="accent1"/>
+          </a:effectRef>
+          <a:fontRef idx="minor">
+            <a:schemeClr val="tx1"/>
+          </a:fontRef>
+        </p:style>
+      </p:cxnSp>
+      <p:sp>
+        <p:nvSpPr>
+          <p:cNvPr id="62" name="Rectángulo 61"/>
+          <p:cNvSpPr/>
+          <p:nvPr/>
+        </p:nvSpPr>
+        <p:spPr>
+          <a:xfrm>
+            <a:off x="4445279" y="2843604"/>
+            <a:ext cx="1171978" cy="643944"/>
+          </a:xfrm>
+          <a:prstGeom prst="rect">
+            <a:avLst/>
+          </a:prstGeom>
+        </p:spPr>
+        <p:style>
+          <a:lnRef idx="2">
+            <a:schemeClr val="accent6">
+              <a:shade val="50000"/>
+            </a:schemeClr>
+          </a:lnRef>
+          <a:fillRef idx="1">
+            <a:schemeClr val="accent6"/>
+          </a:fillRef>
+          <a:effectRef idx="0">
+            <a:schemeClr val="accent6"/>
+          </a:effectRef>
+          <a:fontRef idx="minor">
+            <a:schemeClr val="lt1"/>
+          </a:fontRef>
+        </p:style>
+        <p:txBody>
+          <a:bodyPr rtlCol="0" anchor="ctr"/>
+          <a:lstStyle/>
+          <a:p>
+            <a:pPr algn="ctr"/>
+            <a:r>
+              <a:rPr lang="es-CL" sz="1600" dirty="0" smtClean="0"/>
+              <a:t>Status</a:t>
+            </a:r>
+          </a:p>
+          <a:p>
+            <a:pPr algn="ctr"/>
+            <a:r>
+              <a:rPr lang="es-CL" sz="1600" dirty="0" smtClean="0"/>
+              <a:t>sujeto</a:t>
+            </a:r>
+            <a:endParaRPr lang="es-419" sz="1600" dirty="0"/>
+          </a:p>
+        </p:txBody>
+      </p:sp>
+      <p:cxnSp>
+        <p:nvCxnSpPr>
+          <p:cNvPr id="39" name="Conector angular 38"/>
+          <p:cNvCxnSpPr>
+            <a:stCxn id="19" idx="3"/>
+            <a:endCxn id="54" idx="1"/>
+          </p:cNvCxnSpPr>
+          <p:nvPr/>
+        </p:nvCxnSpPr>
+        <p:spPr>
+          <a:xfrm flipV="1">
+            <a:off x="3877307" y="2214390"/>
+            <a:ext cx="567972" cy="479439"/>
+          </a:xfrm>
+          <a:prstGeom prst="bentConnector3">
+            <a:avLst/>
+          </a:prstGeom>
+          <a:ln w="38100">
+            <a:tailEnd type="triangle"/>
+          </a:ln>
+        </p:spPr>
+        <p:style>
+          <a:lnRef idx="1">
+            <a:schemeClr val="accent1"/>
+          </a:lnRef>
+          <a:fillRef idx="0">
+            <a:schemeClr val="accent1"/>
+          </a:fillRef>
+          <a:effectRef idx="0">
+            <a:schemeClr val="accent1"/>
+          </a:effectRef>
+          <a:fontRef idx="minor">
+            <a:schemeClr val="tx1"/>
+          </a:fontRef>
+        </p:style>
+      </p:cxnSp>
+      <p:cxnSp>
+        <p:nvCxnSpPr>
+          <p:cNvPr id="41" name="Conector angular 40"/>
+          <p:cNvCxnSpPr>
+            <a:stCxn id="19" idx="3"/>
+            <a:endCxn id="62" idx="1"/>
+          </p:cNvCxnSpPr>
+          <p:nvPr/>
+        </p:nvCxnSpPr>
+        <p:spPr>
+          <a:xfrm>
+            <a:off x="3877307" y="2693829"/>
+            <a:ext cx="567972" cy="471747"/>
+          </a:xfrm>
+          <a:prstGeom prst="bentConnector3">
+            <a:avLst/>
+          </a:prstGeom>
+          <a:ln w="38100">
+            <a:tailEnd type="triangle"/>
+          </a:ln>
+        </p:spPr>
+        <p:style>
+          <a:lnRef idx="1">
+            <a:schemeClr val="accent1"/>
+          </a:lnRef>
+          <a:fillRef idx="0">
+            <a:schemeClr val="accent1"/>
+          </a:fillRef>
+          <a:effectRef idx="0">
+            <a:schemeClr val="accent1"/>
+          </a:effectRef>
+          <a:fontRef idx="minor">
+            <a:schemeClr val="tx1"/>
+          </a:fontRef>
+        </p:style>
+      </p:cxnSp>
+      <p:sp>
+        <p:nvSpPr>
+          <p:cNvPr id="70" name="Rectángulo 69"/>
+          <p:cNvSpPr/>
+          <p:nvPr/>
+        </p:nvSpPr>
+        <p:spPr>
+          <a:xfrm>
+            <a:off x="7811463" y="1933498"/>
+            <a:ext cx="1171978" cy="643944"/>
           </a:xfrm>
           <a:prstGeom prst="rect">
             <a:avLst/>
@@ -10653,125 +11664,34 @@
           <a:p>
             <a:pPr algn="ctr"/>
             <a:r>
-              <a:rPr lang="es-CL" dirty="0" err="1" smtClean="0"/>
-              <a:t>acv</a:t>
-            </a:r>
-            <a:endParaRPr lang="es-CL" dirty="0" smtClean="0"/>
-          </a:p>
-          <a:p>
-            <a:pPr algn="ctr"/>
-            <a:r>
-              <a:rPr lang="es-CL" smtClean="0"/>
-              <a:t>(obj:df)</a:t>
-            </a:r>
-            <a:endParaRPr lang="es-419" dirty="0"/>
-          </a:p>
-        </p:txBody>
-      </p:sp>
-      <p:cxnSp>
-        <p:nvCxnSpPr>
-          <p:cNvPr id="15" name="Conector recto de flecha 14"/>
-          <p:cNvCxnSpPr>
-            <a:stCxn id="5" idx="3"/>
-            <a:endCxn id="13" idx="1"/>
-          </p:cNvCxnSpPr>
-          <p:nvPr/>
-        </p:nvCxnSpPr>
-        <p:spPr>
-          <a:xfrm>
-            <a:off x="3852683" y="1749655"/>
-            <a:ext cx="568571" cy="0"/>
-          </a:xfrm>
-          <a:prstGeom prst="straightConnector1">
-            <a:avLst/>
-          </a:prstGeom>
-          <a:ln w="38100">
-            <a:tailEnd type="triangle"/>
-          </a:ln>
-        </p:spPr>
-        <p:style>
-          <a:lnRef idx="1">
-            <a:schemeClr val="accent1"/>
-          </a:lnRef>
-          <a:fillRef idx="0">
-            <a:schemeClr val="accent1"/>
-          </a:fillRef>
-          <a:effectRef idx="0">
-            <a:schemeClr val="accent1"/>
-          </a:effectRef>
-          <a:fontRef idx="minor">
-            <a:schemeClr val="tx1"/>
-          </a:fontRef>
-        </p:style>
-      </p:cxnSp>
-      <p:sp>
-        <p:nvSpPr>
-          <p:cNvPr id="18" name="Rectángulo 17"/>
+              <a:rPr lang="es-CL" sz="1600" dirty="0" err="1" smtClean="0"/>
+              <a:t>Accion</a:t>
+            </a:r>
+            <a:r>
+              <a:rPr lang="es-CL" sz="1600" dirty="0" smtClean="0"/>
+              <a:t> a</a:t>
+            </a:r>
+          </a:p>
+          <a:p>
+            <a:pPr algn="ctr"/>
+            <a:r>
+              <a:rPr lang="es-CL" sz="1600" dirty="0" smtClean="0"/>
+              <a:t>tomar</a:t>
+            </a:r>
+            <a:endParaRPr lang="es-419" sz="1600" dirty="0"/>
+          </a:p>
+        </p:txBody>
+      </p:sp>
+      <p:sp>
+        <p:nvSpPr>
+          <p:cNvPr id="71" name="Rectángulo 70"/>
           <p:cNvSpPr/>
           <p:nvPr/>
         </p:nvSpPr>
         <p:spPr>
           <a:xfrm>
-            <a:off x="9217895" y="2656614"/>
-            <a:ext cx="1043188" cy="576000"/>
-          </a:xfrm>
-          <a:prstGeom prst="rect">
-            <a:avLst/>
-          </a:prstGeom>
-        </p:spPr>
-        <p:style>
-          <a:lnRef idx="2">
-            <a:schemeClr val="accent1"/>
-          </a:lnRef>
-          <a:fillRef idx="1">
-            <a:schemeClr val="lt1"/>
-          </a:fillRef>
-          <a:effectRef idx="0">
-            <a:schemeClr val="accent1"/>
-          </a:effectRef>
-          <a:fontRef idx="minor">
-            <a:schemeClr val="dk1"/>
-          </a:fontRef>
-        </p:style>
-        <p:txBody>
-          <a:bodyPr rtlCol="0" anchor="ctr"/>
-          <a:lstStyle/>
-          <a:p>
-            <a:pPr algn="ctr"/>
-            <a:r>
-              <a:rPr lang="es-CL" dirty="0" err="1" smtClean="0"/>
-              <a:t>edit.file</a:t>
-            </a:r>
-            <a:endParaRPr lang="es-CL" dirty="0" smtClean="0"/>
-          </a:p>
-          <a:p>
-            <a:pPr algn="ctr"/>
-            <a:r>
-              <a:rPr lang="es-CL" dirty="0" smtClean="0"/>
-              <a:t>(</a:t>
-            </a:r>
-            <a:r>
-              <a:rPr lang="es-CL" dirty="0" err="1" smtClean="0"/>
-              <a:t>rds</a:t>
-            </a:r>
-            <a:r>
-              <a:rPr lang="es-CL" dirty="0" smtClean="0"/>
-              <a:t>)</a:t>
-            </a:r>
-            <a:endParaRPr lang="es-419" dirty="0"/>
-          </a:p>
-        </p:txBody>
-      </p:sp>
-      <p:sp>
-        <p:nvSpPr>
-          <p:cNvPr id="24" name="Rectángulo 23"/>
-          <p:cNvSpPr/>
-          <p:nvPr/>
-        </p:nvSpPr>
-        <p:spPr>
-          <a:xfrm>
-            <a:off x="7606136" y="2656614"/>
-            <a:ext cx="1043188" cy="576000"/>
+            <a:off x="7811463" y="2899414"/>
+            <a:ext cx="1171978" cy="643944"/>
           </a:xfrm>
           <a:prstGeom prst="rect">
             <a:avLst/>
@@ -10800,23 +11720,18 @@
             <a:pPr algn="ctr"/>
             <a:r>
               <a:rPr lang="es-CL" sz="1600" dirty="0" err="1" smtClean="0"/>
-              <a:t>filter.stats</a:t>
-            </a:r>
-            <a:endParaRPr lang="es-CL" sz="1600" dirty="0" smtClean="0"/>
-          </a:p>
-          <a:p>
-            <a:pPr algn="ctr"/>
+              <a:t>Boton</a:t>
+            </a:r>
             <a:r>
               <a:rPr lang="es-CL" sz="1600" dirty="0" smtClean="0"/>
-              <a:t>(</a:t>
-            </a:r>
-            <a:r>
-              <a:rPr lang="es-CL" sz="1600" dirty="0" err="1" smtClean="0"/>
-              <a:t>obj:list</a:t>
-            </a:r>
+              <a:t> de</a:t>
+            </a:r>
+          </a:p>
+          <a:p>
+            <a:pPr algn="ctr"/>
             <a:r>
               <a:rPr lang="es-CL" sz="1600" dirty="0" smtClean="0"/>
-              <a:t>)</a:t>
+              <a:t>acción</a:t>
             </a:r>
             <a:endParaRPr lang="es-419" sz="1600" dirty="0"/>
           </a:p>
@@ -10824,17 +11739,17 @@
       </p:sp>
       <p:cxnSp>
         <p:nvCxnSpPr>
-          <p:cNvPr id="29" name="Conector recto de flecha 28"/>
+          <p:cNvPr id="43" name="Conector recto de flecha 42"/>
           <p:cNvCxnSpPr>
-            <a:stCxn id="7" idx="3"/>
-            <a:endCxn id="24" idx="1"/>
+            <a:stCxn id="70" idx="2"/>
+            <a:endCxn id="71" idx="0"/>
           </p:cNvCxnSpPr>
           <p:nvPr/>
         </p:nvCxnSpPr>
         <p:spPr>
           <a:xfrm>
-            <a:off x="6997458" y="2944613"/>
-            <a:ext cx="608678" cy="1"/>
+            <a:off x="8397452" y="2577442"/>
+            <a:ext cx="0" cy="321972"/>
           </a:xfrm>
           <a:prstGeom prst="straightConnector1">
             <a:avLst/>
@@ -10860,14 +11775,14 @@
       </p:cxnSp>
       <p:sp>
         <p:nvSpPr>
-          <p:cNvPr id="32" name="Rectángulo redondeado 31"/>
+          <p:cNvPr id="76" name="Rectángulo redondeado 75"/>
           <p:cNvSpPr/>
           <p:nvPr/>
         </p:nvSpPr>
         <p:spPr>
           <a:xfrm>
-            <a:off x="6033013" y="3765312"/>
-            <a:ext cx="1004552" cy="576000"/>
+            <a:off x="7811463" y="4631623"/>
+            <a:ext cx="1171978" cy="643944"/>
           </a:xfrm>
           <a:prstGeom prst="roundRect">
             <a:avLst/>
@@ -10895,254 +11810,23 @@
           <a:p>
             <a:pPr algn="ctr"/>
             <a:r>
-              <a:rPr lang="es-CL" dirty="0" err="1" smtClean="0"/>
-              <a:t>create</a:t>
-            </a:r>
-            <a:r>
-              <a:rPr lang="es-CL" dirty="0" smtClean="0"/>
-              <a:t/>
-            </a:r>
-            <a:br>
-              <a:rPr lang="es-CL" dirty="0" smtClean="0"/>
-            </a:br>
-            <a:r>
-              <a:rPr lang="es-CL" dirty="0" err="1" smtClean="0"/>
-              <a:t>acv.edit</a:t>
-            </a:r>
-            <a:endParaRPr lang="es-419" dirty="0"/>
-          </a:p>
-        </p:txBody>
-      </p:sp>
-      <p:cxnSp>
-        <p:nvCxnSpPr>
-          <p:cNvPr id="35" name="Conector recto de flecha 34"/>
-          <p:cNvCxnSpPr>
-            <a:stCxn id="24" idx="3"/>
-            <a:endCxn id="18" idx="1"/>
-          </p:cNvCxnSpPr>
-          <p:nvPr/>
-        </p:nvCxnSpPr>
-        <p:spPr>
-          <a:xfrm>
-            <a:off x="8649324" y="2944614"/>
-            <a:ext cx="568571" cy="0"/>
-          </a:xfrm>
-          <a:prstGeom prst="straightConnector1">
-            <a:avLst/>
-          </a:prstGeom>
-          <a:ln w="38100">
-            <a:tailEnd type="triangle"/>
-          </a:ln>
-        </p:spPr>
-        <p:style>
-          <a:lnRef idx="1">
-            <a:schemeClr val="accent1"/>
-          </a:lnRef>
-          <a:fillRef idx="0">
-            <a:schemeClr val="accent1"/>
-          </a:fillRef>
-          <a:effectRef idx="0">
-            <a:schemeClr val="accent1"/>
-          </a:effectRef>
-          <a:fontRef idx="minor">
-            <a:schemeClr val="tx1"/>
-          </a:fontRef>
-        </p:style>
-      </p:cxnSp>
-      <p:cxnSp>
-        <p:nvCxnSpPr>
-          <p:cNvPr id="48" name="Conector angular 47"/>
-          <p:cNvCxnSpPr>
-            <a:stCxn id="13" idx="2"/>
-            <a:endCxn id="32" idx="1"/>
-          </p:cNvCxnSpPr>
-          <p:nvPr/>
-        </p:nvCxnSpPr>
-        <p:spPr>
-          <a:xfrm rot="16200000" flipH="1">
-            <a:off x="4480102" y="2500400"/>
-            <a:ext cx="2015657" cy="1090165"/>
-          </a:xfrm>
-          <a:prstGeom prst="bentConnector2">
-            <a:avLst/>
-          </a:prstGeom>
-          <a:ln w="38100">
-            <a:tailEnd type="triangle"/>
-          </a:ln>
-        </p:spPr>
-        <p:style>
-          <a:lnRef idx="3">
-            <a:schemeClr val="accent3"/>
-          </a:lnRef>
-          <a:fillRef idx="0">
-            <a:schemeClr val="accent3"/>
-          </a:fillRef>
-          <a:effectRef idx="2">
-            <a:schemeClr val="accent3"/>
-          </a:effectRef>
-          <a:fontRef idx="minor">
-            <a:schemeClr val="tx1"/>
-          </a:fontRef>
-        </p:style>
-      </p:cxnSp>
-      <p:sp>
-        <p:nvSpPr>
-          <p:cNvPr id="51" name="Rectángulo 50"/>
+              <a:rPr lang="es-CL" sz="1600" dirty="0" smtClean="0"/>
+              <a:t>Editar</a:t>
+            </a:r>
+            <a:endParaRPr lang="es-419" sz="1600" dirty="0"/>
+          </a:p>
+        </p:txBody>
+      </p:sp>
+      <p:sp>
+        <p:nvSpPr>
+          <p:cNvPr id="79" name="Rectángulo redondeado 78"/>
           <p:cNvSpPr/>
           <p:nvPr/>
         </p:nvSpPr>
         <p:spPr>
           <a:xfrm>
-            <a:off x="5968619" y="4874009"/>
-            <a:ext cx="1133340" cy="576000"/>
-          </a:xfrm>
-          <a:prstGeom prst="rect">
-            <a:avLst/>
-          </a:prstGeom>
-        </p:spPr>
-        <p:style>
-          <a:lnRef idx="2">
-            <a:schemeClr val="accent1">
-              <a:shade val="50000"/>
-            </a:schemeClr>
-          </a:lnRef>
-          <a:fillRef idx="1">
-            <a:schemeClr val="accent1"/>
-          </a:fillRef>
-          <a:effectRef idx="0">
-            <a:schemeClr val="accent1"/>
-          </a:effectRef>
-          <a:fontRef idx="minor">
-            <a:schemeClr val="lt1"/>
-          </a:fontRef>
-        </p:style>
-        <p:txBody>
-          <a:bodyPr rtlCol="0" anchor="ctr"/>
-          <a:lstStyle/>
-          <a:p>
-            <a:pPr algn="ctr"/>
-            <a:r>
-              <a:rPr lang="es-CL" sz="1600" dirty="0" err="1" smtClean="0"/>
-              <a:t>acv.edit</a:t>
-            </a:r>
-            <a:endParaRPr lang="es-CL" sz="1600" dirty="0" smtClean="0"/>
-          </a:p>
-          <a:p>
-            <a:pPr algn="ctr"/>
-            <a:r>
-              <a:rPr lang="es-CL" sz="1600" smtClean="0"/>
-              <a:t>(obj:df)</a:t>
-            </a:r>
-            <a:endParaRPr lang="es-419" sz="1600" dirty="0"/>
-          </a:p>
-        </p:txBody>
-      </p:sp>
-      <p:sp>
-        <p:nvSpPr>
-          <p:cNvPr id="52" name="Rectángulo 51"/>
-          <p:cNvSpPr/>
-          <p:nvPr/>
-        </p:nvSpPr>
-        <p:spPr>
-          <a:xfrm>
-            <a:off x="6013695" y="5982706"/>
-            <a:ext cx="1043188" cy="576000"/>
-          </a:xfrm>
-          <a:prstGeom prst="rect">
-            <a:avLst/>
-          </a:prstGeom>
-        </p:spPr>
-        <p:style>
-          <a:lnRef idx="2">
-            <a:schemeClr val="accent6">
-              <a:shade val="50000"/>
-            </a:schemeClr>
-          </a:lnRef>
-          <a:fillRef idx="1">
-            <a:schemeClr val="accent6"/>
-          </a:fillRef>
-          <a:effectRef idx="0">
-            <a:schemeClr val="accent6"/>
-          </a:effectRef>
-          <a:fontRef idx="minor">
-            <a:schemeClr val="lt1"/>
-          </a:fontRef>
-        </p:style>
-        <p:txBody>
-          <a:bodyPr rtlCol="0" anchor="ctr"/>
-          <a:lstStyle/>
-          <a:p>
-            <a:pPr algn="ctr"/>
-            <a:r>
-              <a:rPr lang="es-CL" sz="1600" dirty="0" err="1" smtClean="0"/>
-              <a:t>acv.edit</a:t>
-            </a:r>
-            <a:endParaRPr lang="es-CL" sz="1600" dirty="0" smtClean="0"/>
-          </a:p>
-          <a:p>
-            <a:pPr algn="ctr"/>
-            <a:r>
-              <a:rPr lang="es-CL" sz="1600" dirty="0" smtClean="0"/>
-              <a:t>(</a:t>
-            </a:r>
-            <a:r>
-              <a:rPr lang="es-CL" sz="1600" dirty="0" err="1" smtClean="0"/>
-              <a:t>rds</a:t>
-            </a:r>
-            <a:r>
-              <a:rPr lang="es-CL" sz="1600" dirty="0" smtClean="0"/>
-              <a:t>)</a:t>
-            </a:r>
-            <a:endParaRPr lang="es-419" sz="1600" dirty="0"/>
-          </a:p>
-        </p:txBody>
-      </p:sp>
-      <p:cxnSp>
-        <p:nvCxnSpPr>
-          <p:cNvPr id="55" name="Conector recto de flecha 54"/>
-          <p:cNvCxnSpPr>
-            <a:stCxn id="32" idx="2"/>
-            <a:endCxn id="51" idx="0"/>
-          </p:cNvCxnSpPr>
-          <p:nvPr/>
-        </p:nvCxnSpPr>
-        <p:spPr>
-          <a:xfrm>
-            <a:off x="6535289" y="4341312"/>
-            <a:ext cx="0" cy="532697"/>
-          </a:xfrm>
-          <a:prstGeom prst="straightConnector1">
-            <a:avLst/>
-          </a:prstGeom>
-          <a:ln w="38100">
-            <a:tailEnd type="triangle"/>
-          </a:ln>
-        </p:spPr>
-        <p:style>
-          <a:lnRef idx="1">
-            <a:schemeClr val="accent1"/>
-          </a:lnRef>
-          <a:fillRef idx="0">
-            <a:schemeClr val="accent1"/>
-          </a:fillRef>
-          <a:effectRef idx="0">
-            <a:schemeClr val="accent1"/>
-          </a:effectRef>
-          <a:fontRef idx="minor">
-            <a:schemeClr val="tx1"/>
-          </a:fontRef>
-        </p:style>
-      </p:cxnSp>
-      <p:sp>
-        <p:nvSpPr>
-          <p:cNvPr id="27" name="Rectángulo redondeado 26"/>
-          <p:cNvSpPr/>
-          <p:nvPr/>
-        </p:nvSpPr>
-        <p:spPr>
-          <a:xfrm>
-            <a:off x="5968619" y="1461655"/>
-            <a:ext cx="1004552" cy="576000"/>
+            <a:off x="9248615" y="4631623"/>
+            <a:ext cx="1171978" cy="643944"/>
           </a:xfrm>
           <a:prstGeom prst="roundRect">
             <a:avLst/>
@@ -11170,40 +11854,31 @@
           <a:p>
             <a:pPr algn="ctr"/>
             <a:r>
-              <a:rPr lang="es-CL" dirty="0" err="1" smtClean="0"/>
-              <a:t>create</a:t>
-            </a:r>
-            <a:r>
-              <a:rPr lang="es-CL" smtClean="0"/>
-              <a:t/>
-            </a:r>
-            <a:br>
-              <a:rPr lang="es-CL" smtClean="0"/>
-            </a:br>
-            <a:r>
-              <a:rPr lang="es-CL" smtClean="0"/>
-              <a:t>semiper</a:t>
-            </a:r>
-            <a:endParaRPr lang="es-419" dirty="0"/>
+              <a:rPr lang="es-CL" sz="1600" dirty="0" err="1" smtClean="0"/>
+              <a:t>Actograma</a:t>
+            </a:r>
+            <a:endParaRPr lang="es-419" sz="1600" dirty="0"/>
           </a:p>
         </p:txBody>
       </p:sp>
       <p:cxnSp>
         <p:nvCxnSpPr>
-          <p:cNvPr id="10" name="Conector recto de flecha 9"/>
+          <p:cNvPr id="50" name="Conector angular 49"/>
           <p:cNvCxnSpPr>
-            <a:stCxn id="13" idx="3"/>
-            <a:endCxn id="27" idx="1"/>
+            <a:stCxn id="71" idx="2"/>
+            <a:endCxn id="12" idx="0"/>
           </p:cNvCxnSpPr>
           <p:nvPr/>
         </p:nvCxnSpPr>
         <p:spPr>
-          <a:xfrm>
-            <a:off x="5464442" y="1749655"/>
-            <a:ext cx="504177" cy="0"/>
-          </a:xfrm>
-          <a:prstGeom prst="straightConnector1">
-            <a:avLst/>
+          <a:xfrm rot="5400000">
+            <a:off x="7134744" y="3368914"/>
+            <a:ext cx="1088265" cy="1437152"/>
+          </a:xfrm>
+          <a:prstGeom prst="bentConnector3">
+            <a:avLst>
+              <a:gd name="adj1" fmla="val 71302"/>
+            </a:avLst>
           </a:prstGeom>
           <a:ln w="38100">
             <a:tailEnd type="triangle"/>
@@ -11224,74 +11899,24 @@
           </a:fontRef>
         </p:style>
       </p:cxnSp>
-      <p:sp>
-        <p:nvSpPr>
-          <p:cNvPr id="31" name="Rectángulo 30"/>
-          <p:cNvSpPr/>
-          <p:nvPr/>
-        </p:nvSpPr>
-        <p:spPr>
-          <a:xfrm>
-            <a:off x="7515984" y="1461655"/>
-            <a:ext cx="1133340" cy="576000"/>
-          </a:xfrm>
-          <a:prstGeom prst="rect">
-            <a:avLst/>
-          </a:prstGeom>
-        </p:spPr>
-        <p:style>
-          <a:lnRef idx="2">
-            <a:schemeClr val="accent1">
-              <a:shade val="50000"/>
-            </a:schemeClr>
-          </a:lnRef>
-          <a:fillRef idx="1">
-            <a:schemeClr val="accent1"/>
-          </a:fillRef>
-          <a:effectRef idx="0">
-            <a:schemeClr val="accent1"/>
-          </a:effectRef>
-          <a:fontRef idx="minor">
-            <a:schemeClr val="lt1"/>
-          </a:fontRef>
-        </p:style>
-        <p:txBody>
-          <a:bodyPr rtlCol="0" anchor="ctr"/>
-          <a:lstStyle/>
-          <a:p>
-            <a:pPr algn="ctr"/>
-            <a:r>
-              <a:rPr lang="es-CL" sz="1600" smtClean="0"/>
-              <a:t>semiper</a:t>
-            </a:r>
-            <a:endParaRPr lang="es-CL" sz="1600" dirty="0" smtClean="0"/>
-          </a:p>
-          <a:p>
-            <a:pPr algn="ctr"/>
-            <a:r>
-              <a:rPr lang="es-CL" sz="1600" smtClean="0"/>
-              <a:t>(obj:list)</a:t>
-            </a:r>
-            <a:endParaRPr lang="es-419" sz="1600" dirty="0"/>
-          </a:p>
-        </p:txBody>
-      </p:sp>
       <p:cxnSp>
         <p:nvCxnSpPr>
-          <p:cNvPr id="14" name="Conector recto de flecha 13"/>
+          <p:cNvPr id="53" name="Conector angular 52"/>
           <p:cNvCxnSpPr>
-            <a:stCxn id="27" idx="3"/>
-            <a:endCxn id="31" idx="1"/>
+            <a:stCxn id="71" idx="2"/>
+            <a:endCxn id="79" idx="0"/>
           </p:cNvCxnSpPr>
           <p:nvPr/>
         </p:nvCxnSpPr>
         <p:spPr>
-          <a:xfrm>
-            <a:off x="6973171" y="1749655"/>
-            <a:ext cx="542813" cy="0"/>
-          </a:xfrm>
-          <a:prstGeom prst="straightConnector1">
-            <a:avLst/>
+          <a:xfrm rot="16200000" flipH="1">
+            <a:off x="8571896" y="3368914"/>
+            <a:ext cx="1088265" cy="1437152"/>
+          </a:xfrm>
+          <a:prstGeom prst="bentConnector3">
+            <a:avLst>
+              <a:gd name="adj1" fmla="val 71301"/>
+            </a:avLst>
           </a:prstGeom>
           <a:ln w="38100">
             <a:tailEnd type="triangle"/>
@@ -11314,19 +11939,19 @@
       </p:cxnSp>
       <p:cxnSp>
         <p:nvCxnSpPr>
-          <p:cNvPr id="21" name="Conector angular 20"/>
+          <p:cNvPr id="57" name="Conector recto de flecha 56"/>
           <p:cNvCxnSpPr>
-            <a:stCxn id="31" idx="2"/>
-            <a:endCxn id="7" idx="0"/>
+            <a:stCxn id="71" idx="2"/>
+            <a:endCxn id="76" idx="0"/>
           </p:cNvCxnSpPr>
           <p:nvPr/>
         </p:nvCxnSpPr>
         <p:spPr>
-          <a:xfrm rot="5400000">
-            <a:off x="6979439" y="1553398"/>
-            <a:ext cx="618958" cy="1587472"/>
-          </a:xfrm>
-          <a:prstGeom prst="bentConnector3">
+          <a:xfrm>
+            <a:off x="8397452" y="3543358"/>
+            <a:ext cx="0" cy="1088265"/>
+          </a:xfrm>
+          <a:prstGeom prst="straightConnector1">
             <a:avLst/>
           </a:prstGeom>
           <a:ln w="38100">
@@ -11348,16 +11973,352 @@
           </a:fontRef>
         </p:style>
       </p:cxnSp>
-      <p:sp>
-        <p:nvSpPr>
-          <p:cNvPr id="45" name="CuadroTexto 44"/>
+      <p:cxnSp>
+        <p:nvCxnSpPr>
+          <p:cNvPr id="66" name="Conector angular 65"/>
+          <p:cNvCxnSpPr/>
+          <p:nvPr/>
+        </p:nvCxnSpPr>
+        <p:spPr>
+          <a:xfrm>
+            <a:off x="4185630" y="2693829"/>
+            <a:ext cx="4211307" cy="1115691"/>
+          </a:xfrm>
+          <a:prstGeom prst="bentConnector3">
+            <a:avLst/>
+          </a:prstGeom>
+          <a:ln w="38100">
+            <a:tailEnd type="triangle"/>
+          </a:ln>
+        </p:spPr>
+        <p:style>
+          <a:lnRef idx="1">
+            <a:schemeClr val="accent1"/>
+          </a:lnRef>
+          <a:fillRef idx="0">
+            <a:schemeClr val="accent1"/>
+          </a:fillRef>
+          <a:effectRef idx="0">
+            <a:schemeClr val="accent1"/>
+          </a:effectRef>
+          <a:fontRef idx="minor">
+            <a:schemeClr val="tx1"/>
+          </a:fontRef>
+        </p:style>
+      </p:cxnSp>
+      <p:sp>
+        <p:nvSpPr>
+          <p:cNvPr id="77" name="Cerrar llave 76"/>
+          <p:cNvSpPr/>
+          <p:nvPr/>
+        </p:nvSpPr>
+        <p:spPr>
+          <a:xfrm rot="5400000">
+            <a:off x="8178076" y="3627725"/>
+            <a:ext cx="427017" cy="4034549"/>
+          </a:xfrm>
+          <a:prstGeom prst="rightBrace">
+            <a:avLst>
+              <a:gd name="adj1" fmla="val 45241"/>
+              <a:gd name="adj2" fmla="val 50000"/>
+            </a:avLst>
+          </a:prstGeom>
+          <a:ln w="38100"/>
+        </p:spPr>
+        <p:style>
+          <a:lnRef idx="1">
+            <a:schemeClr val="accent1"/>
+          </a:lnRef>
+          <a:fillRef idx="0">
+            <a:schemeClr val="accent1"/>
+          </a:fillRef>
+          <a:effectRef idx="0">
+            <a:schemeClr val="accent1"/>
+          </a:effectRef>
+          <a:fontRef idx="minor">
+            <a:schemeClr val="tx1"/>
+          </a:fontRef>
+        </p:style>
+        <p:txBody>
+          <a:bodyPr rtlCol="0" anchor="ctr"/>
+          <a:lstStyle/>
+          <a:p>
+            <a:pPr algn="ctr"/>
+            <a:endParaRPr lang="es-419"/>
+          </a:p>
+        </p:txBody>
+      </p:sp>
+      <p:sp>
+        <p:nvSpPr>
+          <p:cNvPr id="80" name="CuadroTexto 79"/>
           <p:cNvSpPr txBox="1"/>
           <p:nvPr/>
         </p:nvSpPr>
         <p:spPr>
           <a:xfrm>
-            <a:off x="9713730" y="3882574"/>
-            <a:ext cx="1964763" cy="1815882"/>
+            <a:off x="6056810" y="6097670"/>
+            <a:ext cx="4669548" cy="369332"/>
+          </a:xfrm>
+          <a:prstGeom prst="rect">
+            <a:avLst/>
+          </a:prstGeom>
+          <a:noFill/>
+        </p:spPr>
+        <p:txBody>
+          <a:bodyPr wrap="none" rtlCol="0">
+            <a:spAutoFit/>
+          </a:bodyPr>
+          <a:lstStyle/>
+          <a:p>
+            <a:pPr algn="ctr"/>
+            <a:r>
+              <a:rPr lang="es-CL" dirty="0" smtClean="0"/>
+              <a:t>Cada proceso de estos se explica a </a:t>
+            </a:r>
+            <a:r>
+              <a:rPr lang="es-CL" dirty="0" err="1" smtClean="0"/>
+              <a:t>continuacion</a:t>
+            </a:r>
+            <a:endParaRPr lang="es-419" dirty="0"/>
+          </a:p>
+        </p:txBody>
+      </p:sp>
+      <p:cxnSp>
+        <p:nvCxnSpPr>
+          <p:cNvPr id="83" name="Conector angular 82"/>
+          <p:cNvCxnSpPr>
+            <a:stCxn id="12" idx="1"/>
+          </p:cNvCxnSpPr>
+          <p:nvPr/>
+        </p:nvCxnSpPr>
+        <p:spPr>
+          <a:xfrm rot="10800000">
+            <a:off x="1957327" y="4116763"/>
+            <a:ext cx="4416985" cy="836833"/>
+          </a:xfrm>
+          <a:prstGeom prst="bentConnector3">
+            <a:avLst/>
+          </a:prstGeom>
+          <a:ln w="38100">
+            <a:tailEnd type="triangle"/>
+          </a:ln>
+        </p:spPr>
+        <p:style>
+          <a:lnRef idx="1">
+            <a:schemeClr val="accent1"/>
+          </a:lnRef>
+          <a:fillRef idx="0">
+            <a:schemeClr val="accent1"/>
+          </a:fillRef>
+          <a:effectRef idx="0">
+            <a:schemeClr val="accent1"/>
+          </a:effectRef>
+          <a:fontRef idx="minor">
+            <a:schemeClr val="tx1"/>
+          </a:fontRef>
+        </p:style>
+      </p:cxnSp>
+      <p:sp>
+        <p:nvSpPr>
+          <p:cNvPr id="84" name="CuadroTexto 83"/>
+          <p:cNvSpPr txBox="1"/>
+          <p:nvPr/>
+        </p:nvSpPr>
+        <p:spPr>
+          <a:xfrm>
+            <a:off x="4168428" y="4649959"/>
+            <a:ext cx="1106008" cy="307777"/>
+          </a:xfrm>
+          <a:prstGeom prst="rect">
+            <a:avLst/>
+          </a:prstGeom>
+          <a:noFill/>
+        </p:spPr>
+        <p:txBody>
+          <a:bodyPr wrap="none" rtlCol="0">
+            <a:spAutoFit/>
+          </a:bodyPr>
+          <a:lstStyle/>
+          <a:p>
+            <a:r>
+              <a:rPr lang="es-CL" sz="1400" dirty="0" smtClean="0"/>
+              <a:t>Hace </a:t>
+            </a:r>
+            <a:r>
+              <a:rPr lang="es-CL" sz="1400" dirty="0" err="1" smtClean="0"/>
+              <a:t>update</a:t>
+            </a:r>
+            <a:endParaRPr lang="es-419" sz="1400" dirty="0"/>
+          </a:p>
+        </p:txBody>
+      </p:sp>
+      <p:cxnSp>
+        <p:nvCxnSpPr>
+          <p:cNvPr id="3" name="Conector angular 2"/>
+          <p:cNvCxnSpPr>
+            <a:stCxn id="19" idx="0"/>
+            <a:endCxn id="36" idx="1"/>
+          </p:cNvCxnSpPr>
+          <p:nvPr/>
+        </p:nvCxnSpPr>
+        <p:spPr>
+          <a:xfrm rot="5400000" flipH="1" flipV="1">
+            <a:off x="6032139" y="-1134392"/>
+            <a:ext cx="764915" cy="6247584"/>
+          </a:xfrm>
+          <a:prstGeom prst="bentConnector2">
+            <a:avLst/>
+          </a:prstGeom>
+          <a:ln w="38100">
+            <a:tailEnd type="triangle"/>
+          </a:ln>
+        </p:spPr>
+        <p:style>
+          <a:lnRef idx="1">
+            <a:schemeClr val="accent1"/>
+          </a:lnRef>
+          <a:fillRef idx="0">
+            <a:schemeClr val="accent1"/>
+          </a:fillRef>
+          <a:effectRef idx="0">
+            <a:schemeClr val="accent1"/>
+          </a:effectRef>
+          <a:fontRef idx="minor">
+            <a:schemeClr val="tx1"/>
+          </a:fontRef>
+        </p:style>
+      </p:cxnSp>
+      <p:sp>
+        <p:nvSpPr>
+          <p:cNvPr id="36" name="Rectángulo redondeado 35"/>
+          <p:cNvSpPr/>
+          <p:nvPr/>
+        </p:nvSpPr>
+        <p:spPr>
+          <a:xfrm>
+            <a:off x="9538388" y="958414"/>
+            <a:ext cx="1732206" cy="1297056"/>
+          </a:xfrm>
+          <a:prstGeom prst="roundRect">
+            <a:avLst/>
+          </a:prstGeom>
+        </p:spPr>
+        <p:style>
+          <a:lnRef idx="2">
+            <a:schemeClr val="accent2">
+              <a:shade val="50000"/>
+            </a:schemeClr>
+          </a:lnRef>
+          <a:fillRef idx="1">
+            <a:schemeClr val="accent2"/>
+          </a:fillRef>
+          <a:effectRef idx="0">
+            <a:schemeClr val="accent2"/>
+          </a:effectRef>
+          <a:fontRef idx="minor">
+            <a:schemeClr val="lt1"/>
+          </a:fontRef>
+        </p:style>
+        <p:txBody>
+          <a:bodyPr rtlCol="0" anchor="ctr"/>
+          <a:lstStyle/>
+          <a:p>
+            <a:r>
+              <a:rPr lang="es-CL" sz="1600" dirty="0" smtClean="0"/>
+              <a:t>Cargar datos con el </a:t>
+            </a:r>
+            <a:r>
+              <a:rPr lang="es-CL" sz="1600" dirty="0" err="1" smtClean="0"/>
+              <a:t>poll</a:t>
+            </a:r>
+            <a:r>
+              <a:rPr lang="es-CL" sz="1600" dirty="0" smtClean="0"/>
+              <a:t> en:</a:t>
+            </a:r>
+          </a:p>
+          <a:p>
+            <a:r>
+              <a:rPr lang="es-CL" sz="1600" dirty="0" smtClean="0">
+                <a:solidFill>
+                  <a:schemeClr val="accent1">
+                    <a:lumMod val="50000"/>
+                  </a:schemeClr>
+                </a:solidFill>
+              </a:rPr>
+              <a:t>- </a:t>
+            </a:r>
+            <a:r>
+              <a:rPr lang="es-CL" sz="1600" dirty="0" err="1" smtClean="0">
+                <a:solidFill>
+                  <a:schemeClr val="accent1">
+                    <a:lumMod val="50000"/>
+                  </a:schemeClr>
+                </a:solidFill>
+              </a:rPr>
+              <a:t>acveditRDS</a:t>
+            </a:r>
+            <a:r>
+              <a:rPr lang="es-CL" sz="1600" dirty="0" smtClean="0">
+                <a:solidFill>
+                  <a:schemeClr val="accent1">
+                    <a:lumMod val="50000"/>
+                  </a:schemeClr>
+                </a:solidFill>
+              </a:rPr>
+              <a:t>()</a:t>
+            </a:r>
+          </a:p>
+          <a:p>
+            <a:r>
+              <a:rPr lang="es-CL" sz="1600" dirty="0" smtClean="0">
+                <a:solidFill>
+                  <a:schemeClr val="accent1">
+                    <a:lumMod val="50000"/>
+                  </a:schemeClr>
+                </a:solidFill>
+              </a:rPr>
+              <a:t>- </a:t>
+            </a:r>
+            <a:r>
+              <a:rPr lang="es-CL" sz="1600" dirty="0" err="1" smtClean="0">
+                <a:solidFill>
+                  <a:schemeClr val="accent1">
+                    <a:lumMod val="50000"/>
+                  </a:schemeClr>
+                </a:solidFill>
+              </a:rPr>
+              <a:t>filerRDS</a:t>
+            </a:r>
+            <a:r>
+              <a:rPr lang="es-CL" sz="1600" dirty="0" smtClean="0">
+                <a:solidFill>
+                  <a:schemeClr val="accent1">
+                    <a:lumMod val="50000"/>
+                  </a:schemeClr>
+                </a:solidFill>
+              </a:rPr>
+              <a:t>()</a:t>
+            </a:r>
+            <a:endParaRPr lang="es-419" sz="1600" dirty="0">
+              <a:solidFill>
+                <a:schemeClr val="accent1">
+                  <a:lumMod val="50000"/>
+                </a:schemeClr>
+              </a:solidFill>
+            </a:endParaRPr>
+          </a:p>
+        </p:txBody>
+      </p:sp>
+      <p:sp>
+        <p:nvSpPr>
+          <p:cNvPr id="15" name="CuadroTexto 14"/>
+          <p:cNvSpPr txBox="1"/>
+          <p:nvPr/>
+        </p:nvSpPr>
+        <p:spPr>
+          <a:xfrm>
+            <a:off x="9431188" y="2327888"/>
+            <a:ext cx="2000955" cy="1384995"/>
           </a:xfrm>
           <a:prstGeom prst="rect">
             <a:avLst/>
@@ -11371,291 +12332,92 @@
           <a:lstStyle/>
           <a:p>
             <a:r>
-              <a:rPr lang="es-ES" sz="1400" dirty="0" smtClean="0"/>
-              <a:t>Este archivo incorpora o modifica ediciones después de este proceso y saca para el </a:t>
-            </a:r>
-            <a:r>
-              <a:rPr lang="es-ES" sz="1400" b="1" dirty="0" err="1" smtClean="0">
-                <a:solidFill>
-                  <a:srgbClr val="00B0F0"/>
-                </a:solidFill>
-              </a:rPr>
-              <a:t>actograma</a:t>
-            </a:r>
-            <a:endParaRPr lang="es-ES" sz="1400" b="1" dirty="0" smtClean="0">
-              <a:solidFill>
-                <a:srgbClr val="00B0F0"/>
-              </a:solidFill>
-            </a:endParaRPr>
-          </a:p>
-          <a:p>
-            <a:r>
-              <a:rPr lang="es-ES" sz="1400" b="1" dirty="0" smtClean="0">
-                <a:solidFill>
-                  <a:srgbClr val="00B0F0"/>
-                </a:solidFill>
-              </a:rPr>
-              <a:t>1: Filtro</a:t>
-            </a:r>
-          </a:p>
-          <a:p>
-            <a:r>
-              <a:rPr lang="es-ES" sz="1400" b="1" dirty="0" smtClean="0">
-                <a:solidFill>
-                  <a:srgbClr val="00B0F0"/>
-                </a:solidFill>
-              </a:rPr>
-              <a:t>2: a </a:t>
-            </a:r>
-            <a:r>
-              <a:rPr lang="es-ES" sz="1400" b="1" dirty="0" err="1" smtClean="0">
-                <a:solidFill>
-                  <a:srgbClr val="00B0F0"/>
-                </a:solidFill>
-              </a:rPr>
-              <a:t>Sleep</a:t>
-            </a:r>
-            <a:endParaRPr lang="es-ES" sz="1400" b="1" dirty="0" smtClean="0">
-              <a:solidFill>
-                <a:srgbClr val="00B0F0"/>
-              </a:solidFill>
-            </a:endParaRPr>
-          </a:p>
-          <a:p>
-            <a:r>
-              <a:rPr lang="es-ES" sz="1400" b="1" dirty="0" smtClean="0">
-                <a:solidFill>
-                  <a:srgbClr val="00B0F0"/>
-                </a:solidFill>
-              </a:rPr>
-              <a:t>3: a Wake</a:t>
-            </a:r>
-            <a:endParaRPr lang="es-CL" sz="1400" b="1" dirty="0">
-              <a:solidFill>
-                <a:srgbClr val="00B0F0"/>
-              </a:solidFill>
-            </a:endParaRPr>
+              <a:rPr lang="es-CL" sz="1400" dirty="0" smtClean="0"/>
+              <a:t>Habiendo seleccionado un sujeto y por tanto un </a:t>
+            </a:r>
+            <a:r>
+              <a:rPr lang="es-CL" sz="1400" dirty="0" err="1" smtClean="0"/>
+              <a:t>awdfile</a:t>
+            </a:r>
+            <a:r>
+              <a:rPr lang="es-CL" sz="1400" dirty="0" smtClean="0"/>
+              <a:t>() </a:t>
+            </a:r>
+            <a:r>
+              <a:rPr lang="es-CL" sz="1400" dirty="0" err="1" smtClean="0"/>
+              <a:t>object</a:t>
+            </a:r>
+            <a:r>
+              <a:rPr lang="es-CL" sz="1400" dirty="0" smtClean="0"/>
+              <a:t> se cargarán los datos y siempre habrá datos cargados.</a:t>
+            </a:r>
+            <a:endParaRPr lang="es-419" sz="1400" dirty="0"/>
+          </a:p>
+        </p:txBody>
+      </p:sp>
+      <p:sp>
+        <p:nvSpPr>
+          <p:cNvPr id="16" name="Rectángulo 15"/>
+          <p:cNvSpPr/>
+          <p:nvPr/>
+        </p:nvSpPr>
+        <p:spPr>
+          <a:xfrm>
+            <a:off x="785349" y="4853324"/>
+            <a:ext cx="1171977" cy="497666"/>
+          </a:xfrm>
+          <a:prstGeom prst="rect">
+            <a:avLst/>
+          </a:prstGeom>
+        </p:spPr>
+        <p:style>
+          <a:lnRef idx="2">
+            <a:schemeClr val="accent6"/>
+          </a:lnRef>
+          <a:fillRef idx="1">
+            <a:schemeClr val="lt1"/>
+          </a:fillRef>
+          <a:effectRef idx="0">
+            <a:schemeClr val="accent6"/>
+          </a:effectRef>
+          <a:fontRef idx="minor">
+            <a:schemeClr val="dk1"/>
+          </a:fontRef>
+        </p:style>
+        <p:txBody>
+          <a:bodyPr rtlCol="0" anchor="ctr"/>
+          <a:lstStyle/>
+          <a:p>
+            <a:pPr algn="ctr"/>
+            <a:r>
+              <a:rPr lang="es-CL" dirty="0" err="1" smtClean="0"/>
+              <a:t>Via</a:t>
+            </a:r>
+            <a:r>
+              <a:rPr lang="es-CL" dirty="0" smtClean="0"/>
+              <a:t> </a:t>
+            </a:r>
+            <a:r>
+              <a:rPr lang="es-CL" dirty="0" err="1" smtClean="0"/>
+              <a:t>Poll</a:t>
+            </a:r>
+            <a:endParaRPr lang="es-419" dirty="0"/>
           </a:p>
         </p:txBody>
       </p:sp>
       <p:cxnSp>
         <p:nvCxnSpPr>
-          <p:cNvPr id="40" name="Conector angular 39"/>
+          <p:cNvPr id="18" name="Conector recto de flecha 17"/>
           <p:cNvCxnSpPr>
-            <a:stCxn id="18" idx="2"/>
-            <a:endCxn id="45" idx="0"/>
+            <a:stCxn id="16" idx="0"/>
+            <a:endCxn id="48" idx="2"/>
           </p:cNvCxnSpPr>
           <p:nvPr/>
         </p:nvCxnSpPr>
         <p:spPr>
-          <a:xfrm rot="16200000" flipH="1">
-            <a:off x="9892820" y="3079282"/>
-            <a:ext cx="649960" cy="956623"/>
-          </a:xfrm>
-          <a:prstGeom prst="bentConnector3">
-            <a:avLst/>
-          </a:prstGeom>
-          <a:ln>
-            <a:tailEnd type="triangle"/>
-          </a:ln>
-        </p:spPr>
-        <p:style>
-          <a:lnRef idx="1">
-            <a:schemeClr val="accent1"/>
-          </a:lnRef>
-          <a:fillRef idx="0">
-            <a:schemeClr val="accent1"/>
-          </a:fillRef>
-          <a:effectRef idx="0">
-            <a:schemeClr val="accent1"/>
-          </a:effectRef>
-          <a:fontRef idx="minor">
-            <a:schemeClr val="tx1"/>
-          </a:fontRef>
-        </p:style>
-      </p:cxnSp>
-      <p:sp>
-        <p:nvSpPr>
-          <p:cNvPr id="43" name="CuadroTexto 42"/>
-          <p:cNvSpPr txBox="1"/>
-          <p:nvPr/>
-        </p:nvSpPr>
-        <p:spPr>
-          <a:xfrm>
-            <a:off x="350874" y="2656613"/>
-            <a:ext cx="4129806" cy="2554545"/>
-          </a:xfrm>
-          <a:prstGeom prst="rect">
-            <a:avLst/>
-          </a:prstGeom>
-          <a:noFill/>
-        </p:spPr>
-        <p:txBody>
-          <a:bodyPr wrap="square" rtlCol="0">
-            <a:spAutoFit/>
-          </a:bodyPr>
-          <a:lstStyle/>
-          <a:p>
-            <a:r>
-              <a:rPr lang="es-ES" sz="1600" smtClean="0"/>
-              <a:t>El resultado de este proceso es:</a:t>
-            </a:r>
-          </a:p>
-          <a:p>
-            <a:r>
-              <a:rPr lang="es-ES" sz="1600" smtClean="0"/>
-              <a:t>4 archivos.</a:t>
-            </a:r>
-          </a:p>
-          <a:p>
-            <a:pPr marL="285750" indent="-285750">
-              <a:buFont typeface="Arial" panose="020B0604020202020204" pitchFamily="34" charset="0"/>
-              <a:buChar char="•"/>
-            </a:pPr>
-            <a:r>
-              <a:rPr lang="es-ES" sz="1600" b="1" smtClean="0"/>
-              <a:t>RDS</a:t>
-            </a:r>
-            <a:r>
-              <a:rPr lang="es-ES" sz="1600" smtClean="0"/>
-              <a:t>: de semiperiodos que sirve para hacer el actograma y crear el primer filtro de exclusiones.</a:t>
-            </a:r>
-          </a:p>
-          <a:p>
-            <a:pPr marL="285750" indent="-285750">
-              <a:buFont typeface="Arial" panose="020B0604020202020204" pitchFamily="34" charset="0"/>
-              <a:buChar char="•"/>
-            </a:pPr>
-            <a:r>
-              <a:rPr lang="es-ES" sz="1600" b="1" smtClean="0"/>
-              <a:t>TXT</a:t>
-            </a:r>
-            <a:r>
-              <a:rPr lang="es-ES" sz="1600" smtClean="0"/>
-              <a:t>: en formato (.edit) para manejar las ediciones globales del ACV.</a:t>
-            </a:r>
-          </a:p>
-          <a:p>
-            <a:pPr marL="285750" indent="-285750">
-              <a:buFont typeface="Arial" panose="020B0604020202020204" pitchFamily="34" charset="0"/>
-              <a:buChar char="•"/>
-            </a:pPr>
-            <a:r>
-              <a:rPr lang="es-ES" sz="1600" b="1" smtClean="0"/>
-              <a:t>RDS</a:t>
-            </a:r>
-            <a:r>
-              <a:rPr lang="es-ES" sz="1600" smtClean="0"/>
-              <a:t> y </a:t>
-            </a:r>
-            <a:r>
-              <a:rPr lang="es-ES" sz="1600" b="1" smtClean="0"/>
-              <a:t>TXT</a:t>
-            </a:r>
-            <a:r>
-              <a:rPr lang="es-ES" sz="1600" smtClean="0"/>
-              <a:t> de la versión ACV con los datos del primer filtro que se saca de este proceso. </a:t>
-            </a:r>
-            <a:endParaRPr lang="es-CL" sz="1600"/>
-          </a:p>
-        </p:txBody>
-      </p:sp>
-      <p:cxnSp>
-        <p:nvCxnSpPr>
-          <p:cNvPr id="47" name="Conector angular 46"/>
-          <p:cNvCxnSpPr>
-            <a:stCxn id="24" idx="2"/>
-            <a:endCxn id="32" idx="3"/>
-          </p:cNvCxnSpPr>
-          <p:nvPr/>
-        </p:nvCxnSpPr>
-        <p:spPr>
-          <a:xfrm rot="5400000">
-            <a:off x="7172299" y="3097881"/>
-            <a:ext cx="820698" cy="1090165"/>
-          </a:xfrm>
-          <a:prstGeom prst="bentConnector2">
-            <a:avLst/>
-          </a:prstGeom>
-          <a:ln w="38100">
-            <a:tailEnd type="triangle"/>
-          </a:ln>
-        </p:spPr>
-        <p:style>
-          <a:lnRef idx="3">
-            <a:schemeClr val="accent3"/>
-          </a:lnRef>
-          <a:fillRef idx="0">
-            <a:schemeClr val="accent3"/>
-          </a:fillRef>
-          <a:effectRef idx="2">
-            <a:schemeClr val="accent3"/>
-          </a:effectRef>
-          <a:fontRef idx="minor">
-            <a:schemeClr val="tx1"/>
-          </a:fontRef>
-        </p:style>
-      </p:cxnSp>
-      <p:sp>
-        <p:nvSpPr>
-          <p:cNvPr id="30" name="CuadroTexto 29"/>
-          <p:cNvSpPr txBox="1"/>
-          <p:nvPr/>
-        </p:nvSpPr>
-        <p:spPr>
-          <a:xfrm>
-            <a:off x="180304" y="180304"/>
-            <a:ext cx="5818452" cy="707886"/>
-          </a:xfrm>
-          <a:prstGeom prst="rect">
-            <a:avLst/>
-          </a:prstGeom>
-          <a:noFill/>
-        </p:spPr>
-        <p:txBody>
-          <a:bodyPr wrap="none" rtlCol="0">
-            <a:spAutoFit/>
-          </a:bodyPr>
-          <a:lstStyle/>
-          <a:p>
-            <a:r>
-              <a:rPr lang="es-CL" sz="2400" b="1" dirty="0" err="1" smtClean="0"/>
-              <a:t>Seccion</a:t>
-            </a:r>
-            <a:r>
-              <a:rPr lang="es-CL" sz="2400" b="1" dirty="0" smtClean="0"/>
-              <a:t> 2</a:t>
-            </a:r>
-            <a:r>
-              <a:rPr lang="es-CL" sz="2400" dirty="0" smtClean="0"/>
-              <a:t>: </a:t>
-            </a:r>
-            <a:r>
-              <a:rPr lang="es-CL" sz="2400" b="1" dirty="0" smtClean="0"/>
-              <a:t>Proceso Analizar</a:t>
-            </a:r>
-          </a:p>
-          <a:p>
-            <a:r>
-              <a:rPr lang="es-CL" sz="1600" dirty="0" smtClean="0"/>
-              <a:t>Al ejecutar la opción de analizar por primera vez esto es lo que pasa</a:t>
-            </a:r>
-          </a:p>
-        </p:txBody>
-      </p:sp>
-      <p:cxnSp>
-        <p:nvCxnSpPr>
-          <p:cNvPr id="3" name="Conector recto de flecha 2"/>
-          <p:cNvCxnSpPr>
-            <a:stCxn id="51" idx="2"/>
-            <a:endCxn id="52" idx="0"/>
-          </p:cNvCxnSpPr>
-          <p:nvPr/>
-        </p:nvCxnSpPr>
-        <p:spPr>
-          <a:xfrm>
-            <a:off x="6535289" y="5450009"/>
-            <a:ext cx="0" cy="532697"/>
+          <a:xfrm flipV="1">
+            <a:off x="1371338" y="4438734"/>
+            <a:ext cx="515" cy="414590"/>
           </a:xfrm>
           <a:prstGeom prst="straightConnector1">
             <a:avLst/>
@@ -11682,7 +12444,7 @@
     </p:spTree>
     <p:extLst>
       <p:ext uri="{BB962C8B-B14F-4D97-AF65-F5344CB8AC3E}">
-        <p14:creationId xmlns:p14="http://schemas.microsoft.com/office/powerpoint/2010/main" val="3802682983"/>
+        <p14:creationId xmlns:p14="http://schemas.microsoft.com/office/powerpoint/2010/main" val="3793264851"/>
       </p:ext>
     </p:extLst>
   </p:cSld>
@@ -11725,7 +12487,7 @@
         <p:spPr>
           <a:xfrm>
             <a:off x="180304" y="848300"/>
-            <a:ext cx="10032643" cy="523220"/>
+            <a:ext cx="10032643" cy="830997"/>
           </a:xfrm>
           <a:prstGeom prst="rect">
             <a:avLst/>
@@ -11739,46 +12501,70 @@
           <a:lstStyle/>
           <a:p>
             <a:r>
-              <a:rPr lang="es-CL" sz="1400" dirty="0" smtClean="0"/>
+              <a:rPr lang="es-CL" sz="1600" dirty="0" smtClean="0"/>
               <a:t>Cuando se crea un </a:t>
             </a:r>
             <a:r>
-              <a:rPr lang="es-CL" sz="1400" dirty="0" err="1" smtClean="0"/>
+              <a:rPr lang="es-CL" sz="1600" dirty="0" err="1" smtClean="0"/>
               <a:t>actograma</a:t>
             </a:r>
             <a:r>
-              <a:rPr lang="es-CL" sz="1400" dirty="0" smtClean="0"/>
+              <a:rPr lang="es-CL" sz="1600" dirty="0" smtClean="0"/>
               <a:t> se usa el file </a:t>
             </a:r>
             <a:r>
-              <a:rPr lang="es-CL" sz="1400" b="1" dirty="0" err="1" smtClean="0"/>
+              <a:rPr lang="es-CL" sz="1600" b="1" dirty="0" err="1" smtClean="0"/>
               <a:t>acv.edit.RDS</a:t>
             </a:r>
             <a:r>
-              <a:rPr lang="es-CL" sz="1400" b="1" dirty="0" smtClean="0"/>
+              <a:rPr lang="es-CL" sz="1600" b="1" dirty="0" smtClean="0"/>
               <a:t> </a:t>
             </a:r>
             <a:r>
-              <a:rPr lang="es-CL" sz="1400" dirty="0" smtClean="0"/>
-              <a:t>porque tiene actualizado los cambios de edición tipo sleep2wake, o wake2sleep y se necesita esto en su última versión. Los datos se pintan con el </a:t>
-            </a:r>
-            <a:r>
-              <a:rPr lang="es-CL" sz="1400" b="1" dirty="0" err="1" smtClean="0"/>
+              <a:rPr lang="es-CL" sz="1600" dirty="0" smtClean="0"/>
+              <a:t>porque tiene actualizado los cambios </a:t>
+            </a:r>
+            <a:r>
+              <a:rPr lang="es-CL" sz="1600" dirty="0" smtClean="0"/>
+              <a:t>según el </a:t>
+            </a:r>
+            <a:r>
+              <a:rPr lang="es-CL" sz="1600" dirty="0" err="1" smtClean="0"/>
+              <a:t>filterRDS</a:t>
+            </a:r>
+            <a:r>
+              <a:rPr lang="es-CL" sz="1600" dirty="0" smtClean="0"/>
+              <a:t> y </a:t>
+            </a:r>
+            <a:r>
+              <a:rPr lang="es-CL" sz="1600" dirty="0" smtClean="0"/>
+              <a:t>se necesita esto en su última versión. Los datos se pintan con el </a:t>
+            </a:r>
+            <a:r>
+              <a:rPr lang="es-CL" sz="1600" b="1" dirty="0" err="1" smtClean="0"/>
               <a:t>edit.file</a:t>
             </a:r>
             <a:r>
-              <a:rPr lang="es-CL" sz="1400" dirty="0"/>
+              <a:rPr lang="es-CL" sz="1600" dirty="0"/>
               <a:t> </a:t>
             </a:r>
             <a:r>
-              <a:rPr lang="es-CL" sz="1400" dirty="0" smtClean="0"/>
+              <a:rPr lang="es-CL" sz="1600" dirty="0" smtClean="0"/>
               <a:t>el primer filtro ya está pasado al </a:t>
             </a:r>
             <a:r>
-              <a:rPr lang="es-CL" sz="1400" b="1" dirty="0" err="1" smtClean="0"/>
+              <a:rPr lang="es-CL" sz="1600" b="1" dirty="0" err="1" smtClean="0"/>
               <a:t>acv.edit.RDS</a:t>
             </a:r>
-            <a:endParaRPr lang="es-419" sz="1400" b="1" dirty="0"/>
+            <a:r>
+              <a:rPr lang="es-CL" sz="1600" b="1" dirty="0" smtClean="0"/>
+              <a:t> </a:t>
+            </a:r>
+            <a:r>
+              <a:rPr lang="es-CL" sz="1600" dirty="0" smtClean="0"/>
+              <a:t>en el proceso inicial</a:t>
+            </a:r>
+            <a:endParaRPr lang="es-419" sz="1600" dirty="0"/>
           </a:p>
         </p:txBody>
       </p:sp>
@@ -12525,66 +13311,6 @@
       </p:cxnSp>
       <p:sp>
         <p:nvSpPr>
-          <p:cNvPr id="35" name="CuadroTexto 34"/>
-          <p:cNvSpPr txBox="1"/>
-          <p:nvPr/>
-        </p:nvSpPr>
-        <p:spPr>
-          <a:xfrm>
-            <a:off x="526638" y="4587308"/>
-            <a:ext cx="3723390" cy="1077218"/>
-          </a:xfrm>
-          <a:prstGeom prst="rect">
-            <a:avLst/>
-          </a:prstGeom>
-          <a:noFill/>
-        </p:spPr>
-        <p:txBody>
-          <a:bodyPr wrap="square" rtlCol="0">
-            <a:spAutoFit/>
-          </a:bodyPr>
-          <a:lstStyle/>
-          <a:p>
-            <a:r>
-              <a:rPr lang="es-CL" sz="1600" b="1" dirty="0" smtClean="0"/>
-              <a:t>Faltan varias cosas</a:t>
-            </a:r>
-          </a:p>
-          <a:p>
-            <a:pPr marL="342900" indent="-342900">
-              <a:buAutoNum type="arabicPeriod"/>
-            </a:pPr>
-            <a:r>
-              <a:rPr lang="es-CL" sz="1600" dirty="0" smtClean="0"/>
-              <a:t>Que el output </a:t>
-            </a:r>
-            <a:r>
-              <a:rPr lang="es-CL" sz="1600" dirty="0" err="1" smtClean="0"/>
-              <a:t>plot</a:t>
-            </a:r>
-            <a:r>
-              <a:rPr lang="es-CL" sz="1600" dirty="0" smtClean="0"/>
-              <a:t> sea </a:t>
-            </a:r>
-            <a:r>
-              <a:rPr lang="es-CL" sz="1600" dirty="0" err="1" smtClean="0"/>
-              <a:t>renderUI</a:t>
-            </a:r>
-            <a:r>
-              <a:rPr lang="es-CL" sz="1600" dirty="0" smtClean="0"/>
-              <a:t>, para ajustar el alto del gráfico.</a:t>
-            </a:r>
-          </a:p>
-          <a:p>
-            <a:pPr marL="342900" indent="-342900">
-              <a:buAutoNum type="arabicPeriod"/>
-            </a:pPr>
-            <a:endParaRPr lang="es-CL" sz="1600" b="1" dirty="0" smtClean="0"/>
-          </a:p>
-        </p:txBody>
-      </p:sp>
-      <p:sp>
-        <p:nvSpPr>
           <p:cNvPr id="25" name="CuadroTexto 24"/>
           <p:cNvSpPr txBox="1"/>
           <p:nvPr/>
@@ -12739,7 +13465,7 @@
         </p:nvSpPr>
         <p:spPr>
           <a:xfrm>
-            <a:off x="4623797" y="4849344"/>
+            <a:off x="850005" y="4360777"/>
             <a:ext cx="4906851" cy="1705436"/>
           </a:xfrm>
           <a:prstGeom prst="rect">

--- a/flujo edicion.pptx
+++ b/flujo edicion.pptx
@@ -17,6 +17,8 @@
     <p:sldId id="267" r:id="rId11"/>
     <p:sldId id="268" r:id="rId12"/>
     <p:sldId id="269" r:id="rId13"/>
+    <p:sldId id="270" r:id="rId14"/>
+    <p:sldId id="271" r:id="rId15"/>
   </p:sldIdLst>
   <p:sldSz cx="12192000" cy="6858000"/>
   <p:notesSz cx="6858000" cy="9144000"/>
@@ -254,7 +256,7 @@
           <a:p>
             <a:fld id="{E142A079-F624-4F06-8292-7991D53C206B}" type="datetimeFigureOut">
               <a:rPr lang="es-419" smtClean="0"/>
-              <a:t>4/3/2020</a:t>
+              <a:t>28/3/2020</a:t>
             </a:fld>
             <a:endParaRPr lang="es-419"/>
           </a:p>
@@ -424,7 +426,7 @@
           <a:p>
             <a:fld id="{E142A079-F624-4F06-8292-7991D53C206B}" type="datetimeFigureOut">
               <a:rPr lang="es-419" smtClean="0"/>
-              <a:t>4/3/2020</a:t>
+              <a:t>28/3/2020</a:t>
             </a:fld>
             <a:endParaRPr lang="es-419"/>
           </a:p>
@@ -604,7 +606,7 @@
           <a:p>
             <a:fld id="{E142A079-F624-4F06-8292-7991D53C206B}" type="datetimeFigureOut">
               <a:rPr lang="es-419" smtClean="0"/>
-              <a:t>4/3/2020</a:t>
+              <a:t>28/3/2020</a:t>
             </a:fld>
             <a:endParaRPr lang="es-419"/>
           </a:p>
@@ -774,7 +776,7 @@
           <a:p>
             <a:fld id="{E142A079-F624-4F06-8292-7991D53C206B}" type="datetimeFigureOut">
               <a:rPr lang="es-419" smtClean="0"/>
-              <a:t>4/3/2020</a:t>
+              <a:t>28/3/2020</a:t>
             </a:fld>
             <a:endParaRPr lang="es-419"/>
           </a:p>
@@ -1020,7 +1022,7 @@
           <a:p>
             <a:fld id="{E142A079-F624-4F06-8292-7991D53C206B}" type="datetimeFigureOut">
               <a:rPr lang="es-419" smtClean="0"/>
-              <a:t>4/3/2020</a:t>
+              <a:t>28/3/2020</a:t>
             </a:fld>
             <a:endParaRPr lang="es-419"/>
           </a:p>
@@ -1252,7 +1254,7 @@
           <a:p>
             <a:fld id="{E142A079-F624-4F06-8292-7991D53C206B}" type="datetimeFigureOut">
               <a:rPr lang="es-419" smtClean="0"/>
-              <a:t>4/3/2020</a:t>
+              <a:t>28/3/2020</a:t>
             </a:fld>
             <a:endParaRPr lang="es-419"/>
           </a:p>
@@ -1619,7 +1621,7 @@
           <a:p>
             <a:fld id="{E142A079-F624-4F06-8292-7991D53C206B}" type="datetimeFigureOut">
               <a:rPr lang="es-419" smtClean="0"/>
-              <a:t>4/3/2020</a:t>
+              <a:t>28/3/2020</a:t>
             </a:fld>
             <a:endParaRPr lang="es-419"/>
           </a:p>
@@ -1737,7 +1739,7 @@
           <a:p>
             <a:fld id="{E142A079-F624-4F06-8292-7991D53C206B}" type="datetimeFigureOut">
               <a:rPr lang="es-419" smtClean="0"/>
-              <a:t>4/3/2020</a:t>
+              <a:t>28/3/2020</a:t>
             </a:fld>
             <a:endParaRPr lang="es-419"/>
           </a:p>
@@ -1832,7 +1834,7 @@
           <a:p>
             <a:fld id="{E142A079-F624-4F06-8292-7991D53C206B}" type="datetimeFigureOut">
               <a:rPr lang="es-419" smtClean="0"/>
-              <a:t>4/3/2020</a:t>
+              <a:t>28/3/2020</a:t>
             </a:fld>
             <a:endParaRPr lang="es-419"/>
           </a:p>
@@ -2109,7 +2111,7 @@
           <a:p>
             <a:fld id="{E142A079-F624-4F06-8292-7991D53C206B}" type="datetimeFigureOut">
               <a:rPr lang="es-419" smtClean="0"/>
-              <a:t>4/3/2020</a:t>
+              <a:t>28/3/2020</a:t>
             </a:fld>
             <a:endParaRPr lang="es-419"/>
           </a:p>
@@ -2362,7 +2364,7 @@
           <a:p>
             <a:fld id="{E142A079-F624-4F06-8292-7991D53C206B}" type="datetimeFigureOut">
               <a:rPr lang="es-419" smtClean="0"/>
-              <a:t>4/3/2020</a:t>
+              <a:t>28/3/2020</a:t>
             </a:fld>
             <a:endParaRPr lang="es-419"/>
           </a:p>
@@ -2575,7 +2577,7 @@
           <a:p>
             <a:fld id="{E142A079-F624-4F06-8292-7991D53C206B}" type="datetimeFigureOut">
               <a:rPr lang="es-419" smtClean="0"/>
-              <a:t>4/3/2020</a:t>
+              <a:t>28/3/2020</a:t>
             </a:fld>
             <a:endParaRPr lang="es-419"/>
           </a:p>
@@ -5618,13 +5620,8 @@
             </a:r>
             <a:r>
               <a:rPr lang="es-CL" sz="2400" b="1" dirty="0" smtClean="0"/>
-              <a:t>Pestaña </a:t>
-            </a:r>
-            <a:r>
-              <a:rPr lang="es-CL" sz="2400" b="1" dirty="0" smtClean="0"/>
-              <a:t>"Editar actividad"</a:t>
-            </a:r>
-            <a:endParaRPr lang="es-CL" sz="2400" b="1" dirty="0" smtClean="0"/>
+              <a:t>Pestaña "Editar actividad"</a:t>
+            </a:r>
           </a:p>
           <a:p>
             <a:r>
@@ -6011,6 +6008,1174 @@
     <p:extLst>
       <p:ext uri="{BB962C8B-B14F-4D97-AF65-F5344CB8AC3E}">
         <p14:creationId xmlns:p14="http://schemas.microsoft.com/office/powerpoint/2010/main" val="2314202075"/>
+      </p:ext>
+    </p:extLst>
+  </p:cSld>
+  <p:clrMapOvr>
+    <a:masterClrMapping/>
+  </p:clrMapOvr>
+  <p:timing>
+    <p:tnLst>
+      <p:par>
+        <p:cTn id="1" dur="indefinite" restart="never" nodeType="tmRoot"/>
+      </p:par>
+    </p:tnLst>
+  </p:timing>
+</p:sld>
+</file>
+
+<file path=ppt/slides/slide13.xml><?xml version="1.0" encoding="utf-8"?>
+<p:sld xmlns:a="http://schemas.openxmlformats.org/drawingml/2006/main" xmlns:r="http://schemas.openxmlformats.org/officeDocument/2006/relationships" xmlns:p="http://schemas.openxmlformats.org/presentationml/2006/main">
+  <p:cSld>
+    <p:spTree>
+      <p:nvGrpSpPr>
+        <p:cNvPr id="1" name=""/>
+        <p:cNvGrpSpPr/>
+        <p:nvPr/>
+      </p:nvGrpSpPr>
+      <p:grpSpPr>
+        <a:xfrm>
+          <a:off x="0" y="0"/>
+          <a:ext cx="0" cy="0"/>
+          <a:chOff x="0" y="0"/>
+          <a:chExt cx="0" cy="0"/>
+        </a:xfrm>
+      </p:grpSpPr>
+      <p:sp>
+        <p:nvSpPr>
+          <p:cNvPr id="4" name="CuadroTexto 3"/>
+          <p:cNvSpPr txBox="1"/>
+          <p:nvPr/>
+        </p:nvSpPr>
+        <p:spPr>
+          <a:xfrm>
+            <a:off x="180304" y="180304"/>
+            <a:ext cx="11552350" cy="707886"/>
+          </a:xfrm>
+          <a:prstGeom prst="rect">
+            <a:avLst/>
+          </a:prstGeom>
+          <a:noFill/>
+        </p:spPr>
+        <p:txBody>
+          <a:bodyPr wrap="square" rtlCol="0">
+            <a:spAutoFit/>
+          </a:bodyPr>
+          <a:lstStyle/>
+          <a:p>
+            <a:r>
+              <a:rPr lang="es-CL" sz="2400" b="1" dirty="0" smtClean="0"/>
+              <a:t>Archivo EPI</a:t>
+            </a:r>
+          </a:p>
+          <a:p>
+            <a:r>
+              <a:rPr lang="es-CL" sz="1600" dirty="0" smtClean="0"/>
+              <a:t>El flujo más o menos</a:t>
+            </a:r>
+            <a:endParaRPr lang="es-CL" sz="2400" dirty="0" smtClean="0"/>
+          </a:p>
+        </p:txBody>
+      </p:sp>
+      <p:grpSp>
+        <p:nvGrpSpPr>
+          <p:cNvPr id="16" name="Grupo 15"/>
+          <p:cNvGrpSpPr/>
+          <p:nvPr/>
+        </p:nvGrpSpPr>
+        <p:grpSpPr>
+          <a:xfrm>
+            <a:off x="553792" y="1111434"/>
+            <a:ext cx="2562896" cy="1843488"/>
+            <a:chOff x="1184857" y="2360685"/>
+            <a:chExt cx="2562896" cy="1843488"/>
+          </a:xfrm>
+        </p:grpSpPr>
+        <p:sp>
+          <p:nvSpPr>
+            <p:cNvPr id="5" name="Rectángulo 4"/>
+            <p:cNvSpPr/>
+            <p:nvPr/>
+          </p:nvSpPr>
+          <p:spPr>
+            <a:xfrm>
+              <a:off x="1184857" y="3174645"/>
+              <a:ext cx="1004552" cy="489397"/>
+            </a:xfrm>
+            <a:prstGeom prst="rect">
+              <a:avLst/>
+            </a:prstGeom>
+          </p:spPr>
+          <p:style>
+            <a:lnRef idx="2">
+              <a:schemeClr val="accent1">
+                <a:shade val="50000"/>
+              </a:schemeClr>
+            </a:lnRef>
+            <a:fillRef idx="1">
+              <a:schemeClr val="accent1"/>
+            </a:fillRef>
+            <a:effectRef idx="0">
+              <a:schemeClr val="accent1"/>
+            </a:effectRef>
+            <a:fontRef idx="minor">
+              <a:schemeClr val="lt1"/>
+            </a:fontRef>
+          </p:style>
+          <p:txBody>
+            <a:bodyPr rtlCol="0" anchor="ctr"/>
+            <a:lstStyle/>
+            <a:p>
+              <a:pPr algn="ctr"/>
+              <a:r>
+                <a:rPr lang="es-CL" dirty="0" smtClean="0"/>
+                <a:t>Inicio</a:t>
+              </a:r>
+              <a:endParaRPr lang="es-419" dirty="0"/>
+            </a:p>
+          </p:txBody>
+        </p:sp>
+        <p:sp>
+          <p:nvSpPr>
+            <p:cNvPr id="6" name="Rectángulo 5"/>
+            <p:cNvSpPr/>
+            <p:nvPr/>
+          </p:nvSpPr>
+          <p:spPr>
+            <a:xfrm>
+              <a:off x="2635877" y="3664042"/>
+              <a:ext cx="1111876" cy="489397"/>
+            </a:xfrm>
+            <a:prstGeom prst="rect">
+              <a:avLst/>
+            </a:prstGeom>
+          </p:spPr>
+          <p:style>
+            <a:lnRef idx="2">
+              <a:schemeClr val="accent1">
+                <a:shade val="50000"/>
+              </a:schemeClr>
+            </a:lnRef>
+            <a:fillRef idx="1">
+              <a:schemeClr val="accent1"/>
+            </a:fillRef>
+            <a:effectRef idx="0">
+              <a:schemeClr val="accent1"/>
+            </a:effectRef>
+            <a:fontRef idx="minor">
+              <a:schemeClr val="lt1"/>
+            </a:fontRef>
+          </p:style>
+          <p:txBody>
+            <a:bodyPr rtlCol="0" anchor="ctr"/>
+            <a:lstStyle/>
+            <a:p>
+              <a:pPr algn="ctr"/>
+              <a:r>
+                <a:rPr lang="es-CL" dirty="0" smtClean="0"/>
+                <a:t>Noche01</a:t>
+              </a:r>
+              <a:endParaRPr lang="es-419" dirty="0"/>
+            </a:p>
+          </p:txBody>
+        </p:sp>
+        <p:sp>
+          <p:nvSpPr>
+            <p:cNvPr id="7" name="Rectángulo 6"/>
+            <p:cNvSpPr/>
+            <p:nvPr/>
+          </p:nvSpPr>
+          <p:spPr>
+            <a:xfrm>
+              <a:off x="2635877" y="2685248"/>
+              <a:ext cx="1111876" cy="489397"/>
+            </a:xfrm>
+            <a:prstGeom prst="rect">
+              <a:avLst/>
+            </a:prstGeom>
+          </p:spPr>
+          <p:style>
+            <a:lnRef idx="2">
+              <a:schemeClr val="accent1">
+                <a:shade val="50000"/>
+              </a:schemeClr>
+            </a:lnRef>
+            <a:fillRef idx="1">
+              <a:schemeClr val="accent1"/>
+            </a:fillRef>
+            <a:effectRef idx="0">
+              <a:schemeClr val="accent1"/>
+            </a:effectRef>
+            <a:fontRef idx="minor">
+              <a:schemeClr val="lt1"/>
+            </a:fontRef>
+          </p:style>
+          <p:txBody>
+            <a:bodyPr rtlCol="0" anchor="ctr"/>
+            <a:lstStyle/>
+            <a:p>
+              <a:pPr algn="ctr"/>
+              <a:r>
+                <a:rPr lang="es-CL" dirty="0" smtClean="0"/>
+                <a:t>Dia00</a:t>
+              </a:r>
+              <a:endParaRPr lang="es-419" dirty="0"/>
+            </a:p>
+          </p:txBody>
+        </p:sp>
+        <p:cxnSp>
+          <p:nvCxnSpPr>
+            <p:cNvPr id="11" name="Conector angular 10"/>
+            <p:cNvCxnSpPr>
+              <a:stCxn id="5" idx="0"/>
+              <a:endCxn id="7" idx="1"/>
+            </p:cNvCxnSpPr>
+            <p:nvPr/>
+          </p:nvCxnSpPr>
+          <p:spPr>
+            <a:xfrm rot="5400000" flipH="1" flipV="1">
+              <a:off x="2039156" y="2577924"/>
+              <a:ext cx="244698" cy="948744"/>
+            </a:xfrm>
+            <a:prstGeom prst="bentConnector2">
+              <a:avLst/>
+            </a:prstGeom>
+            <a:ln>
+              <a:tailEnd type="triangle"/>
+            </a:ln>
+          </p:spPr>
+          <p:style>
+            <a:lnRef idx="1">
+              <a:schemeClr val="accent1"/>
+            </a:lnRef>
+            <a:fillRef idx="0">
+              <a:schemeClr val="accent1"/>
+            </a:fillRef>
+            <a:effectRef idx="0">
+              <a:schemeClr val="accent1"/>
+            </a:effectRef>
+            <a:fontRef idx="minor">
+              <a:schemeClr val="tx1"/>
+            </a:fontRef>
+          </p:style>
+        </p:cxnSp>
+        <p:cxnSp>
+          <p:nvCxnSpPr>
+            <p:cNvPr id="13" name="Conector angular 12"/>
+            <p:cNvCxnSpPr>
+              <a:stCxn id="5" idx="2"/>
+              <a:endCxn id="6" idx="1"/>
+            </p:cNvCxnSpPr>
+            <p:nvPr/>
+          </p:nvCxnSpPr>
+          <p:spPr>
+            <a:xfrm rot="16200000" flipH="1">
+              <a:off x="2039156" y="3312019"/>
+              <a:ext cx="244699" cy="948744"/>
+            </a:xfrm>
+            <a:prstGeom prst="bentConnector2">
+              <a:avLst/>
+            </a:prstGeom>
+            <a:ln>
+              <a:tailEnd type="triangle"/>
+            </a:ln>
+          </p:spPr>
+          <p:style>
+            <a:lnRef idx="1">
+              <a:schemeClr val="accent1"/>
+            </a:lnRef>
+            <a:fillRef idx="0">
+              <a:schemeClr val="accent1"/>
+            </a:fillRef>
+            <a:effectRef idx="0">
+              <a:schemeClr val="accent1"/>
+            </a:effectRef>
+            <a:fontRef idx="minor">
+              <a:schemeClr val="tx1"/>
+            </a:fontRef>
+          </p:style>
+        </p:cxnSp>
+        <p:sp>
+          <p:nvSpPr>
+            <p:cNvPr id="14" name="CuadroTexto 13"/>
+            <p:cNvSpPr txBox="1"/>
+            <p:nvPr/>
+          </p:nvSpPr>
+          <p:spPr>
+            <a:xfrm>
+              <a:off x="1536880" y="2634513"/>
+              <a:ext cx="1249251" cy="1569660"/>
+            </a:xfrm>
+            <a:prstGeom prst="rect">
+              <a:avLst/>
+            </a:prstGeom>
+            <a:noFill/>
+          </p:spPr>
+          <p:txBody>
+            <a:bodyPr wrap="square" rtlCol="0">
+              <a:spAutoFit/>
+            </a:bodyPr>
+            <a:lstStyle/>
+            <a:p>
+              <a:r>
+                <a:rPr lang="es-CL" sz="1200" dirty="0" err="1" smtClean="0">
+                  <a:latin typeface="Consolas" panose="020B0609020204030204" pitchFamily="49" charset="0"/>
+                </a:rPr>
+                <a:t>ini</a:t>
+              </a:r>
+              <a:r>
+                <a:rPr lang="es-CL" sz="1200" dirty="0" smtClean="0">
+                  <a:latin typeface="Consolas" panose="020B0609020204030204" pitchFamily="49" charset="0"/>
+                </a:rPr>
+                <a:t>[1] &lt; 20</a:t>
+              </a:r>
+            </a:p>
+            <a:p>
+              <a:endParaRPr lang="es-CL" sz="1200" dirty="0">
+                <a:latin typeface="Consolas" panose="020B0609020204030204" pitchFamily="49" charset="0"/>
+              </a:endParaRPr>
+            </a:p>
+            <a:p>
+              <a:endParaRPr lang="es-CL" sz="1200" dirty="0" smtClean="0">
+                <a:latin typeface="Consolas" panose="020B0609020204030204" pitchFamily="49" charset="0"/>
+              </a:endParaRPr>
+            </a:p>
+            <a:p>
+              <a:endParaRPr lang="es-CL" sz="1200" dirty="0" smtClean="0">
+                <a:latin typeface="Consolas" panose="020B0609020204030204" pitchFamily="49" charset="0"/>
+              </a:endParaRPr>
+            </a:p>
+            <a:p>
+              <a:endParaRPr lang="es-CL" sz="1200" dirty="0">
+                <a:latin typeface="Consolas" panose="020B0609020204030204" pitchFamily="49" charset="0"/>
+              </a:endParaRPr>
+            </a:p>
+            <a:p>
+              <a:endParaRPr lang="es-CL" sz="1200" dirty="0" smtClean="0">
+                <a:latin typeface="Consolas" panose="020B0609020204030204" pitchFamily="49" charset="0"/>
+              </a:endParaRPr>
+            </a:p>
+            <a:p>
+              <a:endParaRPr lang="es-CL" sz="1200" dirty="0" smtClean="0">
+                <a:latin typeface="Consolas" panose="020B0609020204030204" pitchFamily="49" charset="0"/>
+              </a:endParaRPr>
+            </a:p>
+            <a:p>
+              <a:r>
+                <a:rPr lang="es-CL" sz="1200" dirty="0" err="1">
+                  <a:latin typeface="Consolas" panose="020B0609020204030204" pitchFamily="49" charset="0"/>
+                </a:rPr>
+                <a:t>ini</a:t>
+              </a:r>
+              <a:r>
+                <a:rPr lang="es-CL" sz="1200" dirty="0">
+                  <a:latin typeface="Consolas" panose="020B0609020204030204" pitchFamily="49" charset="0"/>
+                </a:rPr>
+                <a:t>[1] </a:t>
+              </a:r>
+              <a:r>
+                <a:rPr lang="es-CL" sz="1200" dirty="0" smtClean="0">
+                  <a:latin typeface="Consolas" panose="020B0609020204030204" pitchFamily="49" charset="0"/>
+                </a:rPr>
+                <a:t>&gt; 20</a:t>
+              </a:r>
+              <a:endParaRPr lang="es-419" sz="1200" dirty="0">
+                <a:latin typeface="Consolas" panose="020B0609020204030204" pitchFamily="49" charset="0"/>
+              </a:endParaRPr>
+            </a:p>
+          </p:txBody>
+        </p:sp>
+        <p:sp>
+          <p:nvSpPr>
+            <p:cNvPr id="15" name="CuadroTexto 14"/>
+            <p:cNvSpPr txBox="1"/>
+            <p:nvPr/>
+          </p:nvSpPr>
+          <p:spPr>
+            <a:xfrm>
+              <a:off x="1184857" y="2360685"/>
+              <a:ext cx="1556195" cy="276999"/>
+            </a:xfrm>
+            <a:prstGeom prst="rect">
+              <a:avLst/>
+            </a:prstGeom>
+            <a:noFill/>
+          </p:spPr>
+          <p:txBody>
+            <a:bodyPr wrap="square" rtlCol="0">
+              <a:spAutoFit/>
+            </a:bodyPr>
+            <a:lstStyle/>
+            <a:p>
+              <a:r>
+                <a:rPr lang="es-CL" sz="1200" b="1" dirty="0" smtClean="0">
+                  <a:solidFill>
+                    <a:schemeClr val="accent1">
+                      <a:lumMod val="50000"/>
+                    </a:schemeClr>
+                  </a:solidFill>
+                  <a:latin typeface="Consolas" panose="020B0609020204030204" pitchFamily="49" charset="0"/>
+                </a:rPr>
+                <a:t>Periodo inicial</a:t>
+              </a:r>
+              <a:endParaRPr lang="es-419" sz="1200" b="1" dirty="0">
+                <a:solidFill>
+                  <a:schemeClr val="accent1">
+                    <a:lumMod val="50000"/>
+                  </a:schemeClr>
+                </a:solidFill>
+                <a:latin typeface="Consolas" panose="020B0609020204030204" pitchFamily="49" charset="0"/>
+              </a:endParaRPr>
+            </a:p>
+          </p:txBody>
+        </p:sp>
+      </p:grpSp>
+    </p:spTree>
+    <p:extLst>
+      <p:ext uri="{BB962C8B-B14F-4D97-AF65-F5344CB8AC3E}">
+        <p14:creationId xmlns:p14="http://schemas.microsoft.com/office/powerpoint/2010/main" val="3864792674"/>
+      </p:ext>
+    </p:extLst>
+  </p:cSld>
+  <p:clrMapOvr>
+    <a:masterClrMapping/>
+  </p:clrMapOvr>
+  <p:timing>
+    <p:tnLst>
+      <p:par>
+        <p:cTn id="1" dur="indefinite" restart="never" nodeType="tmRoot"/>
+      </p:par>
+    </p:tnLst>
+  </p:timing>
+</p:sld>
+</file>
+
+<file path=ppt/slides/slide14.xml><?xml version="1.0" encoding="utf-8"?>
+<p:sld xmlns:a="http://schemas.openxmlformats.org/drawingml/2006/main" xmlns:r="http://schemas.openxmlformats.org/officeDocument/2006/relationships" xmlns:p="http://schemas.openxmlformats.org/presentationml/2006/main">
+  <p:cSld>
+    <p:spTree>
+      <p:nvGrpSpPr>
+        <p:cNvPr id="1" name=""/>
+        <p:cNvGrpSpPr/>
+        <p:nvPr/>
+      </p:nvGrpSpPr>
+      <p:grpSpPr>
+        <a:xfrm>
+          <a:off x="0" y="0"/>
+          <a:ext cx="0" cy="0"/>
+          <a:chOff x="0" y="0"/>
+          <a:chExt cx="0" cy="0"/>
+        </a:xfrm>
+      </p:grpSpPr>
+      <p:sp>
+        <p:nvSpPr>
+          <p:cNvPr id="4" name="CuadroTexto 3"/>
+          <p:cNvSpPr txBox="1"/>
+          <p:nvPr/>
+        </p:nvSpPr>
+        <p:spPr>
+          <a:xfrm>
+            <a:off x="180304" y="180304"/>
+            <a:ext cx="11552350" cy="677108"/>
+          </a:xfrm>
+          <a:prstGeom prst="rect">
+            <a:avLst/>
+          </a:prstGeom>
+          <a:noFill/>
+        </p:spPr>
+        <p:txBody>
+          <a:bodyPr wrap="square" rtlCol="0">
+            <a:spAutoFit/>
+          </a:bodyPr>
+          <a:lstStyle/>
+          <a:p>
+            <a:r>
+              <a:rPr lang="es-CL" sz="2400" b="1" smtClean="0"/>
+              <a:t>Ruta del archivo de Filtro</a:t>
+            </a:r>
+            <a:endParaRPr lang="es-CL" sz="2400" b="1" dirty="0" smtClean="0"/>
+          </a:p>
+          <a:p>
+            <a:endParaRPr lang="es-CL" sz="1400" dirty="0" smtClean="0"/>
+          </a:p>
+        </p:txBody>
+      </p:sp>
+      <p:sp>
+        <p:nvSpPr>
+          <p:cNvPr id="2" name="Rectángulo 1"/>
+          <p:cNvSpPr/>
+          <p:nvPr/>
+        </p:nvSpPr>
+        <p:spPr>
+          <a:xfrm>
+            <a:off x="1449860" y="1005693"/>
+            <a:ext cx="1206843" cy="601362"/>
+          </a:xfrm>
+          <a:prstGeom prst="rect">
+            <a:avLst/>
+          </a:prstGeom>
+        </p:spPr>
+        <p:style>
+          <a:lnRef idx="2">
+            <a:schemeClr val="accent1"/>
+          </a:lnRef>
+          <a:fillRef idx="1">
+            <a:schemeClr val="lt1"/>
+          </a:fillRef>
+          <a:effectRef idx="0">
+            <a:schemeClr val="accent1"/>
+          </a:effectRef>
+          <a:fontRef idx="minor">
+            <a:schemeClr val="dk1"/>
+          </a:fontRef>
+        </p:style>
+        <p:txBody>
+          <a:bodyPr rtlCol="0" anchor="ctr"/>
+          <a:lstStyle/>
+          <a:p>
+            <a:pPr algn="ctr"/>
+            <a:r>
+              <a:rPr lang="es-CL" sz="1400" smtClean="0"/>
+              <a:t>files en directorio</a:t>
+            </a:r>
+            <a:endParaRPr lang="es-CL" sz="1400"/>
+          </a:p>
+        </p:txBody>
+      </p:sp>
+      <p:sp>
+        <p:nvSpPr>
+          <p:cNvPr id="12" name="Rectángulo 11"/>
+          <p:cNvSpPr/>
+          <p:nvPr/>
+        </p:nvSpPr>
+        <p:spPr>
+          <a:xfrm>
+            <a:off x="3163331" y="1005693"/>
+            <a:ext cx="1301576" cy="601362"/>
+          </a:xfrm>
+          <a:prstGeom prst="rect">
+            <a:avLst/>
+          </a:prstGeom>
+        </p:spPr>
+        <p:style>
+          <a:lnRef idx="0">
+            <a:schemeClr val="accent5"/>
+          </a:lnRef>
+          <a:fillRef idx="3">
+            <a:schemeClr val="accent5"/>
+          </a:fillRef>
+          <a:effectRef idx="3">
+            <a:schemeClr val="accent5"/>
+          </a:effectRef>
+          <a:fontRef idx="minor">
+            <a:schemeClr val="lt1"/>
+          </a:fontRef>
+        </p:style>
+        <p:txBody>
+          <a:bodyPr rtlCol="0" anchor="ctr"/>
+          <a:lstStyle/>
+          <a:p>
+            <a:pPr algn="ctr"/>
+            <a:r>
+              <a:rPr lang="es-CL" sz="1400" smtClean="0"/>
+              <a:t>reactive</a:t>
+            </a:r>
+          </a:p>
+          <a:p>
+            <a:pPr algn="ctr"/>
+            <a:r>
+              <a:rPr lang="es-CL" sz="1200" smtClean="0">
+                <a:latin typeface="Courier New" panose="02070309020205020404" pitchFamily="49" charset="0"/>
+                <a:cs typeface="Courier New" panose="02070309020205020404" pitchFamily="49" charset="0"/>
+              </a:rPr>
+              <a:t>subjectDF()</a:t>
+            </a:r>
+            <a:endParaRPr lang="es-CL" sz="1400">
+              <a:latin typeface="Courier New" panose="02070309020205020404" pitchFamily="49" charset="0"/>
+              <a:cs typeface="Courier New" panose="02070309020205020404" pitchFamily="49" charset="0"/>
+            </a:endParaRPr>
+          </a:p>
+        </p:txBody>
+      </p:sp>
+      <p:sp>
+        <p:nvSpPr>
+          <p:cNvPr id="17" name="Rectángulo 16"/>
+          <p:cNvSpPr/>
+          <p:nvPr/>
+        </p:nvSpPr>
+        <p:spPr>
+          <a:xfrm>
+            <a:off x="4971535" y="1009811"/>
+            <a:ext cx="1301576" cy="601362"/>
+          </a:xfrm>
+          <a:prstGeom prst="rect">
+            <a:avLst/>
+          </a:prstGeom>
+        </p:spPr>
+        <p:style>
+          <a:lnRef idx="0">
+            <a:schemeClr val="accent5"/>
+          </a:lnRef>
+          <a:fillRef idx="3">
+            <a:schemeClr val="accent5"/>
+          </a:fillRef>
+          <a:effectRef idx="3">
+            <a:schemeClr val="accent5"/>
+          </a:effectRef>
+          <a:fontRef idx="minor">
+            <a:schemeClr val="lt1"/>
+          </a:fontRef>
+        </p:style>
+        <p:txBody>
+          <a:bodyPr rtlCol="0" anchor="ctr"/>
+          <a:lstStyle/>
+          <a:p>
+            <a:pPr algn="ctr"/>
+            <a:r>
+              <a:rPr lang="es-CL" sz="1400"/>
+              <a:t>radioButtons</a:t>
+            </a:r>
+          </a:p>
+          <a:p>
+            <a:pPr algn="ctr"/>
+            <a:r>
+              <a:rPr lang="es-CL" sz="1200">
+                <a:latin typeface="Courier New" panose="02070309020205020404" pitchFamily="49" charset="0"/>
+                <a:cs typeface="Courier New" panose="02070309020205020404" pitchFamily="49" charset="0"/>
+              </a:rPr>
+              <a:t>awd_select()</a:t>
+            </a:r>
+          </a:p>
+        </p:txBody>
+      </p:sp>
+      <p:sp>
+        <p:nvSpPr>
+          <p:cNvPr id="18" name="Rectángulo 17"/>
+          <p:cNvSpPr/>
+          <p:nvPr/>
+        </p:nvSpPr>
+        <p:spPr>
+          <a:xfrm>
+            <a:off x="6779739" y="1005693"/>
+            <a:ext cx="1301576" cy="601362"/>
+          </a:xfrm>
+          <a:prstGeom prst="rect">
+            <a:avLst/>
+          </a:prstGeom>
+        </p:spPr>
+        <p:style>
+          <a:lnRef idx="0">
+            <a:schemeClr val="accent5"/>
+          </a:lnRef>
+          <a:fillRef idx="3">
+            <a:schemeClr val="accent5"/>
+          </a:fillRef>
+          <a:effectRef idx="3">
+            <a:schemeClr val="accent5"/>
+          </a:effectRef>
+          <a:fontRef idx="minor">
+            <a:schemeClr val="lt1"/>
+          </a:fontRef>
+        </p:style>
+        <p:txBody>
+          <a:bodyPr rtlCol="0" anchor="ctr"/>
+          <a:lstStyle/>
+          <a:p>
+            <a:pPr algn="ctr"/>
+            <a:r>
+              <a:rPr lang="es-CL" sz="1400" smtClean="0"/>
+              <a:t>Sujeto</a:t>
+            </a:r>
+            <a:endParaRPr lang="es-CL" sz="1400"/>
+          </a:p>
+          <a:p>
+            <a:pPr algn="ctr"/>
+            <a:r>
+              <a:rPr lang="es-CL" sz="1200" smtClean="0">
+                <a:latin typeface="Courier New" panose="02070309020205020404" pitchFamily="49" charset="0"/>
+                <a:cs typeface="Courier New" panose="02070309020205020404" pitchFamily="49" charset="0"/>
+              </a:rPr>
+              <a:t>awd_file()</a:t>
+            </a:r>
+            <a:endParaRPr lang="es-CL" sz="1200">
+              <a:latin typeface="Courier New" panose="02070309020205020404" pitchFamily="49" charset="0"/>
+              <a:cs typeface="Courier New" panose="02070309020205020404" pitchFamily="49" charset="0"/>
+            </a:endParaRPr>
+          </a:p>
+        </p:txBody>
+      </p:sp>
+      <p:cxnSp>
+        <p:nvCxnSpPr>
+          <p:cNvPr id="8" name="Conector recto de flecha 7"/>
+          <p:cNvCxnSpPr>
+            <a:stCxn id="2" idx="3"/>
+            <a:endCxn id="12" idx="1"/>
+          </p:cNvCxnSpPr>
+          <p:nvPr/>
+        </p:nvCxnSpPr>
+        <p:spPr>
+          <a:xfrm>
+            <a:off x="2656703" y="1306374"/>
+            <a:ext cx="506628" cy="0"/>
+          </a:xfrm>
+          <a:prstGeom prst="straightConnector1">
+            <a:avLst/>
+          </a:prstGeom>
+          <a:ln w="28575">
+            <a:tailEnd type="triangle"/>
+          </a:ln>
+        </p:spPr>
+        <p:style>
+          <a:lnRef idx="1">
+            <a:schemeClr val="accent1"/>
+          </a:lnRef>
+          <a:fillRef idx="0">
+            <a:schemeClr val="accent1"/>
+          </a:fillRef>
+          <a:effectRef idx="0">
+            <a:schemeClr val="accent1"/>
+          </a:effectRef>
+          <a:fontRef idx="minor">
+            <a:schemeClr val="tx1"/>
+          </a:fontRef>
+        </p:style>
+      </p:cxnSp>
+      <p:cxnSp>
+        <p:nvCxnSpPr>
+          <p:cNvPr id="10" name="Conector recto de flecha 9"/>
+          <p:cNvCxnSpPr>
+            <a:stCxn id="12" idx="3"/>
+            <a:endCxn id="17" idx="1"/>
+          </p:cNvCxnSpPr>
+          <p:nvPr/>
+        </p:nvCxnSpPr>
+        <p:spPr>
+          <a:xfrm>
+            <a:off x="4464907" y="1306374"/>
+            <a:ext cx="506628" cy="4118"/>
+          </a:xfrm>
+          <a:prstGeom prst="straightConnector1">
+            <a:avLst/>
+          </a:prstGeom>
+          <a:ln w="28575">
+            <a:tailEnd type="triangle"/>
+          </a:ln>
+        </p:spPr>
+        <p:style>
+          <a:lnRef idx="1">
+            <a:schemeClr val="accent1"/>
+          </a:lnRef>
+          <a:fillRef idx="0">
+            <a:schemeClr val="accent1"/>
+          </a:fillRef>
+          <a:effectRef idx="0">
+            <a:schemeClr val="accent1"/>
+          </a:effectRef>
+          <a:fontRef idx="minor">
+            <a:schemeClr val="tx1"/>
+          </a:fontRef>
+        </p:style>
+      </p:cxnSp>
+      <p:cxnSp>
+        <p:nvCxnSpPr>
+          <p:cNvPr id="20" name="Conector recto de flecha 19"/>
+          <p:cNvCxnSpPr>
+            <a:endCxn id="18" idx="1"/>
+          </p:cNvCxnSpPr>
+          <p:nvPr/>
+        </p:nvCxnSpPr>
+        <p:spPr>
+          <a:xfrm>
+            <a:off x="6273111" y="1306374"/>
+            <a:ext cx="506628" cy="0"/>
+          </a:xfrm>
+          <a:prstGeom prst="straightConnector1">
+            <a:avLst/>
+          </a:prstGeom>
+          <a:ln w="28575">
+            <a:tailEnd type="triangle"/>
+          </a:ln>
+        </p:spPr>
+        <p:style>
+          <a:lnRef idx="1">
+            <a:schemeClr val="accent1"/>
+          </a:lnRef>
+          <a:fillRef idx="0">
+            <a:schemeClr val="accent1"/>
+          </a:fillRef>
+          <a:effectRef idx="0">
+            <a:schemeClr val="accent1"/>
+          </a:effectRef>
+          <a:fontRef idx="minor">
+            <a:schemeClr val="tx1"/>
+          </a:fontRef>
+        </p:style>
+      </p:cxnSp>
+      <p:sp>
+        <p:nvSpPr>
+          <p:cNvPr id="21" name="Rectángulo 20">
+            <a:hlinkClick r:id="rId2" action="ppaction://hlinksldjump"/>
+          </p:cNvPr>
+          <p:cNvSpPr/>
+          <p:nvPr/>
+        </p:nvSpPr>
+        <p:spPr>
+          <a:xfrm>
+            <a:off x="8587943" y="1005693"/>
+            <a:ext cx="1206843" cy="601362"/>
+          </a:xfrm>
+          <a:prstGeom prst="rect">
+            <a:avLst/>
+          </a:prstGeom>
+        </p:spPr>
+        <p:style>
+          <a:lnRef idx="2">
+            <a:schemeClr val="accent1"/>
+          </a:lnRef>
+          <a:fillRef idx="1">
+            <a:schemeClr val="lt1"/>
+          </a:fillRef>
+          <a:effectRef idx="0">
+            <a:schemeClr val="accent1"/>
+          </a:effectRef>
+          <a:fontRef idx="minor">
+            <a:schemeClr val="dk1"/>
+          </a:fontRef>
+        </p:style>
+        <p:txBody>
+          <a:bodyPr rtlCol="0" anchor="ctr"/>
+          <a:lstStyle/>
+          <a:p>
+            <a:pPr algn="ctr"/>
+            <a:r>
+              <a:rPr lang="es-CL" sz="1400" smtClean="0"/>
+              <a:t>Primer</a:t>
+            </a:r>
+          </a:p>
+          <a:p>
+            <a:pPr algn="ctr"/>
+            <a:r>
+              <a:rPr lang="es-CL" sz="1400" smtClean="0"/>
+              <a:t>procesado</a:t>
+            </a:r>
+            <a:endParaRPr lang="es-CL" sz="1400"/>
+          </a:p>
+        </p:txBody>
+      </p:sp>
+      <p:cxnSp>
+        <p:nvCxnSpPr>
+          <p:cNvPr id="23" name="Conector recto de flecha 22"/>
+          <p:cNvCxnSpPr>
+            <a:stCxn id="18" idx="3"/>
+            <a:endCxn id="21" idx="1"/>
+          </p:cNvCxnSpPr>
+          <p:nvPr/>
+        </p:nvCxnSpPr>
+        <p:spPr>
+          <a:xfrm>
+            <a:off x="8081315" y="1306374"/>
+            <a:ext cx="506628" cy="0"/>
+          </a:xfrm>
+          <a:prstGeom prst="straightConnector1">
+            <a:avLst/>
+          </a:prstGeom>
+          <a:ln w="28575">
+            <a:tailEnd type="triangle"/>
+          </a:ln>
+        </p:spPr>
+        <p:style>
+          <a:lnRef idx="1">
+            <a:schemeClr val="accent1"/>
+          </a:lnRef>
+          <a:fillRef idx="0">
+            <a:schemeClr val="accent1"/>
+          </a:fillRef>
+          <a:effectRef idx="0">
+            <a:schemeClr val="accent1"/>
+          </a:effectRef>
+          <a:fontRef idx="minor">
+            <a:schemeClr val="tx1"/>
+          </a:fontRef>
+        </p:style>
+      </p:cxnSp>
+      <p:sp>
+        <p:nvSpPr>
+          <p:cNvPr id="24" name="Rectángulo 23"/>
+          <p:cNvSpPr/>
+          <p:nvPr/>
+        </p:nvSpPr>
+        <p:spPr>
+          <a:xfrm>
+            <a:off x="1449860" y="2284163"/>
+            <a:ext cx="1903186" cy="612000"/>
+          </a:xfrm>
+          <a:prstGeom prst="rect">
+            <a:avLst/>
+          </a:prstGeom>
+        </p:spPr>
+        <p:style>
+          <a:lnRef idx="2">
+            <a:schemeClr val="accent1"/>
+          </a:lnRef>
+          <a:fillRef idx="1">
+            <a:schemeClr val="lt1"/>
+          </a:fillRef>
+          <a:effectRef idx="0">
+            <a:schemeClr val="accent1"/>
+          </a:effectRef>
+          <a:fontRef idx="minor">
+            <a:schemeClr val="dk1"/>
+          </a:fontRef>
+        </p:style>
+        <p:txBody>
+          <a:bodyPr rtlCol="0" anchor="ctr"/>
+          <a:lstStyle/>
+          <a:p>
+            <a:pPr algn="ctr"/>
+            <a:r>
+              <a:rPr lang="es-CL" sz="1600" smtClean="0"/>
+              <a:t>Archivo de filtros</a:t>
+            </a:r>
+            <a:endParaRPr lang="es-CL" sz="1600" dirty="0" smtClean="0"/>
+          </a:p>
+          <a:p>
+            <a:pPr algn="ctr"/>
+            <a:r>
+              <a:rPr lang="es-CL" sz="1200" smtClean="0">
+                <a:latin typeface="Courier New" panose="02070309020205020404" pitchFamily="49" charset="0"/>
+                <a:cs typeface="Courier New" panose="02070309020205020404" pitchFamily="49" charset="0"/>
+              </a:rPr>
+              <a:t>awd_file().epi.rds</a:t>
+            </a:r>
+            <a:endParaRPr lang="es-419" sz="1200" dirty="0">
+              <a:latin typeface="Courier New" panose="02070309020205020404" pitchFamily="49" charset="0"/>
+              <a:cs typeface="Courier New" panose="02070309020205020404" pitchFamily="49" charset="0"/>
+            </a:endParaRPr>
+          </a:p>
+        </p:txBody>
+      </p:sp>
+      <p:cxnSp>
+        <p:nvCxnSpPr>
+          <p:cNvPr id="26" name="Conector angular 25"/>
+          <p:cNvCxnSpPr>
+            <a:stCxn id="21" idx="2"/>
+            <a:endCxn id="24" idx="0"/>
+          </p:cNvCxnSpPr>
+          <p:nvPr/>
+        </p:nvCxnSpPr>
+        <p:spPr>
+          <a:xfrm rot="5400000">
+            <a:off x="5457855" y="-1449347"/>
+            <a:ext cx="677108" cy="6789912"/>
+          </a:xfrm>
+          <a:prstGeom prst="bentConnector3">
+            <a:avLst/>
+          </a:prstGeom>
+          <a:ln w="28575">
+            <a:tailEnd type="triangle"/>
+          </a:ln>
+        </p:spPr>
+        <p:style>
+          <a:lnRef idx="1">
+            <a:schemeClr val="accent2"/>
+          </a:lnRef>
+          <a:fillRef idx="0">
+            <a:schemeClr val="accent2"/>
+          </a:fillRef>
+          <a:effectRef idx="0">
+            <a:schemeClr val="accent2"/>
+          </a:effectRef>
+          <a:fontRef idx="minor">
+            <a:schemeClr val="tx1"/>
+          </a:fontRef>
+        </p:style>
+      </p:cxnSp>
+      <p:sp>
+        <p:nvSpPr>
+          <p:cNvPr id="27" name="Rectángulo 26"/>
+          <p:cNvSpPr/>
+          <p:nvPr/>
+        </p:nvSpPr>
+        <p:spPr>
+          <a:xfrm>
+            <a:off x="4114799" y="2284163"/>
+            <a:ext cx="1206843" cy="612000"/>
+          </a:xfrm>
+          <a:prstGeom prst="rect">
+            <a:avLst/>
+          </a:prstGeom>
+        </p:spPr>
+        <p:style>
+          <a:lnRef idx="2">
+            <a:schemeClr val="accent1"/>
+          </a:lnRef>
+          <a:fillRef idx="1">
+            <a:schemeClr val="lt1"/>
+          </a:fillRef>
+          <a:effectRef idx="0">
+            <a:schemeClr val="accent1"/>
+          </a:effectRef>
+          <a:fontRef idx="minor">
+            <a:schemeClr val="dk1"/>
+          </a:fontRef>
+        </p:style>
+        <p:txBody>
+          <a:bodyPr rtlCol="0" anchor="ctr"/>
+          <a:lstStyle/>
+          <a:p>
+            <a:pPr algn="ctr"/>
+            <a:r>
+              <a:rPr lang="es-CL" sz="1400" smtClean="0"/>
+              <a:t>Edición</a:t>
+            </a:r>
+          </a:p>
+          <a:p>
+            <a:pPr algn="ctr"/>
+            <a:r>
+              <a:rPr lang="es-CL" sz="1200" smtClean="0">
+                <a:latin typeface="Courier New" panose="02070309020205020404" pitchFamily="49" charset="0"/>
+                <a:cs typeface="Courier New" panose="02070309020205020404" pitchFamily="49" charset="0"/>
+              </a:rPr>
+              <a:t>readRDS()</a:t>
+            </a:r>
+            <a:endParaRPr lang="es-CL" sz="1400">
+              <a:latin typeface="Courier New" panose="02070309020205020404" pitchFamily="49" charset="0"/>
+              <a:cs typeface="Courier New" panose="02070309020205020404" pitchFamily="49" charset="0"/>
+            </a:endParaRPr>
+          </a:p>
+        </p:txBody>
+      </p:sp>
+      <p:sp>
+        <p:nvSpPr>
+          <p:cNvPr id="28" name="Rectángulo 27"/>
+          <p:cNvSpPr/>
+          <p:nvPr/>
+        </p:nvSpPr>
+        <p:spPr>
+          <a:xfrm>
+            <a:off x="6083395" y="2284163"/>
+            <a:ext cx="1301576" cy="612000"/>
+          </a:xfrm>
+          <a:prstGeom prst="rect">
+            <a:avLst/>
+          </a:prstGeom>
+        </p:spPr>
+        <p:style>
+          <a:lnRef idx="0">
+            <a:schemeClr val="accent5"/>
+          </a:lnRef>
+          <a:fillRef idx="3">
+            <a:schemeClr val="accent5"/>
+          </a:fillRef>
+          <a:effectRef idx="3">
+            <a:schemeClr val="accent5"/>
+          </a:effectRef>
+          <a:fontRef idx="minor">
+            <a:schemeClr val="lt1"/>
+          </a:fontRef>
+        </p:style>
+        <p:txBody>
+          <a:bodyPr rtlCol="0" anchor="ctr"/>
+          <a:lstStyle/>
+          <a:p>
+            <a:pPr algn="ctr"/>
+            <a:r>
+              <a:rPr lang="es-CL" sz="1400" smtClean="0"/>
+              <a:t>reactive</a:t>
+            </a:r>
+          </a:p>
+          <a:p>
+            <a:pPr algn="ctr"/>
+            <a:r>
+              <a:rPr lang="es-CL" sz="1200">
+                <a:latin typeface="Courier New" panose="02070309020205020404" pitchFamily="49" charset="0"/>
+                <a:cs typeface="Courier New" panose="02070309020205020404" pitchFamily="49" charset="0"/>
+              </a:rPr>
+              <a:t>filterRDS()</a:t>
+            </a:r>
+            <a:endParaRPr lang="es-CL" sz="1400">
+              <a:latin typeface="Courier New" panose="02070309020205020404" pitchFamily="49" charset="0"/>
+              <a:cs typeface="Courier New" panose="02070309020205020404" pitchFamily="49" charset="0"/>
+            </a:endParaRPr>
+          </a:p>
+        </p:txBody>
+      </p:sp>
+      <p:cxnSp>
+        <p:nvCxnSpPr>
+          <p:cNvPr id="30" name="Conector recto de flecha 29"/>
+          <p:cNvCxnSpPr>
+            <a:stCxn id="24" idx="3"/>
+            <a:endCxn id="27" idx="1"/>
+          </p:cNvCxnSpPr>
+          <p:nvPr/>
+        </p:nvCxnSpPr>
+        <p:spPr>
+          <a:xfrm>
+            <a:off x="3353046" y="2590163"/>
+            <a:ext cx="761753" cy="0"/>
+          </a:xfrm>
+          <a:prstGeom prst="straightConnector1">
+            <a:avLst/>
+          </a:prstGeom>
+          <a:ln w="28575">
+            <a:tailEnd type="triangle"/>
+          </a:ln>
+        </p:spPr>
+        <p:style>
+          <a:lnRef idx="1">
+            <a:schemeClr val="accent1"/>
+          </a:lnRef>
+          <a:fillRef idx="0">
+            <a:schemeClr val="accent1"/>
+          </a:fillRef>
+          <a:effectRef idx="0">
+            <a:schemeClr val="accent1"/>
+          </a:effectRef>
+          <a:fontRef idx="minor">
+            <a:schemeClr val="tx1"/>
+          </a:fontRef>
+        </p:style>
+      </p:cxnSp>
+      <p:cxnSp>
+        <p:nvCxnSpPr>
+          <p:cNvPr id="32" name="Conector recto de flecha 31"/>
+          <p:cNvCxnSpPr>
+            <a:stCxn id="27" idx="3"/>
+            <a:endCxn id="28" idx="1"/>
+          </p:cNvCxnSpPr>
+          <p:nvPr/>
+        </p:nvCxnSpPr>
+        <p:spPr>
+          <a:xfrm>
+            <a:off x="5321642" y="2590163"/>
+            <a:ext cx="761753" cy="0"/>
+          </a:xfrm>
+          <a:prstGeom prst="straightConnector1">
+            <a:avLst/>
+          </a:prstGeom>
+          <a:ln w="28575">
+            <a:tailEnd type="triangle"/>
+          </a:ln>
+        </p:spPr>
+        <p:style>
+          <a:lnRef idx="1">
+            <a:schemeClr val="accent1"/>
+          </a:lnRef>
+          <a:fillRef idx="0">
+            <a:schemeClr val="accent1"/>
+          </a:fillRef>
+          <a:effectRef idx="0">
+            <a:schemeClr val="accent1"/>
+          </a:effectRef>
+          <a:fontRef idx="minor">
+            <a:schemeClr val="tx1"/>
+          </a:fontRef>
+        </p:style>
+      </p:cxnSp>
+    </p:spTree>
+    <p:extLst>
+      <p:ext uri="{BB962C8B-B14F-4D97-AF65-F5344CB8AC3E}">
+        <p14:creationId xmlns:p14="http://schemas.microsoft.com/office/powerpoint/2010/main" val="828378502"/>
       </p:ext>
     </p:extLst>
   </p:cSld>
@@ -6852,11 +8017,6 @@
               </a:rPr>
               <a:t>Procesado en masa</a:t>
             </a:r>
-            <a:endParaRPr lang="es-CL" b="1" dirty="0" smtClean="0">
-              <a:solidFill>
-                <a:srgbClr val="C00000"/>
-              </a:solidFill>
-            </a:endParaRPr>
           </a:p>
           <a:p>
             <a:pPr algn="ctr"/>
@@ -9524,30 +10684,31 @@
           <a:p>
             <a:pPr algn="ctr"/>
             <a:r>
-              <a:rPr lang="es-CL" sz="1600" dirty="0" err="1" smtClean="0"/>
+              <a:rPr lang="es-CL" sz="1200" dirty="0" err="1" smtClean="0">
+                <a:latin typeface="Consolas" panose="020B0609020204030204" pitchFamily="49" charset="0"/>
+              </a:rPr>
               <a:t>awdfile</a:t>
             </a:r>
             <a:r>
-              <a:rPr lang="es-CL" sz="1600" dirty="0" smtClean="0"/>
+              <a:rPr lang="es-CL" sz="1200" dirty="0" smtClean="0">
+                <a:latin typeface="Consolas" panose="020B0609020204030204" pitchFamily="49" charset="0"/>
+              </a:rPr>
               <a:t>()</a:t>
             </a:r>
-            <a:endParaRPr lang="es-CL" sz="1600" dirty="0" smtClean="0"/>
-          </a:p>
-          <a:p>
-            <a:pPr algn="ctr"/>
-            <a:r>
-              <a:rPr lang="es-CL" sz="1600" dirty="0" smtClean="0"/>
-              <a:t>(</a:t>
-            </a:r>
-            <a:r>
-              <a:rPr lang="es-CL" sz="1600" dirty="0" err="1" smtClean="0"/>
-              <a:t>obj:str</a:t>
-            </a:r>
-            <a:r>
-              <a:rPr lang="es-CL" sz="1600" dirty="0" smtClean="0"/>
-              <a:t>)</a:t>
-            </a:r>
-            <a:endParaRPr lang="es-419" sz="1600" dirty="0"/>
+          </a:p>
+          <a:p>
+            <a:pPr algn="ctr"/>
+            <a:r>
+              <a:rPr lang="es-CL" sz="1100" smtClean="0">
+                <a:latin typeface="Courier New" panose="02070309020205020404" pitchFamily="49" charset="0"/>
+                <a:cs typeface="Courier New" panose="02070309020205020404" pitchFamily="49" charset="0"/>
+              </a:rPr>
+              <a:t>{character}</a:t>
+            </a:r>
+            <a:endParaRPr lang="es-419" sz="1100" dirty="0">
+              <a:latin typeface="Courier New" panose="02070309020205020404" pitchFamily="49" charset="0"/>
+              <a:cs typeface="Courier New" panose="02070309020205020404" pitchFamily="49" charset="0"/>
+            </a:endParaRPr>
           </a:p>
         </p:txBody>
       </p:sp>
@@ -9588,21 +10749,14 @@
           <a:p>
             <a:pPr algn="ctr"/>
             <a:r>
-              <a:rPr lang="es-CL" dirty="0" err="1" smtClean="0"/>
-              <a:t>create</a:t>
-            </a:r>
-            <a:r>
-              <a:rPr lang="es-CL" dirty="0" smtClean="0"/>
-              <a:t/>
-            </a:r>
-            <a:br>
-              <a:rPr lang="es-CL" dirty="0" smtClean="0"/>
-            </a:br>
-            <a:r>
-              <a:rPr lang="es-CL" dirty="0" err="1" smtClean="0"/>
-              <a:t>acv</a:t>
-            </a:r>
-            <a:endParaRPr lang="es-419" dirty="0"/>
+              <a:rPr lang="es-CL" sz="1100" smtClean="0">
+                <a:latin typeface="Consolas" panose="020B0609020204030204" pitchFamily="49" charset="0"/>
+              </a:rPr>
+              <a:t>create.acv</a:t>
+            </a:r>
+            <a:endParaRPr lang="es-419" sz="1100" dirty="0">
+              <a:latin typeface="Consolas" panose="020B0609020204030204" pitchFamily="49" charset="0"/>
+            </a:endParaRPr>
           </a:p>
         </p:txBody>
       </p:sp>
@@ -9679,21 +10833,31 @@
           <a:p>
             <a:pPr algn="ctr"/>
             <a:r>
-              <a:rPr lang="es-CL" dirty="0" err="1" smtClean="0"/>
+              <a:rPr lang="es-CL" sz="1200" dirty="0" err="1" smtClean="0">
+                <a:latin typeface="Consolas" panose="020B0609020204030204" pitchFamily="49" charset="0"/>
+              </a:rPr>
               <a:t>create</a:t>
             </a:r>
             <a:r>
-              <a:rPr lang="es-CL" dirty="0" smtClean="0"/>
+              <a:rPr lang="es-CL" sz="1200" dirty="0" smtClean="0">
+                <a:latin typeface="Consolas" panose="020B0609020204030204" pitchFamily="49" charset="0"/>
+              </a:rPr>
               <a:t/>
             </a:r>
             <a:br>
-              <a:rPr lang="es-CL" dirty="0" smtClean="0"/>
+              <a:rPr lang="es-CL" sz="1200" dirty="0" smtClean="0">
+                <a:latin typeface="Consolas" panose="020B0609020204030204" pitchFamily="49" charset="0"/>
+              </a:rPr>
             </a:br>
             <a:r>
-              <a:rPr lang="es-CL" dirty="0" smtClean="0"/>
+              <a:rPr lang="es-CL" sz="1200" dirty="0" smtClean="0">
+                <a:latin typeface="Consolas" panose="020B0609020204030204" pitchFamily="49" charset="0"/>
+              </a:rPr>
               <a:t>1°filtro</a:t>
             </a:r>
-            <a:endParaRPr lang="es-419" dirty="0"/>
+            <a:endParaRPr lang="es-419" sz="1200" dirty="0">
+              <a:latin typeface="Consolas" panose="020B0609020204030204" pitchFamily="49" charset="0"/>
+            </a:endParaRPr>
           </a:p>
         </p:txBody>
       </p:sp>
@@ -9705,8 +10869,8 @@
         </p:nvSpPr>
         <p:spPr>
           <a:xfrm>
-            <a:off x="4421254" y="1461655"/>
-            <a:ext cx="1043188" cy="576000"/>
+            <a:off x="4342815" y="1461655"/>
+            <a:ext cx="1135671" cy="576000"/>
           </a:xfrm>
           <a:prstGeom prst="rect">
             <a:avLst/>
@@ -9734,18 +10898,28 @@
           <a:p>
             <a:pPr algn="ctr"/>
             <a:r>
-              <a:rPr lang="es-CL" dirty="0" err="1" smtClean="0"/>
+              <a:rPr lang="es-CL" sz="1200" dirty="0" err="1" smtClean="0">
+                <a:latin typeface="Consolas" panose="020B0609020204030204" pitchFamily="49" charset="0"/>
+              </a:rPr>
               <a:t>acv</a:t>
             </a:r>
-            <a:endParaRPr lang="es-CL" dirty="0" smtClean="0"/>
-          </a:p>
-          <a:p>
-            <a:pPr algn="ctr"/>
-            <a:r>
-              <a:rPr lang="es-CL" smtClean="0"/>
-              <a:t>(obj:df)</a:t>
-            </a:r>
-            <a:endParaRPr lang="es-419" dirty="0"/>
+            <a:endParaRPr lang="es-CL" sz="1200" dirty="0" smtClean="0">
+              <a:latin typeface="Consolas" panose="020B0609020204030204" pitchFamily="49" charset="0"/>
+            </a:endParaRPr>
+          </a:p>
+          <a:p>
+            <a:pPr algn="ctr"/>
+            <a:r>
+              <a:rPr lang="es-CL" sz="1050" smtClean="0">
+                <a:latin typeface="Courier New" panose="02070309020205020404" pitchFamily="49" charset="0"/>
+                <a:cs typeface="Courier New" panose="02070309020205020404" pitchFamily="49" charset="0"/>
+              </a:rPr>
+              <a:t>{data.frame}</a:t>
+            </a:r>
+            <a:endParaRPr lang="es-419" sz="1050" dirty="0">
+              <a:latin typeface="Courier New" panose="02070309020205020404" pitchFamily="49" charset="0"/>
+              <a:cs typeface="Courier New" panose="02070309020205020404" pitchFamily="49" charset="0"/>
+            </a:endParaRPr>
           </a:p>
         </p:txBody>
       </p:sp>
@@ -9761,7 +10935,7 @@
         <p:spPr>
           <a:xfrm>
             <a:off x="3852683" y="1749655"/>
-            <a:ext cx="568571" cy="0"/>
+            <a:ext cx="490132" cy="0"/>
           </a:xfrm>
           <a:prstGeom prst="straightConnector1">
             <a:avLst/>
@@ -9820,26 +10994,31 @@
           <a:p>
             <a:pPr algn="ctr"/>
             <a:r>
-              <a:rPr lang="es-CL" dirty="0" err="1" smtClean="0"/>
+              <a:rPr lang="es-CL" sz="1600" dirty="0" err="1" smtClean="0"/>
               <a:t>edit.file</a:t>
             </a:r>
-            <a:endParaRPr lang="es-CL" dirty="0" smtClean="0"/>
-          </a:p>
-          <a:p>
-            <a:pPr algn="ctr"/>
-            <a:r>
-              <a:rPr lang="es-CL" dirty="0" smtClean="0"/>
-              <a:t>(</a:t>
-            </a:r>
-            <a:r>
-              <a:rPr lang="es-CL" dirty="0" err="1" smtClean="0"/>
-              <a:t>rds</a:t>
-            </a:r>
-            <a:r>
-              <a:rPr lang="es-CL" dirty="0" smtClean="0"/>
-              <a:t>)</a:t>
-            </a:r>
-            <a:endParaRPr lang="es-419" dirty="0"/>
+            <a:endParaRPr lang="es-CL" sz="1600" dirty="0" smtClean="0"/>
+          </a:p>
+          <a:p>
+            <a:pPr algn="ctr"/>
+            <a:r>
+              <a:rPr lang="es-CL" sz="1200" smtClean="0">
+                <a:latin typeface="Courier New" panose="02070309020205020404" pitchFamily="49" charset="0"/>
+                <a:cs typeface="Courier New" panose="02070309020205020404" pitchFamily="49" charset="0"/>
+              </a:rPr>
+              <a:t>{rds</a:t>
+            </a:r>
+            <a:r>
+              <a:rPr lang="es-CL" sz="1200" dirty="0">
+                <a:latin typeface="Courier New" panose="02070309020205020404" pitchFamily="49" charset="0"/>
+                <a:cs typeface="Courier New" panose="02070309020205020404" pitchFamily="49" charset="0"/>
+              </a:rPr>
+              <a:t>}</a:t>
+            </a:r>
+            <a:endParaRPr lang="es-419" sz="1200" dirty="0">
+              <a:latin typeface="Courier New" panose="02070309020205020404" pitchFamily="49" charset="0"/>
+              <a:cs typeface="Courier New" panose="02070309020205020404" pitchFamily="49" charset="0"/>
+            </a:endParaRPr>
           </a:p>
         </p:txBody>
       </p:sp>
@@ -9851,8 +11030,8 @@
         </p:nvSpPr>
         <p:spPr>
           <a:xfrm>
-            <a:off x="7606136" y="2656614"/>
-            <a:ext cx="1043188" cy="576000"/>
+            <a:off x="7515805" y="2654435"/>
+            <a:ext cx="1241302" cy="576000"/>
           </a:xfrm>
           <a:prstGeom prst="rect">
             <a:avLst/>
@@ -9880,26 +11059,26 @@
           <a:p>
             <a:pPr algn="ctr"/>
             <a:r>
-              <a:rPr lang="es-CL" sz="1600" dirty="0" err="1" smtClean="0"/>
+              <a:rPr lang="es-CL" sz="1200" dirty="0" err="1">
+                <a:latin typeface="Consolas" panose="020B0609020204030204" pitchFamily="49" charset="0"/>
+              </a:rPr>
               <a:t>filter.stats</a:t>
             </a:r>
-            <a:endParaRPr lang="es-CL" sz="1600" dirty="0" smtClean="0"/>
-          </a:p>
-          <a:p>
-            <a:pPr algn="ctr"/>
-            <a:r>
-              <a:rPr lang="es-CL" sz="1600" dirty="0" smtClean="0"/>
-              <a:t>(</a:t>
-            </a:r>
-            <a:r>
-              <a:rPr lang="es-CL" sz="1600" dirty="0" err="1" smtClean="0"/>
-              <a:t>obj:list</a:t>
-            </a:r>
-            <a:r>
-              <a:rPr lang="es-CL" sz="1600" dirty="0" smtClean="0"/>
-              <a:t>)</a:t>
-            </a:r>
-            <a:endParaRPr lang="es-419" sz="1600" dirty="0"/>
+            <a:endParaRPr lang="es-CL" sz="1200" dirty="0">
+              <a:latin typeface="Consolas" panose="020B0609020204030204" pitchFamily="49" charset="0"/>
+            </a:endParaRPr>
+          </a:p>
+          <a:p>
+            <a:pPr algn="ctr"/>
+            <a:r>
+              <a:rPr lang="es-CL" sz="1100" smtClean="0">
+                <a:latin typeface="Consolas" panose="020B0609020204030204" pitchFamily="49" charset="0"/>
+              </a:rPr>
+              <a:t>{list}</a:t>
+            </a:r>
+            <a:endParaRPr lang="es-419" sz="1100" dirty="0">
+              <a:latin typeface="Consolas" panose="020B0609020204030204" pitchFamily="49" charset="0"/>
+            </a:endParaRPr>
           </a:p>
         </p:txBody>
       </p:sp>
@@ -9913,9 +11092,9 @@
           <p:nvPr/>
         </p:nvCxnSpPr>
         <p:spPr>
-          <a:xfrm>
-            <a:off x="6997458" y="2944613"/>
-            <a:ext cx="608678" cy="1"/>
+          <a:xfrm flipV="1">
+            <a:off x="6997458" y="2942435"/>
+            <a:ext cx="518347" cy="2178"/>
           </a:xfrm>
           <a:prstGeom prst="straightConnector1">
             <a:avLst/>
@@ -9976,21 +11155,31 @@
           <a:p>
             <a:pPr algn="ctr"/>
             <a:r>
-              <a:rPr lang="es-CL" dirty="0" err="1" smtClean="0"/>
+              <a:rPr lang="es-CL" sz="1200" dirty="0" err="1" smtClean="0">
+                <a:latin typeface="Consolas" panose="020B0609020204030204" pitchFamily="49" charset="0"/>
+              </a:rPr>
               <a:t>create</a:t>
             </a:r>
             <a:r>
-              <a:rPr lang="es-CL" dirty="0" smtClean="0"/>
+              <a:rPr lang="es-CL" sz="1200" dirty="0" smtClean="0">
+                <a:latin typeface="Consolas" panose="020B0609020204030204" pitchFamily="49" charset="0"/>
+              </a:rPr>
               <a:t/>
             </a:r>
             <a:br>
-              <a:rPr lang="es-CL" dirty="0" smtClean="0"/>
+              <a:rPr lang="es-CL" sz="1200" dirty="0" smtClean="0">
+                <a:latin typeface="Consolas" panose="020B0609020204030204" pitchFamily="49" charset="0"/>
+              </a:rPr>
             </a:br>
             <a:r>
-              <a:rPr lang="es-CL" dirty="0" err="1" smtClean="0"/>
+              <a:rPr lang="es-CL" sz="1200" dirty="0" err="1" smtClean="0">
+                <a:latin typeface="Consolas" panose="020B0609020204030204" pitchFamily="49" charset="0"/>
+              </a:rPr>
               <a:t>acv.edit</a:t>
             </a:r>
-            <a:endParaRPr lang="es-419" dirty="0"/>
+            <a:endParaRPr lang="es-419" sz="1200" dirty="0">
+              <a:latin typeface="Consolas" panose="020B0609020204030204" pitchFamily="49" charset="0"/>
+            </a:endParaRPr>
           </a:p>
         </p:txBody>
       </p:sp>
@@ -10005,8 +11194,8 @@
         </p:nvCxnSpPr>
         <p:spPr>
           <a:xfrm>
-            <a:off x="8649324" y="2944614"/>
-            <a:ext cx="568571" cy="0"/>
+            <a:off x="8757107" y="2942435"/>
+            <a:ext cx="460788" cy="2179"/>
           </a:xfrm>
           <a:prstGeom prst="straightConnector1">
             <a:avLst/>
@@ -10041,8 +11230,8 @@
         </p:nvCxnSpPr>
         <p:spPr>
           <a:xfrm rot="16200000" flipH="1">
-            <a:off x="4480102" y="2500400"/>
-            <a:ext cx="2015657" cy="1090165"/>
+            <a:off x="4464004" y="2484302"/>
+            <a:ext cx="2015657" cy="1122362"/>
           </a:xfrm>
           <a:prstGeom prst="bentConnector2">
             <a:avLst/>
@@ -10074,8 +11263,8 @@
         </p:nvSpPr>
         <p:spPr>
           <a:xfrm>
-            <a:off x="5968619" y="4874009"/>
-            <a:ext cx="1133340" cy="576000"/>
+            <a:off x="5937336" y="4749844"/>
+            <a:ext cx="1195905" cy="576000"/>
           </a:xfrm>
           <a:prstGeom prst="rect">
             <a:avLst/>
@@ -10103,18 +11292,28 @@
           <a:p>
             <a:pPr algn="ctr"/>
             <a:r>
-              <a:rPr lang="es-CL" sz="1600" dirty="0" err="1" smtClean="0"/>
+              <a:rPr lang="es-CL" sz="1200" dirty="0" err="1">
+                <a:latin typeface="Consolas" panose="020B0609020204030204" pitchFamily="49" charset="0"/>
+              </a:rPr>
               <a:t>acv.edit</a:t>
             </a:r>
-            <a:endParaRPr lang="es-CL" sz="1600" dirty="0" smtClean="0"/>
-          </a:p>
-          <a:p>
-            <a:pPr algn="ctr"/>
-            <a:r>
-              <a:rPr lang="es-CL" sz="1600" smtClean="0"/>
-              <a:t>(obj:df)</a:t>
-            </a:r>
-            <a:endParaRPr lang="es-419" sz="1600" dirty="0"/>
+            <a:endParaRPr lang="es-CL" sz="1200" dirty="0">
+              <a:latin typeface="Consolas" panose="020B0609020204030204" pitchFamily="49" charset="0"/>
+            </a:endParaRPr>
+          </a:p>
+          <a:p>
+            <a:pPr algn="ctr"/>
+            <a:r>
+              <a:rPr lang="es-CL" sz="1100" smtClean="0">
+                <a:latin typeface="Courier New" panose="02070309020205020404" pitchFamily="49" charset="0"/>
+                <a:cs typeface="Courier New" panose="02070309020205020404" pitchFamily="49" charset="0"/>
+              </a:rPr>
+              <a:t>{data.frame}</a:t>
+            </a:r>
+            <a:endParaRPr lang="es-419" sz="1200" dirty="0">
+              <a:latin typeface="Courier New" panose="02070309020205020404" pitchFamily="49" charset="0"/>
+              <a:cs typeface="Courier New" panose="02070309020205020404" pitchFamily="49" charset="0"/>
+            </a:endParaRPr>
           </a:p>
         </p:txBody>
       </p:sp>
@@ -10126,7 +11325,7 @@
         </p:nvSpPr>
         <p:spPr>
           <a:xfrm>
-            <a:off x="6013695" y="5982706"/>
+            <a:off x="6013695" y="5734377"/>
             <a:ext cx="1043188" cy="576000"/>
           </a:xfrm>
           <a:prstGeom prst="rect">
@@ -10153,14 +11352,14 @@
           <a:p>
             <a:pPr algn="ctr"/>
             <a:r>
-              <a:rPr lang="es-CL" dirty="0" err="1">
+              <a:rPr lang="es-CL" sz="1600" dirty="0" err="1">
                 <a:solidFill>
                   <a:schemeClr val="dk1"/>
                 </a:solidFill>
               </a:rPr>
               <a:t>acv.edit</a:t>
             </a:r>
-            <a:endParaRPr lang="es-CL" dirty="0">
+            <a:endParaRPr lang="es-CL" sz="1600" dirty="0">
               <a:solidFill>
                 <a:schemeClr val="dk1"/>
               </a:solidFill>
@@ -10169,33 +11368,35 @@
           <a:p>
             <a:pPr algn="ctr"/>
             <a:r>
-              <a:rPr lang="es-CL" dirty="0">
+              <a:rPr lang="es-CL" sz="1200">
+                <a:latin typeface="Courier New" panose="02070309020205020404" pitchFamily="49" charset="0"/>
+                <a:cs typeface="Courier New" panose="02070309020205020404" pitchFamily="49" charset="0"/>
+              </a:rPr>
+              <a:t>{</a:t>
+            </a:r>
+            <a:r>
+              <a:rPr lang="es-CL" sz="1200" smtClean="0">
                 <a:solidFill>
                   <a:schemeClr val="dk1"/>
                 </a:solidFill>
-              </a:rPr>
-              <a:t>(</a:t>
-            </a:r>
-            <a:r>
-              <a:rPr lang="es-CL" dirty="0" err="1">
-                <a:solidFill>
-                  <a:schemeClr val="dk1"/>
-                </a:solidFill>
+                <a:latin typeface="Courier New" panose="02070309020205020404" pitchFamily="49" charset="0"/>
+                <a:cs typeface="Courier New" panose="02070309020205020404" pitchFamily="49" charset="0"/>
               </a:rPr>
               <a:t>rds</a:t>
             </a:r>
             <a:r>
-              <a:rPr lang="es-CL" dirty="0">
-                <a:solidFill>
-                  <a:schemeClr val="dk1"/>
-                </a:solidFill>
-              </a:rPr>
-              <a:t>)</a:t>
-            </a:r>
-            <a:endParaRPr lang="es-419" dirty="0">
+              <a:rPr lang="es-CL" sz="1200" dirty="0">
+                <a:latin typeface="Courier New" panose="02070309020205020404" pitchFamily="49" charset="0"/>
+                <a:cs typeface="Courier New" panose="02070309020205020404" pitchFamily="49" charset="0"/>
+              </a:rPr>
+              <a:t>}</a:t>
+            </a:r>
+            <a:endParaRPr lang="es-419" sz="1200" dirty="0">
               <a:solidFill>
                 <a:schemeClr val="dk1"/>
               </a:solidFill>
+              <a:latin typeface="Courier New" panose="02070309020205020404" pitchFamily="49" charset="0"/>
+              <a:cs typeface="Courier New" panose="02070309020205020404" pitchFamily="49" charset="0"/>
             </a:endParaRPr>
           </a:p>
         </p:txBody>
@@ -10212,7 +11413,7 @@
         <p:spPr>
           <a:xfrm>
             <a:off x="6535289" y="4341312"/>
-            <a:ext cx="0" cy="532697"/>
+            <a:ext cx="0" cy="408532"/>
           </a:xfrm>
           <a:prstGeom prst="straightConnector1">
             <a:avLst/>
@@ -10273,21 +11474,31 @@
           <a:p>
             <a:pPr algn="ctr"/>
             <a:r>
-              <a:rPr lang="es-CL" dirty="0" err="1" smtClean="0"/>
+              <a:rPr lang="es-CL" sz="1200" smtClean="0">
+                <a:latin typeface="Consolas" panose="020B0609020204030204" pitchFamily="49" charset="0"/>
+              </a:rPr>
               <a:t>create</a:t>
             </a:r>
             <a:r>
-              <a:rPr lang="es-CL" smtClean="0"/>
+              <a:rPr lang="es-CL" sz="1200" smtClean="0">
+                <a:latin typeface="Consolas" panose="020B0609020204030204" pitchFamily="49" charset="0"/>
+              </a:rPr>
               <a:t/>
             </a:r>
             <a:br>
-              <a:rPr lang="es-CL" smtClean="0"/>
+              <a:rPr lang="es-CL" sz="1200" smtClean="0">
+                <a:latin typeface="Consolas" panose="020B0609020204030204" pitchFamily="49" charset="0"/>
+              </a:rPr>
             </a:br>
             <a:r>
-              <a:rPr lang="es-CL" smtClean="0"/>
+              <a:rPr lang="es-CL" sz="1200" smtClean="0">
+                <a:latin typeface="Consolas" panose="020B0609020204030204" pitchFamily="49" charset="0"/>
+              </a:rPr>
               <a:t>semiper</a:t>
             </a:r>
-            <a:endParaRPr lang="es-419" dirty="0"/>
+            <a:endParaRPr lang="es-419" sz="1200" dirty="0">
+              <a:latin typeface="Consolas" panose="020B0609020204030204" pitchFamily="49" charset="0"/>
+            </a:endParaRPr>
           </a:p>
         </p:txBody>
       </p:sp>
@@ -10302,8 +11513,8 @@
         </p:nvCxnSpPr>
         <p:spPr>
           <a:xfrm>
-            <a:off x="5464442" y="1749655"/>
-            <a:ext cx="504177" cy="0"/>
+            <a:off x="5478486" y="1749655"/>
+            <a:ext cx="490133" cy="0"/>
           </a:xfrm>
           <a:prstGeom prst="straightConnector1">
             <a:avLst/>
@@ -10364,18 +11575,26 @@
           <a:p>
             <a:pPr algn="ctr"/>
             <a:r>
-              <a:rPr lang="es-CL" sz="1600" smtClean="0"/>
+              <a:rPr lang="es-CL" sz="1200">
+                <a:latin typeface="Consolas" panose="020B0609020204030204" pitchFamily="49" charset="0"/>
+              </a:rPr>
               <a:t>semiper</a:t>
             </a:r>
-            <a:endParaRPr lang="es-CL" sz="1600" dirty="0" smtClean="0"/>
-          </a:p>
-          <a:p>
-            <a:pPr algn="ctr"/>
-            <a:r>
-              <a:rPr lang="es-CL" sz="1600" smtClean="0"/>
-              <a:t>(obj:list)</a:t>
-            </a:r>
-            <a:endParaRPr lang="es-419" sz="1600" dirty="0"/>
+            <a:endParaRPr lang="es-CL" sz="1200" dirty="0">
+              <a:latin typeface="Consolas" panose="020B0609020204030204" pitchFamily="49" charset="0"/>
+            </a:endParaRPr>
+          </a:p>
+          <a:p>
+            <a:pPr algn="ctr"/>
+            <a:r>
+              <a:rPr lang="es-CL" sz="1100" smtClean="0">
+                <a:latin typeface="Consolas" panose="020B0609020204030204" pitchFamily="49" charset="0"/>
+              </a:rPr>
+              <a:t>{list}</a:t>
+            </a:r>
+            <a:endParaRPr lang="es-419" sz="1100" dirty="0">
+              <a:latin typeface="Consolas" panose="020B0609020204030204" pitchFamily="49" charset="0"/>
+            </a:endParaRPr>
           </a:p>
         </p:txBody>
       </p:sp>
@@ -10585,8 +11804,8 @@
         </p:nvSpPr>
         <p:spPr>
           <a:xfrm>
-            <a:off x="350874" y="2656613"/>
-            <a:ext cx="4129806" cy="2554545"/>
+            <a:off x="180304" y="3765312"/>
+            <a:ext cx="3871757" cy="2893100"/>
           </a:xfrm>
           <a:prstGeom prst="rect">
             <a:avLst/>
@@ -10600,13 +11819,13 @@
           <a:lstStyle/>
           <a:p>
             <a:r>
-              <a:rPr lang="es-ES" sz="1600" smtClean="0"/>
+              <a:rPr lang="es-ES" sz="1400" smtClean="0"/>
               <a:t>El resultado de este proceso es:</a:t>
             </a:r>
           </a:p>
           <a:p>
             <a:r>
-              <a:rPr lang="es-ES" sz="1600" smtClean="0"/>
+              <a:rPr lang="es-ES" sz="1400" smtClean="0"/>
               <a:t>4 archivos.</a:t>
             </a:r>
           </a:p>
@@ -10616,11 +11835,11 @@
               <a:buChar char="•"/>
             </a:pPr>
             <a:r>
-              <a:rPr lang="es-ES" sz="1600" b="1" smtClean="0"/>
+              <a:rPr lang="es-ES" sz="1400" b="1" smtClean="0"/>
               <a:t>RDS</a:t>
             </a:r>
             <a:r>
-              <a:rPr lang="es-ES" sz="1600" smtClean="0"/>
+              <a:rPr lang="es-ES" sz="1400" smtClean="0"/>
               <a:t>: de semiperiodos que sirve para hacer el actograma y crear el primer filtro de exclusiones.</a:t>
             </a:r>
           </a:p>
@@ -10630,11 +11849,11 @@
               <a:buChar char="•"/>
             </a:pPr>
             <a:r>
-              <a:rPr lang="es-ES" sz="1600" b="1" smtClean="0"/>
+              <a:rPr lang="es-ES" sz="1400" b="1" smtClean="0"/>
               <a:t>TXT</a:t>
             </a:r>
             <a:r>
-              <a:rPr lang="es-ES" sz="1600" smtClean="0"/>
+              <a:rPr lang="es-ES" sz="1400" smtClean="0"/>
               <a:t>: en formato (.edit) para manejar las ediciones globales del ACV.</a:t>
             </a:r>
           </a:p>
@@ -10644,22 +11863,64 @@
               <a:buChar char="•"/>
             </a:pPr>
             <a:r>
-              <a:rPr lang="es-ES" sz="1600" b="1" smtClean="0"/>
+              <a:rPr lang="es-ES" sz="1400" b="1" smtClean="0"/>
               <a:t>RDS</a:t>
             </a:r>
             <a:r>
-              <a:rPr lang="es-ES" sz="1600" smtClean="0"/>
+              <a:rPr lang="es-ES" sz="1400" smtClean="0"/>
               <a:t> y </a:t>
             </a:r>
             <a:r>
-              <a:rPr lang="es-ES" sz="1600" b="1" smtClean="0"/>
+              <a:rPr lang="es-ES" sz="1400" b="1" smtClean="0"/>
               <a:t>TXT</a:t>
             </a:r>
             <a:r>
-              <a:rPr lang="es-ES" sz="1600" smtClean="0"/>
+              <a:rPr lang="es-ES" sz="1400" smtClean="0"/>
               <a:t> de la versión ACV con los datos del primer filtro que se saca de este proceso. </a:t>
             </a:r>
-            <a:endParaRPr lang="es-CL" sz="1600"/>
+            <a:endParaRPr lang="es-ES" sz="1400" smtClean="0"/>
+          </a:p>
+          <a:p>
+            <a:pPr marL="285750" indent="-285750">
+              <a:buFont typeface="Arial" panose="020B0604020202020204" pitchFamily="34" charset="0"/>
+              <a:buChar char="•"/>
+            </a:pPr>
+            <a:endParaRPr lang="es-ES" sz="1400"/>
+          </a:p>
+          <a:p>
+            <a:pPr marL="285750" indent="-285750">
+              <a:buFont typeface="Arial" panose="020B0604020202020204" pitchFamily="34" charset="0"/>
+              <a:buChar char="•"/>
+            </a:pPr>
+            <a:endParaRPr lang="es-ES" sz="1400" smtClean="0"/>
+          </a:p>
+          <a:p>
+            <a:pPr marL="285750" indent="-285750">
+              <a:buFont typeface="Arial" panose="020B0604020202020204" pitchFamily="34" charset="0"/>
+              <a:buChar char="•"/>
+            </a:pPr>
+            <a:r>
+              <a:rPr lang="es-ES" sz="1200" smtClean="0">
+                <a:latin typeface="Courier New" panose="02070309020205020404" pitchFamily="49" charset="0"/>
+                <a:cs typeface="Courier New" panose="02070309020205020404" pitchFamily="49" charset="0"/>
+              </a:rPr>
+              <a:t>awdfile() </a:t>
+            </a:r>
+            <a:r>
+              <a:rPr lang="es-ES" sz="1200" smtClean="0"/>
+              <a:t>viene desde el df de archivos de directorio </a:t>
+            </a:r>
+            <a:r>
+              <a:rPr lang="es-ES" sz="1200" smtClean="0">
+                <a:latin typeface="Courier New" panose="02070309020205020404" pitchFamily="49" charset="0"/>
+                <a:cs typeface="Courier New" panose="02070309020205020404" pitchFamily="49" charset="0"/>
+              </a:rPr>
+              <a:t>subjectDF()</a:t>
+            </a:r>
+            <a:endParaRPr lang="es-CL" sz="1200">
+              <a:latin typeface="Courier New" panose="02070309020205020404" pitchFamily="49" charset="0"/>
+              <a:cs typeface="Courier New" panose="02070309020205020404" pitchFamily="49" charset="0"/>
+            </a:endParaRPr>
           </a:p>
         </p:txBody>
       </p:sp>
@@ -10674,8 +11935,8 @@
         </p:nvCxnSpPr>
         <p:spPr>
           <a:xfrm rot="5400000">
-            <a:off x="7172299" y="3097881"/>
-            <a:ext cx="820698" cy="1090165"/>
+            <a:off x="7175573" y="3092428"/>
+            <a:ext cx="822877" cy="1098891"/>
           </a:xfrm>
           <a:prstGeom prst="bentConnector2">
             <a:avLst/>
@@ -10757,13 +12018,409 @@
         </p:nvCxnSpPr>
         <p:spPr>
           <a:xfrm>
-            <a:off x="6535289" y="5450009"/>
-            <a:ext cx="0" cy="532697"/>
+            <a:off x="6535289" y="5325844"/>
+            <a:ext cx="0" cy="408533"/>
           </a:xfrm>
           <a:prstGeom prst="straightConnector1">
             <a:avLst/>
           </a:prstGeom>
           <a:ln w="38100">
+            <a:tailEnd type="triangle"/>
+          </a:ln>
+        </p:spPr>
+        <p:style>
+          <a:lnRef idx="1">
+            <a:schemeClr val="accent1"/>
+          </a:lnRef>
+          <a:fillRef idx="0">
+            <a:schemeClr val="accent1"/>
+          </a:fillRef>
+          <a:effectRef idx="0">
+            <a:schemeClr val="accent1"/>
+          </a:effectRef>
+          <a:fontRef idx="minor">
+            <a:schemeClr val="tx1"/>
+          </a:fontRef>
+        </p:style>
+      </p:cxnSp>
+      <p:sp>
+        <p:nvSpPr>
+          <p:cNvPr id="2" name="CuadroTexto 1"/>
+          <p:cNvSpPr txBox="1"/>
+          <p:nvPr/>
+        </p:nvSpPr>
+        <p:spPr>
+          <a:xfrm>
+            <a:off x="2488632" y="1105336"/>
+            <a:ext cx="1723549" cy="369332"/>
+          </a:xfrm>
+          <a:prstGeom prst="rect">
+            <a:avLst/>
+          </a:prstGeom>
+          <a:noFill/>
+        </p:spPr>
+        <p:txBody>
+          <a:bodyPr wrap="none" rtlCol="0">
+            <a:spAutoFit/>
+          </a:bodyPr>
+          <a:lstStyle/>
+          <a:p>
+            <a:r>
+              <a:rPr lang="es-CL" sz="900" b="1">
+                <a:solidFill>
+                  <a:srgbClr val="C00000"/>
+                </a:solidFill>
+                <a:latin typeface="Consolas" panose="020B0609020204030204" pitchFamily="49" charset="0"/>
+              </a:rPr>
+              <a:t>create.acv</a:t>
+            </a:r>
+            <a:r>
+              <a:rPr lang="es-CL" sz="900">
+                <a:latin typeface="Consolas" panose="020B0609020204030204" pitchFamily="49" charset="0"/>
+              </a:rPr>
+              <a:t>(awdfile</a:t>
+            </a:r>
+            <a:r>
+              <a:rPr lang="es-CL" sz="900" smtClean="0">
+                <a:latin typeface="Consolas" panose="020B0609020204030204" pitchFamily="49" charset="0"/>
+              </a:rPr>
+              <a:t>(),</a:t>
+            </a:r>
+          </a:p>
+          <a:p>
+            <a:r>
+              <a:rPr lang="es-CL" sz="900">
+                <a:latin typeface="Consolas" panose="020B0609020204030204" pitchFamily="49" charset="0"/>
+              </a:rPr>
+              <a:t> </a:t>
+            </a:r>
+            <a:r>
+              <a:rPr lang="es-CL" sz="900" smtClean="0">
+                <a:latin typeface="Consolas" panose="020B0609020204030204" pitchFamily="49" charset="0"/>
+              </a:rPr>
+              <a:t>          set$sensivar</a:t>
+            </a:r>
+            <a:r>
+              <a:rPr lang="es-CL" sz="900">
+                <a:latin typeface="Consolas" panose="020B0609020204030204" pitchFamily="49" charset="0"/>
+              </a:rPr>
+              <a:t>)</a:t>
+            </a:r>
+          </a:p>
+        </p:txBody>
+      </p:sp>
+      <p:sp>
+        <p:nvSpPr>
+          <p:cNvPr id="8" name="CuadroTexto 7"/>
+          <p:cNvSpPr txBox="1"/>
+          <p:nvPr/>
+        </p:nvSpPr>
+        <p:spPr>
+          <a:xfrm>
+            <a:off x="5769421" y="1227676"/>
+            <a:ext cx="1402948" cy="230832"/>
+          </a:xfrm>
+          <a:prstGeom prst="rect">
+            <a:avLst/>
+          </a:prstGeom>
+          <a:noFill/>
+        </p:spPr>
+        <p:txBody>
+          <a:bodyPr wrap="none" rtlCol="0">
+            <a:spAutoFit/>
+          </a:bodyPr>
+          <a:lstStyle>
+            <a:defPPr>
+              <a:defRPr lang="es-419"/>
+            </a:defPPr>
+            <a:lvl1pPr>
+              <a:defRPr sz="900">
+                <a:latin typeface="Consolas" panose="020B0609020204030204" pitchFamily="49" charset="0"/>
+              </a:defRPr>
+            </a:lvl1pPr>
+          </a:lstStyle>
+          <a:p>
+            <a:r>
+              <a:rPr lang="es-CL" b="1">
+                <a:solidFill>
+                  <a:srgbClr val="C00000"/>
+                </a:solidFill>
+              </a:rPr>
+              <a:t>create.semiper</a:t>
+            </a:r>
+            <a:r>
+              <a:rPr lang="es-CL"/>
+              <a:t>(acv)</a:t>
+            </a:r>
+          </a:p>
+        </p:txBody>
+      </p:sp>
+      <p:sp>
+        <p:nvSpPr>
+          <p:cNvPr id="9" name="CuadroTexto 8"/>
+          <p:cNvSpPr txBox="1"/>
+          <p:nvPr/>
+        </p:nvSpPr>
+        <p:spPr>
+          <a:xfrm>
+            <a:off x="5434535" y="3238622"/>
+            <a:ext cx="2108269" cy="369332"/>
+          </a:xfrm>
+          <a:prstGeom prst="rect">
+            <a:avLst/>
+          </a:prstGeom>
+          <a:noFill/>
+        </p:spPr>
+        <p:txBody>
+          <a:bodyPr wrap="none" rtlCol="0">
+            <a:spAutoFit/>
+          </a:bodyPr>
+          <a:lstStyle>
+            <a:defPPr>
+              <a:defRPr lang="es-419"/>
+            </a:defPPr>
+            <a:lvl1pPr>
+              <a:defRPr sz="900" b="1">
+                <a:solidFill>
+                  <a:srgbClr val="C00000"/>
+                </a:solidFill>
+                <a:latin typeface="Consolas" panose="020B0609020204030204" pitchFamily="49" charset="0"/>
+              </a:defRPr>
+            </a:lvl1pPr>
+          </a:lstStyle>
+          <a:p>
+            <a:r>
+              <a:rPr lang="es-CL"/>
+              <a:t>create.firstfilter</a:t>
+            </a:r>
+            <a:r>
+              <a:rPr lang="es-CL" b="0">
+                <a:solidFill>
+                  <a:schemeClr val="tx1"/>
+                </a:solidFill>
+              </a:rPr>
+              <a:t>(awdfile(),</a:t>
+            </a:r>
+          </a:p>
+          <a:p>
+            <a:r>
+              <a:rPr lang="es-CL" b="0">
+                <a:solidFill>
+                  <a:schemeClr val="tx1"/>
+                </a:solidFill>
+              </a:rPr>
+              <a:t>                   </a:t>
+            </a:r>
+            <a:r>
+              <a:rPr lang="es-CL" b="0" smtClean="0">
+                <a:solidFill>
+                  <a:schemeClr val="tx1"/>
+                </a:solidFill>
+              </a:rPr>
+              <a:t>semiper</a:t>
+            </a:r>
+            <a:r>
+              <a:rPr lang="es-CL" b="0">
+                <a:solidFill>
+                  <a:schemeClr val="tx1"/>
+                </a:solidFill>
+              </a:rPr>
+              <a:t>)</a:t>
+            </a:r>
+          </a:p>
+        </p:txBody>
+      </p:sp>
+      <p:sp>
+        <p:nvSpPr>
+          <p:cNvPr id="22" name="CuadroTexto 21"/>
+          <p:cNvSpPr txBox="1"/>
+          <p:nvPr/>
+        </p:nvSpPr>
+        <p:spPr>
+          <a:xfrm>
+            <a:off x="4324220" y="4081028"/>
+            <a:ext cx="1980029" cy="507831"/>
+          </a:xfrm>
+          <a:prstGeom prst="rect">
+            <a:avLst/>
+          </a:prstGeom>
+          <a:noFill/>
+        </p:spPr>
+        <p:txBody>
+          <a:bodyPr wrap="none" rtlCol="0">
+            <a:spAutoFit/>
+          </a:bodyPr>
+          <a:lstStyle/>
+          <a:p>
+            <a:r>
+              <a:rPr lang="es-CL" sz="900" b="1" smtClean="0">
+                <a:solidFill>
+                  <a:srgbClr val="C00000"/>
+                </a:solidFill>
+                <a:latin typeface="Consolas" panose="020B0609020204030204" pitchFamily="49" charset="0"/>
+                <a:cs typeface="Courier New" panose="02070309020205020404" pitchFamily="49" charset="0"/>
+              </a:rPr>
+              <a:t>create.acvedit</a:t>
+            </a:r>
+            <a:r>
+              <a:rPr lang="es-CL" sz="900" smtClean="0">
+                <a:latin typeface="Consolas" panose="020B0609020204030204" pitchFamily="49" charset="0"/>
+                <a:cs typeface="Courier New" panose="02070309020205020404" pitchFamily="49" charset="0"/>
+              </a:rPr>
+              <a:t>(</a:t>
+            </a:r>
+            <a:r>
+              <a:rPr lang="es-CL" sz="900">
+                <a:latin typeface="Consolas" panose="020B0609020204030204" pitchFamily="49" charset="0"/>
+                <a:cs typeface="Courier New" panose="02070309020205020404" pitchFamily="49" charset="0"/>
+              </a:rPr>
+              <a:t>awdfile</a:t>
+            </a:r>
+            <a:r>
+              <a:rPr lang="es-CL" sz="900">
+                <a:latin typeface="Consolas" panose="020B0609020204030204" pitchFamily="49" charset="0"/>
+                <a:cs typeface="Courier New" panose="02070309020205020404" pitchFamily="49" charset="0"/>
+              </a:rPr>
+              <a:t>()</a:t>
+            </a:r>
+            <a:r>
+              <a:rPr lang="es-CL" sz="900" smtClean="0">
+                <a:latin typeface="Consolas" panose="020B0609020204030204" pitchFamily="49" charset="0"/>
+                <a:cs typeface="Courier New" panose="02070309020205020404" pitchFamily="49" charset="0"/>
+              </a:rPr>
+              <a:t>, </a:t>
+            </a:r>
+          </a:p>
+          <a:p>
+            <a:r>
+              <a:rPr lang="es-CL" sz="900" smtClean="0">
+                <a:latin typeface="Consolas" panose="020B0609020204030204" pitchFamily="49" charset="0"/>
+                <a:cs typeface="Courier New" panose="02070309020205020404" pitchFamily="49" charset="0"/>
+              </a:rPr>
+              <a:t>               acv</a:t>
+            </a:r>
+            <a:r>
+              <a:rPr lang="es-CL" sz="900">
+                <a:latin typeface="Consolas" panose="020B0609020204030204" pitchFamily="49" charset="0"/>
+                <a:cs typeface="Courier New" panose="02070309020205020404" pitchFamily="49" charset="0"/>
+              </a:rPr>
+              <a:t>, </a:t>
+            </a:r>
+            <a:endParaRPr lang="es-CL" sz="900" smtClean="0">
+              <a:latin typeface="Consolas" panose="020B0609020204030204" pitchFamily="49" charset="0"/>
+              <a:cs typeface="Courier New" panose="02070309020205020404" pitchFamily="49" charset="0"/>
+            </a:endParaRPr>
+          </a:p>
+          <a:p>
+            <a:r>
+              <a:rPr lang="es-CL" sz="900">
+                <a:latin typeface="Consolas" panose="020B0609020204030204" pitchFamily="49" charset="0"/>
+                <a:cs typeface="Courier New" panose="02070309020205020404" pitchFamily="49" charset="0"/>
+              </a:rPr>
+              <a:t> </a:t>
+            </a:r>
+            <a:r>
+              <a:rPr lang="es-CL" sz="900" smtClean="0">
+                <a:latin typeface="Consolas" panose="020B0609020204030204" pitchFamily="49" charset="0"/>
+                <a:cs typeface="Courier New" panose="02070309020205020404" pitchFamily="49" charset="0"/>
+              </a:rPr>
+              <a:t>              filter.stats</a:t>
+            </a:r>
+            <a:r>
+              <a:rPr lang="es-CL" sz="900">
+                <a:latin typeface="Consolas" panose="020B0609020204030204" pitchFamily="49" charset="0"/>
+                <a:cs typeface="Courier New" panose="02070309020205020404" pitchFamily="49" charset="0"/>
+              </a:rPr>
+              <a:t>)</a:t>
+            </a:r>
+          </a:p>
+        </p:txBody>
+      </p:sp>
+      <p:sp>
+        <p:nvSpPr>
+          <p:cNvPr id="61" name="Rectángulo 60"/>
+          <p:cNvSpPr/>
+          <p:nvPr/>
+        </p:nvSpPr>
+        <p:spPr>
+          <a:xfrm>
+            <a:off x="2828812" y="2412529"/>
+            <a:ext cx="1043188" cy="576000"/>
+          </a:xfrm>
+          <a:prstGeom prst="rect">
+            <a:avLst/>
+          </a:prstGeom>
+        </p:spPr>
+        <p:style>
+          <a:lnRef idx="2">
+            <a:schemeClr val="accent1"/>
+          </a:lnRef>
+          <a:fillRef idx="1">
+            <a:schemeClr val="lt1"/>
+          </a:fillRef>
+          <a:effectRef idx="0">
+            <a:schemeClr val="accent1"/>
+          </a:effectRef>
+          <a:fontRef idx="minor">
+            <a:schemeClr val="dk1"/>
+          </a:fontRef>
+        </p:style>
+        <p:txBody>
+          <a:bodyPr rtlCol="0" anchor="ctr"/>
+          <a:lstStyle/>
+          <a:p>
+            <a:pPr algn="ctr"/>
+            <a:r>
+              <a:rPr lang="es-CL" sz="1400" smtClean="0">
+                <a:solidFill>
+                  <a:schemeClr val="dk1"/>
+                </a:solidFill>
+              </a:rPr>
+              <a:t>AWD</a:t>
+            </a:r>
+            <a:endParaRPr lang="es-CL" sz="1600" smtClean="0">
+              <a:solidFill>
+                <a:schemeClr val="dk1"/>
+              </a:solidFill>
+            </a:endParaRPr>
+          </a:p>
+          <a:p>
+            <a:pPr algn="ctr"/>
+            <a:r>
+              <a:rPr lang="es-CL" sz="1200" smtClean="0">
+                <a:latin typeface="Courier New" panose="02070309020205020404" pitchFamily="49" charset="0"/>
+                <a:cs typeface="Courier New" panose="02070309020205020404" pitchFamily="49" charset="0"/>
+              </a:rPr>
+              <a:t>{file}</a:t>
+            </a:r>
+            <a:endParaRPr lang="es-419" sz="1200" dirty="0">
+              <a:solidFill>
+                <a:schemeClr val="dk1"/>
+              </a:solidFill>
+              <a:latin typeface="Courier New" panose="02070309020205020404" pitchFamily="49" charset="0"/>
+              <a:cs typeface="Courier New" panose="02070309020205020404" pitchFamily="49" charset="0"/>
+            </a:endParaRPr>
+          </a:p>
+        </p:txBody>
+      </p:sp>
+      <p:cxnSp>
+        <p:nvCxnSpPr>
+          <p:cNvPr id="63" name="Conector recto de flecha 62"/>
+          <p:cNvCxnSpPr>
+            <a:stCxn id="61" idx="0"/>
+            <a:endCxn id="5" idx="2"/>
+          </p:cNvCxnSpPr>
+          <p:nvPr/>
+        </p:nvCxnSpPr>
+        <p:spPr>
+          <a:xfrm flipV="1">
+            <a:off x="3350406" y="2037655"/>
+            <a:ext cx="1" cy="374874"/>
+          </a:xfrm>
+          <a:prstGeom prst="straightConnector1">
+            <a:avLst/>
+          </a:prstGeom>
+          <a:ln w="28575">
             <a:tailEnd type="triangle"/>
           </a:ln>
         </p:spPr>
@@ -12522,11 +14179,7 @@
             </a:r>
             <a:r>
               <a:rPr lang="es-CL" sz="1600" dirty="0" smtClean="0"/>
-              <a:t>porque tiene actualizado los cambios </a:t>
-            </a:r>
-            <a:r>
-              <a:rPr lang="es-CL" sz="1600" dirty="0" smtClean="0"/>
-              <a:t>según el </a:t>
+              <a:t>porque tiene actualizado los cambios según el </a:t>
             </a:r>
             <a:r>
               <a:rPr lang="es-CL" sz="1600" dirty="0" err="1" smtClean="0"/>
@@ -12534,11 +14187,7 @@
             </a:r>
             <a:r>
               <a:rPr lang="es-CL" sz="1600" dirty="0" smtClean="0"/>
-              <a:t> y </a:t>
-            </a:r>
-            <a:r>
-              <a:rPr lang="es-CL" sz="1600" dirty="0" smtClean="0"/>
-              <a:t>se necesita esto en su última versión. Los datos se pintan con el </a:t>
+              <a:t> y se necesita esto en su última versión. Los datos se pintan con el </a:t>
             </a:r>
             <a:r>
               <a:rPr lang="es-CL" sz="1600" b="1" dirty="0" err="1" smtClean="0"/>

--- a/flujo edicion.pptx
+++ b/flujo edicion.pptx
@@ -256,7 +256,7 @@
           <a:p>
             <a:fld id="{E142A079-F624-4F06-8292-7991D53C206B}" type="datetimeFigureOut">
               <a:rPr lang="es-419" smtClean="0"/>
-              <a:t>28/3/2020</a:t>
+              <a:t>8/4/2020</a:t>
             </a:fld>
             <a:endParaRPr lang="es-419"/>
           </a:p>
@@ -426,7 +426,7 @@
           <a:p>
             <a:fld id="{E142A079-F624-4F06-8292-7991D53C206B}" type="datetimeFigureOut">
               <a:rPr lang="es-419" smtClean="0"/>
-              <a:t>28/3/2020</a:t>
+              <a:t>8/4/2020</a:t>
             </a:fld>
             <a:endParaRPr lang="es-419"/>
           </a:p>
@@ -606,7 +606,7 @@
           <a:p>
             <a:fld id="{E142A079-F624-4F06-8292-7991D53C206B}" type="datetimeFigureOut">
               <a:rPr lang="es-419" smtClean="0"/>
-              <a:t>28/3/2020</a:t>
+              <a:t>8/4/2020</a:t>
             </a:fld>
             <a:endParaRPr lang="es-419"/>
           </a:p>
@@ -776,7 +776,7 @@
           <a:p>
             <a:fld id="{E142A079-F624-4F06-8292-7991D53C206B}" type="datetimeFigureOut">
               <a:rPr lang="es-419" smtClean="0"/>
-              <a:t>28/3/2020</a:t>
+              <a:t>8/4/2020</a:t>
             </a:fld>
             <a:endParaRPr lang="es-419"/>
           </a:p>
@@ -1022,7 +1022,7 @@
           <a:p>
             <a:fld id="{E142A079-F624-4F06-8292-7991D53C206B}" type="datetimeFigureOut">
               <a:rPr lang="es-419" smtClean="0"/>
-              <a:t>28/3/2020</a:t>
+              <a:t>8/4/2020</a:t>
             </a:fld>
             <a:endParaRPr lang="es-419"/>
           </a:p>
@@ -1254,7 +1254,7 @@
           <a:p>
             <a:fld id="{E142A079-F624-4F06-8292-7991D53C206B}" type="datetimeFigureOut">
               <a:rPr lang="es-419" smtClean="0"/>
-              <a:t>28/3/2020</a:t>
+              <a:t>8/4/2020</a:t>
             </a:fld>
             <a:endParaRPr lang="es-419"/>
           </a:p>
@@ -1621,7 +1621,7 @@
           <a:p>
             <a:fld id="{E142A079-F624-4F06-8292-7991D53C206B}" type="datetimeFigureOut">
               <a:rPr lang="es-419" smtClean="0"/>
-              <a:t>28/3/2020</a:t>
+              <a:t>8/4/2020</a:t>
             </a:fld>
             <a:endParaRPr lang="es-419"/>
           </a:p>
@@ -1739,7 +1739,7 @@
           <a:p>
             <a:fld id="{E142A079-F624-4F06-8292-7991D53C206B}" type="datetimeFigureOut">
               <a:rPr lang="es-419" smtClean="0"/>
-              <a:t>28/3/2020</a:t>
+              <a:t>8/4/2020</a:t>
             </a:fld>
             <a:endParaRPr lang="es-419"/>
           </a:p>
@@ -1834,7 +1834,7 @@
           <a:p>
             <a:fld id="{E142A079-F624-4F06-8292-7991D53C206B}" type="datetimeFigureOut">
               <a:rPr lang="es-419" smtClean="0"/>
-              <a:t>28/3/2020</a:t>
+              <a:t>8/4/2020</a:t>
             </a:fld>
             <a:endParaRPr lang="es-419"/>
           </a:p>
@@ -2111,7 +2111,7 @@
           <a:p>
             <a:fld id="{E142A079-F624-4F06-8292-7991D53C206B}" type="datetimeFigureOut">
               <a:rPr lang="es-419" smtClean="0"/>
-              <a:t>28/3/2020</a:t>
+              <a:t>8/4/2020</a:t>
             </a:fld>
             <a:endParaRPr lang="es-419"/>
           </a:p>
@@ -2364,7 +2364,7 @@
           <a:p>
             <a:fld id="{E142A079-F624-4F06-8292-7991D53C206B}" type="datetimeFigureOut">
               <a:rPr lang="es-419" smtClean="0"/>
-              <a:t>28/3/2020</a:t>
+              <a:t>8/4/2020</a:t>
             </a:fld>
             <a:endParaRPr lang="es-419"/>
           </a:p>
@@ -2577,7 +2577,7 @@
           <a:p>
             <a:fld id="{E142A079-F624-4F06-8292-7991D53C206B}" type="datetimeFigureOut">
               <a:rPr lang="es-419" smtClean="0"/>
-              <a:t>28/3/2020</a:t>
+              <a:t>8/4/2020</a:t>
             </a:fld>
             <a:endParaRPr lang="es-419"/>
           </a:p>
@@ -11479,12 +11479,6 @@
               </a:rPr>
               <a:t>create</a:t>
             </a:r>
-            <a:r>
-              <a:rPr lang="es-CL" sz="1200" smtClean="0">
-                <a:latin typeface="Consolas" panose="020B0609020204030204" pitchFamily="49" charset="0"/>
-              </a:rPr>
-              <a:t/>
-            </a:r>
             <a:br>
               <a:rPr lang="es-CL" sz="1200" smtClean="0">
                 <a:latin typeface="Consolas" panose="020B0609020204030204" pitchFamily="49" charset="0"/>
@@ -11804,8 +11798,8 @@
         </p:nvSpPr>
         <p:spPr>
           <a:xfrm>
-            <a:off x="180304" y="3765312"/>
-            <a:ext cx="3871757" cy="2893100"/>
+            <a:off x="236463" y="3082355"/>
+            <a:ext cx="4047649" cy="3262432"/>
           </a:xfrm>
           <a:prstGeom prst="rect">
             <a:avLst/>
@@ -11819,79 +11813,58 @@
           <a:lstStyle/>
           <a:p>
             <a:r>
+              <a:rPr lang="es-ES" sz="1400" b="1" smtClean="0"/>
+              <a:t>create.acv</a:t>
+            </a:r>
+            <a:r>
               <a:rPr lang="es-ES" sz="1400" smtClean="0"/>
-              <a:t>El resultado de este proceso es:</a:t>
-            </a:r>
-          </a:p>
-          <a:p>
+              <a:t>: Toma un awd (file), crea la secuencia y calcula el algoritmo minimiter y el estado actigrafico alisado según </a:t>
+            </a:r>
+            <a:r>
+              <a:rPr lang="es-ES" sz="1400" u="sng" smtClean="0"/>
+              <a:t>cambio estado</a:t>
+            </a:r>
+          </a:p>
+          <a:p>
+            <a:endParaRPr lang="es-ES" sz="1400" u="sng"/>
+          </a:p>
+          <a:p>
+            <a:r>
+              <a:rPr lang="es-ES" sz="1400" b="1" smtClean="0"/>
+              <a:t>create.semiper</a:t>
+            </a:r>
             <a:r>
               <a:rPr lang="es-ES" sz="1400" smtClean="0"/>
-              <a:t>4 archivos.</a:t>
-            </a:r>
-          </a:p>
-          <a:p>
-            <a:pPr marL="285750" indent="-285750">
-              <a:buFont typeface="Arial" panose="020B0604020202020204" pitchFamily="34" charset="0"/>
-              <a:buChar char="•"/>
-            </a:pPr>
+              <a:t>: Toma el anterior y divide en trozos según las horas de búsqueda de noche y dia.</a:t>
+            </a:r>
+          </a:p>
+          <a:p>
+            <a:endParaRPr lang="es-ES" sz="1400"/>
+          </a:p>
+          <a:p>
             <a:r>
               <a:rPr lang="es-ES" sz="1400" b="1" smtClean="0"/>
-              <a:t>RDS</a:t>
+              <a:t>create.firstfilter</a:t>
             </a:r>
             <a:r>
               <a:rPr lang="es-ES" sz="1400" smtClean="0"/>
-              <a:t>: de semiperiodos que sirve para hacer el actograma y crear el primer filtro de exclusiones.</a:t>
-            </a:r>
-          </a:p>
-          <a:p>
-            <a:pPr marL="285750" indent="-285750">
-              <a:buFont typeface="Arial" panose="020B0604020202020204" pitchFamily="34" charset="0"/>
-              <a:buChar char="•"/>
-            </a:pPr>
+              <a:t>: Toma el anterior y crea los primeros filtros guarda en RDS, retorna el df filtro</a:t>
+            </a:r>
+          </a:p>
+          <a:p>
+            <a:endParaRPr lang="es-ES" sz="1400"/>
+          </a:p>
+          <a:p>
             <a:r>
               <a:rPr lang="es-ES" sz="1400" b="1" smtClean="0"/>
-              <a:t>TXT</a:t>
+              <a:t>create.acvedit</a:t>
             </a:r>
             <a:r>
               <a:rPr lang="es-ES" sz="1400" smtClean="0"/>
-              <a:t>: en formato (.edit) para manejar las ediciones globales del ACV.</a:t>
-            </a:r>
-          </a:p>
-          <a:p>
-            <a:pPr marL="285750" indent="-285750">
-              <a:buFont typeface="Arial" panose="020B0604020202020204" pitchFamily="34" charset="0"/>
-              <a:buChar char="•"/>
-            </a:pPr>
-            <a:r>
-              <a:rPr lang="es-ES" sz="1400" b="1" smtClean="0"/>
-              <a:t>RDS</a:t>
-            </a:r>
-            <a:r>
-              <a:rPr lang="es-ES" sz="1400" smtClean="0"/>
-              <a:t> y </a:t>
-            </a:r>
-            <a:r>
-              <a:rPr lang="es-ES" sz="1400" b="1" smtClean="0"/>
-              <a:t>TXT</a:t>
-            </a:r>
-            <a:r>
-              <a:rPr lang="es-ES" sz="1400" smtClean="0"/>
-              <a:t> de la versión ACV con los datos del primer filtro que se saca de este proceso. </a:t>
-            </a:r>
-            <a:endParaRPr lang="es-ES" sz="1400" smtClean="0"/>
-          </a:p>
-          <a:p>
-            <a:pPr marL="285750" indent="-285750">
-              <a:buFont typeface="Arial" panose="020B0604020202020204" pitchFamily="34" charset="0"/>
-              <a:buChar char="•"/>
-            </a:pPr>
-            <a:endParaRPr lang="es-ES" sz="1400"/>
-          </a:p>
-          <a:p>
-            <a:pPr marL="285750" indent="-285750">
-              <a:buFont typeface="Arial" panose="020B0604020202020204" pitchFamily="34" charset="0"/>
-              <a:buChar char="•"/>
-            </a:pPr>
+              <a:t>: crea periodos completos combinados (Noc01-Dia01) agrega el filtro y algunas stats.</a:t>
+            </a:r>
+          </a:p>
+          <a:p>
             <a:endParaRPr lang="es-ES" sz="1400" smtClean="0"/>
           </a:p>
           <a:p>
@@ -12274,14 +12247,7 @@
                 <a:latin typeface="Consolas" panose="020B0609020204030204" pitchFamily="49" charset="0"/>
                 <a:cs typeface="Courier New" panose="02070309020205020404" pitchFamily="49" charset="0"/>
               </a:rPr>
-              <a:t>awdfile</a:t>
-            </a:r>
-            <a:r>
-              <a:rPr lang="es-CL" sz="900">
-                <a:latin typeface="Consolas" panose="020B0609020204030204" pitchFamily="49" charset="0"/>
-                <a:cs typeface="Courier New" panose="02070309020205020404" pitchFamily="49" charset="0"/>
-              </a:rPr>
-              <a:t>()</a:t>
+              <a:t>awdfile()</a:t>
             </a:r>
             <a:r>
               <a:rPr lang="es-CL" sz="900" smtClean="0">
@@ -12439,6 +12405,36 @@
           </a:fontRef>
         </p:style>
       </p:cxnSp>
+      <p:sp>
+        <p:nvSpPr>
+          <p:cNvPr id="11" name="CuadroTexto 10"/>
+          <p:cNvSpPr txBox="1"/>
+          <p:nvPr/>
+        </p:nvSpPr>
+        <p:spPr>
+          <a:xfrm>
+            <a:off x="6997458" y="405245"/>
+            <a:ext cx="2857962" cy="369332"/>
+          </a:xfrm>
+          <a:prstGeom prst="rect">
+            <a:avLst/>
+          </a:prstGeom>
+          <a:noFill/>
+        </p:spPr>
+        <p:txBody>
+          <a:bodyPr wrap="none" rtlCol="0">
+            <a:spAutoFit/>
+          </a:bodyPr>
+          <a:lstStyle/>
+          <a:p>
+            <a:r>
+              <a:rPr lang="es-ES" smtClean="0"/>
+              <a:t>Toma AWD crea secuencia y </a:t>
+            </a:r>
+            <a:endParaRPr lang="es-CL"/>
+          </a:p>
+        </p:txBody>
+      </p:sp>
     </p:spTree>
     <p:extLst>
       <p:ext uri="{BB962C8B-B14F-4D97-AF65-F5344CB8AC3E}">

--- a/flujo edicion.pptx
+++ b/flujo edicion.pptx
@@ -256,7 +256,7 @@
           <a:p>
             <a:fld id="{E142A079-F624-4F06-8292-7991D53C206B}" type="datetimeFigureOut">
               <a:rPr lang="es-419" smtClean="0"/>
-              <a:t>8/4/2020</a:t>
+              <a:t>13/4/2020</a:t>
             </a:fld>
             <a:endParaRPr lang="es-419"/>
           </a:p>
@@ -426,7 +426,7 @@
           <a:p>
             <a:fld id="{E142A079-F624-4F06-8292-7991D53C206B}" type="datetimeFigureOut">
               <a:rPr lang="es-419" smtClean="0"/>
-              <a:t>8/4/2020</a:t>
+              <a:t>13/4/2020</a:t>
             </a:fld>
             <a:endParaRPr lang="es-419"/>
           </a:p>
@@ -606,7 +606,7 @@
           <a:p>
             <a:fld id="{E142A079-F624-4F06-8292-7991D53C206B}" type="datetimeFigureOut">
               <a:rPr lang="es-419" smtClean="0"/>
-              <a:t>8/4/2020</a:t>
+              <a:t>13/4/2020</a:t>
             </a:fld>
             <a:endParaRPr lang="es-419"/>
           </a:p>
@@ -776,7 +776,7 @@
           <a:p>
             <a:fld id="{E142A079-F624-4F06-8292-7991D53C206B}" type="datetimeFigureOut">
               <a:rPr lang="es-419" smtClean="0"/>
-              <a:t>8/4/2020</a:t>
+              <a:t>13/4/2020</a:t>
             </a:fld>
             <a:endParaRPr lang="es-419"/>
           </a:p>
@@ -1022,7 +1022,7 @@
           <a:p>
             <a:fld id="{E142A079-F624-4F06-8292-7991D53C206B}" type="datetimeFigureOut">
               <a:rPr lang="es-419" smtClean="0"/>
-              <a:t>8/4/2020</a:t>
+              <a:t>13/4/2020</a:t>
             </a:fld>
             <a:endParaRPr lang="es-419"/>
           </a:p>
@@ -1254,7 +1254,7 @@
           <a:p>
             <a:fld id="{E142A079-F624-4F06-8292-7991D53C206B}" type="datetimeFigureOut">
               <a:rPr lang="es-419" smtClean="0"/>
-              <a:t>8/4/2020</a:t>
+              <a:t>13/4/2020</a:t>
             </a:fld>
             <a:endParaRPr lang="es-419"/>
           </a:p>
@@ -1621,7 +1621,7 @@
           <a:p>
             <a:fld id="{E142A079-F624-4F06-8292-7991D53C206B}" type="datetimeFigureOut">
               <a:rPr lang="es-419" smtClean="0"/>
-              <a:t>8/4/2020</a:t>
+              <a:t>13/4/2020</a:t>
             </a:fld>
             <a:endParaRPr lang="es-419"/>
           </a:p>
@@ -1739,7 +1739,7 @@
           <a:p>
             <a:fld id="{E142A079-F624-4F06-8292-7991D53C206B}" type="datetimeFigureOut">
               <a:rPr lang="es-419" smtClean="0"/>
-              <a:t>8/4/2020</a:t>
+              <a:t>13/4/2020</a:t>
             </a:fld>
             <a:endParaRPr lang="es-419"/>
           </a:p>
@@ -1834,7 +1834,7 @@
           <a:p>
             <a:fld id="{E142A079-F624-4F06-8292-7991D53C206B}" type="datetimeFigureOut">
               <a:rPr lang="es-419" smtClean="0"/>
-              <a:t>8/4/2020</a:t>
+              <a:t>13/4/2020</a:t>
             </a:fld>
             <a:endParaRPr lang="es-419"/>
           </a:p>
@@ -2111,7 +2111,7 @@
           <a:p>
             <a:fld id="{E142A079-F624-4F06-8292-7991D53C206B}" type="datetimeFigureOut">
               <a:rPr lang="es-419" smtClean="0"/>
-              <a:t>8/4/2020</a:t>
+              <a:t>13/4/2020</a:t>
             </a:fld>
             <a:endParaRPr lang="es-419"/>
           </a:p>
@@ -2364,7 +2364,7 @@
           <a:p>
             <a:fld id="{E142A079-F624-4F06-8292-7991D53C206B}" type="datetimeFigureOut">
               <a:rPr lang="es-419" smtClean="0"/>
-              <a:t>8/4/2020</a:t>
+              <a:t>13/4/2020</a:t>
             </a:fld>
             <a:endParaRPr lang="es-419"/>
           </a:p>
@@ -2577,7 +2577,7 @@
           <a:p>
             <a:fld id="{E142A079-F624-4F06-8292-7991D53C206B}" type="datetimeFigureOut">
               <a:rPr lang="es-419" smtClean="0"/>
-              <a:t>8/4/2020</a:t>
+              <a:t>13/4/2020</a:t>
             </a:fld>
             <a:endParaRPr lang="es-419"/>
           </a:p>
@@ -8094,7 +8094,7 @@
         <p:spPr>
           <a:xfrm>
             <a:off x="180304" y="180304"/>
-            <a:ext cx="10170541" cy="954107"/>
+            <a:ext cx="6350585" cy="954107"/>
           </a:xfrm>
           <a:prstGeom prst="rect">
             <a:avLst/>
@@ -8126,23 +8126,46 @@
           </a:p>
           <a:p>
             <a:r>
-              <a:rPr lang="es-CL" sz="1600" dirty="0" smtClean="0"/>
-              <a:t>Desde que se inicia el programa esta es más menos el </a:t>
-            </a:r>
-            <a:r>
-              <a:rPr lang="es-CL" sz="1600" dirty="0" err="1" smtClean="0"/>
-              <a:t>interLink</a:t>
-            </a:r>
-            <a:r>
-              <a:rPr lang="es-CL" sz="1600" dirty="0" smtClean="0"/>
+              <a:rPr lang="es-ES" sz="1600" smtClean="0"/>
+              <a:t>Está rarísimo lo de los colores y entenderlo, como sea no está complicado.</a:t>
+            </a:r>
+            <a:endParaRPr lang="es-CL" sz="1600" dirty="0" smtClean="0"/>
+          </a:p>
+          <a:p>
+            <a:r>
+              <a:rPr lang="es-ES" sz="1600" smtClean="0"/>
+              <a:t>El </a:t>
+            </a:r>
+            <a:r>
+              <a:rPr lang="es-ES" sz="1600" smtClean="0">
+                <a:solidFill>
+                  <a:srgbClr val="FF0000"/>
+                </a:solidFill>
+              </a:rPr>
+              <a:t>terminado </a:t>
+            </a:r>
+            <a:r>
+              <a:rPr lang="es-ES" sz="1600" smtClean="0"/>
+              <a:t>es un file que se debe leer y capturar en </a:t>
+            </a:r>
+            <a:r>
+              <a:rPr lang="es-ES" sz="1600" smtClean="0">
+                <a:effectLst>
+                  <a:outerShdw blurRad="38100" dist="38100" dir="2700000" algn="tl">
+                    <a:srgbClr val="000000">
+                      <a:alpha val="43137"/>
+                    </a:srgbClr>
+                  </a:outerShdw>
+                </a:effectLst>
+                <a:latin typeface="Consolas" panose="020B0609020204030204" pitchFamily="49" charset="0"/>
+              </a:rPr>
+              <a:t>subjectDF()</a:t>
+            </a:r>
+            <a:r>
+              <a:rPr lang="es-ES" sz="1600" smtClean="0"/>
               <a:t>.</a:t>
             </a:r>
-          </a:p>
-          <a:p>
-            <a:r>
-              <a:rPr lang="es-CL" sz="1600" dirty="0" smtClean="0"/>
-              <a:t>La idea es detectar que está en edición, sin procesar, terminado y poder seleccionar a ese sujeto en la siguiente pestaña </a:t>
-            </a:r>
+            <a:endParaRPr lang="es-CL" sz="1600" dirty="0" smtClean="0"/>
           </a:p>
         </p:txBody>
       </p:sp>
@@ -9840,6 +9863,48 @@
           </a:fontRef>
         </p:style>
       </p:cxnSp>
+      <p:sp>
+        <p:nvSpPr>
+          <p:cNvPr id="2" name="Elipse 1"/>
+          <p:cNvSpPr/>
+          <p:nvPr/>
+        </p:nvSpPr>
+        <p:spPr>
+          <a:xfrm>
+            <a:off x="3514190" y="4007859"/>
+            <a:ext cx="270340" cy="277428"/>
+          </a:xfrm>
+          <a:prstGeom prst="ellipse">
+            <a:avLst/>
+          </a:prstGeom>
+        </p:spPr>
+        <p:style>
+          <a:lnRef idx="2">
+            <a:schemeClr val="accent2"/>
+          </a:lnRef>
+          <a:fillRef idx="1">
+            <a:schemeClr val="lt1"/>
+          </a:fillRef>
+          <a:effectRef idx="0">
+            <a:schemeClr val="accent2"/>
+          </a:effectRef>
+          <a:fontRef idx="minor">
+            <a:schemeClr val="dk1"/>
+          </a:fontRef>
+        </p:style>
+        <p:txBody>
+          <a:bodyPr rtlCol="0" anchor="ctr"/>
+          <a:lstStyle/>
+          <a:p>
+            <a:pPr algn="ctr"/>
+            <a:r>
+              <a:rPr lang="es-ES" smtClean="0"/>
+              <a:t>1</a:t>
+            </a:r>
+            <a:endParaRPr lang="es-CL"/>
+          </a:p>
+        </p:txBody>
+      </p:sp>
     </p:spTree>
     <p:extLst>
       <p:ext uri="{BB962C8B-B14F-4D97-AF65-F5344CB8AC3E}">
